--- a/Chức năng đăng nhập, đăng ký  User trong WORDPRESS.pptx
+++ b/Chức năng đăng nhập, đăng ký  User trong WORDPRESS.pptx
@@ -12,8 +12,8 @@
     <p:sldId id="260" r:id="rId6"/>
     <p:sldId id="261" r:id="rId7"/>
     <p:sldId id="272" r:id="rId8"/>
-    <p:sldId id="262" r:id="rId9"/>
-    <p:sldId id="263" r:id="rId10"/>
+    <p:sldId id="263" r:id="rId9"/>
+    <p:sldId id="262" r:id="rId10"/>
     <p:sldId id="264" r:id="rId11"/>
     <p:sldId id="265" r:id="rId12"/>
     <p:sldId id="266" r:id="rId13"/>
@@ -297,7 +297,7 @@
           <a:p>
             <a:fld id="{50363FAE-F97B-4BFC-BAFE-2D13600C511B}" type="datetimeFigureOut">
               <a:rPr lang="en-US" smtClean="0"/>
-              <a:t>04/10/2024</a:t>
+              <a:t>13/10/2024</a:t>
             </a:fld>
             <a:endParaRPr lang="en-US"/>
           </a:p>
@@ -495,7 +495,7 @@
           <a:p>
             <a:fld id="{50363FAE-F97B-4BFC-BAFE-2D13600C511B}" type="datetimeFigureOut">
               <a:rPr lang="en-US" smtClean="0"/>
-              <a:t>04/10/2024</a:t>
+              <a:t>13/10/2024</a:t>
             </a:fld>
             <a:endParaRPr lang="en-US"/>
           </a:p>
@@ -703,7 +703,7 @@
           <a:p>
             <a:fld id="{50363FAE-F97B-4BFC-BAFE-2D13600C511B}" type="datetimeFigureOut">
               <a:rPr lang="en-US" smtClean="0"/>
-              <a:t>04/10/2024</a:t>
+              <a:t>13/10/2024</a:t>
             </a:fld>
             <a:endParaRPr lang="en-US"/>
           </a:p>
@@ -901,7 +901,7 @@
           <a:p>
             <a:fld id="{50363FAE-F97B-4BFC-BAFE-2D13600C511B}" type="datetimeFigureOut">
               <a:rPr lang="en-US" smtClean="0"/>
-              <a:t>04/10/2024</a:t>
+              <a:t>13/10/2024</a:t>
             </a:fld>
             <a:endParaRPr lang="en-US"/>
           </a:p>
@@ -1176,7 +1176,7 @@
           <a:p>
             <a:fld id="{50363FAE-F97B-4BFC-BAFE-2D13600C511B}" type="datetimeFigureOut">
               <a:rPr lang="en-US" smtClean="0"/>
-              <a:t>04/10/2024</a:t>
+              <a:t>13/10/2024</a:t>
             </a:fld>
             <a:endParaRPr lang="en-US"/>
           </a:p>
@@ -1441,7 +1441,7 @@
           <a:p>
             <a:fld id="{50363FAE-F97B-4BFC-BAFE-2D13600C511B}" type="datetimeFigureOut">
               <a:rPr lang="en-US" smtClean="0"/>
-              <a:t>04/10/2024</a:t>
+              <a:t>13/10/2024</a:t>
             </a:fld>
             <a:endParaRPr lang="en-US"/>
           </a:p>
@@ -1853,7 +1853,7 @@
           <a:p>
             <a:fld id="{50363FAE-F97B-4BFC-BAFE-2D13600C511B}" type="datetimeFigureOut">
               <a:rPr lang="en-US" smtClean="0"/>
-              <a:t>04/10/2024</a:t>
+              <a:t>13/10/2024</a:t>
             </a:fld>
             <a:endParaRPr lang="en-US"/>
           </a:p>
@@ -1994,7 +1994,7 @@
           <a:p>
             <a:fld id="{50363FAE-F97B-4BFC-BAFE-2D13600C511B}" type="datetimeFigureOut">
               <a:rPr lang="en-US" smtClean="0"/>
-              <a:t>04/10/2024</a:t>
+              <a:t>13/10/2024</a:t>
             </a:fld>
             <a:endParaRPr lang="en-US"/>
           </a:p>
@@ -2107,7 +2107,7 @@
           <a:p>
             <a:fld id="{50363FAE-F97B-4BFC-BAFE-2D13600C511B}" type="datetimeFigureOut">
               <a:rPr lang="en-US" smtClean="0"/>
-              <a:t>04/10/2024</a:t>
+              <a:t>13/10/2024</a:t>
             </a:fld>
             <a:endParaRPr lang="en-US"/>
           </a:p>
@@ -2418,7 +2418,7 @@
           <a:p>
             <a:fld id="{50363FAE-F97B-4BFC-BAFE-2D13600C511B}" type="datetimeFigureOut">
               <a:rPr lang="en-US" smtClean="0"/>
-              <a:t>04/10/2024</a:t>
+              <a:t>13/10/2024</a:t>
             </a:fld>
             <a:endParaRPr lang="en-US"/>
           </a:p>
@@ -2706,7 +2706,7 @@
           <a:p>
             <a:fld id="{50363FAE-F97B-4BFC-BAFE-2D13600C511B}" type="datetimeFigureOut">
               <a:rPr lang="en-US" smtClean="0"/>
-              <a:t>04/10/2024</a:t>
+              <a:t>13/10/2024</a:t>
             </a:fld>
             <a:endParaRPr lang="en-US"/>
           </a:p>
@@ -2947,7 +2947,7 @@
           <a:p>
             <a:fld id="{50363FAE-F97B-4BFC-BAFE-2D13600C511B}" type="datetimeFigureOut">
               <a:rPr lang="en-US" smtClean="0"/>
-              <a:t>04/10/2024</a:t>
+              <a:t>13/10/2024</a:t>
             </a:fld>
             <a:endParaRPr lang="en-US"/>
           </a:p>
@@ -3383,14 +3383,74 @@
         <p:spPr>
           <a:xfrm>
             <a:off x="0" y="0"/>
-            <a:ext cx="12192000" cy="1917577"/>
-          </a:xfrm>
-        </p:spPr>
-        <p:txBody>
-          <a:bodyPr/>
-          <a:lstStyle/>
-          <a:p>
-            <a:endParaRPr lang="en-US"/>
+            <a:ext cx="11658600" cy="2091806"/>
+          </a:xfrm>
+        </p:spPr>
+        <p:txBody>
+          <a:bodyPr/>
+          <a:lstStyle/>
+          <a:p>
+            <a:r>
+              <a:rPr lang="en-US" dirty="0" err="1" smtClean="0"/>
+              <a:t>Chức</a:t>
+            </a:r>
+            <a:r>
+              <a:rPr lang="en-US" dirty="0" smtClean="0"/>
+              <a:t> </a:t>
+            </a:r>
+            <a:r>
+              <a:rPr lang="en-US" dirty="0" err="1" smtClean="0"/>
+              <a:t>năng</a:t>
+            </a:r>
+            <a:r>
+              <a:rPr lang="en-US" dirty="0" smtClean="0"/>
+              <a:t> </a:t>
+            </a:r>
+            <a:r>
+              <a:rPr lang="en-US" dirty="0" err="1" smtClean="0"/>
+              <a:t>đăng</a:t>
+            </a:r>
+            <a:r>
+              <a:rPr lang="en-US" dirty="0" smtClean="0"/>
+              <a:t> </a:t>
+            </a:r>
+            <a:r>
+              <a:rPr lang="en-US" dirty="0" err="1" smtClean="0"/>
+              <a:t>ký</a:t>
+            </a:r>
+            <a:r>
+              <a:rPr lang="en-US" dirty="0" smtClean="0"/>
+              <a:t> </a:t>
+            </a:r>
+            <a:r>
+              <a:rPr lang="en-US" dirty="0" err="1" smtClean="0"/>
+              <a:t>đăng</a:t>
+            </a:r>
+            <a:r>
+              <a:rPr lang="en-US" dirty="0" smtClean="0"/>
+              <a:t> </a:t>
+            </a:r>
+            <a:r>
+              <a:rPr lang="en-US" dirty="0" err="1" smtClean="0"/>
+              <a:t>nhập</a:t>
+            </a:r>
+            <a:r>
+              <a:rPr lang="en-US" dirty="0" smtClean="0"/>
+              <a:t> </a:t>
+            </a:r>
+            <a:r>
+              <a:rPr lang="en-US" dirty="0" err="1" smtClean="0"/>
+              <a:t>trong</a:t>
+            </a:r>
+            <a:r>
+              <a:rPr lang="en-US" dirty="0" smtClean="0"/>
+              <a:t> </a:t>
+            </a:r>
+            <a:r>
+              <a:rPr lang="en-US" dirty="0" err="1" smtClean="0"/>
+              <a:t>WooCommer</a:t>
+            </a:r>
+            <a:endParaRPr lang="en-US" dirty="0"/>
           </a:p>
         </p:txBody>
       </p:sp>
@@ -3526,9 +3586,52 @@
           <a:lstStyle/>
           <a:p>
             <a:r>
-              <a:rPr lang="en-US"/>
-              <a:t>Cần cài đặt trong woocommer</a:t>
-            </a:r>
+              <a:rPr lang="en-US" dirty="0" smtClean="0"/>
+              <a:t>====</a:t>
+            </a:r>
+            <a:r>
+              <a:rPr lang="en-US" dirty="0" smtClean="0">
+                <a:sym typeface="Wingdings" panose="05000000000000000000" pitchFamily="2" charset="2"/>
+              </a:rPr>
+              <a:t> </a:t>
+            </a:r>
+            <a:r>
+              <a:rPr lang="en-US" dirty="0" err="1" smtClean="0"/>
+              <a:t>Cần</a:t>
+            </a:r>
+            <a:r>
+              <a:rPr lang="en-US" dirty="0" smtClean="0"/>
+              <a:t> </a:t>
+            </a:r>
+            <a:r>
+              <a:rPr lang="en-US" dirty="0" err="1"/>
+              <a:t>cài</a:t>
+            </a:r>
+            <a:r>
+              <a:rPr lang="en-US" dirty="0"/>
+              <a:t> </a:t>
+            </a:r>
+            <a:r>
+              <a:rPr lang="en-US" dirty="0" err="1"/>
+              <a:t>đặt</a:t>
+            </a:r>
+            <a:r>
+              <a:rPr lang="en-US" dirty="0"/>
+              <a:t> </a:t>
+            </a:r>
+            <a:r>
+              <a:rPr lang="en-US" dirty="0" err="1"/>
+              <a:t>trong</a:t>
+            </a:r>
+            <a:r>
+              <a:rPr lang="en-US" dirty="0"/>
+              <a:t> </a:t>
+            </a:r>
+            <a:r>
+              <a:rPr lang="en-US" dirty="0" err="1"/>
+              <a:t>woocommer</a:t>
+            </a:r>
+            <a:endParaRPr lang="en-US" dirty="0"/>
           </a:p>
         </p:txBody>
       </p:sp>
@@ -3657,7 +3760,7 @@
         </p:blipFill>
         <p:spPr>
           <a:xfrm>
-            <a:off x="3721488" y="1487963"/>
+            <a:off x="3769477" y="1487963"/>
             <a:ext cx="3648584" cy="2905530"/>
           </a:xfrm>
           <a:prstGeom prst="rect">
@@ -3679,7 +3782,7 @@
         </p:nvSpPr>
         <p:spPr>
           <a:xfrm>
-            <a:off x="346229" y="4740676"/>
+            <a:off x="362277" y="5299769"/>
             <a:ext cx="4199138" cy="369332"/>
           </a:xfrm>
           <a:prstGeom prst="rect">
@@ -3722,7 +3825,7 @@
         </p:blipFill>
         <p:spPr>
           <a:xfrm>
-            <a:off x="8565043" y="1559168"/>
+            <a:off x="8565043" y="1580104"/>
             <a:ext cx="3490834" cy="2248214"/>
           </a:xfrm>
           <a:prstGeom prst="rect">
@@ -3747,8 +3850,41 @@
         </p:nvCxnSpPr>
         <p:spPr>
           <a:xfrm>
-            <a:off x="7370072" y="2683275"/>
+            <a:off x="7370072" y="2704211"/>
             <a:ext cx="1194971" cy="0"/>
+          </a:xfrm>
+          <a:prstGeom prst="straightConnector1">
+            <a:avLst/>
+          </a:prstGeom>
+          <a:ln>
+            <a:tailEnd type="triangle"/>
+          </a:ln>
+        </p:spPr>
+        <p:style>
+          <a:lnRef idx="1">
+            <a:schemeClr val="dk1"/>
+          </a:lnRef>
+          <a:fillRef idx="0">
+            <a:schemeClr val="dk1"/>
+          </a:fillRef>
+          <a:effectRef idx="0">
+            <a:schemeClr val="dk1"/>
+          </a:effectRef>
+          <a:fontRef idx="minor">
+            <a:schemeClr val="tx1"/>
+          </a:fontRef>
+        </p:style>
+      </p:cxnSp>
+      <p:cxnSp>
+        <p:nvCxnSpPr>
+          <p:cNvPr id="8" name="Straight Arrow Connector 7"/>
+          <p:cNvCxnSpPr/>
+          <p:nvPr/>
+        </p:nvCxnSpPr>
+        <p:spPr>
+          <a:xfrm flipV="1">
+            <a:off x="2461846" y="2567354"/>
+            <a:ext cx="1406769" cy="8792"/>
           </a:xfrm>
           <a:prstGeom prst="straightConnector1">
             <a:avLst/>
@@ -5302,7 +5438,7 @@
         </p:nvSpPr>
         <p:spPr>
           <a:xfrm>
-            <a:off x="527482" y="125429"/>
+            <a:off x="404390" y="1004660"/>
             <a:ext cx="10515600" cy="948769"/>
           </a:xfrm>
         </p:spPr>
@@ -5313,47 +5449,126 @@
           <a:lstStyle/>
           <a:p>
             <a:r>
-              <a:rPr lang="en-US"/>
-              <a:t>Tắt bỏ tính năng này để ko thanh toán đc khi ch</a:t>
-            </a:r>
-            <a:r>
-              <a:rPr lang="vi-VN"/>
+              <a:rPr lang="en-US" dirty="0" err="1"/>
+              <a:t>Tắt</a:t>
+            </a:r>
+            <a:r>
+              <a:rPr lang="en-US" dirty="0"/>
+              <a:t> </a:t>
+            </a:r>
+            <a:r>
+              <a:rPr lang="en-US" dirty="0" err="1"/>
+              <a:t>bỏ</a:t>
+            </a:r>
+            <a:r>
+              <a:rPr lang="en-US" dirty="0"/>
+              <a:t> </a:t>
+            </a:r>
+            <a:r>
+              <a:rPr lang="en-US" dirty="0" err="1"/>
+              <a:t>tính</a:t>
+            </a:r>
+            <a:r>
+              <a:rPr lang="en-US" dirty="0"/>
+              <a:t> </a:t>
+            </a:r>
+            <a:r>
+              <a:rPr lang="en-US" dirty="0" err="1"/>
+              <a:t>năng</a:t>
+            </a:r>
+            <a:r>
+              <a:rPr lang="en-US" dirty="0"/>
+              <a:t> </a:t>
+            </a:r>
+            <a:r>
+              <a:rPr lang="en-US" dirty="0" err="1"/>
+              <a:t>này</a:t>
+            </a:r>
+            <a:r>
+              <a:rPr lang="en-US" dirty="0"/>
+              <a:t> </a:t>
+            </a:r>
+            <a:r>
+              <a:rPr lang="en-US" dirty="0" err="1"/>
+              <a:t>để</a:t>
+            </a:r>
+            <a:r>
+              <a:rPr lang="en-US" dirty="0"/>
+              <a:t> </a:t>
+            </a:r>
+            <a:r>
+              <a:rPr lang="en-US" dirty="0" err="1"/>
+              <a:t>ko</a:t>
+            </a:r>
+            <a:r>
+              <a:rPr lang="en-US" dirty="0"/>
+              <a:t> </a:t>
+            </a:r>
+            <a:r>
+              <a:rPr lang="en-US" dirty="0" err="1"/>
+              <a:t>thanh</a:t>
+            </a:r>
+            <a:r>
+              <a:rPr lang="en-US" dirty="0"/>
+              <a:t> </a:t>
+            </a:r>
+            <a:r>
+              <a:rPr lang="en-US" dirty="0" err="1"/>
+              <a:t>toán</a:t>
+            </a:r>
+            <a:r>
+              <a:rPr lang="en-US" dirty="0"/>
+              <a:t> </a:t>
+            </a:r>
+            <a:r>
+              <a:rPr lang="en-US" dirty="0" err="1"/>
+              <a:t>đc</a:t>
+            </a:r>
+            <a:r>
+              <a:rPr lang="en-US" dirty="0"/>
+              <a:t> </a:t>
+            </a:r>
+            <a:r>
+              <a:rPr lang="en-US" dirty="0" err="1"/>
+              <a:t>khi</a:t>
+            </a:r>
+            <a:r>
+              <a:rPr lang="en-US" dirty="0"/>
+              <a:t> </a:t>
+            </a:r>
+            <a:r>
+              <a:rPr lang="en-US" dirty="0" err="1"/>
+              <a:t>ch</a:t>
+            </a:r>
+            <a:r>
+              <a:rPr lang="vi-VN" dirty="0"/>
               <a:t>ư</a:t>
             </a:r>
             <a:r>
-              <a:rPr lang="en-US"/>
-              <a:t>a có tài khoản</a:t>
-            </a:r>
-          </a:p>
-        </p:txBody>
-      </p:sp>
-      <p:sp>
-        <p:nvSpPr>
-          <p:cNvPr id="3" name="Content Placeholder 2">
-            <a:extLst>
-              <a:ext uri="{FF2B5EF4-FFF2-40B4-BE49-F238E27FC236}">
-                <a16:creationId xmlns:a16="http://schemas.microsoft.com/office/drawing/2014/main" id="{B6076056-810E-4BD0-9A68-C174915510CC}"/>
-              </a:ext>
-            </a:extLst>
-          </p:cNvPr>
-          <p:cNvSpPr>
-            <a:spLocks noGrp="1"/>
-          </p:cNvSpPr>
-          <p:nvPr>
-            <p:ph idx="1"/>
-          </p:nvPr>
-        </p:nvSpPr>
-        <p:spPr>
-          <a:xfrm>
-            <a:off x="310718" y="1825625"/>
-            <a:ext cx="11043082" cy="4351338"/>
-          </a:xfrm>
-        </p:spPr>
-        <p:txBody>
-          <a:bodyPr/>
-          <a:lstStyle/>
-          <a:p>
-            <a:endParaRPr lang="en-US"/>
+              <a:rPr lang="en-US" dirty="0"/>
+              <a:t>a </a:t>
+            </a:r>
+            <a:r>
+              <a:rPr lang="en-US" dirty="0" err="1"/>
+              <a:t>có</a:t>
+            </a:r>
+            <a:r>
+              <a:rPr lang="en-US" dirty="0"/>
+              <a:t> </a:t>
+            </a:r>
+            <a:r>
+              <a:rPr lang="en-US" dirty="0" err="1"/>
+              <a:t>tài</a:t>
+            </a:r>
+            <a:r>
+              <a:rPr lang="en-US" dirty="0"/>
+              <a:t> </a:t>
+            </a:r>
+            <a:r>
+              <a:rPr lang="en-US" dirty="0" err="1"/>
+              <a:t>khoản</a:t>
+            </a:r>
+            <a:endParaRPr lang="en-US" dirty="0"/>
           </a:p>
         </p:txBody>
       </p:sp>
@@ -5379,7 +5594,7 @@
         </p:blipFill>
         <p:spPr>
           <a:xfrm>
-            <a:off x="838200" y="1825625"/>
+            <a:off x="574431" y="2449878"/>
             <a:ext cx="5925377" cy="1171739"/>
           </a:xfrm>
           <a:prstGeom prst="rect">
@@ -6953,31 +7168,6 @@
           </a:p>
         </p:txBody>
       </p:sp>
-      <p:sp>
-        <p:nvSpPr>
-          <p:cNvPr id="3" name="Content Placeholder 2">
-            <a:extLst>
-              <a:ext uri="{FF2B5EF4-FFF2-40B4-BE49-F238E27FC236}">
-                <a16:creationId xmlns:a16="http://schemas.microsoft.com/office/drawing/2014/main" id="{34C64F6A-C1A2-4003-BC38-3B171B225E10}"/>
-              </a:ext>
-            </a:extLst>
-          </p:cNvPr>
-          <p:cNvSpPr>
-            <a:spLocks noGrp="1"/>
-          </p:cNvSpPr>
-          <p:nvPr>
-            <p:ph idx="1"/>
-          </p:nvPr>
-        </p:nvSpPr>
-        <p:spPr/>
-        <p:txBody>
-          <a:bodyPr/>
-          <a:lstStyle/>
-          <a:p>
-            <a:endParaRPr lang="en-US"/>
-          </a:p>
-        </p:txBody>
-      </p:sp>
       <p:pic>
         <p:nvPicPr>
           <p:cNvPr id="4" name="Picture 3">
@@ -7000,7 +7190,7 @@
         </p:blipFill>
         <p:spPr>
           <a:xfrm>
-            <a:off x="664320" y="1791186"/>
+            <a:off x="646736" y="1659301"/>
             <a:ext cx="7649643" cy="2210108"/>
           </a:xfrm>
           <a:prstGeom prst="rect">
@@ -8063,18 +8253,61 @@
         </p:nvSpPr>
         <p:spPr>
           <a:xfrm>
-            <a:off x="0" y="0"/>
-            <a:ext cx="12192000" cy="1154097"/>
-          </a:xfrm>
-        </p:spPr>
-        <p:txBody>
-          <a:bodyPr/>
-          <a:lstStyle/>
-          <a:p>
-            <a:r>
-              <a:rPr lang="en-US"/>
-              <a:t>Chức năng đăng nhập tài khoản</a:t>
-            </a:r>
+            <a:off x="647815" y="1404224"/>
+            <a:ext cx="7130562" cy="668215"/>
+          </a:xfrm>
+        </p:spPr>
+        <p:txBody>
+          <a:bodyPr>
+            <a:normAutofit fontScale="90000"/>
+          </a:bodyPr>
+          <a:lstStyle/>
+          <a:p>
+            <a:r>
+              <a:rPr lang="en-US" dirty="0" err="1"/>
+              <a:t>Chức</a:t>
+            </a:r>
+            <a:r>
+              <a:rPr lang="en-US" dirty="0"/>
+              <a:t> </a:t>
+            </a:r>
+            <a:r>
+              <a:rPr lang="en-US" dirty="0" err="1"/>
+              <a:t>năng</a:t>
+            </a:r>
+            <a:r>
+              <a:rPr lang="en-US" dirty="0"/>
+              <a:t> </a:t>
+            </a:r>
+            <a:r>
+              <a:rPr lang="en-US" dirty="0" err="1"/>
+              <a:t>đăng</a:t>
+            </a:r>
+            <a:r>
+              <a:rPr lang="en-US" dirty="0"/>
+              <a:t> </a:t>
+            </a:r>
+            <a:r>
+              <a:rPr lang="en-US" dirty="0" err="1"/>
+              <a:t>nhập</a:t>
+            </a:r>
+            <a:r>
+              <a:rPr lang="en-US" dirty="0"/>
+              <a:t> </a:t>
+            </a:r>
+            <a:r>
+              <a:rPr lang="en-US" dirty="0" err="1"/>
+              <a:t>tài</a:t>
+            </a:r>
+            <a:r>
+              <a:rPr lang="en-US" dirty="0"/>
+              <a:t> </a:t>
+            </a:r>
+            <a:r>
+              <a:rPr lang="en-US" dirty="0" err="1"/>
+              <a:t>khoản</a:t>
+            </a:r>
+            <a:endParaRPr lang="en-US" dirty="0"/>
           </a:p>
         </p:txBody>
       </p:sp>
@@ -8096,17 +8329,29 @@
         </p:nvSpPr>
         <p:spPr>
           <a:xfrm>
-            <a:off x="832253" y="1154097"/>
-            <a:ext cx="4669656" cy="843377"/>
-          </a:xfrm>
-        </p:spPr>
-        <p:txBody>
-          <a:bodyPr/>
-          <a:lstStyle/>
-          <a:p>
-            <a:r>
-              <a:rPr lang="en-US"/>
-              <a:t>Cài thêm Plugin </a:t>
+            <a:off x="655582" y="2418341"/>
+            <a:ext cx="4669656" cy="534026"/>
+          </a:xfrm>
+        </p:spPr>
+        <p:txBody>
+          <a:bodyPr/>
+          <a:lstStyle/>
+          <a:p>
+            <a:r>
+              <a:rPr lang="en-US" dirty="0" err="1"/>
+              <a:t>Cài</a:t>
+            </a:r>
+            <a:r>
+              <a:rPr lang="en-US" dirty="0"/>
+              <a:t> </a:t>
+            </a:r>
+            <a:r>
+              <a:rPr lang="en-US" dirty="0" err="1"/>
+              <a:t>thêm</a:t>
+            </a:r>
+            <a:r>
+              <a:rPr lang="en-US" dirty="0"/>
+              <a:t> Plugin </a:t>
             </a:r>
           </a:p>
         </p:txBody>
@@ -8133,7 +8378,7 @@
         </p:blipFill>
         <p:spPr>
           <a:xfrm>
-            <a:off x="5919157" y="1154097"/>
+            <a:off x="655582" y="3130609"/>
             <a:ext cx="5715798" cy="2172003"/>
           </a:xfrm>
           <a:prstGeom prst="rect">
@@ -8155,7 +8400,7 @@
         </p:nvSpPr>
         <p:spPr>
           <a:xfrm>
-            <a:off x="6001305" y="3666478"/>
+            <a:off x="655582" y="5647241"/>
             <a:ext cx="5715798" cy="369332"/>
           </a:xfrm>
           <a:prstGeom prst="rect">
@@ -8170,8 +8415,161 @@
           <a:lstStyle/>
           <a:p>
             <a:r>
-              <a:rPr lang="en-US"/>
-              <a:t>Plugin tạo trang đăng ký và đăng nhập.</a:t>
+              <a:rPr lang="en-US" dirty="0"/>
+              <a:t>Plugin </a:t>
+            </a:r>
+            <a:r>
+              <a:rPr lang="en-US" dirty="0" err="1"/>
+              <a:t>tạo</a:t>
+            </a:r>
+            <a:r>
+              <a:rPr lang="en-US" dirty="0"/>
+              <a:t> </a:t>
+            </a:r>
+            <a:r>
+              <a:rPr lang="en-US" dirty="0" err="1"/>
+              <a:t>trang</a:t>
+            </a:r>
+            <a:r>
+              <a:rPr lang="en-US" dirty="0"/>
+              <a:t> </a:t>
+            </a:r>
+            <a:r>
+              <a:rPr lang="en-US" dirty="0" err="1"/>
+              <a:t>đăng</a:t>
+            </a:r>
+            <a:r>
+              <a:rPr lang="en-US" dirty="0"/>
+              <a:t> </a:t>
+            </a:r>
+            <a:r>
+              <a:rPr lang="en-US" dirty="0" err="1"/>
+              <a:t>ký</a:t>
+            </a:r>
+            <a:r>
+              <a:rPr lang="en-US" dirty="0"/>
+              <a:t> </a:t>
+            </a:r>
+            <a:r>
+              <a:rPr lang="en-US" dirty="0" err="1"/>
+              <a:t>và</a:t>
+            </a:r>
+            <a:r>
+              <a:rPr lang="en-US" dirty="0"/>
+              <a:t> </a:t>
+            </a:r>
+            <a:r>
+              <a:rPr lang="en-US" dirty="0" err="1"/>
+              <a:t>đăng</a:t>
+            </a:r>
+            <a:r>
+              <a:rPr lang="en-US" dirty="0"/>
+              <a:t> </a:t>
+            </a:r>
+            <a:r>
+              <a:rPr lang="en-US" dirty="0" err="1"/>
+              <a:t>nhập</a:t>
+            </a:r>
+            <a:r>
+              <a:rPr lang="en-US" dirty="0"/>
+              <a:t>.</a:t>
+            </a:r>
+          </a:p>
+        </p:txBody>
+      </p:sp>
+      <p:sp>
+        <p:nvSpPr>
+          <p:cNvPr id="6" name="TextBox 5"/>
+          <p:cNvSpPr txBox="1"/>
+          <p:nvPr/>
+        </p:nvSpPr>
+        <p:spPr>
+          <a:xfrm>
+            <a:off x="743975" y="321141"/>
+            <a:ext cx="4492869" cy="369332"/>
+          </a:xfrm>
+          <a:prstGeom prst="rect">
+            <a:avLst/>
+          </a:prstGeom>
+          <a:noFill/>
+        </p:spPr>
+        <p:txBody>
+          <a:bodyPr wrap="square" rtlCol="0">
+            <a:spAutoFit/>
+          </a:bodyPr>
+          <a:lstStyle/>
+          <a:p>
+            <a:r>
+              <a:rPr lang="en-US" dirty="0" err="1" smtClean="0"/>
+              <a:t>Trong</a:t>
+            </a:r>
+            <a:r>
+              <a:rPr lang="en-US" dirty="0" smtClean="0"/>
+              <a:t> </a:t>
+            </a:r>
+            <a:r>
+              <a:rPr lang="en-US" dirty="0" err="1" smtClean="0"/>
+              <a:t>trang</a:t>
+            </a:r>
+            <a:r>
+              <a:rPr lang="en-US" dirty="0" smtClean="0"/>
+              <a:t> </a:t>
+            </a:r>
+            <a:r>
+              <a:rPr lang="en-US" dirty="0" err="1" smtClean="0"/>
+              <a:t>tài</a:t>
+            </a:r>
+            <a:r>
+              <a:rPr lang="en-US" dirty="0" smtClean="0"/>
+              <a:t> </a:t>
+            </a:r>
+            <a:r>
+              <a:rPr lang="en-US" dirty="0" err="1" smtClean="0"/>
+              <a:t>khoản</a:t>
+            </a:r>
+            <a:r>
+              <a:rPr lang="en-US" dirty="0" smtClean="0"/>
+              <a:t> </a:t>
+            </a:r>
+            <a:r>
+              <a:rPr lang="en-US" dirty="0" err="1" smtClean="0"/>
+              <a:t>của</a:t>
+            </a:r>
+            <a:r>
+              <a:rPr lang="en-US" dirty="0" smtClean="0"/>
+              <a:t> </a:t>
+            </a:r>
+            <a:r>
+              <a:rPr lang="en-US" dirty="0" err="1" smtClean="0"/>
+              <a:t>tôi</a:t>
+            </a:r>
+            <a:r>
+              <a:rPr lang="en-US" dirty="0" smtClean="0"/>
+              <a:t> </a:t>
+            </a:r>
+            <a:r>
+              <a:rPr lang="en-US" dirty="0" err="1" smtClean="0"/>
+              <a:t>cũng</a:t>
+            </a:r>
+            <a:r>
+              <a:rPr lang="en-US" dirty="0" smtClean="0"/>
+              <a:t> </a:t>
+            </a:r>
+            <a:r>
+              <a:rPr lang="en-US" dirty="0" err="1" smtClean="0"/>
+              <a:t>có</a:t>
+            </a:r>
+            <a:r>
+              <a:rPr lang="en-US" dirty="0" smtClean="0"/>
+              <a:t> </a:t>
+            </a:r>
+            <a:r>
+              <a:rPr lang="en-US" dirty="0" err="1" smtClean="0"/>
+              <a:t>mà</a:t>
+            </a:r>
+            <a:r>
+              <a:rPr lang="en-US" dirty="0"/>
+              <a:t>.</a:t>
             </a:r>
           </a:p>
         </p:txBody>
@@ -8263,7 +8661,7 @@
         </p:blipFill>
         <p:spPr>
           <a:xfrm>
-            <a:off x="723375" y="735706"/>
+            <a:off x="3114883" y="1272036"/>
             <a:ext cx="4429743" cy="4544059"/>
           </a:xfrm>
           <a:prstGeom prst="rect">
@@ -8334,31 +8732,6 @@
           </a:p>
         </p:txBody>
       </p:sp>
-      <p:sp>
-        <p:nvSpPr>
-          <p:cNvPr id="3" name="Content Placeholder 2">
-            <a:extLst>
-              <a:ext uri="{FF2B5EF4-FFF2-40B4-BE49-F238E27FC236}">
-                <a16:creationId xmlns:a16="http://schemas.microsoft.com/office/drawing/2014/main" id="{185A05F1-54C0-4002-8D09-906B7EFF4A76}"/>
-              </a:ext>
-            </a:extLst>
-          </p:cNvPr>
-          <p:cNvSpPr>
-            <a:spLocks noGrp="1"/>
-          </p:cNvSpPr>
-          <p:nvPr>
-            <p:ph idx="1"/>
-          </p:nvPr>
-        </p:nvSpPr>
-        <p:spPr/>
-        <p:txBody>
-          <a:bodyPr/>
-          <a:lstStyle/>
-          <a:p>
-            <a:endParaRPr lang="en-US"/>
-          </a:p>
-        </p:txBody>
-      </p:sp>
       <p:pic>
         <p:nvPicPr>
           <p:cNvPr id="4" name="Picture 3">
@@ -8607,7 +8980,7 @@
         </p:blipFill>
         <p:spPr>
           <a:xfrm>
-            <a:off x="5671815" y="941033"/>
+            <a:off x="230904" y="744777"/>
             <a:ext cx="5216185" cy="5668392"/>
           </a:xfrm>
           <a:prstGeom prst="rect">
@@ -8629,8 +9002,8 @@
         </p:nvSpPr>
         <p:spPr>
           <a:xfrm>
-            <a:off x="5726097" y="6176963"/>
-            <a:ext cx="1171853" cy="472412"/>
+            <a:off x="369277" y="6057901"/>
+            <a:ext cx="782515" cy="337684"/>
           </a:xfrm>
           <a:prstGeom prst="rect">
             <a:avLst/>
@@ -8659,6 +9032,279 @@
           <a:p>
             <a:pPr algn="ctr"/>
             <a:endParaRPr lang="en-US"/>
+          </a:p>
+        </p:txBody>
+      </p:sp>
+      <p:pic>
+        <p:nvPicPr>
+          <p:cNvPr id="3" name="Picture 2"/>
+          <p:cNvPicPr>
+            <a:picLocks noChangeAspect="1"/>
+          </p:cNvPicPr>
+          <p:nvPr/>
+        </p:nvPicPr>
+        <p:blipFill>
+          <a:blip r:embed="rId3"/>
+          <a:stretch>
+            <a:fillRect/>
+          </a:stretch>
+        </p:blipFill>
+        <p:spPr>
+          <a:xfrm>
+            <a:off x="8809892" y="947894"/>
+            <a:ext cx="2848707" cy="2824006"/>
+          </a:xfrm>
+          <a:prstGeom prst="rect">
+            <a:avLst/>
+          </a:prstGeom>
+        </p:spPr>
+      </p:pic>
+      <p:cxnSp>
+        <p:nvCxnSpPr>
+          <p:cNvPr id="7" name="Straight Arrow Connector 6"/>
+          <p:cNvCxnSpPr/>
+          <p:nvPr/>
+        </p:nvCxnSpPr>
+        <p:spPr>
+          <a:xfrm flipV="1">
+            <a:off x="4668715" y="2154115"/>
+            <a:ext cx="4431323" cy="26377"/>
+          </a:xfrm>
+          <a:prstGeom prst="straightConnector1">
+            <a:avLst/>
+          </a:prstGeom>
+          <a:ln>
+            <a:tailEnd type="triangle"/>
+          </a:ln>
+        </p:spPr>
+        <p:style>
+          <a:lnRef idx="1">
+            <a:schemeClr val="dk1"/>
+          </a:lnRef>
+          <a:fillRef idx="0">
+            <a:schemeClr val="dk1"/>
+          </a:fillRef>
+          <a:effectRef idx="0">
+            <a:schemeClr val="dk1"/>
+          </a:effectRef>
+          <a:fontRef idx="minor">
+            <a:schemeClr val="tx1"/>
+          </a:fontRef>
+        </p:style>
+      </p:cxnSp>
+      <p:sp>
+        <p:nvSpPr>
+          <p:cNvPr id="10" name="TextBox 9"/>
+          <p:cNvSpPr txBox="1"/>
+          <p:nvPr/>
+        </p:nvSpPr>
+        <p:spPr>
+          <a:xfrm>
+            <a:off x="5591908" y="2359897"/>
+            <a:ext cx="2989384" cy="923330"/>
+          </a:xfrm>
+          <a:prstGeom prst="rect">
+            <a:avLst/>
+          </a:prstGeom>
+          <a:noFill/>
+        </p:spPr>
+        <p:txBody>
+          <a:bodyPr wrap="square" rtlCol="0">
+            <a:spAutoFit/>
+          </a:bodyPr>
+          <a:lstStyle/>
+          <a:p>
+            <a:r>
+              <a:rPr lang="en-US" dirty="0" err="1" smtClean="0"/>
+              <a:t>Mục</a:t>
+            </a:r>
+            <a:r>
+              <a:rPr lang="en-US" dirty="0" smtClean="0"/>
+              <a:t> </a:t>
+            </a:r>
+            <a:r>
+              <a:rPr lang="en-US" dirty="0" err="1" smtClean="0"/>
+              <a:t>tiêu</a:t>
+            </a:r>
+            <a:r>
+              <a:rPr lang="en-US" dirty="0" smtClean="0"/>
+              <a:t>: </a:t>
+            </a:r>
+            <a:r>
+              <a:rPr lang="en-US" dirty="0" err="1" smtClean="0"/>
+              <a:t>đang</a:t>
+            </a:r>
+            <a:r>
+              <a:rPr lang="en-US" dirty="0" smtClean="0"/>
+              <a:t> </a:t>
+            </a:r>
+            <a:r>
+              <a:rPr lang="en-US" dirty="0" err="1" smtClean="0"/>
+              <a:t>muốn</a:t>
+            </a:r>
+            <a:r>
+              <a:rPr lang="en-US" dirty="0" smtClean="0"/>
+              <a:t> </a:t>
+            </a:r>
+            <a:r>
+              <a:rPr lang="en-US" dirty="0" err="1" smtClean="0"/>
+              <a:t>đưa</a:t>
+            </a:r>
+            <a:r>
+              <a:rPr lang="en-US" dirty="0" smtClean="0"/>
+              <a:t> </a:t>
+            </a:r>
+            <a:r>
+              <a:rPr lang="en-US" dirty="0" err="1" smtClean="0"/>
+              <a:t>phần</a:t>
+            </a:r>
+            <a:r>
+              <a:rPr lang="en-US" dirty="0" smtClean="0"/>
+              <a:t> </a:t>
+            </a:r>
+            <a:r>
+              <a:rPr lang="en-US" dirty="0" err="1" smtClean="0"/>
+              <a:t>đăng</a:t>
+            </a:r>
+            <a:r>
+              <a:rPr lang="en-US" dirty="0" smtClean="0"/>
+              <a:t> </a:t>
+            </a:r>
+            <a:r>
+              <a:rPr lang="en-US" dirty="0" err="1" smtClean="0"/>
+              <a:t>ký</a:t>
+            </a:r>
+            <a:r>
+              <a:rPr lang="en-US" dirty="0" smtClean="0"/>
+              <a:t>, </a:t>
+            </a:r>
+            <a:r>
+              <a:rPr lang="en-US" dirty="0" err="1" smtClean="0"/>
+              <a:t>đăng</a:t>
+            </a:r>
+            <a:r>
+              <a:rPr lang="en-US" dirty="0" smtClean="0"/>
+              <a:t> </a:t>
+            </a:r>
+            <a:r>
+              <a:rPr lang="en-US" dirty="0" err="1" smtClean="0"/>
+              <a:t>nhập</a:t>
+            </a:r>
+            <a:r>
+              <a:rPr lang="en-US" dirty="0" smtClean="0"/>
+              <a:t> </a:t>
+            </a:r>
+            <a:r>
+              <a:rPr lang="en-US" dirty="0" err="1" smtClean="0"/>
+              <a:t>ra</a:t>
+            </a:r>
+            <a:r>
+              <a:rPr lang="en-US" dirty="0" smtClean="0"/>
+              <a:t> </a:t>
+            </a:r>
+            <a:r>
+              <a:rPr lang="en-US" dirty="0" err="1" smtClean="0"/>
+              <a:t>bên</a:t>
+            </a:r>
+            <a:r>
+              <a:rPr lang="en-US" dirty="0" smtClean="0"/>
+              <a:t> </a:t>
+            </a:r>
+            <a:r>
+              <a:rPr lang="en-US" dirty="0" err="1" smtClean="0"/>
+              <a:t>ngoài</a:t>
+            </a:r>
+            <a:r>
+              <a:rPr lang="en-US" dirty="0" smtClean="0"/>
+              <a:t> </a:t>
+            </a:r>
+            <a:r>
+              <a:rPr lang="en-US" dirty="0" err="1" smtClean="0"/>
+              <a:t>như</a:t>
+            </a:r>
+            <a:r>
+              <a:rPr lang="en-US" dirty="0" smtClean="0"/>
+              <a:t> </a:t>
+            </a:r>
+            <a:r>
+              <a:rPr lang="en-US" dirty="0" err="1" smtClean="0"/>
+              <a:t>thế</a:t>
+            </a:r>
+            <a:r>
+              <a:rPr lang="en-US" dirty="0" smtClean="0"/>
+              <a:t> </a:t>
+            </a:r>
+            <a:r>
+              <a:rPr lang="en-US" dirty="0" err="1" smtClean="0"/>
+              <a:t>này</a:t>
+            </a:r>
+            <a:r>
+              <a:rPr lang="en-US" dirty="0" smtClean="0"/>
+              <a:t>.</a:t>
+            </a:r>
+            <a:endParaRPr lang="en-US" dirty="0"/>
+          </a:p>
+        </p:txBody>
+      </p:sp>
+      <p:sp>
+        <p:nvSpPr>
+          <p:cNvPr id="11" name="TextBox 10"/>
+          <p:cNvSpPr txBox="1"/>
+          <p:nvPr/>
+        </p:nvSpPr>
+        <p:spPr>
+          <a:xfrm>
+            <a:off x="5613888" y="1171330"/>
+            <a:ext cx="2945423" cy="646331"/>
+          </a:xfrm>
+          <a:prstGeom prst="rect">
+            <a:avLst/>
+          </a:prstGeom>
+          <a:noFill/>
+        </p:spPr>
+        <p:txBody>
+          <a:bodyPr wrap="square" rtlCol="0">
+            <a:spAutoFit/>
+          </a:bodyPr>
+          <a:lstStyle/>
+          <a:p>
+            <a:r>
+              <a:rPr lang="en-US" dirty="0" err="1" smtClean="0"/>
+              <a:t>Tạo</a:t>
+            </a:r>
+            <a:r>
+              <a:rPr lang="en-US" dirty="0" smtClean="0"/>
+              <a:t> </a:t>
+            </a:r>
+            <a:r>
+              <a:rPr lang="en-US" dirty="0" err="1" smtClean="0"/>
+              <a:t>thành</a:t>
+            </a:r>
+            <a:r>
+              <a:rPr lang="en-US" dirty="0"/>
+              <a:t> </a:t>
+            </a:r>
+            <a:r>
+              <a:rPr lang="en-US" dirty="0" smtClean="0"/>
+              <a:t>“ Menu </a:t>
+            </a:r>
+            <a:r>
+              <a:rPr lang="en-US" dirty="0" err="1" smtClean="0"/>
+              <a:t>phụ</a:t>
+            </a:r>
+            <a:r>
+              <a:rPr lang="en-US" dirty="0" smtClean="0"/>
+              <a:t>” </a:t>
+            </a:r>
+            <a:r>
+              <a:rPr lang="en-US" dirty="0" err="1" smtClean="0"/>
+              <a:t>trên</a:t>
+            </a:r>
+            <a:r>
+              <a:rPr lang="en-US" dirty="0" smtClean="0"/>
+              <a:t> Header.</a:t>
+            </a:r>
+            <a:endParaRPr lang="en-US" dirty="0"/>
           </a:p>
         </p:txBody>
       </p:sp>
@@ -8692,65 +9338,12 @@
           <a:chExt cx="0" cy="0"/>
         </a:xfrm>
       </p:grpSpPr>
-      <p:sp>
-        <p:nvSpPr>
-          <p:cNvPr id="2" name="Title 1">
-            <a:extLst>
-              <a:ext uri="{FF2B5EF4-FFF2-40B4-BE49-F238E27FC236}">
-                <a16:creationId xmlns:a16="http://schemas.microsoft.com/office/drawing/2014/main" id="{50A1902E-602B-42F1-A6B7-8306263A1EC0}"/>
-              </a:ext>
-            </a:extLst>
-          </p:cNvPr>
-          <p:cNvSpPr>
-            <a:spLocks noGrp="1"/>
-          </p:cNvSpPr>
-          <p:nvPr>
-            <p:ph type="title"/>
-          </p:nvPr>
-        </p:nvSpPr>
-        <p:spPr/>
-        <p:txBody>
-          <a:bodyPr/>
-          <a:lstStyle/>
-          <a:p>
-            <a:r>
-              <a:rPr lang="en-US"/>
-              <a:t>CÀI Plugin UserMenu:</a:t>
-            </a:r>
-          </a:p>
-        </p:txBody>
-      </p:sp>
-      <p:sp>
-        <p:nvSpPr>
-          <p:cNvPr id="3" name="Content Placeholder 2">
-            <a:extLst>
-              <a:ext uri="{FF2B5EF4-FFF2-40B4-BE49-F238E27FC236}">
-                <a16:creationId xmlns:a16="http://schemas.microsoft.com/office/drawing/2014/main" id="{668AC346-CAAF-44F5-8301-83AB3A163D3E}"/>
-              </a:ext>
-            </a:extLst>
-          </p:cNvPr>
-          <p:cNvSpPr>
-            <a:spLocks noGrp="1"/>
-          </p:cNvSpPr>
-          <p:nvPr>
-            <p:ph idx="1"/>
-          </p:nvPr>
-        </p:nvSpPr>
-        <p:spPr/>
-        <p:txBody>
-          <a:bodyPr/>
-          <a:lstStyle/>
-          <a:p>
-            <a:endParaRPr lang="en-US"/>
-          </a:p>
-        </p:txBody>
-      </p:sp>
       <p:pic>
         <p:nvPicPr>
           <p:cNvPr id="4" name="Picture 3">
             <a:extLst>
               <a:ext uri="{FF2B5EF4-FFF2-40B4-BE49-F238E27FC236}">
-                <a16:creationId xmlns:a16="http://schemas.microsoft.com/office/drawing/2014/main" id="{84234232-162C-42EC-B366-49934D496B27}"/>
+                <a16:creationId xmlns:a16="http://schemas.microsoft.com/office/drawing/2014/main" id="{AF41800B-B7A6-4A95-95EA-640110A4C9C2}"/>
               </a:ext>
             </a:extLst>
           </p:cNvPr>
@@ -8767,18 +9360,180 @@
         </p:blipFill>
         <p:spPr>
           <a:xfrm>
-            <a:off x="838200" y="1928603"/>
-            <a:ext cx="6011114" cy="3000794"/>
+            <a:off x="1227272" y="2364703"/>
+            <a:ext cx="3781953" cy="3229426"/>
           </a:xfrm>
           <a:prstGeom prst="rect">
             <a:avLst/>
           </a:prstGeom>
         </p:spPr>
       </p:pic>
+      <p:pic>
+        <p:nvPicPr>
+          <p:cNvPr id="5" name="Picture 4">
+            <a:extLst>
+              <a:ext uri="{FF2B5EF4-FFF2-40B4-BE49-F238E27FC236}">
+                <a16:creationId xmlns:a16="http://schemas.microsoft.com/office/drawing/2014/main" id="{BA60C51C-EDCC-418E-A96B-E4B72DFB2169}"/>
+              </a:ext>
+            </a:extLst>
+          </p:cNvPr>
+          <p:cNvPicPr>
+            <a:picLocks noChangeAspect="1"/>
+          </p:cNvPicPr>
+          <p:nvPr/>
+        </p:nvPicPr>
+        <p:blipFill>
+          <a:blip r:embed="rId3"/>
+          <a:stretch>
+            <a:fillRect/>
+          </a:stretch>
+        </p:blipFill>
+        <p:spPr>
+          <a:xfrm>
+            <a:off x="9306649" y="4250851"/>
+            <a:ext cx="1543265" cy="609685"/>
+          </a:xfrm>
+          <a:prstGeom prst="rect">
+            <a:avLst/>
+          </a:prstGeom>
+        </p:spPr>
+      </p:pic>
+      <p:sp>
+        <p:nvSpPr>
+          <p:cNvPr id="6" name="Rectangle 5">
+            <a:extLst>
+              <a:ext uri="{FF2B5EF4-FFF2-40B4-BE49-F238E27FC236}">
+                <a16:creationId xmlns:a16="http://schemas.microsoft.com/office/drawing/2014/main" id="{01A970ED-020A-4734-A852-0AC36B1CC884}"/>
+              </a:ext>
+            </a:extLst>
+          </p:cNvPr>
+          <p:cNvSpPr/>
+          <p:nvPr/>
+        </p:nvSpPr>
+        <p:spPr>
+          <a:xfrm>
+            <a:off x="9460557" y="4492103"/>
+            <a:ext cx="1068311" cy="355105"/>
+          </a:xfrm>
+          <a:prstGeom prst="rect">
+            <a:avLst/>
+          </a:prstGeom>
+          <a:noFill/>
+        </p:spPr>
+        <p:style>
+          <a:lnRef idx="2">
+            <a:schemeClr val="accent2">
+              <a:shade val="50000"/>
+            </a:schemeClr>
+          </a:lnRef>
+          <a:fillRef idx="1">
+            <a:schemeClr val="accent2"/>
+          </a:fillRef>
+          <a:effectRef idx="0">
+            <a:schemeClr val="accent2"/>
+          </a:effectRef>
+          <a:fontRef idx="minor">
+            <a:schemeClr val="lt1"/>
+          </a:fontRef>
+        </p:style>
+        <p:txBody>
+          <a:bodyPr rtlCol="0" anchor="ctr"/>
+          <a:lstStyle/>
+          <a:p>
+            <a:pPr algn="ctr"/>
+            <a:endParaRPr lang="en-US"/>
+          </a:p>
+        </p:txBody>
+      </p:sp>
+      <p:cxnSp>
+        <p:nvCxnSpPr>
+          <p:cNvPr id="8" name="Straight Arrow Connector 7">
+            <a:extLst>
+              <a:ext uri="{FF2B5EF4-FFF2-40B4-BE49-F238E27FC236}">
+                <a16:creationId xmlns:a16="http://schemas.microsoft.com/office/drawing/2014/main" id="{EB4F6408-66C1-4C13-9CFD-1A2B6DAC26EA}"/>
+              </a:ext>
+            </a:extLst>
+          </p:cNvPr>
+          <p:cNvCxnSpPr>
+            <a:cxnSpLocks/>
+            <a:endCxn id="5" idx="1"/>
+          </p:cNvCxnSpPr>
+          <p:nvPr/>
+        </p:nvCxnSpPr>
+        <p:spPr>
+          <a:xfrm>
+            <a:off x="4992919" y="4492103"/>
+            <a:ext cx="4313730" cy="63591"/>
+          </a:xfrm>
+          <a:prstGeom prst="straightConnector1">
+            <a:avLst/>
+          </a:prstGeom>
+          <a:ln>
+            <a:tailEnd type="triangle"/>
+          </a:ln>
+        </p:spPr>
+        <p:style>
+          <a:lnRef idx="1">
+            <a:schemeClr val="dk1"/>
+          </a:lnRef>
+          <a:fillRef idx="0">
+            <a:schemeClr val="dk1"/>
+          </a:fillRef>
+          <a:effectRef idx="0">
+            <a:schemeClr val="dk1"/>
+          </a:effectRef>
+          <a:fontRef idx="minor">
+            <a:schemeClr val="tx1"/>
+          </a:fontRef>
+        </p:style>
+      </p:cxnSp>
+      <p:sp>
+        <p:nvSpPr>
+          <p:cNvPr id="12" name="TextBox 11">
+            <a:extLst>
+              <a:ext uri="{FF2B5EF4-FFF2-40B4-BE49-F238E27FC236}">
+                <a16:creationId xmlns:a16="http://schemas.microsoft.com/office/drawing/2014/main" id="{67AA61D6-82DE-4286-958B-368DFAD68D41}"/>
+              </a:ext>
+            </a:extLst>
+          </p:cNvPr>
+          <p:cNvSpPr txBox="1"/>
+          <p:nvPr/>
+        </p:nvSpPr>
+        <p:spPr>
+          <a:xfrm>
+            <a:off x="970625" y="1491448"/>
+            <a:ext cx="10925452" cy="369332"/>
+          </a:xfrm>
+          <a:prstGeom prst="rect">
+            <a:avLst/>
+          </a:prstGeom>
+          <a:noFill/>
+        </p:spPr>
+        <p:txBody>
+          <a:bodyPr wrap="square" rtlCol="0">
+            <a:spAutoFit/>
+          </a:bodyPr>
+          <a:lstStyle/>
+          <a:p>
+            <a:r>
+              <a:rPr lang="en-US"/>
+              <a:t>Áp dụng cho những người chưa đăng nhập có thể xem đ</a:t>
+            </a:r>
+            <a:r>
+              <a:rPr lang="vi-VN"/>
+              <a:t>ư</a:t>
+            </a:r>
+            <a:r>
+              <a:rPr lang="en-US"/>
+              <a:t>ợc link này. </a:t>
+            </a:r>
+          </a:p>
+        </p:txBody>
+      </p:sp>
     </p:spTree>
     <p:extLst>
       <p:ext uri="{BB962C8B-B14F-4D97-AF65-F5344CB8AC3E}">
-        <p14:creationId xmlns:p14="http://schemas.microsoft.com/office/powerpoint/2010/main" val="2147805545"/>
+        <p14:creationId xmlns:p14="http://schemas.microsoft.com/office/powerpoint/2010/main" val="930483059"/>
       </p:ext>
     </p:extLst>
   </p:cSld>
@@ -8805,12 +9560,40 @@
           <a:chExt cx="0" cy="0"/>
         </a:xfrm>
       </p:grpSpPr>
+      <p:sp>
+        <p:nvSpPr>
+          <p:cNvPr id="2" name="Title 1">
+            <a:extLst>
+              <a:ext uri="{FF2B5EF4-FFF2-40B4-BE49-F238E27FC236}">
+                <a16:creationId xmlns:a16="http://schemas.microsoft.com/office/drawing/2014/main" id="{50A1902E-602B-42F1-A6B7-8306263A1EC0}"/>
+              </a:ext>
+            </a:extLst>
+          </p:cNvPr>
+          <p:cNvSpPr>
+            <a:spLocks noGrp="1"/>
+          </p:cNvSpPr>
+          <p:nvPr>
+            <p:ph type="title"/>
+          </p:nvPr>
+        </p:nvSpPr>
+        <p:spPr/>
+        <p:txBody>
+          <a:bodyPr/>
+          <a:lstStyle/>
+          <a:p>
+            <a:r>
+              <a:rPr lang="en-US"/>
+              <a:t>CÀI Plugin UserMenu:</a:t>
+            </a:r>
+          </a:p>
+        </p:txBody>
+      </p:sp>
       <p:pic>
         <p:nvPicPr>
           <p:cNvPr id="4" name="Picture 3">
             <a:extLst>
               <a:ext uri="{FF2B5EF4-FFF2-40B4-BE49-F238E27FC236}">
-                <a16:creationId xmlns:a16="http://schemas.microsoft.com/office/drawing/2014/main" id="{AF41800B-B7A6-4A95-95EA-640110A4C9C2}"/>
+                <a16:creationId xmlns:a16="http://schemas.microsoft.com/office/drawing/2014/main" id="{84234232-162C-42EC-B366-49934D496B27}"/>
               </a:ext>
             </a:extLst>
           </p:cNvPr>
@@ -8827,180 +9610,18 @@
         </p:blipFill>
         <p:spPr>
           <a:xfrm>
-            <a:off x="1227272" y="2364703"/>
-            <a:ext cx="3781953" cy="3229426"/>
+            <a:off x="838200" y="1928603"/>
+            <a:ext cx="6011114" cy="3000794"/>
           </a:xfrm>
           <a:prstGeom prst="rect">
             <a:avLst/>
           </a:prstGeom>
         </p:spPr>
       </p:pic>
-      <p:pic>
-        <p:nvPicPr>
-          <p:cNvPr id="5" name="Picture 4">
-            <a:extLst>
-              <a:ext uri="{FF2B5EF4-FFF2-40B4-BE49-F238E27FC236}">
-                <a16:creationId xmlns:a16="http://schemas.microsoft.com/office/drawing/2014/main" id="{BA60C51C-EDCC-418E-A96B-E4B72DFB2169}"/>
-              </a:ext>
-            </a:extLst>
-          </p:cNvPr>
-          <p:cNvPicPr>
-            <a:picLocks noChangeAspect="1"/>
-          </p:cNvPicPr>
-          <p:nvPr/>
-        </p:nvPicPr>
-        <p:blipFill>
-          <a:blip r:embed="rId3"/>
-          <a:stretch>
-            <a:fillRect/>
-          </a:stretch>
-        </p:blipFill>
-        <p:spPr>
-          <a:xfrm>
-            <a:off x="9306649" y="4250851"/>
-            <a:ext cx="1543265" cy="609685"/>
-          </a:xfrm>
-          <a:prstGeom prst="rect">
-            <a:avLst/>
-          </a:prstGeom>
-        </p:spPr>
-      </p:pic>
-      <p:sp>
-        <p:nvSpPr>
-          <p:cNvPr id="6" name="Rectangle 5">
-            <a:extLst>
-              <a:ext uri="{FF2B5EF4-FFF2-40B4-BE49-F238E27FC236}">
-                <a16:creationId xmlns:a16="http://schemas.microsoft.com/office/drawing/2014/main" id="{01A970ED-020A-4734-A852-0AC36B1CC884}"/>
-              </a:ext>
-            </a:extLst>
-          </p:cNvPr>
-          <p:cNvSpPr/>
-          <p:nvPr/>
-        </p:nvSpPr>
-        <p:spPr>
-          <a:xfrm>
-            <a:off x="9460557" y="4492103"/>
-            <a:ext cx="1068311" cy="355105"/>
-          </a:xfrm>
-          <a:prstGeom prst="rect">
-            <a:avLst/>
-          </a:prstGeom>
-          <a:noFill/>
-        </p:spPr>
-        <p:style>
-          <a:lnRef idx="2">
-            <a:schemeClr val="accent2">
-              <a:shade val="50000"/>
-            </a:schemeClr>
-          </a:lnRef>
-          <a:fillRef idx="1">
-            <a:schemeClr val="accent2"/>
-          </a:fillRef>
-          <a:effectRef idx="0">
-            <a:schemeClr val="accent2"/>
-          </a:effectRef>
-          <a:fontRef idx="minor">
-            <a:schemeClr val="lt1"/>
-          </a:fontRef>
-        </p:style>
-        <p:txBody>
-          <a:bodyPr rtlCol="0" anchor="ctr"/>
-          <a:lstStyle/>
-          <a:p>
-            <a:pPr algn="ctr"/>
-            <a:endParaRPr lang="en-US"/>
-          </a:p>
-        </p:txBody>
-      </p:sp>
-      <p:cxnSp>
-        <p:nvCxnSpPr>
-          <p:cNvPr id="8" name="Straight Arrow Connector 7">
-            <a:extLst>
-              <a:ext uri="{FF2B5EF4-FFF2-40B4-BE49-F238E27FC236}">
-                <a16:creationId xmlns:a16="http://schemas.microsoft.com/office/drawing/2014/main" id="{EB4F6408-66C1-4C13-9CFD-1A2B6DAC26EA}"/>
-              </a:ext>
-            </a:extLst>
-          </p:cNvPr>
-          <p:cNvCxnSpPr>
-            <a:cxnSpLocks/>
-            <a:endCxn id="5" idx="1"/>
-          </p:cNvCxnSpPr>
-          <p:nvPr/>
-        </p:nvCxnSpPr>
-        <p:spPr>
-          <a:xfrm>
-            <a:off x="4992919" y="4492103"/>
-            <a:ext cx="4313730" cy="63591"/>
-          </a:xfrm>
-          <a:prstGeom prst="straightConnector1">
-            <a:avLst/>
-          </a:prstGeom>
-          <a:ln>
-            <a:tailEnd type="triangle"/>
-          </a:ln>
-        </p:spPr>
-        <p:style>
-          <a:lnRef idx="1">
-            <a:schemeClr val="dk1"/>
-          </a:lnRef>
-          <a:fillRef idx="0">
-            <a:schemeClr val="dk1"/>
-          </a:fillRef>
-          <a:effectRef idx="0">
-            <a:schemeClr val="dk1"/>
-          </a:effectRef>
-          <a:fontRef idx="minor">
-            <a:schemeClr val="tx1"/>
-          </a:fontRef>
-        </p:style>
-      </p:cxnSp>
-      <p:sp>
-        <p:nvSpPr>
-          <p:cNvPr id="12" name="TextBox 11">
-            <a:extLst>
-              <a:ext uri="{FF2B5EF4-FFF2-40B4-BE49-F238E27FC236}">
-                <a16:creationId xmlns:a16="http://schemas.microsoft.com/office/drawing/2014/main" id="{67AA61D6-82DE-4286-958B-368DFAD68D41}"/>
-              </a:ext>
-            </a:extLst>
-          </p:cNvPr>
-          <p:cNvSpPr txBox="1"/>
-          <p:nvPr/>
-        </p:nvSpPr>
-        <p:spPr>
-          <a:xfrm>
-            <a:off x="970625" y="1491448"/>
-            <a:ext cx="10925452" cy="369332"/>
-          </a:xfrm>
-          <a:prstGeom prst="rect">
-            <a:avLst/>
-          </a:prstGeom>
-          <a:noFill/>
-        </p:spPr>
-        <p:txBody>
-          <a:bodyPr wrap="square" rtlCol="0">
-            <a:spAutoFit/>
-          </a:bodyPr>
-          <a:lstStyle/>
-          <a:p>
-            <a:r>
-              <a:rPr lang="en-US"/>
-              <a:t>Áp dụng cho những người chưa đăng nhập có thể xem đ</a:t>
-            </a:r>
-            <a:r>
-              <a:rPr lang="vi-VN"/>
-              <a:t>ư</a:t>
-            </a:r>
-            <a:r>
-              <a:rPr lang="en-US"/>
-              <a:t>ợc link này. </a:t>
-            </a:r>
-          </a:p>
-        </p:txBody>
-      </p:sp>
     </p:spTree>
     <p:extLst>
       <p:ext uri="{BB962C8B-B14F-4D97-AF65-F5344CB8AC3E}">
-        <p14:creationId xmlns:p14="http://schemas.microsoft.com/office/powerpoint/2010/main" val="930483059"/>
+        <p14:creationId xmlns:p14="http://schemas.microsoft.com/office/powerpoint/2010/main" val="2147805545"/>
       </p:ext>
     </p:extLst>
   </p:cSld>

--- a/Chức năng đăng nhập, đăng ký  User trong WORDPRESS.pptx
+++ b/Chức năng đăng nhập, đăng ký  User trong WORDPRESS.pptx
@@ -8,42 +8,48 @@
     <p:sldId id="256" r:id="rId2"/>
     <p:sldId id="257" r:id="rId3"/>
     <p:sldId id="258" r:id="rId4"/>
-    <p:sldId id="259" r:id="rId5"/>
-    <p:sldId id="260" r:id="rId6"/>
-    <p:sldId id="261" r:id="rId7"/>
-    <p:sldId id="272" r:id="rId8"/>
-    <p:sldId id="263" r:id="rId9"/>
-    <p:sldId id="262" r:id="rId10"/>
-    <p:sldId id="264" r:id="rId11"/>
-    <p:sldId id="265" r:id="rId12"/>
-    <p:sldId id="266" r:id="rId13"/>
-    <p:sldId id="267" r:id="rId14"/>
-    <p:sldId id="268" r:id="rId15"/>
-    <p:sldId id="269" r:id="rId16"/>
-    <p:sldId id="270" r:id="rId17"/>
-    <p:sldId id="271" r:id="rId18"/>
-    <p:sldId id="273" r:id="rId19"/>
-    <p:sldId id="274" r:id="rId20"/>
-    <p:sldId id="275" r:id="rId21"/>
-    <p:sldId id="276" r:id="rId22"/>
-    <p:sldId id="277" r:id="rId23"/>
-    <p:sldId id="278" r:id="rId24"/>
-    <p:sldId id="279" r:id="rId25"/>
-    <p:sldId id="280" r:id="rId26"/>
-    <p:sldId id="281" r:id="rId27"/>
-    <p:sldId id="282" r:id="rId28"/>
-    <p:sldId id="283" r:id="rId29"/>
-    <p:sldId id="284" r:id="rId30"/>
-    <p:sldId id="285" r:id="rId31"/>
-    <p:sldId id="286" r:id="rId32"/>
-    <p:sldId id="287" r:id="rId33"/>
-    <p:sldId id="288" r:id="rId34"/>
-    <p:sldId id="289" r:id="rId35"/>
-    <p:sldId id="290" r:id="rId36"/>
-    <p:sldId id="291" r:id="rId37"/>
-    <p:sldId id="292" r:id="rId38"/>
-    <p:sldId id="293" r:id="rId39"/>
-    <p:sldId id="294" r:id="rId40"/>
+    <p:sldId id="295" r:id="rId5"/>
+    <p:sldId id="259" r:id="rId6"/>
+    <p:sldId id="262" r:id="rId7"/>
+    <p:sldId id="260" r:id="rId8"/>
+    <p:sldId id="261" r:id="rId9"/>
+    <p:sldId id="296" r:id="rId10"/>
+    <p:sldId id="297" r:id="rId11"/>
+    <p:sldId id="298" r:id="rId12"/>
+    <p:sldId id="299" r:id="rId13"/>
+    <p:sldId id="300" r:id="rId14"/>
+    <p:sldId id="272" r:id="rId15"/>
+    <p:sldId id="263" r:id="rId16"/>
+    <p:sldId id="264" r:id="rId17"/>
+    <p:sldId id="265" r:id="rId18"/>
+    <p:sldId id="266" r:id="rId19"/>
+    <p:sldId id="267" r:id="rId20"/>
+    <p:sldId id="268" r:id="rId21"/>
+    <p:sldId id="269" r:id="rId22"/>
+    <p:sldId id="270" r:id="rId23"/>
+    <p:sldId id="271" r:id="rId24"/>
+    <p:sldId id="273" r:id="rId25"/>
+    <p:sldId id="274" r:id="rId26"/>
+    <p:sldId id="275" r:id="rId27"/>
+    <p:sldId id="276" r:id="rId28"/>
+    <p:sldId id="277" r:id="rId29"/>
+    <p:sldId id="278" r:id="rId30"/>
+    <p:sldId id="279" r:id="rId31"/>
+    <p:sldId id="280" r:id="rId32"/>
+    <p:sldId id="281" r:id="rId33"/>
+    <p:sldId id="282" r:id="rId34"/>
+    <p:sldId id="283" r:id="rId35"/>
+    <p:sldId id="284" r:id="rId36"/>
+    <p:sldId id="285" r:id="rId37"/>
+    <p:sldId id="286" r:id="rId38"/>
+    <p:sldId id="287" r:id="rId39"/>
+    <p:sldId id="288" r:id="rId40"/>
+    <p:sldId id="289" r:id="rId41"/>
+    <p:sldId id="290" r:id="rId42"/>
+    <p:sldId id="291" r:id="rId43"/>
+    <p:sldId id="292" r:id="rId44"/>
+    <p:sldId id="293" r:id="rId45"/>
+    <p:sldId id="294" r:id="rId46"/>
   </p:sldIdLst>
   <p:sldSz cx="12192000" cy="6858000"/>
   <p:notesSz cx="6858000" cy="9144000"/>
@@ -297,7 +303,7 @@
           <a:p>
             <a:fld id="{50363FAE-F97B-4BFC-BAFE-2D13600C511B}" type="datetimeFigureOut">
               <a:rPr lang="en-US" smtClean="0"/>
-              <a:t>13/10/2024</a:t>
+              <a:t>14/10/2024</a:t>
             </a:fld>
             <a:endParaRPr lang="en-US"/>
           </a:p>
@@ -495,7 +501,7 @@
           <a:p>
             <a:fld id="{50363FAE-F97B-4BFC-BAFE-2D13600C511B}" type="datetimeFigureOut">
               <a:rPr lang="en-US" smtClean="0"/>
-              <a:t>13/10/2024</a:t>
+              <a:t>14/10/2024</a:t>
             </a:fld>
             <a:endParaRPr lang="en-US"/>
           </a:p>
@@ -703,7 +709,7 @@
           <a:p>
             <a:fld id="{50363FAE-F97B-4BFC-BAFE-2D13600C511B}" type="datetimeFigureOut">
               <a:rPr lang="en-US" smtClean="0"/>
-              <a:t>13/10/2024</a:t>
+              <a:t>14/10/2024</a:t>
             </a:fld>
             <a:endParaRPr lang="en-US"/>
           </a:p>
@@ -901,7 +907,7 @@
           <a:p>
             <a:fld id="{50363FAE-F97B-4BFC-BAFE-2D13600C511B}" type="datetimeFigureOut">
               <a:rPr lang="en-US" smtClean="0"/>
-              <a:t>13/10/2024</a:t>
+              <a:t>14/10/2024</a:t>
             </a:fld>
             <a:endParaRPr lang="en-US"/>
           </a:p>
@@ -1176,7 +1182,7 @@
           <a:p>
             <a:fld id="{50363FAE-F97B-4BFC-BAFE-2D13600C511B}" type="datetimeFigureOut">
               <a:rPr lang="en-US" smtClean="0"/>
-              <a:t>13/10/2024</a:t>
+              <a:t>14/10/2024</a:t>
             </a:fld>
             <a:endParaRPr lang="en-US"/>
           </a:p>
@@ -1441,7 +1447,7 @@
           <a:p>
             <a:fld id="{50363FAE-F97B-4BFC-BAFE-2D13600C511B}" type="datetimeFigureOut">
               <a:rPr lang="en-US" smtClean="0"/>
-              <a:t>13/10/2024</a:t>
+              <a:t>14/10/2024</a:t>
             </a:fld>
             <a:endParaRPr lang="en-US"/>
           </a:p>
@@ -1853,7 +1859,7 @@
           <a:p>
             <a:fld id="{50363FAE-F97B-4BFC-BAFE-2D13600C511B}" type="datetimeFigureOut">
               <a:rPr lang="en-US" smtClean="0"/>
-              <a:t>13/10/2024</a:t>
+              <a:t>14/10/2024</a:t>
             </a:fld>
             <a:endParaRPr lang="en-US"/>
           </a:p>
@@ -1994,7 +2000,7 @@
           <a:p>
             <a:fld id="{50363FAE-F97B-4BFC-BAFE-2D13600C511B}" type="datetimeFigureOut">
               <a:rPr lang="en-US" smtClean="0"/>
-              <a:t>13/10/2024</a:t>
+              <a:t>14/10/2024</a:t>
             </a:fld>
             <a:endParaRPr lang="en-US"/>
           </a:p>
@@ -2107,7 +2113,7 @@
           <a:p>
             <a:fld id="{50363FAE-F97B-4BFC-BAFE-2D13600C511B}" type="datetimeFigureOut">
               <a:rPr lang="en-US" smtClean="0"/>
-              <a:t>13/10/2024</a:t>
+              <a:t>14/10/2024</a:t>
             </a:fld>
             <a:endParaRPr lang="en-US"/>
           </a:p>
@@ -2418,7 +2424,7 @@
           <a:p>
             <a:fld id="{50363FAE-F97B-4BFC-BAFE-2D13600C511B}" type="datetimeFigureOut">
               <a:rPr lang="en-US" smtClean="0"/>
-              <a:t>13/10/2024</a:t>
+              <a:t>14/10/2024</a:t>
             </a:fld>
             <a:endParaRPr lang="en-US"/>
           </a:p>
@@ -2706,7 +2712,7 @@
           <a:p>
             <a:fld id="{50363FAE-F97B-4BFC-BAFE-2D13600C511B}" type="datetimeFigureOut">
               <a:rPr lang="en-US" smtClean="0"/>
-              <a:t>13/10/2024</a:t>
+              <a:t>14/10/2024</a:t>
             </a:fld>
             <a:endParaRPr lang="en-US"/>
           </a:p>
@@ -2947,7 +2953,7 @@
           <a:p>
             <a:fld id="{50363FAE-F97B-4BFC-BAFE-2D13600C511B}" type="datetimeFigureOut">
               <a:rPr lang="en-US" smtClean="0"/>
-              <a:t>13/10/2024</a:t>
+              <a:t>14/10/2024</a:t>
             </a:fld>
             <a:endParaRPr lang="en-US"/>
           </a:p>
@@ -3391,63 +3397,63 @@
           <a:lstStyle/>
           <a:p>
             <a:r>
-              <a:rPr lang="en-US" dirty="0" err="1" smtClean="0"/>
+              <a:rPr lang="en-US" dirty="0" err="1"/>
               <a:t>Chức</a:t>
             </a:r>
             <a:r>
-              <a:rPr lang="en-US" dirty="0" smtClean="0"/>
+              <a:rPr lang="en-US" dirty="0"/>
               <a:t> </a:t>
             </a:r>
             <a:r>
-              <a:rPr lang="en-US" dirty="0" err="1" smtClean="0"/>
+              <a:rPr lang="en-US" dirty="0" err="1"/>
               <a:t>năng</a:t>
             </a:r>
             <a:r>
-              <a:rPr lang="en-US" dirty="0" smtClean="0"/>
+              <a:rPr lang="en-US" dirty="0"/>
               <a:t> </a:t>
             </a:r>
             <a:r>
-              <a:rPr lang="en-US" dirty="0" err="1" smtClean="0"/>
+              <a:rPr lang="en-US" dirty="0" err="1"/>
               <a:t>đăng</a:t>
             </a:r>
             <a:r>
-              <a:rPr lang="en-US" dirty="0" smtClean="0"/>
+              <a:rPr lang="en-US" dirty="0"/>
               <a:t> </a:t>
             </a:r>
             <a:r>
-              <a:rPr lang="en-US" dirty="0" err="1" smtClean="0"/>
+              <a:rPr lang="en-US" dirty="0" err="1"/>
               <a:t>ký</a:t>
             </a:r>
             <a:r>
-              <a:rPr lang="en-US" dirty="0" smtClean="0"/>
+              <a:rPr lang="en-US" dirty="0"/>
               <a:t> </a:t>
             </a:r>
             <a:r>
-              <a:rPr lang="en-US" dirty="0" err="1" smtClean="0"/>
+              <a:rPr lang="en-US" dirty="0" err="1"/>
               <a:t>đăng</a:t>
             </a:r>
             <a:r>
-              <a:rPr lang="en-US" dirty="0" smtClean="0"/>
+              <a:rPr lang="en-US" dirty="0"/>
               <a:t> </a:t>
             </a:r>
             <a:r>
-              <a:rPr lang="en-US" dirty="0" err="1" smtClean="0"/>
+              <a:rPr lang="en-US" dirty="0" err="1"/>
               <a:t>nhập</a:t>
             </a:r>
             <a:r>
-              <a:rPr lang="en-US" dirty="0" smtClean="0"/>
+              <a:rPr lang="en-US" dirty="0"/>
               <a:t> </a:t>
             </a:r>
             <a:r>
-              <a:rPr lang="en-US" dirty="0" err="1" smtClean="0"/>
+              <a:rPr lang="en-US" dirty="0" err="1"/>
               <a:t>trong</a:t>
             </a:r>
             <a:r>
-              <a:rPr lang="en-US" dirty="0" smtClean="0"/>
+              <a:rPr lang="en-US" dirty="0"/>
               <a:t> </a:t>
             </a:r>
             <a:r>
-              <a:rPr lang="en-US" dirty="0" err="1" smtClean="0"/>
+              <a:rPr lang="en-US" dirty="0" err="1"/>
               <a:t>WooCommer</a:t>
             </a:r>
             <a:endParaRPr lang="en-US" dirty="0"/>
@@ -3586,21 +3592,21 @@
           <a:lstStyle/>
           <a:p>
             <a:r>
-              <a:rPr lang="en-US" dirty="0" smtClean="0"/>
+              <a:rPr lang="en-US" dirty="0"/>
               <a:t>====</a:t>
             </a:r>
             <a:r>
-              <a:rPr lang="en-US" dirty="0" smtClean="0">
+              <a:rPr lang="en-US" dirty="0">
                 <a:sym typeface="Wingdings" panose="05000000000000000000" pitchFamily="2" charset="2"/>
               </a:rPr>
               <a:t> </a:t>
             </a:r>
             <a:r>
-              <a:rPr lang="en-US" dirty="0" err="1" smtClean="0"/>
+              <a:rPr lang="en-US" dirty="0" err="1"/>
               <a:t>Cần</a:t>
             </a:r>
             <a:r>
-              <a:rPr lang="en-US" dirty="0" smtClean="0"/>
+              <a:rPr lang="en-US" dirty="0"/>
               <a:t> </a:t>
             </a:r>
             <a:r>
@@ -3665,42 +3671,12 @@
           <a:chExt cx="0" cy="0"/>
         </a:xfrm>
       </p:grpSpPr>
-      <p:pic>
-        <p:nvPicPr>
-          <p:cNvPr id="4" name="Picture 3">
-            <a:extLst>
-              <a:ext uri="{FF2B5EF4-FFF2-40B4-BE49-F238E27FC236}">
-                <a16:creationId xmlns:a16="http://schemas.microsoft.com/office/drawing/2014/main" id="{3A6881DC-5BF2-4F53-8451-29C2CE3E402B}"/>
-              </a:ext>
-            </a:extLst>
-          </p:cNvPr>
-          <p:cNvPicPr>
-            <a:picLocks noChangeAspect="1"/>
-          </p:cNvPicPr>
-          <p:nvPr/>
-        </p:nvPicPr>
-        <p:blipFill>
-          <a:blip r:embed="rId2"/>
-          <a:stretch>
-            <a:fillRect/>
-          </a:stretch>
-        </p:blipFill>
-        <p:spPr>
-          <a:xfrm>
-            <a:off x="136123" y="1661078"/>
-            <a:ext cx="2486372" cy="2086266"/>
-          </a:xfrm>
-          <a:prstGeom prst="rect">
-            <a:avLst/>
-          </a:prstGeom>
-        </p:spPr>
-      </p:pic>
       <p:sp>
         <p:nvSpPr>
           <p:cNvPr id="2" name="Title 1">
             <a:extLst>
               <a:ext uri="{FF2B5EF4-FFF2-40B4-BE49-F238E27FC236}">
-                <a16:creationId xmlns:a16="http://schemas.microsoft.com/office/drawing/2014/main" id="{76680817-7534-4F76-B2F8-126F78D64F98}"/>
+                <a16:creationId xmlns:a16="http://schemas.microsoft.com/office/drawing/2014/main" id="{D48542B7-C8CE-4A36-A8B8-121936AB66AB}"/>
               </a:ext>
             </a:extLst>
           </p:cNvPr>
@@ -3711,207 +3687,44 @@
             <p:ph type="title"/>
           </p:nvPr>
         </p:nvSpPr>
-        <p:spPr>
-          <a:xfrm>
-            <a:off x="0" y="29173"/>
-            <a:ext cx="11851689" cy="861134"/>
-          </a:xfrm>
-        </p:spPr>
-        <p:txBody>
-          <a:bodyPr>
-            <a:normAutofit fontScale="90000"/>
-          </a:bodyPr>
-          <a:lstStyle/>
-          <a:p>
-            <a:r>
-              <a:rPr lang="en-US"/>
-              <a:t>Hiển thị tên ng</a:t>
-            </a:r>
-            <a:r>
-              <a:rPr lang="vi-VN"/>
-              <a:t>ư</a:t>
-            </a:r>
-            <a:r>
-              <a:rPr lang="en-US"/>
-              <a:t>ời dùng( User) đang đăng nhập WebSite </a:t>
-            </a:r>
-          </a:p>
-        </p:txBody>
-      </p:sp>
-      <p:pic>
-        <p:nvPicPr>
-          <p:cNvPr id="5" name="Picture 4">
-            <a:extLst>
-              <a:ext uri="{FF2B5EF4-FFF2-40B4-BE49-F238E27FC236}">
-                <a16:creationId xmlns:a16="http://schemas.microsoft.com/office/drawing/2014/main" id="{BCB185A6-0CA4-4CE8-A55B-2475F26CCF7C}"/>
-              </a:ext>
-            </a:extLst>
-          </p:cNvPr>
-          <p:cNvPicPr>
-            <a:picLocks noChangeAspect="1"/>
-          </p:cNvPicPr>
-          <p:nvPr/>
-        </p:nvPicPr>
-        <p:blipFill>
-          <a:blip r:embed="rId3"/>
-          <a:stretch>
-            <a:fillRect/>
-          </a:stretch>
-        </p:blipFill>
-        <p:spPr>
-          <a:xfrm>
-            <a:off x="3769477" y="1487963"/>
-            <a:ext cx="3648584" cy="2905530"/>
-          </a:xfrm>
-          <a:prstGeom prst="rect">
-            <a:avLst/>
-          </a:prstGeom>
-        </p:spPr>
-      </p:pic>
-      <p:sp>
-        <p:nvSpPr>
-          <p:cNvPr id="6" name="TextBox 5">
-            <a:extLst>
-              <a:ext uri="{FF2B5EF4-FFF2-40B4-BE49-F238E27FC236}">
-                <a16:creationId xmlns:a16="http://schemas.microsoft.com/office/drawing/2014/main" id="{E1ACBC13-6CFB-42BF-A917-4263F869FB27}"/>
-              </a:ext>
-            </a:extLst>
-          </p:cNvPr>
-          <p:cNvSpPr txBox="1"/>
-          <p:nvPr/>
-        </p:nvSpPr>
-        <p:spPr>
-          <a:xfrm>
-            <a:off x="362277" y="5299769"/>
-            <a:ext cx="4199138" cy="369332"/>
-          </a:xfrm>
-          <a:prstGeom prst="rect">
-            <a:avLst/>
-          </a:prstGeom>
-          <a:noFill/>
-        </p:spPr>
-        <p:txBody>
-          <a:bodyPr wrap="square" rtlCol="0">
-            <a:spAutoFit/>
-          </a:bodyPr>
-          <a:lstStyle/>
-          <a:p>
-            <a:r>
-              <a:rPr lang="en-US"/>
-              <a:t>Chỉ hiển thị với người đã Loggin rồi.</a:t>
-            </a:r>
-          </a:p>
-        </p:txBody>
-      </p:sp>
-      <p:pic>
-        <p:nvPicPr>
-          <p:cNvPr id="7" name="Picture 6">
-            <a:extLst>
-              <a:ext uri="{FF2B5EF4-FFF2-40B4-BE49-F238E27FC236}">
-                <a16:creationId xmlns:a16="http://schemas.microsoft.com/office/drawing/2014/main" id="{BBE54A64-B89C-4F8E-849A-02C5C855AFBC}"/>
-              </a:ext>
-            </a:extLst>
-          </p:cNvPr>
-          <p:cNvPicPr>
-            <a:picLocks noChangeAspect="1"/>
-          </p:cNvPicPr>
-          <p:nvPr/>
-        </p:nvPicPr>
-        <p:blipFill>
-          <a:blip r:embed="rId4"/>
-          <a:stretch>
-            <a:fillRect/>
-          </a:stretch>
-        </p:blipFill>
-        <p:spPr>
-          <a:xfrm>
-            <a:off x="8565043" y="1580104"/>
-            <a:ext cx="3490834" cy="2248214"/>
-          </a:xfrm>
-          <a:prstGeom prst="rect">
-            <a:avLst/>
-          </a:prstGeom>
-        </p:spPr>
-      </p:pic>
-      <p:cxnSp>
-        <p:nvCxnSpPr>
-          <p:cNvPr id="9" name="Straight Arrow Connector 8">
-            <a:extLst>
-              <a:ext uri="{FF2B5EF4-FFF2-40B4-BE49-F238E27FC236}">
-                <a16:creationId xmlns:a16="http://schemas.microsoft.com/office/drawing/2014/main" id="{FABEE0D9-1D61-4570-8B9D-73F97291207D}"/>
-              </a:ext>
-            </a:extLst>
-          </p:cNvPr>
-          <p:cNvCxnSpPr>
-            <a:cxnSpLocks/>
-            <a:endCxn id="7" idx="1"/>
-          </p:cNvCxnSpPr>
-          <p:nvPr/>
-        </p:nvCxnSpPr>
-        <p:spPr>
-          <a:xfrm>
-            <a:off x="7370072" y="2704211"/>
-            <a:ext cx="1194971" cy="0"/>
-          </a:xfrm>
-          <a:prstGeom prst="straightConnector1">
-            <a:avLst/>
-          </a:prstGeom>
-          <a:ln>
-            <a:tailEnd type="triangle"/>
-          </a:ln>
-        </p:spPr>
-        <p:style>
-          <a:lnRef idx="1">
-            <a:schemeClr val="dk1"/>
-          </a:lnRef>
-          <a:fillRef idx="0">
-            <a:schemeClr val="dk1"/>
-          </a:fillRef>
-          <a:effectRef idx="0">
-            <a:schemeClr val="dk1"/>
-          </a:effectRef>
-          <a:fontRef idx="minor">
-            <a:schemeClr val="tx1"/>
-          </a:fontRef>
-        </p:style>
-      </p:cxnSp>
-      <p:cxnSp>
-        <p:nvCxnSpPr>
-          <p:cNvPr id="8" name="Straight Arrow Connector 7"/>
-          <p:cNvCxnSpPr/>
-          <p:nvPr/>
-        </p:nvCxnSpPr>
-        <p:spPr>
-          <a:xfrm flipV="1">
-            <a:off x="2461846" y="2567354"/>
-            <a:ext cx="1406769" cy="8792"/>
-          </a:xfrm>
-          <a:prstGeom prst="straightConnector1">
-            <a:avLst/>
-          </a:prstGeom>
-          <a:ln>
-            <a:tailEnd type="triangle"/>
-          </a:ln>
-        </p:spPr>
-        <p:style>
-          <a:lnRef idx="1">
-            <a:schemeClr val="dk1"/>
-          </a:lnRef>
-          <a:fillRef idx="0">
-            <a:schemeClr val="dk1"/>
-          </a:fillRef>
-          <a:effectRef idx="0">
-            <a:schemeClr val="dk1"/>
-          </a:effectRef>
-          <a:fontRef idx="minor">
-            <a:schemeClr val="tx1"/>
-          </a:fontRef>
-        </p:style>
-      </p:cxnSp>
+        <p:spPr/>
+        <p:txBody>
+          <a:bodyPr/>
+          <a:lstStyle/>
+          <a:p>
+            <a:endParaRPr lang="en-US"/>
+          </a:p>
+        </p:txBody>
+      </p:sp>
+      <p:sp>
+        <p:nvSpPr>
+          <p:cNvPr id="3" name="Content Placeholder 2">
+            <a:extLst>
+              <a:ext uri="{FF2B5EF4-FFF2-40B4-BE49-F238E27FC236}">
+                <a16:creationId xmlns:a16="http://schemas.microsoft.com/office/drawing/2014/main" id="{E96F8FB7-30CA-4A25-A1C8-BC8057F5D4F2}"/>
+              </a:ext>
+            </a:extLst>
+          </p:cNvPr>
+          <p:cNvSpPr>
+            <a:spLocks noGrp="1"/>
+          </p:cNvSpPr>
+          <p:nvPr>
+            <p:ph idx="1"/>
+          </p:nvPr>
+        </p:nvSpPr>
+        <p:spPr/>
+        <p:txBody>
+          <a:bodyPr/>
+          <a:lstStyle/>
+          <a:p>
+            <a:endParaRPr lang="en-US"/>
+          </a:p>
+        </p:txBody>
+      </p:sp>
     </p:spTree>
     <p:extLst>
       <p:ext uri="{BB962C8B-B14F-4D97-AF65-F5344CB8AC3E}">
-        <p14:creationId xmlns:p14="http://schemas.microsoft.com/office/powerpoint/2010/main" val="2298193462"/>
+        <p14:creationId xmlns:p14="http://schemas.microsoft.com/office/powerpoint/2010/main" val="4216931839"/>
       </p:ext>
     </p:extLst>
   </p:cSld>
@@ -3943,7 +3756,7 @@
           <p:cNvPr id="2" name="Title 1">
             <a:extLst>
               <a:ext uri="{FF2B5EF4-FFF2-40B4-BE49-F238E27FC236}">
-                <a16:creationId xmlns:a16="http://schemas.microsoft.com/office/drawing/2014/main" id="{EBA36D2C-06DC-45B2-A662-72B4907A4695}"/>
+                <a16:creationId xmlns:a16="http://schemas.microsoft.com/office/drawing/2014/main" id="{F1177AFD-B5AF-4FB7-84D5-5538E39A3B57}"/>
               </a:ext>
             </a:extLst>
           </p:cNvPr>
@@ -3954,208 +3767,44 @@
             <p:ph type="title"/>
           </p:nvPr>
         </p:nvSpPr>
-        <p:spPr>
-          <a:xfrm>
-            <a:off x="0" y="18255"/>
-            <a:ext cx="11353800" cy="1325563"/>
-          </a:xfrm>
-        </p:spPr>
+        <p:spPr/>
         <p:txBody>
           <a:bodyPr/>
           <a:lstStyle/>
           <a:p>
-            <a:r>
-              <a:rPr lang="en-US"/>
-              <a:t>Menu tài khoản cho phép User chỉnh sửa tài khoản của mình </a:t>
-            </a:r>
-          </a:p>
-        </p:txBody>
-      </p:sp>
-      <p:pic>
-        <p:nvPicPr>
-          <p:cNvPr id="4" name="Picture 3">
-            <a:extLst>
-              <a:ext uri="{FF2B5EF4-FFF2-40B4-BE49-F238E27FC236}">
-                <a16:creationId xmlns:a16="http://schemas.microsoft.com/office/drawing/2014/main" id="{7C1164C9-9490-4330-A159-803F67E84ED3}"/>
-              </a:ext>
-            </a:extLst>
-          </p:cNvPr>
-          <p:cNvPicPr>
-            <a:picLocks noChangeAspect="1"/>
-          </p:cNvPicPr>
-          <p:nvPr/>
-        </p:nvPicPr>
-        <p:blipFill>
-          <a:blip r:embed="rId2"/>
-          <a:stretch>
-            <a:fillRect/>
-          </a:stretch>
-        </p:blipFill>
-        <p:spPr>
-          <a:xfrm>
-            <a:off x="723826" y="1866213"/>
-            <a:ext cx="2836120" cy="1562787"/>
-          </a:xfrm>
-          <a:prstGeom prst="rect">
-            <a:avLst/>
-          </a:prstGeom>
-        </p:spPr>
-      </p:pic>
-      <p:pic>
-        <p:nvPicPr>
-          <p:cNvPr id="5" name="Picture 4">
-            <a:extLst>
-              <a:ext uri="{FF2B5EF4-FFF2-40B4-BE49-F238E27FC236}">
-                <a16:creationId xmlns:a16="http://schemas.microsoft.com/office/drawing/2014/main" id="{B39B1E98-A15F-45A8-9A38-DF5FD9F6AF36}"/>
-              </a:ext>
-            </a:extLst>
-          </p:cNvPr>
-          <p:cNvPicPr>
-            <a:picLocks noChangeAspect="1"/>
-          </p:cNvPicPr>
-          <p:nvPr/>
-        </p:nvPicPr>
-        <p:blipFill>
-          <a:blip r:embed="rId3"/>
-          <a:stretch>
-            <a:fillRect/>
-          </a:stretch>
-        </p:blipFill>
-        <p:spPr>
-          <a:xfrm>
-            <a:off x="5505075" y="1761467"/>
-            <a:ext cx="4058216" cy="3477110"/>
-          </a:xfrm>
-          <a:prstGeom prst="rect">
-            <a:avLst/>
-          </a:prstGeom>
-        </p:spPr>
-      </p:pic>
-      <p:sp>
-        <p:nvSpPr>
-          <p:cNvPr id="6" name="Rectangle 5">
-            <a:extLst>
-              <a:ext uri="{FF2B5EF4-FFF2-40B4-BE49-F238E27FC236}">
-                <a16:creationId xmlns:a16="http://schemas.microsoft.com/office/drawing/2014/main" id="{FB5F9F1A-DF11-44AA-8630-DA32D8607EBD}"/>
-              </a:ext>
-            </a:extLst>
-          </p:cNvPr>
-          <p:cNvSpPr/>
-          <p:nvPr/>
-        </p:nvSpPr>
-        <p:spPr>
-          <a:xfrm>
-            <a:off x="5676900" y="2647606"/>
-            <a:ext cx="3875473" cy="495089"/>
-          </a:xfrm>
-          <a:prstGeom prst="rect">
-            <a:avLst/>
-          </a:prstGeom>
-          <a:noFill/>
-        </p:spPr>
-        <p:style>
-          <a:lnRef idx="2">
-            <a:schemeClr val="accent2">
-              <a:shade val="50000"/>
-            </a:schemeClr>
-          </a:lnRef>
-          <a:fillRef idx="1">
-            <a:schemeClr val="accent2"/>
-          </a:fillRef>
-          <a:effectRef idx="0">
-            <a:schemeClr val="accent2"/>
-          </a:effectRef>
-          <a:fontRef idx="minor">
-            <a:schemeClr val="lt1"/>
-          </a:fontRef>
-        </p:style>
-        <p:txBody>
-          <a:bodyPr rtlCol="0" anchor="ctr"/>
-          <a:lstStyle/>
-          <a:p>
-            <a:pPr algn="ctr"/>
             <a:endParaRPr lang="en-US"/>
           </a:p>
         </p:txBody>
       </p:sp>
-      <p:cxnSp>
-        <p:nvCxnSpPr>
-          <p:cNvPr id="8" name="Straight Arrow Connector 7">
-            <a:extLst>
-              <a:ext uri="{FF2B5EF4-FFF2-40B4-BE49-F238E27FC236}">
-                <a16:creationId xmlns:a16="http://schemas.microsoft.com/office/drawing/2014/main" id="{EDD106A5-7F40-4D45-A36B-9BD1EAC1E382}"/>
-              </a:ext>
-            </a:extLst>
-          </p:cNvPr>
-          <p:cNvCxnSpPr/>
-          <p:nvPr/>
-        </p:nvCxnSpPr>
-        <p:spPr>
-          <a:xfrm flipH="1">
-            <a:off x="4447713" y="3107184"/>
-            <a:ext cx="1500326" cy="1296140"/>
-          </a:xfrm>
-          <a:prstGeom prst="straightConnector1">
-            <a:avLst/>
-          </a:prstGeom>
-          <a:ln>
-            <a:tailEnd type="triangle"/>
-          </a:ln>
-        </p:spPr>
-        <p:style>
-          <a:lnRef idx="1">
-            <a:schemeClr val="accent2"/>
-          </a:lnRef>
-          <a:fillRef idx="0">
-            <a:schemeClr val="accent2"/>
-          </a:fillRef>
-          <a:effectRef idx="0">
-            <a:schemeClr val="accent2"/>
-          </a:effectRef>
-          <a:fontRef idx="minor">
-            <a:schemeClr val="tx1"/>
-          </a:fontRef>
-        </p:style>
-      </p:cxnSp>
-      <p:sp>
-        <p:nvSpPr>
-          <p:cNvPr id="9" name="TextBox 8">
-            <a:extLst>
-              <a:ext uri="{FF2B5EF4-FFF2-40B4-BE49-F238E27FC236}">
-                <a16:creationId xmlns:a16="http://schemas.microsoft.com/office/drawing/2014/main" id="{DC912DE6-9B17-4508-9005-546B8B22CEBD}"/>
-              </a:ext>
-            </a:extLst>
-          </p:cNvPr>
-          <p:cNvSpPr txBox="1"/>
-          <p:nvPr/>
-        </p:nvSpPr>
-        <p:spPr>
-          <a:xfrm>
-            <a:off x="1606656" y="4451618"/>
-            <a:ext cx="3898419" cy="369332"/>
-          </a:xfrm>
-          <a:prstGeom prst="rect">
-            <a:avLst/>
-          </a:prstGeom>
-          <a:noFill/>
-        </p:spPr>
-        <p:txBody>
-          <a:bodyPr wrap="square" rtlCol="0">
-            <a:spAutoFit/>
-          </a:bodyPr>
-          <a:lstStyle/>
-          <a:p>
-            <a:r>
-              <a:rPr lang="en-US"/>
-              <a:t>Là trang con của trang Chào tài khoản.</a:t>
-            </a:r>
+      <p:sp>
+        <p:nvSpPr>
+          <p:cNvPr id="3" name="Content Placeholder 2">
+            <a:extLst>
+              <a:ext uri="{FF2B5EF4-FFF2-40B4-BE49-F238E27FC236}">
+                <a16:creationId xmlns:a16="http://schemas.microsoft.com/office/drawing/2014/main" id="{D6C48FDB-52AA-4E1C-9D33-8A73BA84AC74}"/>
+              </a:ext>
+            </a:extLst>
+          </p:cNvPr>
+          <p:cNvSpPr>
+            <a:spLocks noGrp="1"/>
+          </p:cNvSpPr>
+          <p:nvPr>
+            <p:ph idx="1"/>
+          </p:nvPr>
+        </p:nvSpPr>
+        <p:spPr/>
+        <p:txBody>
+          <a:bodyPr/>
+          <a:lstStyle/>
+          <a:p>
+            <a:endParaRPr lang="en-US"/>
           </a:p>
         </p:txBody>
       </p:sp>
     </p:spTree>
     <p:extLst>
       <p:ext uri="{BB962C8B-B14F-4D97-AF65-F5344CB8AC3E}">
-        <p14:creationId xmlns:p14="http://schemas.microsoft.com/office/powerpoint/2010/main" val="1894886131"/>
+        <p14:creationId xmlns:p14="http://schemas.microsoft.com/office/powerpoint/2010/main" val="3744474855"/>
       </p:ext>
     </p:extLst>
   </p:cSld>
@@ -4187,7 +3836,7 @@
           <p:cNvPr id="2" name="Title 1">
             <a:extLst>
               <a:ext uri="{FF2B5EF4-FFF2-40B4-BE49-F238E27FC236}">
-                <a16:creationId xmlns:a16="http://schemas.microsoft.com/office/drawing/2014/main" id="{F4A0E974-0371-4B17-BFD1-6FFA43CB5333}"/>
+                <a16:creationId xmlns:a16="http://schemas.microsoft.com/office/drawing/2014/main" id="{C5778106-97C3-47FB-97D4-F5DA187D1DDF}"/>
               </a:ext>
             </a:extLst>
           </p:cNvPr>
@@ -4198,165 +3847,44 @@
             <p:ph type="title"/>
           </p:nvPr>
         </p:nvSpPr>
-        <p:spPr>
-          <a:xfrm>
-            <a:off x="275208" y="365126"/>
-            <a:ext cx="11078592" cy="1215100"/>
-          </a:xfrm>
-        </p:spPr>
+        <p:spPr/>
         <p:txBody>
           <a:bodyPr/>
           <a:lstStyle/>
           <a:p>
-            <a:r>
-              <a:rPr lang="en-US"/>
-              <a:t>Tạo ra nút Log-out</a:t>
-            </a:r>
-          </a:p>
-        </p:txBody>
-      </p:sp>
-      <p:pic>
-        <p:nvPicPr>
-          <p:cNvPr id="4" name="Content Placeholder 3">
-            <a:extLst>
-              <a:ext uri="{FF2B5EF4-FFF2-40B4-BE49-F238E27FC236}">
-                <a16:creationId xmlns:a16="http://schemas.microsoft.com/office/drawing/2014/main" id="{798646A5-38B6-4B7A-9920-D2062CFB0F7B}"/>
-              </a:ext>
-            </a:extLst>
-          </p:cNvPr>
-          <p:cNvPicPr>
-            <a:picLocks noGrp="1" noChangeAspect="1"/>
-          </p:cNvPicPr>
+            <a:endParaRPr lang="en-US"/>
+          </a:p>
+        </p:txBody>
+      </p:sp>
+      <p:sp>
+        <p:nvSpPr>
+          <p:cNvPr id="3" name="Content Placeholder 2">
+            <a:extLst>
+              <a:ext uri="{FF2B5EF4-FFF2-40B4-BE49-F238E27FC236}">
+                <a16:creationId xmlns:a16="http://schemas.microsoft.com/office/drawing/2014/main" id="{320BA6AD-EB14-4B19-B42A-6B62A18148F0}"/>
+              </a:ext>
+            </a:extLst>
+          </p:cNvPr>
+          <p:cNvSpPr>
+            <a:spLocks noGrp="1"/>
+          </p:cNvSpPr>
           <p:nvPr>
             <p:ph idx="1"/>
           </p:nvPr>
-        </p:nvPicPr>
-        <p:blipFill>
-          <a:blip r:embed="rId2"/>
-          <a:stretch>
-            <a:fillRect/>
-          </a:stretch>
-        </p:blipFill>
-        <p:spPr>
-          <a:xfrm>
-            <a:off x="8359067" y="232512"/>
-            <a:ext cx="2629267" cy="2353003"/>
-          </a:xfrm>
-          <a:prstGeom prst="rect">
-            <a:avLst/>
-          </a:prstGeom>
-        </p:spPr>
-      </p:pic>
-      <p:pic>
-        <p:nvPicPr>
-          <p:cNvPr id="5" name="Picture 4">
-            <a:extLst>
-              <a:ext uri="{FF2B5EF4-FFF2-40B4-BE49-F238E27FC236}">
-                <a16:creationId xmlns:a16="http://schemas.microsoft.com/office/drawing/2014/main" id="{9906141A-7610-487C-B7CC-7F11DEBB3888}"/>
-              </a:ext>
-            </a:extLst>
-          </p:cNvPr>
-          <p:cNvPicPr>
-            <a:picLocks noChangeAspect="1"/>
-          </p:cNvPicPr>
-          <p:nvPr/>
-        </p:nvPicPr>
-        <p:blipFill>
-          <a:blip r:embed="rId3"/>
-          <a:stretch>
-            <a:fillRect/>
-          </a:stretch>
-        </p:blipFill>
-        <p:spPr>
-          <a:xfrm>
-            <a:off x="917043" y="1846557"/>
-            <a:ext cx="4258269" cy="4545366"/>
-          </a:xfrm>
-          <a:prstGeom prst="rect">
-            <a:avLst/>
-          </a:prstGeom>
-        </p:spPr>
-      </p:pic>
-      <p:cxnSp>
-        <p:nvCxnSpPr>
-          <p:cNvPr id="7" name="Straight Arrow Connector 6">
-            <a:extLst>
-              <a:ext uri="{FF2B5EF4-FFF2-40B4-BE49-F238E27FC236}">
-                <a16:creationId xmlns:a16="http://schemas.microsoft.com/office/drawing/2014/main" id="{04BF36F7-B62E-4E1B-907C-29491AAF889F}"/>
-              </a:ext>
-            </a:extLst>
-          </p:cNvPr>
-          <p:cNvCxnSpPr>
-            <a:cxnSpLocks/>
-          </p:cNvCxnSpPr>
-          <p:nvPr/>
-        </p:nvCxnSpPr>
-        <p:spPr>
-          <a:xfrm>
-            <a:off x="4634144" y="4403324"/>
-            <a:ext cx="2139518" cy="85248"/>
-          </a:xfrm>
-          <a:prstGeom prst="straightConnector1">
-            <a:avLst/>
-          </a:prstGeom>
-          <a:ln>
-            <a:tailEnd type="triangle"/>
-          </a:ln>
-        </p:spPr>
-        <p:style>
-          <a:lnRef idx="1">
-            <a:schemeClr val="dk1"/>
-          </a:lnRef>
-          <a:fillRef idx="0">
-            <a:schemeClr val="dk1"/>
-          </a:fillRef>
-          <a:effectRef idx="0">
-            <a:schemeClr val="dk1"/>
-          </a:effectRef>
-          <a:fontRef idx="minor">
-            <a:schemeClr val="tx1"/>
-          </a:fontRef>
-        </p:style>
-      </p:cxnSp>
-      <p:sp>
-        <p:nvSpPr>
-          <p:cNvPr id="9" name="TextBox 8">
-            <a:extLst>
-              <a:ext uri="{FF2B5EF4-FFF2-40B4-BE49-F238E27FC236}">
-                <a16:creationId xmlns:a16="http://schemas.microsoft.com/office/drawing/2014/main" id="{038F7268-38E1-4A32-A4BC-5EC4B5B33B58}"/>
-              </a:ext>
-            </a:extLst>
-          </p:cNvPr>
-          <p:cNvSpPr txBox="1"/>
-          <p:nvPr/>
-        </p:nvSpPr>
-        <p:spPr>
-          <a:xfrm>
-            <a:off x="6960093" y="4119240"/>
-            <a:ext cx="4393707" cy="369332"/>
-          </a:xfrm>
-          <a:prstGeom prst="rect">
-            <a:avLst/>
-          </a:prstGeom>
-          <a:noFill/>
-        </p:spPr>
-        <p:txBody>
-          <a:bodyPr wrap="square" rtlCol="0">
-            <a:spAutoFit/>
-          </a:bodyPr>
-          <a:lstStyle/>
-          <a:p>
-            <a:r>
-              <a:rPr lang="en-US"/>
-              <a:t>Cho quay trở về trang chủ khi đăng xuất.</a:t>
-            </a:r>
+        </p:nvSpPr>
+        <p:spPr/>
+        <p:txBody>
+          <a:bodyPr/>
+          <a:lstStyle/>
+          <a:p>
+            <a:endParaRPr lang="en-US"/>
           </a:p>
         </p:txBody>
       </p:sp>
     </p:spTree>
     <p:extLst>
       <p:ext uri="{BB962C8B-B14F-4D97-AF65-F5344CB8AC3E}">
-        <p14:creationId xmlns:p14="http://schemas.microsoft.com/office/powerpoint/2010/main" val="593122484"/>
+        <p14:creationId xmlns:p14="http://schemas.microsoft.com/office/powerpoint/2010/main" val="2976962023"/>
       </p:ext>
     </p:extLst>
   </p:cSld>
@@ -4388,7 +3916,7 @@
           <p:cNvPr id="2" name="Title 1">
             <a:extLst>
               <a:ext uri="{FF2B5EF4-FFF2-40B4-BE49-F238E27FC236}">
-                <a16:creationId xmlns:a16="http://schemas.microsoft.com/office/drawing/2014/main" id="{DA4706DF-6F2A-4796-90B0-ABC5E10B2352}"/>
+                <a16:creationId xmlns:a16="http://schemas.microsoft.com/office/drawing/2014/main" id="{47E462B3-BD0D-45D9-B61C-89CB7A00EB15}"/>
               </a:ext>
             </a:extLst>
           </p:cNvPr>
@@ -4413,7 +3941,7 @@
           <p:cNvPr id="3" name="Content Placeholder 2">
             <a:extLst>
               <a:ext uri="{FF2B5EF4-FFF2-40B4-BE49-F238E27FC236}">
-                <a16:creationId xmlns:a16="http://schemas.microsoft.com/office/drawing/2014/main" id="{CDE20062-DC90-4897-B75B-ABBA8E2663E2}"/>
+                <a16:creationId xmlns:a16="http://schemas.microsoft.com/office/drawing/2014/main" id="{DD685524-2986-42AA-9906-E71E21A1AFB8}"/>
               </a:ext>
             </a:extLst>
           </p:cNvPr>
@@ -4433,40 +3961,10 @@
           </a:p>
         </p:txBody>
       </p:sp>
-      <p:pic>
-        <p:nvPicPr>
-          <p:cNvPr id="4" name="Picture 3">
-            <a:extLst>
-              <a:ext uri="{FF2B5EF4-FFF2-40B4-BE49-F238E27FC236}">
-                <a16:creationId xmlns:a16="http://schemas.microsoft.com/office/drawing/2014/main" id="{C81595F2-9790-426E-B6DF-ABEEE1D06644}"/>
-              </a:ext>
-            </a:extLst>
-          </p:cNvPr>
-          <p:cNvPicPr>
-            <a:picLocks noChangeAspect="1"/>
-          </p:cNvPicPr>
-          <p:nvPr/>
-        </p:nvPicPr>
-        <p:blipFill>
-          <a:blip r:embed="rId2"/>
-          <a:stretch>
-            <a:fillRect/>
-          </a:stretch>
-        </p:blipFill>
-        <p:spPr>
-          <a:xfrm>
-            <a:off x="838200" y="1825625"/>
-            <a:ext cx="5744377" cy="1857634"/>
-          </a:xfrm>
-          <a:prstGeom prst="rect">
-            <a:avLst/>
-          </a:prstGeom>
-        </p:spPr>
-      </p:pic>
     </p:spTree>
     <p:extLst>
       <p:ext uri="{BB962C8B-B14F-4D97-AF65-F5344CB8AC3E}">
-        <p14:creationId xmlns:p14="http://schemas.microsoft.com/office/powerpoint/2010/main" val="1313749454"/>
+        <p14:creationId xmlns:p14="http://schemas.microsoft.com/office/powerpoint/2010/main" val="1177648413"/>
       </p:ext>
     </p:extLst>
   </p:cSld>
@@ -4498,7 +3996,7 @@
           <p:cNvPr id="2" name="Title 1">
             <a:extLst>
               <a:ext uri="{FF2B5EF4-FFF2-40B4-BE49-F238E27FC236}">
-                <a16:creationId xmlns:a16="http://schemas.microsoft.com/office/drawing/2014/main" id="{4B126B82-26A3-4A96-BEDC-8CF20A7E3EF7}"/>
+                <a16:creationId xmlns:a16="http://schemas.microsoft.com/office/drawing/2014/main" id="{A61F4B05-1118-4F7F-A850-5C90344AB8D6}"/>
               </a:ext>
             </a:extLst>
           </p:cNvPr>
@@ -4511,43 +4009,28 @@
         </p:nvSpPr>
         <p:spPr>
           <a:xfrm>
-            <a:off x="536359" y="188896"/>
-            <a:ext cx="10515600" cy="984281"/>
-          </a:xfrm>
-        </p:spPr>
-        <p:txBody>
-          <a:bodyPr/>
-          <a:lstStyle/>
-          <a:p>
-            <a:r>
-              <a:rPr lang="en-US"/>
-              <a:t>Tạo trang đăng nhập</a:t>
-            </a:r>
-          </a:p>
-        </p:txBody>
-      </p:sp>
-      <p:sp>
-        <p:nvSpPr>
-          <p:cNvPr id="3" name="Content Placeholder 2">
-            <a:extLst>
-              <a:ext uri="{FF2B5EF4-FFF2-40B4-BE49-F238E27FC236}">
-                <a16:creationId xmlns:a16="http://schemas.microsoft.com/office/drawing/2014/main" id="{BD8FF51F-605F-4885-9491-6A73050EC24A}"/>
-              </a:ext>
-            </a:extLst>
-          </p:cNvPr>
-          <p:cNvSpPr>
-            <a:spLocks noGrp="1"/>
-          </p:cNvSpPr>
-          <p:nvPr>
-            <p:ph idx="1"/>
-          </p:nvPr>
-        </p:nvSpPr>
-        <p:spPr/>
-        <p:txBody>
-          <a:bodyPr/>
-          <a:lstStyle/>
-          <a:p>
-            <a:endParaRPr lang="en-US"/>
+            <a:off x="92476" y="162834"/>
+            <a:ext cx="10515600" cy="535958"/>
+          </a:xfrm>
+        </p:spPr>
+        <p:txBody>
+          <a:bodyPr>
+            <a:normAutofit fontScale="90000"/>
+          </a:bodyPr>
+          <a:lstStyle/>
+          <a:p>
+            <a:r>
+              <a:rPr lang="en-US"/>
+              <a:t>Nhấn l</a:t>
+            </a:r>
+            <a:r>
+              <a:rPr lang="vi-VN"/>
+              <a:t>ư</a:t>
+            </a:r>
+            <a:r>
+              <a:rPr lang="en-US"/>
+              <a:t>u lại.</a:t>
+            </a:r>
           </a:p>
         </p:txBody>
       </p:sp>
@@ -4556,7 +4039,7 @@
           <p:cNvPr id="4" name="Picture 3">
             <a:extLst>
               <a:ext uri="{FF2B5EF4-FFF2-40B4-BE49-F238E27FC236}">
-                <a16:creationId xmlns:a16="http://schemas.microsoft.com/office/drawing/2014/main" id="{7D7ACEAA-458C-4B69-8719-EEA89707D28D}"/>
+                <a16:creationId xmlns:a16="http://schemas.microsoft.com/office/drawing/2014/main" id="{C04F6CE9-56C3-4141-91C6-BBC66BD00919}"/>
               </a:ext>
             </a:extLst>
           </p:cNvPr>
@@ -4573,8 +4056,8 @@
         </p:blipFill>
         <p:spPr>
           <a:xfrm>
-            <a:off x="838200" y="1111233"/>
-            <a:ext cx="9241654" cy="4635533"/>
+            <a:off x="230904" y="744777"/>
+            <a:ext cx="5216185" cy="5668392"/>
           </a:xfrm>
           <a:prstGeom prst="rect">
             <a:avLst/>
@@ -4583,26 +4066,124 @@
       </p:pic>
       <p:sp>
         <p:nvSpPr>
-          <p:cNvPr id="5" name="TextBox 4">
-            <a:extLst>
-              <a:ext uri="{FF2B5EF4-FFF2-40B4-BE49-F238E27FC236}">
-                <a16:creationId xmlns:a16="http://schemas.microsoft.com/office/drawing/2014/main" id="{D6C7C107-5A8D-4DC1-8EED-300A9D4224B9}"/>
-              </a:ext>
-            </a:extLst>
-          </p:cNvPr>
-          <p:cNvSpPr txBox="1"/>
+          <p:cNvPr id="5" name="Rectangle 4">
+            <a:extLst>
+              <a:ext uri="{FF2B5EF4-FFF2-40B4-BE49-F238E27FC236}">
+                <a16:creationId xmlns:a16="http://schemas.microsoft.com/office/drawing/2014/main" id="{EF9BCAEF-FDCE-49F8-B477-0D6AF0866D50}"/>
+              </a:ext>
+            </a:extLst>
+          </p:cNvPr>
+          <p:cNvSpPr/>
           <p:nvPr/>
         </p:nvSpPr>
         <p:spPr>
           <a:xfrm>
-            <a:off x="838200" y="6276492"/>
-            <a:ext cx="4692588" cy="369332"/>
+            <a:off x="369277" y="6057901"/>
+            <a:ext cx="782515" cy="337684"/>
           </a:xfrm>
           <a:prstGeom prst="rect">
             <a:avLst/>
           </a:prstGeom>
           <a:noFill/>
         </p:spPr>
+        <p:style>
+          <a:lnRef idx="2">
+            <a:schemeClr val="accent2">
+              <a:shade val="50000"/>
+            </a:schemeClr>
+          </a:lnRef>
+          <a:fillRef idx="1">
+            <a:schemeClr val="accent2"/>
+          </a:fillRef>
+          <a:effectRef idx="0">
+            <a:schemeClr val="accent2"/>
+          </a:effectRef>
+          <a:fontRef idx="minor">
+            <a:schemeClr val="lt1"/>
+          </a:fontRef>
+        </p:style>
+        <p:txBody>
+          <a:bodyPr rtlCol="0" anchor="ctr"/>
+          <a:lstStyle/>
+          <a:p>
+            <a:pPr algn="ctr"/>
+            <a:endParaRPr lang="en-US"/>
+          </a:p>
+        </p:txBody>
+      </p:sp>
+      <p:pic>
+        <p:nvPicPr>
+          <p:cNvPr id="3" name="Picture 2"/>
+          <p:cNvPicPr>
+            <a:picLocks noChangeAspect="1"/>
+          </p:cNvPicPr>
+          <p:nvPr/>
+        </p:nvPicPr>
+        <p:blipFill>
+          <a:blip r:embed="rId3"/>
+          <a:stretch>
+            <a:fillRect/>
+          </a:stretch>
+        </p:blipFill>
+        <p:spPr>
+          <a:xfrm>
+            <a:off x="8809892" y="947894"/>
+            <a:ext cx="2848707" cy="2824006"/>
+          </a:xfrm>
+          <a:prstGeom prst="rect">
+            <a:avLst/>
+          </a:prstGeom>
+        </p:spPr>
+      </p:pic>
+      <p:cxnSp>
+        <p:nvCxnSpPr>
+          <p:cNvPr id="7" name="Straight Arrow Connector 6"/>
+          <p:cNvCxnSpPr/>
+          <p:nvPr/>
+        </p:nvCxnSpPr>
+        <p:spPr>
+          <a:xfrm flipV="1">
+            <a:off x="4668715" y="2154115"/>
+            <a:ext cx="4431323" cy="26377"/>
+          </a:xfrm>
+          <a:prstGeom prst="straightConnector1">
+            <a:avLst/>
+          </a:prstGeom>
+          <a:ln>
+            <a:tailEnd type="triangle"/>
+          </a:ln>
+        </p:spPr>
+        <p:style>
+          <a:lnRef idx="1">
+            <a:schemeClr val="dk1"/>
+          </a:lnRef>
+          <a:fillRef idx="0">
+            <a:schemeClr val="dk1"/>
+          </a:fillRef>
+          <a:effectRef idx="0">
+            <a:schemeClr val="dk1"/>
+          </a:effectRef>
+          <a:fontRef idx="minor">
+            <a:schemeClr val="tx1"/>
+          </a:fontRef>
+        </p:style>
+      </p:cxnSp>
+      <p:sp>
+        <p:nvSpPr>
+          <p:cNvPr id="10" name="TextBox 9"/>
+          <p:cNvSpPr txBox="1"/>
+          <p:nvPr/>
+        </p:nvSpPr>
+        <p:spPr>
+          <a:xfrm>
+            <a:off x="5591908" y="2359897"/>
+            <a:ext cx="2989384" cy="923330"/>
+          </a:xfrm>
+          <a:prstGeom prst="rect">
+            <a:avLst/>
+          </a:prstGeom>
+          <a:noFill/>
+        </p:spPr>
         <p:txBody>
           <a:bodyPr wrap="square" rtlCol="0">
             <a:spAutoFit/>
@@ -4610,8 +4191,189 @@
           <a:lstStyle/>
           <a:p>
             <a:r>
-              <a:rPr lang="en-US"/>
-              <a:t>Tiến hành sửa trang với Elementor.</a:t>
+              <a:rPr lang="en-US" dirty="0" err="1"/>
+              <a:t>Mục</a:t>
+            </a:r>
+            <a:r>
+              <a:rPr lang="en-US" dirty="0"/>
+              <a:t> </a:t>
+            </a:r>
+            <a:r>
+              <a:rPr lang="en-US" dirty="0" err="1"/>
+              <a:t>tiêu</a:t>
+            </a:r>
+            <a:r>
+              <a:rPr lang="en-US" dirty="0"/>
+              <a:t>: </a:t>
+            </a:r>
+            <a:r>
+              <a:rPr lang="en-US" dirty="0" err="1"/>
+              <a:t>đang</a:t>
+            </a:r>
+            <a:r>
+              <a:rPr lang="en-US" dirty="0"/>
+              <a:t> </a:t>
+            </a:r>
+            <a:r>
+              <a:rPr lang="en-US" dirty="0" err="1"/>
+              <a:t>muốn</a:t>
+            </a:r>
+            <a:r>
+              <a:rPr lang="en-US" dirty="0"/>
+              <a:t> </a:t>
+            </a:r>
+            <a:r>
+              <a:rPr lang="en-US" dirty="0" err="1"/>
+              <a:t>đưa</a:t>
+            </a:r>
+            <a:r>
+              <a:rPr lang="en-US" dirty="0"/>
+              <a:t> </a:t>
+            </a:r>
+            <a:r>
+              <a:rPr lang="en-US" dirty="0" err="1"/>
+              <a:t>phần</a:t>
+            </a:r>
+            <a:r>
+              <a:rPr lang="en-US" dirty="0"/>
+              <a:t> </a:t>
+            </a:r>
+            <a:r>
+              <a:rPr lang="en-US" dirty="0" err="1"/>
+              <a:t>đăng</a:t>
+            </a:r>
+            <a:r>
+              <a:rPr lang="en-US" dirty="0"/>
+              <a:t> </a:t>
+            </a:r>
+            <a:r>
+              <a:rPr lang="en-US" dirty="0" err="1"/>
+              <a:t>ký</a:t>
+            </a:r>
+            <a:r>
+              <a:rPr lang="en-US" dirty="0"/>
+              <a:t>, </a:t>
+            </a:r>
+            <a:r>
+              <a:rPr lang="en-US" dirty="0" err="1"/>
+              <a:t>đăng</a:t>
+            </a:r>
+            <a:r>
+              <a:rPr lang="en-US" dirty="0"/>
+              <a:t> </a:t>
+            </a:r>
+            <a:r>
+              <a:rPr lang="en-US" dirty="0" err="1"/>
+              <a:t>nhập</a:t>
+            </a:r>
+            <a:r>
+              <a:rPr lang="en-US" dirty="0"/>
+              <a:t> </a:t>
+            </a:r>
+            <a:r>
+              <a:rPr lang="en-US" dirty="0" err="1"/>
+              <a:t>ra</a:t>
+            </a:r>
+            <a:r>
+              <a:rPr lang="en-US" dirty="0"/>
+              <a:t> </a:t>
+            </a:r>
+            <a:r>
+              <a:rPr lang="en-US" dirty="0" err="1"/>
+              <a:t>bên</a:t>
+            </a:r>
+            <a:r>
+              <a:rPr lang="en-US" dirty="0"/>
+              <a:t> </a:t>
+            </a:r>
+            <a:r>
+              <a:rPr lang="en-US" dirty="0" err="1"/>
+              <a:t>ngoài</a:t>
+            </a:r>
+            <a:r>
+              <a:rPr lang="en-US" dirty="0"/>
+              <a:t> </a:t>
+            </a:r>
+            <a:r>
+              <a:rPr lang="en-US" dirty="0" err="1"/>
+              <a:t>như</a:t>
+            </a:r>
+            <a:r>
+              <a:rPr lang="en-US" dirty="0"/>
+              <a:t> </a:t>
+            </a:r>
+            <a:r>
+              <a:rPr lang="en-US" dirty="0" err="1"/>
+              <a:t>thế</a:t>
+            </a:r>
+            <a:r>
+              <a:rPr lang="en-US" dirty="0"/>
+              <a:t> </a:t>
+            </a:r>
+            <a:r>
+              <a:rPr lang="en-US" dirty="0" err="1"/>
+              <a:t>này</a:t>
+            </a:r>
+            <a:r>
+              <a:rPr lang="en-US" dirty="0"/>
+              <a:t>.</a:t>
+            </a:r>
+          </a:p>
+        </p:txBody>
+      </p:sp>
+      <p:sp>
+        <p:nvSpPr>
+          <p:cNvPr id="11" name="TextBox 10"/>
+          <p:cNvSpPr txBox="1"/>
+          <p:nvPr/>
+        </p:nvSpPr>
+        <p:spPr>
+          <a:xfrm>
+            <a:off x="5613888" y="1171330"/>
+            <a:ext cx="2945423" cy="646331"/>
+          </a:xfrm>
+          <a:prstGeom prst="rect">
+            <a:avLst/>
+          </a:prstGeom>
+          <a:noFill/>
+        </p:spPr>
+        <p:txBody>
+          <a:bodyPr wrap="square" rtlCol="0">
+            <a:spAutoFit/>
+          </a:bodyPr>
+          <a:lstStyle/>
+          <a:p>
+            <a:r>
+              <a:rPr lang="en-US" dirty="0" err="1"/>
+              <a:t>Tạo</a:t>
+            </a:r>
+            <a:r>
+              <a:rPr lang="en-US" dirty="0"/>
+              <a:t> </a:t>
+            </a:r>
+            <a:r>
+              <a:rPr lang="en-US" dirty="0" err="1"/>
+              <a:t>thành</a:t>
+            </a:r>
+            <a:r>
+              <a:rPr lang="en-US" dirty="0"/>
+              <a:t> “ Menu </a:t>
+            </a:r>
+            <a:r>
+              <a:rPr lang="en-US" dirty="0" err="1"/>
+              <a:t>phụ</a:t>
+            </a:r>
+            <a:r>
+              <a:rPr lang="en-US" dirty="0"/>
+              <a:t>” </a:t>
+            </a:r>
+            <a:r>
+              <a:rPr lang="en-US" dirty="0" err="1"/>
+              <a:t>trên</a:t>
+            </a:r>
+            <a:r>
+              <a:rPr lang="en-US" dirty="0"/>
+              <a:t> Header.</a:t>
             </a:r>
           </a:p>
         </p:txBody>
@@ -4619,7 +4381,7 @@
     </p:spTree>
     <p:extLst>
       <p:ext uri="{BB962C8B-B14F-4D97-AF65-F5344CB8AC3E}">
-        <p14:creationId xmlns:p14="http://schemas.microsoft.com/office/powerpoint/2010/main" val="762978491"/>
+        <p14:creationId xmlns:p14="http://schemas.microsoft.com/office/powerpoint/2010/main" val="3292937197"/>
       </p:ext>
     </p:extLst>
   </p:cSld>
@@ -4646,62 +4408,12 @@
           <a:chExt cx="0" cy="0"/>
         </a:xfrm>
       </p:grpSpPr>
-      <p:sp>
-        <p:nvSpPr>
-          <p:cNvPr id="2" name="Title 1">
-            <a:extLst>
-              <a:ext uri="{FF2B5EF4-FFF2-40B4-BE49-F238E27FC236}">
-                <a16:creationId xmlns:a16="http://schemas.microsoft.com/office/drawing/2014/main" id="{4069C5B1-36E4-4CFA-9CFC-DE722D4553D9}"/>
-              </a:ext>
-            </a:extLst>
-          </p:cNvPr>
-          <p:cNvSpPr>
-            <a:spLocks noGrp="1"/>
-          </p:cNvSpPr>
-          <p:nvPr>
-            <p:ph type="title"/>
-          </p:nvPr>
-        </p:nvSpPr>
-        <p:spPr/>
-        <p:txBody>
-          <a:bodyPr/>
-          <a:lstStyle/>
-          <a:p>
-            <a:endParaRPr lang="en-US"/>
-          </a:p>
-        </p:txBody>
-      </p:sp>
-      <p:sp>
-        <p:nvSpPr>
-          <p:cNvPr id="3" name="Content Placeholder 2">
-            <a:extLst>
-              <a:ext uri="{FF2B5EF4-FFF2-40B4-BE49-F238E27FC236}">
-                <a16:creationId xmlns:a16="http://schemas.microsoft.com/office/drawing/2014/main" id="{B1EEB4C6-97FF-4967-990A-927627314D32}"/>
-              </a:ext>
-            </a:extLst>
-          </p:cNvPr>
-          <p:cNvSpPr>
-            <a:spLocks noGrp="1"/>
-          </p:cNvSpPr>
-          <p:nvPr>
-            <p:ph idx="1"/>
-          </p:nvPr>
-        </p:nvSpPr>
-        <p:spPr/>
-        <p:txBody>
-          <a:bodyPr/>
-          <a:lstStyle/>
-          <a:p>
-            <a:endParaRPr lang="en-US"/>
-          </a:p>
-        </p:txBody>
-      </p:sp>
       <p:pic>
         <p:nvPicPr>
           <p:cNvPr id="4" name="Picture 3">
             <a:extLst>
               <a:ext uri="{FF2B5EF4-FFF2-40B4-BE49-F238E27FC236}">
-                <a16:creationId xmlns:a16="http://schemas.microsoft.com/office/drawing/2014/main" id="{91AB7913-1C2B-48D2-A810-3DB2EC814113}"/>
+                <a16:creationId xmlns:a16="http://schemas.microsoft.com/office/drawing/2014/main" id="{AF41800B-B7A6-4A95-95EA-640110A4C9C2}"/>
               </a:ext>
             </a:extLst>
           </p:cNvPr>
@@ -4718,8 +4430,8 @@
         </p:blipFill>
         <p:spPr>
           <a:xfrm>
-            <a:off x="838200" y="1756035"/>
-            <a:ext cx="3103485" cy="3268726"/>
+            <a:off x="1227272" y="2364703"/>
+            <a:ext cx="3781953" cy="3229426"/>
           </a:xfrm>
           <a:prstGeom prst="rect">
             <a:avLst/>
@@ -4731,7 +4443,7 @@
           <p:cNvPr id="5" name="Picture 4">
             <a:extLst>
               <a:ext uri="{FF2B5EF4-FFF2-40B4-BE49-F238E27FC236}">
-                <a16:creationId xmlns:a16="http://schemas.microsoft.com/office/drawing/2014/main" id="{31847187-2CBE-4CC4-A419-0B1FA46ED856}"/>
+                <a16:creationId xmlns:a16="http://schemas.microsoft.com/office/drawing/2014/main" id="{BA60C51C-EDCC-418E-A96B-E4B72DFB2169}"/>
               </a:ext>
             </a:extLst>
           </p:cNvPr>
@@ -4748,8 +4460,8 @@
         </p:blipFill>
         <p:spPr>
           <a:xfrm>
-            <a:off x="7391663" y="395689"/>
-            <a:ext cx="3534268" cy="3105583"/>
+            <a:off x="9306649" y="4250851"/>
+            <a:ext cx="1543265" cy="609685"/>
           </a:xfrm>
           <a:prstGeom prst="rect">
             <a:avLst/>
@@ -4758,36 +4470,48 @@
       </p:pic>
       <p:sp>
         <p:nvSpPr>
-          <p:cNvPr id="6" name="TextBox 5">
-            <a:extLst>
-              <a:ext uri="{FF2B5EF4-FFF2-40B4-BE49-F238E27FC236}">
-                <a16:creationId xmlns:a16="http://schemas.microsoft.com/office/drawing/2014/main" id="{F210F410-5C44-458B-AEEF-75B318ABF297}"/>
-              </a:ext>
-            </a:extLst>
-          </p:cNvPr>
-          <p:cNvSpPr txBox="1"/>
+          <p:cNvPr id="6" name="Rectangle 5">
+            <a:extLst>
+              <a:ext uri="{FF2B5EF4-FFF2-40B4-BE49-F238E27FC236}">
+                <a16:creationId xmlns:a16="http://schemas.microsoft.com/office/drawing/2014/main" id="{01A970ED-020A-4734-A852-0AC36B1CC884}"/>
+              </a:ext>
+            </a:extLst>
+          </p:cNvPr>
+          <p:cNvSpPr/>
           <p:nvPr/>
         </p:nvSpPr>
         <p:spPr>
           <a:xfrm>
-            <a:off x="7259476" y="4192786"/>
-            <a:ext cx="3879542" cy="646331"/>
+            <a:off x="9460557" y="4492103"/>
+            <a:ext cx="1068311" cy="355105"/>
           </a:xfrm>
           <a:prstGeom prst="rect">
             <a:avLst/>
           </a:prstGeom>
           <a:noFill/>
         </p:spPr>
-        <p:txBody>
-          <a:bodyPr wrap="square" rtlCol="0">
-            <a:spAutoFit/>
-          </a:bodyPr>
-          <a:lstStyle/>
-          <a:p>
-            <a:r>
-              <a:rPr lang="en-US"/>
-              <a:t>Bỏ tính năng gg hỏi có phải là robot hay ko của google</a:t>
-            </a:r>
+        <p:style>
+          <a:lnRef idx="2">
+            <a:schemeClr val="accent2">
+              <a:shade val="50000"/>
+            </a:schemeClr>
+          </a:lnRef>
+          <a:fillRef idx="1">
+            <a:schemeClr val="accent2"/>
+          </a:fillRef>
+          <a:effectRef idx="0">
+            <a:schemeClr val="accent2"/>
+          </a:effectRef>
+          <a:fontRef idx="minor">
+            <a:schemeClr val="lt1"/>
+          </a:fontRef>
+        </p:style>
+        <p:txBody>
+          <a:bodyPr rtlCol="0" anchor="ctr"/>
+          <a:lstStyle/>
+          <a:p>
+            <a:pPr algn="ctr"/>
+            <a:endParaRPr lang="en-US"/>
           </a:p>
         </p:txBody>
       </p:sp>
@@ -4796,19 +4520,20 @@
           <p:cNvPr id="8" name="Straight Arrow Connector 7">
             <a:extLst>
               <a:ext uri="{FF2B5EF4-FFF2-40B4-BE49-F238E27FC236}">
-                <a16:creationId xmlns:a16="http://schemas.microsoft.com/office/drawing/2014/main" id="{8533FF72-E7DA-45A0-8430-8DF59E71C77C}"/>
+                <a16:creationId xmlns:a16="http://schemas.microsoft.com/office/drawing/2014/main" id="{EB4F6408-66C1-4C13-9CFD-1A2B6DAC26EA}"/>
               </a:ext>
             </a:extLst>
           </p:cNvPr>
           <p:cNvCxnSpPr>
             <a:cxnSpLocks/>
+            <a:endCxn id="5" idx="1"/>
           </p:cNvCxnSpPr>
           <p:nvPr/>
         </p:nvCxnSpPr>
         <p:spPr>
-          <a:xfrm flipH="1">
-            <a:off x="9871970" y="2854940"/>
-            <a:ext cx="319595" cy="1344198"/>
+          <a:xfrm>
+            <a:off x="4992919" y="4492103"/>
+            <a:ext cx="4313730" cy="63591"/>
           </a:xfrm>
           <a:prstGeom prst="straightConnector1">
             <a:avLst/>
@@ -4832,10 +4557,53 @@
           </a:fontRef>
         </p:style>
       </p:cxnSp>
+      <p:sp>
+        <p:nvSpPr>
+          <p:cNvPr id="12" name="TextBox 11">
+            <a:extLst>
+              <a:ext uri="{FF2B5EF4-FFF2-40B4-BE49-F238E27FC236}">
+                <a16:creationId xmlns:a16="http://schemas.microsoft.com/office/drawing/2014/main" id="{67AA61D6-82DE-4286-958B-368DFAD68D41}"/>
+              </a:ext>
+            </a:extLst>
+          </p:cNvPr>
+          <p:cNvSpPr txBox="1"/>
+          <p:nvPr/>
+        </p:nvSpPr>
+        <p:spPr>
+          <a:xfrm>
+            <a:off x="970625" y="1491448"/>
+            <a:ext cx="10925452" cy="369332"/>
+          </a:xfrm>
+          <a:prstGeom prst="rect">
+            <a:avLst/>
+          </a:prstGeom>
+          <a:noFill/>
+        </p:spPr>
+        <p:txBody>
+          <a:bodyPr wrap="square" rtlCol="0">
+            <a:spAutoFit/>
+          </a:bodyPr>
+          <a:lstStyle/>
+          <a:p>
+            <a:r>
+              <a:rPr lang="en-US"/>
+              <a:t>Áp dụng cho những người chưa đăng nhập có thể xem đ</a:t>
+            </a:r>
+            <a:r>
+              <a:rPr lang="vi-VN"/>
+              <a:t>ư</a:t>
+            </a:r>
+            <a:r>
+              <a:rPr lang="en-US"/>
+              <a:t>ợc link này. </a:t>
+            </a:r>
+          </a:p>
+        </p:txBody>
+      </p:sp>
     </p:spTree>
     <p:extLst>
       <p:ext uri="{BB962C8B-B14F-4D97-AF65-F5344CB8AC3E}">
-        <p14:creationId xmlns:p14="http://schemas.microsoft.com/office/powerpoint/2010/main" val="1051632585"/>
+        <p14:creationId xmlns:p14="http://schemas.microsoft.com/office/powerpoint/2010/main" val="930483059"/>
       </p:ext>
     </p:extLst>
   </p:cSld>
@@ -4862,65 +4630,12 @@
           <a:chExt cx="0" cy="0"/>
         </a:xfrm>
       </p:grpSpPr>
-      <p:sp>
-        <p:nvSpPr>
-          <p:cNvPr id="2" name="Title 1">
-            <a:extLst>
-              <a:ext uri="{FF2B5EF4-FFF2-40B4-BE49-F238E27FC236}">
-                <a16:creationId xmlns:a16="http://schemas.microsoft.com/office/drawing/2014/main" id="{63F78745-9754-4C43-9352-DAD741F18E02}"/>
-              </a:ext>
-            </a:extLst>
-          </p:cNvPr>
-          <p:cNvSpPr>
-            <a:spLocks noGrp="1"/>
-          </p:cNvSpPr>
-          <p:nvPr>
-            <p:ph type="title"/>
-          </p:nvPr>
-        </p:nvSpPr>
-        <p:spPr/>
-        <p:txBody>
-          <a:bodyPr/>
-          <a:lstStyle/>
-          <a:p>
-            <a:r>
-              <a:rPr lang="en-US"/>
-              <a:t>Chỉnh nội dung hiển thị.</a:t>
-            </a:r>
-          </a:p>
-        </p:txBody>
-      </p:sp>
-      <p:sp>
-        <p:nvSpPr>
-          <p:cNvPr id="3" name="Content Placeholder 2">
-            <a:extLst>
-              <a:ext uri="{FF2B5EF4-FFF2-40B4-BE49-F238E27FC236}">
-                <a16:creationId xmlns:a16="http://schemas.microsoft.com/office/drawing/2014/main" id="{EACF3623-4A49-40F2-AAA8-3BA546944141}"/>
-              </a:ext>
-            </a:extLst>
-          </p:cNvPr>
-          <p:cNvSpPr>
-            <a:spLocks noGrp="1"/>
-          </p:cNvSpPr>
-          <p:nvPr>
-            <p:ph idx="1"/>
-          </p:nvPr>
-        </p:nvSpPr>
-        <p:spPr/>
-        <p:txBody>
-          <a:bodyPr/>
-          <a:lstStyle/>
-          <a:p>
-            <a:endParaRPr lang="en-US"/>
-          </a:p>
-        </p:txBody>
-      </p:sp>
       <p:pic>
         <p:nvPicPr>
           <p:cNvPr id="4" name="Picture 3">
             <a:extLst>
               <a:ext uri="{FF2B5EF4-FFF2-40B4-BE49-F238E27FC236}">
-                <a16:creationId xmlns:a16="http://schemas.microsoft.com/office/drawing/2014/main" id="{FB4A7BA6-AC2B-4A88-A13B-898B72747CAD}"/>
+                <a16:creationId xmlns:a16="http://schemas.microsoft.com/office/drawing/2014/main" id="{3A6881DC-5BF2-4F53-8451-29C2CE3E402B}"/>
               </a:ext>
             </a:extLst>
           </p:cNvPr>
@@ -4937,18 +4652,335 @@
         </p:blipFill>
         <p:spPr>
           <a:xfrm>
-            <a:off x="838199" y="1758156"/>
-            <a:ext cx="3911353" cy="4616011"/>
+            <a:off x="136123" y="1661078"/>
+            <a:ext cx="2486372" cy="2086266"/>
           </a:xfrm>
           <a:prstGeom prst="rect">
             <a:avLst/>
           </a:prstGeom>
         </p:spPr>
       </p:pic>
+      <p:sp>
+        <p:nvSpPr>
+          <p:cNvPr id="2" name="Title 1">
+            <a:extLst>
+              <a:ext uri="{FF2B5EF4-FFF2-40B4-BE49-F238E27FC236}">
+                <a16:creationId xmlns:a16="http://schemas.microsoft.com/office/drawing/2014/main" id="{76680817-7534-4F76-B2F8-126F78D64F98}"/>
+              </a:ext>
+            </a:extLst>
+          </p:cNvPr>
+          <p:cNvSpPr>
+            <a:spLocks noGrp="1"/>
+          </p:cNvSpPr>
+          <p:nvPr>
+            <p:ph type="title"/>
+          </p:nvPr>
+        </p:nvSpPr>
+        <p:spPr>
+          <a:xfrm>
+            <a:off x="0" y="29173"/>
+            <a:ext cx="11851689" cy="861134"/>
+          </a:xfrm>
+        </p:spPr>
+        <p:txBody>
+          <a:bodyPr>
+            <a:normAutofit fontScale="90000"/>
+          </a:bodyPr>
+          <a:lstStyle/>
+          <a:p>
+            <a:r>
+              <a:rPr lang="en-US"/>
+              <a:t>Hiển thị tên ng</a:t>
+            </a:r>
+            <a:r>
+              <a:rPr lang="vi-VN"/>
+              <a:t>ư</a:t>
+            </a:r>
+            <a:r>
+              <a:rPr lang="en-US"/>
+              <a:t>ời dùng( User) đang đăng nhập WebSite </a:t>
+            </a:r>
+          </a:p>
+        </p:txBody>
+      </p:sp>
+      <p:pic>
+        <p:nvPicPr>
+          <p:cNvPr id="5" name="Picture 4">
+            <a:extLst>
+              <a:ext uri="{FF2B5EF4-FFF2-40B4-BE49-F238E27FC236}">
+                <a16:creationId xmlns:a16="http://schemas.microsoft.com/office/drawing/2014/main" id="{BCB185A6-0CA4-4CE8-A55B-2475F26CCF7C}"/>
+              </a:ext>
+            </a:extLst>
+          </p:cNvPr>
+          <p:cNvPicPr>
+            <a:picLocks noChangeAspect="1"/>
+          </p:cNvPicPr>
+          <p:nvPr/>
+        </p:nvPicPr>
+        <p:blipFill>
+          <a:blip r:embed="rId3"/>
+          <a:stretch>
+            <a:fillRect/>
+          </a:stretch>
+        </p:blipFill>
+        <p:spPr>
+          <a:xfrm>
+            <a:off x="3769477" y="1487963"/>
+            <a:ext cx="3648584" cy="2905530"/>
+          </a:xfrm>
+          <a:prstGeom prst="rect">
+            <a:avLst/>
+          </a:prstGeom>
+        </p:spPr>
+      </p:pic>
+      <p:sp>
+        <p:nvSpPr>
+          <p:cNvPr id="6" name="TextBox 5">
+            <a:extLst>
+              <a:ext uri="{FF2B5EF4-FFF2-40B4-BE49-F238E27FC236}">
+                <a16:creationId xmlns:a16="http://schemas.microsoft.com/office/drawing/2014/main" id="{E1ACBC13-6CFB-42BF-A917-4263F869FB27}"/>
+              </a:ext>
+            </a:extLst>
+          </p:cNvPr>
+          <p:cNvSpPr txBox="1"/>
+          <p:nvPr/>
+        </p:nvSpPr>
+        <p:spPr>
+          <a:xfrm>
+            <a:off x="362277" y="5385972"/>
+            <a:ext cx="4199138" cy="369332"/>
+          </a:xfrm>
+          <a:prstGeom prst="rect">
+            <a:avLst/>
+          </a:prstGeom>
+          <a:noFill/>
+        </p:spPr>
+        <p:txBody>
+          <a:bodyPr wrap="square" rtlCol="0">
+            <a:spAutoFit/>
+          </a:bodyPr>
+          <a:lstStyle/>
+          <a:p>
+            <a:r>
+              <a:rPr lang="en-US"/>
+              <a:t>Chỉ hiển thị với người đã Loggin rồi.</a:t>
+            </a:r>
+          </a:p>
+        </p:txBody>
+      </p:sp>
+      <p:pic>
+        <p:nvPicPr>
+          <p:cNvPr id="7" name="Picture 6">
+            <a:extLst>
+              <a:ext uri="{FF2B5EF4-FFF2-40B4-BE49-F238E27FC236}">
+                <a16:creationId xmlns:a16="http://schemas.microsoft.com/office/drawing/2014/main" id="{BBE54A64-B89C-4F8E-849A-02C5C855AFBC}"/>
+              </a:ext>
+            </a:extLst>
+          </p:cNvPr>
+          <p:cNvPicPr>
+            <a:picLocks noChangeAspect="1"/>
+          </p:cNvPicPr>
+          <p:nvPr/>
+        </p:nvPicPr>
+        <p:blipFill>
+          <a:blip r:embed="rId4"/>
+          <a:stretch>
+            <a:fillRect/>
+          </a:stretch>
+        </p:blipFill>
+        <p:spPr>
+          <a:xfrm>
+            <a:off x="8565043" y="754481"/>
+            <a:ext cx="3490834" cy="2248214"/>
+          </a:xfrm>
+          <a:prstGeom prst="rect">
+            <a:avLst/>
+          </a:prstGeom>
+        </p:spPr>
+      </p:pic>
+      <p:cxnSp>
+        <p:nvCxnSpPr>
+          <p:cNvPr id="9" name="Straight Arrow Connector 8">
+            <a:extLst>
+              <a:ext uri="{FF2B5EF4-FFF2-40B4-BE49-F238E27FC236}">
+                <a16:creationId xmlns:a16="http://schemas.microsoft.com/office/drawing/2014/main" id="{FABEE0D9-1D61-4570-8B9D-73F97291207D}"/>
+              </a:ext>
+            </a:extLst>
+          </p:cNvPr>
+          <p:cNvCxnSpPr>
+            <a:cxnSpLocks/>
+            <a:endCxn id="7" idx="1"/>
+          </p:cNvCxnSpPr>
+          <p:nvPr/>
+        </p:nvCxnSpPr>
+        <p:spPr>
+          <a:xfrm>
+            <a:off x="7370072" y="1878588"/>
+            <a:ext cx="1194971" cy="0"/>
+          </a:xfrm>
+          <a:prstGeom prst="straightConnector1">
+            <a:avLst/>
+          </a:prstGeom>
+          <a:ln>
+            <a:tailEnd type="triangle"/>
+          </a:ln>
+        </p:spPr>
+        <p:style>
+          <a:lnRef idx="1">
+            <a:schemeClr val="dk1"/>
+          </a:lnRef>
+          <a:fillRef idx="0">
+            <a:schemeClr val="dk1"/>
+          </a:fillRef>
+          <a:effectRef idx="0">
+            <a:schemeClr val="dk1"/>
+          </a:effectRef>
+          <a:fontRef idx="minor">
+            <a:schemeClr val="tx1"/>
+          </a:fontRef>
+        </p:style>
+      </p:cxnSp>
+      <p:cxnSp>
+        <p:nvCxnSpPr>
+          <p:cNvPr id="8" name="Straight Arrow Connector 7"/>
+          <p:cNvCxnSpPr/>
+          <p:nvPr/>
+        </p:nvCxnSpPr>
+        <p:spPr>
+          <a:xfrm flipV="1">
+            <a:off x="2461846" y="2567354"/>
+            <a:ext cx="1406769" cy="8792"/>
+          </a:xfrm>
+          <a:prstGeom prst="straightConnector1">
+            <a:avLst/>
+          </a:prstGeom>
+          <a:ln>
+            <a:tailEnd type="triangle"/>
+          </a:ln>
+        </p:spPr>
+        <p:style>
+          <a:lnRef idx="1">
+            <a:schemeClr val="dk1"/>
+          </a:lnRef>
+          <a:fillRef idx="0">
+            <a:schemeClr val="dk1"/>
+          </a:fillRef>
+          <a:effectRef idx="0">
+            <a:schemeClr val="dk1"/>
+          </a:effectRef>
+          <a:fontRef idx="minor">
+            <a:schemeClr val="tx1"/>
+          </a:fontRef>
+        </p:style>
+      </p:cxnSp>
+      <p:pic>
+        <p:nvPicPr>
+          <p:cNvPr id="3" name="Picture 2">
+            <a:extLst>
+              <a:ext uri="{FF2B5EF4-FFF2-40B4-BE49-F238E27FC236}">
+                <a16:creationId xmlns:a16="http://schemas.microsoft.com/office/drawing/2014/main" id="{7AA38B27-52DD-414C-BCF9-71BADF07035B}"/>
+              </a:ext>
+            </a:extLst>
+          </p:cNvPr>
+          <p:cNvPicPr>
+            <a:picLocks noChangeAspect="1"/>
+          </p:cNvPicPr>
+          <p:nvPr/>
+        </p:nvPicPr>
+        <p:blipFill>
+          <a:blip r:embed="rId5"/>
+          <a:stretch>
+            <a:fillRect/>
+          </a:stretch>
+        </p:blipFill>
+        <p:spPr>
+          <a:xfrm>
+            <a:off x="8797771" y="3923297"/>
+            <a:ext cx="3394229" cy="2905530"/>
+          </a:xfrm>
+          <a:prstGeom prst="rect">
+            <a:avLst/>
+          </a:prstGeom>
+        </p:spPr>
+      </p:pic>
+      <p:cxnSp>
+        <p:nvCxnSpPr>
+          <p:cNvPr id="11" name="Straight Arrow Connector 10">
+            <a:extLst>
+              <a:ext uri="{FF2B5EF4-FFF2-40B4-BE49-F238E27FC236}">
+                <a16:creationId xmlns:a16="http://schemas.microsoft.com/office/drawing/2014/main" id="{B7BD3895-84CF-4214-B92D-03DD866F712F}"/>
+              </a:ext>
+            </a:extLst>
+          </p:cNvPr>
+          <p:cNvCxnSpPr/>
+          <p:nvPr/>
+        </p:nvCxnSpPr>
+        <p:spPr>
+          <a:xfrm>
+            <a:off x="10031767" y="3071674"/>
+            <a:ext cx="0" cy="851623"/>
+          </a:xfrm>
+          <a:prstGeom prst="straightConnector1">
+            <a:avLst/>
+          </a:prstGeom>
+          <a:ln>
+            <a:tailEnd type="triangle"/>
+          </a:ln>
+        </p:spPr>
+        <p:style>
+          <a:lnRef idx="1">
+            <a:schemeClr val="dk1"/>
+          </a:lnRef>
+          <a:fillRef idx="0">
+            <a:schemeClr val="dk1"/>
+          </a:fillRef>
+          <a:effectRef idx="0">
+            <a:schemeClr val="dk1"/>
+          </a:effectRef>
+          <a:fontRef idx="minor">
+            <a:schemeClr val="tx1"/>
+          </a:fontRef>
+        </p:style>
+      </p:cxnSp>
+      <p:sp>
+        <p:nvSpPr>
+          <p:cNvPr id="12" name="TextBox 11">
+            <a:extLst>
+              <a:ext uri="{FF2B5EF4-FFF2-40B4-BE49-F238E27FC236}">
+                <a16:creationId xmlns:a16="http://schemas.microsoft.com/office/drawing/2014/main" id="{7F0CB5B6-1FF3-4350-BF1B-572450A659DE}"/>
+              </a:ext>
+            </a:extLst>
+          </p:cNvPr>
+          <p:cNvSpPr txBox="1"/>
+          <p:nvPr/>
+        </p:nvSpPr>
+        <p:spPr>
+          <a:xfrm>
+            <a:off x="10333608" y="3169328"/>
+            <a:ext cx="1722269" cy="369332"/>
+          </a:xfrm>
+          <a:prstGeom prst="rect">
+            <a:avLst/>
+          </a:prstGeom>
+          <a:noFill/>
+        </p:spPr>
+        <p:txBody>
+          <a:bodyPr wrap="square" rtlCol="0">
+            <a:spAutoFit/>
+          </a:bodyPr>
+          <a:lstStyle/>
+          <a:p>
+            <a:r>
+              <a:rPr lang="en-US"/>
+              <a:t>Xóa phần Tên</a:t>
+            </a:r>
+          </a:p>
+        </p:txBody>
+      </p:sp>
     </p:spTree>
     <p:extLst>
       <p:ext uri="{BB962C8B-B14F-4D97-AF65-F5344CB8AC3E}">
-        <p14:creationId xmlns:p14="http://schemas.microsoft.com/office/powerpoint/2010/main" val="3191674768"/>
+        <p14:creationId xmlns:p14="http://schemas.microsoft.com/office/powerpoint/2010/main" val="2298193462"/>
       </p:ext>
     </p:extLst>
   </p:cSld>
@@ -4980,7 +5012,7 @@
           <p:cNvPr id="2" name="Title 1">
             <a:extLst>
               <a:ext uri="{FF2B5EF4-FFF2-40B4-BE49-F238E27FC236}">
-                <a16:creationId xmlns:a16="http://schemas.microsoft.com/office/drawing/2014/main" id="{EA5E2022-484E-4D0A-9EF9-F026F0392788}"/>
+                <a16:creationId xmlns:a16="http://schemas.microsoft.com/office/drawing/2014/main" id="{EBA36D2C-06DC-45B2-A662-72B4907A4695}"/>
               </a:ext>
             </a:extLst>
           </p:cNvPr>
@@ -4991,40 +5023,20 @@
             <p:ph type="title"/>
           </p:nvPr>
         </p:nvSpPr>
-        <p:spPr/>
+        <p:spPr>
+          <a:xfrm>
+            <a:off x="0" y="18255"/>
+            <a:ext cx="11353800" cy="1325563"/>
+          </a:xfrm>
+        </p:spPr>
         <p:txBody>
           <a:bodyPr/>
           <a:lstStyle/>
           <a:p>
             <a:r>
               <a:rPr lang="en-US"/>
-              <a:t>Chỉnh trang đi vào sau khi đăng nhập.</a:t>
-            </a:r>
-          </a:p>
-        </p:txBody>
-      </p:sp>
-      <p:sp>
-        <p:nvSpPr>
-          <p:cNvPr id="3" name="Content Placeholder 2">
-            <a:extLst>
-              <a:ext uri="{FF2B5EF4-FFF2-40B4-BE49-F238E27FC236}">
-                <a16:creationId xmlns:a16="http://schemas.microsoft.com/office/drawing/2014/main" id="{6885EE8A-2F61-4F69-8BE0-C3F6747DC8EF}"/>
-              </a:ext>
-            </a:extLst>
-          </p:cNvPr>
-          <p:cNvSpPr>
-            <a:spLocks noGrp="1"/>
-          </p:cNvSpPr>
-          <p:nvPr>
-            <p:ph idx="1"/>
-          </p:nvPr>
-        </p:nvSpPr>
-        <p:spPr/>
-        <p:txBody>
-          <a:bodyPr/>
-          <a:lstStyle/>
-          <a:p>
-            <a:endParaRPr lang="en-US"/>
+              <a:t>Menu tài khoản cho phép User chỉnh sửa tài khoản của mình </a:t>
+            </a:r>
           </a:p>
         </p:txBody>
       </p:sp>
@@ -5033,7 +5045,7 @@
           <p:cNvPr id="4" name="Picture 3">
             <a:extLst>
               <a:ext uri="{FF2B5EF4-FFF2-40B4-BE49-F238E27FC236}">
-                <a16:creationId xmlns:a16="http://schemas.microsoft.com/office/drawing/2014/main" id="{72862CC2-4928-4327-BB29-75265EAE4C98}"/>
+                <a16:creationId xmlns:a16="http://schemas.microsoft.com/office/drawing/2014/main" id="{7C1164C9-9490-4330-A159-803F67E84ED3}"/>
               </a:ext>
             </a:extLst>
           </p:cNvPr>
@@ -5050,8 +5062,8 @@
         </p:blipFill>
         <p:spPr>
           <a:xfrm>
-            <a:off x="838200" y="1825625"/>
-            <a:ext cx="9535856" cy="1648055"/>
+            <a:off x="156726" y="1542113"/>
+            <a:ext cx="2836120" cy="1562787"/>
           </a:xfrm>
           <a:prstGeom prst="rect">
             <a:avLst/>
@@ -5063,7 +5075,7 @@
           <p:cNvPr id="5" name="Picture 4">
             <a:extLst>
               <a:ext uri="{FF2B5EF4-FFF2-40B4-BE49-F238E27FC236}">
-                <a16:creationId xmlns:a16="http://schemas.microsoft.com/office/drawing/2014/main" id="{0E3F46D9-7FC0-4477-B83F-A4F8C14BCCB3}"/>
+                <a16:creationId xmlns:a16="http://schemas.microsoft.com/office/drawing/2014/main" id="{B39B1E98-A15F-45A8-9A38-DF5FD9F6AF36}"/>
               </a:ext>
             </a:extLst>
           </p:cNvPr>
@@ -5080,8 +5092,8 @@
         </p:blipFill>
         <p:spPr>
           <a:xfrm>
-            <a:off x="2290244" y="3706604"/>
-            <a:ext cx="3439005" cy="2381582"/>
+            <a:off x="7523265" y="1528702"/>
+            <a:ext cx="4058216" cy="3477110"/>
           </a:xfrm>
           <a:prstGeom prst="rect">
             <a:avLst/>
@@ -5093,7 +5105,7 @@
           <p:cNvPr id="6" name="Rectangle 5">
             <a:extLst>
               <a:ext uri="{FF2B5EF4-FFF2-40B4-BE49-F238E27FC236}">
-                <a16:creationId xmlns:a16="http://schemas.microsoft.com/office/drawing/2014/main" id="{581EB099-2A7B-4C43-8BBD-4CEC38160685}"/>
+                <a16:creationId xmlns:a16="http://schemas.microsoft.com/office/drawing/2014/main" id="{FB5F9F1A-DF11-44AA-8630-DA32D8607EBD}"/>
               </a:ext>
             </a:extLst>
           </p:cNvPr>
@@ -5102,8 +5114,8 @@
         </p:nvSpPr>
         <p:spPr>
           <a:xfrm>
-            <a:off x="2423604" y="4483223"/>
-            <a:ext cx="3266982" cy="479394"/>
+            <a:off x="7614636" y="2402628"/>
+            <a:ext cx="3875473" cy="495089"/>
           </a:xfrm>
           <a:prstGeom prst="rect">
             <a:avLst/>
@@ -5140,7 +5152,7 @@
           <p:cNvPr id="8" name="Straight Arrow Connector 7">
             <a:extLst>
               <a:ext uri="{FF2B5EF4-FFF2-40B4-BE49-F238E27FC236}">
-                <a16:creationId xmlns:a16="http://schemas.microsoft.com/office/drawing/2014/main" id="{43227859-A95F-4A8B-9C71-B7AF37F460BE}"/>
+                <a16:creationId xmlns:a16="http://schemas.microsoft.com/office/drawing/2014/main" id="{EDD106A5-7F40-4D45-A36B-9BD1EAC1E382}"/>
               </a:ext>
             </a:extLst>
           </p:cNvPr>
@@ -5150,9 +5162,86 @@
           <p:nvPr/>
         </p:nvCxnSpPr>
         <p:spPr>
+          <a:xfrm flipH="1">
+            <a:off x="4456591" y="2897717"/>
+            <a:ext cx="3506679" cy="2988178"/>
+          </a:xfrm>
+          <a:prstGeom prst="straightConnector1">
+            <a:avLst/>
+          </a:prstGeom>
+          <a:ln>
+            <a:tailEnd type="triangle"/>
+          </a:ln>
+        </p:spPr>
+        <p:style>
+          <a:lnRef idx="1">
+            <a:schemeClr val="accent2"/>
+          </a:lnRef>
+          <a:fillRef idx="0">
+            <a:schemeClr val="accent2"/>
+          </a:fillRef>
+          <a:effectRef idx="0">
+            <a:schemeClr val="accent2"/>
+          </a:effectRef>
+          <a:fontRef idx="minor">
+            <a:schemeClr val="tx1"/>
+          </a:fontRef>
+        </p:style>
+      </p:cxnSp>
+      <p:sp>
+        <p:nvSpPr>
+          <p:cNvPr id="9" name="TextBox 8">
+            <a:extLst>
+              <a:ext uri="{FF2B5EF4-FFF2-40B4-BE49-F238E27FC236}">
+                <a16:creationId xmlns:a16="http://schemas.microsoft.com/office/drawing/2014/main" id="{DC912DE6-9B17-4508-9005-546B8B22CEBD}"/>
+              </a:ext>
+            </a:extLst>
+          </p:cNvPr>
+          <p:cNvSpPr txBox="1"/>
+          <p:nvPr/>
+        </p:nvSpPr>
+        <p:spPr>
+          <a:xfrm>
+            <a:off x="1482369" y="5797358"/>
+            <a:ext cx="3898419" cy="369332"/>
+          </a:xfrm>
+          <a:prstGeom prst="rect">
+            <a:avLst/>
+          </a:prstGeom>
+          <a:noFill/>
+        </p:spPr>
+        <p:txBody>
+          <a:bodyPr wrap="square" rtlCol="0">
+            <a:spAutoFit/>
+          </a:bodyPr>
+          <a:lstStyle/>
+          <a:p>
+            <a:r>
+              <a:rPr lang="en-US"/>
+              <a:t>Là trang con của trang Chào tài khoản.</a:t>
+            </a:r>
+          </a:p>
+        </p:txBody>
+      </p:sp>
+      <p:cxnSp>
+        <p:nvCxnSpPr>
+          <p:cNvPr id="10" name="Straight Arrow Connector 9">
+            <a:extLst>
+              <a:ext uri="{FF2B5EF4-FFF2-40B4-BE49-F238E27FC236}">
+                <a16:creationId xmlns:a16="http://schemas.microsoft.com/office/drawing/2014/main" id="{841DB34A-18FD-4600-A343-23DD96FE32B5}"/>
+              </a:ext>
+            </a:extLst>
+          </p:cNvPr>
+          <p:cNvCxnSpPr>
+            <a:cxnSpLocks/>
+            <a:stCxn id="4" idx="3"/>
+          </p:cNvCxnSpPr>
+          <p:nvPr/>
+        </p:nvCxnSpPr>
+        <p:spPr>
           <a:xfrm flipV="1">
-            <a:off x="5690586" y="4465468"/>
-            <a:ext cx="1873189" cy="337352"/>
+            <a:off x="2992846" y="2258651"/>
+            <a:ext cx="4530419" cy="64856"/>
           </a:xfrm>
           <a:prstGeom prst="straightConnector1">
             <a:avLst/>
@@ -5178,10 +5267,10 @@
       </p:cxnSp>
       <p:sp>
         <p:nvSpPr>
-          <p:cNvPr id="10" name="TextBox 9">
-            <a:extLst>
-              <a:ext uri="{FF2B5EF4-FFF2-40B4-BE49-F238E27FC236}">
-                <a16:creationId xmlns:a16="http://schemas.microsoft.com/office/drawing/2014/main" id="{6709175E-7044-4CF5-ABA5-9F4DB4950207}"/>
+          <p:cNvPr id="12" name="TextBox 11">
+            <a:extLst>
+              <a:ext uri="{FF2B5EF4-FFF2-40B4-BE49-F238E27FC236}">
+                <a16:creationId xmlns:a16="http://schemas.microsoft.com/office/drawing/2014/main" id="{B6CBA3F2-A2BA-4F91-9DBF-CD9443263930}"/>
               </a:ext>
             </a:extLst>
           </p:cNvPr>
@@ -5190,8 +5279,8 @@
         </p:nvSpPr>
         <p:spPr>
           <a:xfrm>
-            <a:off x="7732450" y="4225771"/>
-            <a:ext cx="3439005" cy="369332"/>
+            <a:off x="3143885" y="1764208"/>
+            <a:ext cx="4228340" cy="369332"/>
           </a:xfrm>
           <a:prstGeom prst="rect">
             <a:avLst/>
@@ -5206,7 +5295,7 @@
           <a:p>
             <a:r>
               <a:rPr lang="en-US"/>
-              <a:t>Điền link trang muốn đi vào.</a:t>
+              <a:t>Tìm trang tài khoản thêm vào trong Menu.</a:t>
             </a:r>
           </a:p>
         </p:txBody>
@@ -5214,7 +5303,7 @@
     </p:spTree>
     <p:extLst>
       <p:ext uri="{BB962C8B-B14F-4D97-AF65-F5344CB8AC3E}">
-        <p14:creationId xmlns:p14="http://schemas.microsoft.com/office/powerpoint/2010/main" val="3063266437"/>
+        <p14:creationId xmlns:p14="http://schemas.microsoft.com/office/powerpoint/2010/main" val="1894886131"/>
       </p:ext>
     </p:extLst>
   </p:cSld>
@@ -5246,7 +5335,7 @@
           <p:cNvPr id="2" name="Title 1">
             <a:extLst>
               <a:ext uri="{FF2B5EF4-FFF2-40B4-BE49-F238E27FC236}">
-                <a16:creationId xmlns:a16="http://schemas.microsoft.com/office/drawing/2014/main" id="{46FFBCD4-D0A1-4256-9329-02CEC4F70F70}"/>
+                <a16:creationId xmlns:a16="http://schemas.microsoft.com/office/drawing/2014/main" id="{F4A0E974-0371-4B17-BFD1-6FFA43CB5333}"/>
               </a:ext>
             </a:extLst>
           </p:cNvPr>
@@ -5259,50 +5348,273 @@
         </p:nvSpPr>
         <p:spPr>
           <a:xfrm>
-            <a:off x="0" y="1"/>
-            <a:ext cx="11913833" cy="825622"/>
-          </a:xfrm>
-        </p:spPr>
-        <p:txBody>
-          <a:bodyPr/>
-          <a:lstStyle/>
-          <a:p>
-            <a:r>
-              <a:rPr lang="en-US"/>
-              <a:t>Sửa trang đăng nhập mặc định trong Worpress:</a:t>
-            </a:r>
-          </a:p>
-        </p:txBody>
-      </p:sp>
-      <p:sp>
-        <p:nvSpPr>
-          <p:cNvPr id="3" name="Content Placeholder 2">
-            <a:extLst>
-              <a:ext uri="{FF2B5EF4-FFF2-40B4-BE49-F238E27FC236}">
-                <a16:creationId xmlns:a16="http://schemas.microsoft.com/office/drawing/2014/main" id="{BADE2774-1FA5-4284-B123-C1A68405747E}"/>
-              </a:ext>
-            </a:extLst>
-          </p:cNvPr>
-          <p:cNvSpPr>
-            <a:spLocks noGrp="1"/>
-          </p:cNvSpPr>
+            <a:off x="0" y="0"/>
+            <a:ext cx="4423642" cy="602540"/>
+          </a:xfrm>
+        </p:spPr>
+        <p:txBody>
+          <a:bodyPr>
+            <a:normAutofit fontScale="90000"/>
+          </a:bodyPr>
+          <a:lstStyle/>
+          <a:p>
+            <a:r>
+              <a:rPr lang="en-US"/>
+              <a:t>Tạo ra nút Log-out</a:t>
+            </a:r>
+          </a:p>
+        </p:txBody>
+      </p:sp>
+      <p:pic>
+        <p:nvPicPr>
+          <p:cNvPr id="4" name="Content Placeholder 3">
+            <a:extLst>
+              <a:ext uri="{FF2B5EF4-FFF2-40B4-BE49-F238E27FC236}">
+                <a16:creationId xmlns:a16="http://schemas.microsoft.com/office/drawing/2014/main" id="{798646A5-38B6-4B7A-9920-D2062CFB0F7B}"/>
+              </a:ext>
+            </a:extLst>
+          </p:cNvPr>
+          <p:cNvPicPr>
+            <a:picLocks noGrp="1" noChangeAspect="1"/>
+          </p:cNvPicPr>
           <p:nvPr>
             <p:ph idx="1"/>
           </p:nvPr>
-        </p:nvSpPr>
-        <p:spPr/>
-        <p:txBody>
-          <a:bodyPr/>
-          <a:lstStyle/>
-          <a:p>
-            <a:endParaRPr lang="en-US"/>
-          </a:p>
-        </p:txBody>
-      </p:sp>
+        </p:nvPicPr>
+        <p:blipFill>
+          <a:blip r:embed="rId2"/>
+          <a:stretch>
+            <a:fillRect/>
+          </a:stretch>
+        </p:blipFill>
+        <p:spPr>
+          <a:xfrm>
+            <a:off x="4980346" y="2110138"/>
+            <a:ext cx="2231307" cy="2053489"/>
+          </a:xfrm>
+          <a:prstGeom prst="rect">
+            <a:avLst/>
+          </a:prstGeom>
+        </p:spPr>
+      </p:pic>
+      <p:pic>
+        <p:nvPicPr>
+          <p:cNvPr id="5" name="Picture 4">
+            <a:extLst>
+              <a:ext uri="{FF2B5EF4-FFF2-40B4-BE49-F238E27FC236}">
+                <a16:creationId xmlns:a16="http://schemas.microsoft.com/office/drawing/2014/main" id="{9906141A-7610-487C-B7CC-7F11DEBB3888}"/>
+              </a:ext>
+            </a:extLst>
+          </p:cNvPr>
+          <p:cNvPicPr>
+            <a:picLocks noChangeAspect="1"/>
+          </p:cNvPicPr>
+          <p:nvPr/>
+        </p:nvPicPr>
+        <p:blipFill>
+          <a:blip r:embed="rId3"/>
+          <a:stretch>
+            <a:fillRect/>
+          </a:stretch>
+        </p:blipFill>
+        <p:spPr>
+          <a:xfrm>
+            <a:off x="7933731" y="1038688"/>
+            <a:ext cx="4258269" cy="4545366"/>
+          </a:xfrm>
+          <a:prstGeom prst="rect">
+            <a:avLst/>
+          </a:prstGeom>
+        </p:spPr>
+      </p:pic>
+      <p:cxnSp>
+        <p:nvCxnSpPr>
+          <p:cNvPr id="7" name="Straight Arrow Connector 6">
+            <a:extLst>
+              <a:ext uri="{FF2B5EF4-FFF2-40B4-BE49-F238E27FC236}">
+                <a16:creationId xmlns:a16="http://schemas.microsoft.com/office/drawing/2014/main" id="{04BF36F7-B62E-4E1B-907C-29491AAF889F}"/>
+              </a:ext>
+            </a:extLst>
+          </p:cNvPr>
+          <p:cNvCxnSpPr>
+            <a:cxnSpLocks/>
+          </p:cNvCxnSpPr>
+          <p:nvPr/>
+        </p:nvCxnSpPr>
+        <p:spPr>
+          <a:xfrm flipH="1">
+            <a:off x="10988334" y="5584054"/>
+            <a:ext cx="365466" cy="908820"/>
+          </a:xfrm>
+          <a:prstGeom prst="straightConnector1">
+            <a:avLst/>
+          </a:prstGeom>
+          <a:ln>
+            <a:tailEnd type="triangle"/>
+          </a:ln>
+        </p:spPr>
+        <p:style>
+          <a:lnRef idx="1">
+            <a:schemeClr val="dk1"/>
+          </a:lnRef>
+          <a:fillRef idx="0">
+            <a:schemeClr val="dk1"/>
+          </a:fillRef>
+          <a:effectRef idx="0">
+            <a:schemeClr val="dk1"/>
+          </a:effectRef>
+          <a:fontRef idx="minor">
+            <a:schemeClr val="tx1"/>
+          </a:fontRef>
+        </p:style>
+      </p:cxnSp>
+      <p:sp>
+        <p:nvSpPr>
+          <p:cNvPr id="9" name="TextBox 8">
+            <a:extLst>
+              <a:ext uri="{FF2B5EF4-FFF2-40B4-BE49-F238E27FC236}">
+                <a16:creationId xmlns:a16="http://schemas.microsoft.com/office/drawing/2014/main" id="{038F7268-38E1-4A32-A4BC-5EC4B5B33B58}"/>
+              </a:ext>
+            </a:extLst>
+          </p:cNvPr>
+          <p:cNvSpPr txBox="1"/>
+          <p:nvPr/>
+        </p:nvSpPr>
+        <p:spPr>
+          <a:xfrm>
+            <a:off x="7883371" y="6433477"/>
+            <a:ext cx="4128117" cy="369332"/>
+          </a:xfrm>
+          <a:prstGeom prst="rect">
+            <a:avLst/>
+          </a:prstGeom>
+          <a:noFill/>
+        </p:spPr>
+        <p:txBody>
+          <a:bodyPr wrap="square" rtlCol="0">
+            <a:spAutoFit/>
+          </a:bodyPr>
+          <a:lstStyle/>
+          <a:p>
+            <a:r>
+              <a:rPr lang="en-US"/>
+              <a:t>Cho quay trở về trang chủ khi đăng xuất.</a:t>
+            </a:r>
+          </a:p>
+        </p:txBody>
+      </p:sp>
+      <p:pic>
+        <p:nvPicPr>
+          <p:cNvPr id="11" name="Picture 10">
+            <a:extLst>
+              <a:ext uri="{FF2B5EF4-FFF2-40B4-BE49-F238E27FC236}">
+                <a16:creationId xmlns:a16="http://schemas.microsoft.com/office/drawing/2014/main" id="{F8BEAD37-9C0C-42C7-9114-58F07B9783E3}"/>
+              </a:ext>
+            </a:extLst>
+          </p:cNvPr>
+          <p:cNvPicPr>
+            <a:picLocks noChangeAspect="1"/>
+          </p:cNvPicPr>
+          <p:nvPr/>
+        </p:nvPicPr>
+        <p:blipFill>
+          <a:blip r:embed="rId4"/>
+          <a:stretch>
+            <a:fillRect/>
+          </a:stretch>
+        </p:blipFill>
+        <p:spPr>
+          <a:xfrm>
+            <a:off x="6663" y="939607"/>
+            <a:ext cx="3943900" cy="5191850"/>
+          </a:xfrm>
+          <a:prstGeom prst="rect">
+            <a:avLst/>
+          </a:prstGeom>
+        </p:spPr>
+      </p:pic>
+      <p:cxnSp>
+        <p:nvCxnSpPr>
+          <p:cNvPr id="13" name="Straight Arrow Connector 12">
+            <a:extLst>
+              <a:ext uri="{FF2B5EF4-FFF2-40B4-BE49-F238E27FC236}">
+                <a16:creationId xmlns:a16="http://schemas.microsoft.com/office/drawing/2014/main" id="{91A0D7EC-BA5D-4D5B-9998-4C689A48ADC2}"/>
+              </a:ext>
+            </a:extLst>
+          </p:cNvPr>
+          <p:cNvCxnSpPr/>
+          <p:nvPr/>
+        </p:nvCxnSpPr>
+        <p:spPr>
+          <a:xfrm>
+            <a:off x="3950563" y="2769833"/>
+            <a:ext cx="1100831" cy="0"/>
+          </a:xfrm>
+          <a:prstGeom prst="straightConnector1">
+            <a:avLst/>
+          </a:prstGeom>
+          <a:ln>
+            <a:tailEnd type="triangle"/>
+          </a:ln>
+        </p:spPr>
+        <p:style>
+          <a:lnRef idx="1">
+            <a:schemeClr val="dk1"/>
+          </a:lnRef>
+          <a:fillRef idx="0">
+            <a:schemeClr val="dk1"/>
+          </a:fillRef>
+          <a:effectRef idx="0">
+            <a:schemeClr val="dk1"/>
+          </a:effectRef>
+          <a:fontRef idx="minor">
+            <a:schemeClr val="tx1"/>
+          </a:fontRef>
+        </p:style>
+      </p:cxnSp>
+      <p:cxnSp>
+        <p:nvCxnSpPr>
+          <p:cNvPr id="15" name="Straight Arrow Connector 14">
+            <a:extLst>
+              <a:ext uri="{FF2B5EF4-FFF2-40B4-BE49-F238E27FC236}">
+                <a16:creationId xmlns:a16="http://schemas.microsoft.com/office/drawing/2014/main" id="{9946CC77-D522-4D38-82AE-6EA9AD1010B6}"/>
+              </a:ext>
+            </a:extLst>
+          </p:cNvPr>
+          <p:cNvCxnSpPr/>
+          <p:nvPr/>
+        </p:nvCxnSpPr>
+        <p:spPr>
+          <a:xfrm>
+            <a:off x="7211653" y="2796466"/>
+            <a:ext cx="813761" cy="0"/>
+          </a:xfrm>
+          <a:prstGeom prst="straightConnector1">
+            <a:avLst/>
+          </a:prstGeom>
+          <a:ln>
+            <a:tailEnd type="triangle"/>
+          </a:ln>
+        </p:spPr>
+        <p:style>
+          <a:lnRef idx="1">
+            <a:schemeClr val="dk1"/>
+          </a:lnRef>
+          <a:fillRef idx="0">
+            <a:schemeClr val="dk1"/>
+          </a:fillRef>
+          <a:effectRef idx="0">
+            <a:schemeClr val="dk1"/>
+          </a:effectRef>
+          <a:fontRef idx="minor">
+            <a:schemeClr val="tx1"/>
+          </a:fontRef>
+        </p:style>
+      </p:cxnSp>
     </p:spTree>
     <p:extLst>
       <p:ext uri="{BB962C8B-B14F-4D97-AF65-F5344CB8AC3E}">
-        <p14:creationId xmlns:p14="http://schemas.microsoft.com/office/powerpoint/2010/main" val="109456763"/>
+        <p14:creationId xmlns:p14="http://schemas.microsoft.com/office/powerpoint/2010/main" val="593122484"/>
       </p:ext>
     </p:extLst>
   </p:cSld>
@@ -5334,7 +5646,7 @@
           <p:cNvPr id="2" name="Title 1">
             <a:extLst>
               <a:ext uri="{FF2B5EF4-FFF2-40B4-BE49-F238E27FC236}">
-                <a16:creationId xmlns:a16="http://schemas.microsoft.com/office/drawing/2014/main" id="{F33D7852-215B-4E6E-ACBD-FF0986A64D4B}"/>
+                <a16:creationId xmlns:a16="http://schemas.microsoft.com/office/drawing/2014/main" id="{DA4706DF-6F2A-4796-90B0-ABC5E10B2352}"/>
               </a:ext>
             </a:extLst>
           </p:cNvPr>
@@ -5350,10 +5662,7 @@
           <a:bodyPr/>
           <a:lstStyle/>
           <a:p>
-            <a:r>
-              <a:rPr lang="en-US"/>
-              <a:t>Chức năng đăng ký đăng nhập, link tham khảo:</a:t>
-            </a:r>
+            <a:endParaRPr lang="en-US"/>
           </a:p>
         </p:txBody>
       </p:sp>
@@ -5362,7 +5671,7 @@
           <p:cNvPr id="3" name="Content Placeholder 2">
             <a:extLst>
               <a:ext uri="{FF2B5EF4-FFF2-40B4-BE49-F238E27FC236}">
-                <a16:creationId xmlns:a16="http://schemas.microsoft.com/office/drawing/2014/main" id="{112E7E59-9713-43F1-8040-7FF0CD4D67A7}"/>
+                <a16:creationId xmlns:a16="http://schemas.microsoft.com/office/drawing/2014/main" id="{CDE20062-DC90-4897-B75B-ABBA8E2663E2}"/>
               </a:ext>
             </a:extLst>
           </p:cNvPr>
@@ -5373,27 +5682,49 @@
             <p:ph idx="1"/>
           </p:nvPr>
         </p:nvSpPr>
+        <p:spPr/>
+        <p:txBody>
+          <a:bodyPr/>
+          <a:lstStyle/>
+          <a:p>
+            <a:endParaRPr lang="en-US"/>
+          </a:p>
+        </p:txBody>
+      </p:sp>
+      <p:pic>
+        <p:nvPicPr>
+          <p:cNvPr id="4" name="Picture 3">
+            <a:extLst>
+              <a:ext uri="{FF2B5EF4-FFF2-40B4-BE49-F238E27FC236}">
+                <a16:creationId xmlns:a16="http://schemas.microsoft.com/office/drawing/2014/main" id="{C81595F2-9790-426E-B6DF-ABEEE1D06644}"/>
+              </a:ext>
+            </a:extLst>
+          </p:cNvPr>
+          <p:cNvPicPr>
+            <a:picLocks noChangeAspect="1"/>
+          </p:cNvPicPr>
+          <p:nvPr/>
+        </p:nvPicPr>
+        <p:blipFill>
+          <a:blip r:embed="rId2"/>
+          <a:stretch>
+            <a:fillRect/>
+          </a:stretch>
+        </p:blipFill>
         <p:spPr>
           <a:xfrm>
             <a:off x="838200" y="1825625"/>
-            <a:ext cx="10515600" cy="1894119"/>
-          </a:xfrm>
-        </p:spPr>
-        <p:txBody>
-          <a:bodyPr/>
-          <a:lstStyle/>
-          <a:p>
-            <a:r>
-              <a:rPr lang="en-US"/>
-              <a:t>https://www.youtube.com/watch?v=s4CPSGUkQaY</a:t>
-            </a:r>
-          </a:p>
-        </p:txBody>
-      </p:sp>
+            <a:ext cx="5744377" cy="1857634"/>
+          </a:xfrm>
+          <a:prstGeom prst="rect">
+            <a:avLst/>
+          </a:prstGeom>
+        </p:spPr>
+      </p:pic>
     </p:spTree>
     <p:extLst>
       <p:ext uri="{BB962C8B-B14F-4D97-AF65-F5344CB8AC3E}">
-        <p14:creationId xmlns:p14="http://schemas.microsoft.com/office/powerpoint/2010/main" val="2813893271"/>
+        <p14:creationId xmlns:p14="http://schemas.microsoft.com/office/powerpoint/2010/main" val="1313749454"/>
       </p:ext>
     </p:extLst>
   </p:cSld>
@@ -5632,12 +5963,70 @@
           <a:chExt cx="0" cy="0"/>
         </a:xfrm>
       </p:grpSpPr>
+      <p:sp>
+        <p:nvSpPr>
+          <p:cNvPr id="2" name="Title 1">
+            <a:extLst>
+              <a:ext uri="{FF2B5EF4-FFF2-40B4-BE49-F238E27FC236}">
+                <a16:creationId xmlns:a16="http://schemas.microsoft.com/office/drawing/2014/main" id="{4B126B82-26A3-4A96-BEDC-8CF20A7E3EF7}"/>
+              </a:ext>
+            </a:extLst>
+          </p:cNvPr>
+          <p:cNvSpPr>
+            <a:spLocks noGrp="1"/>
+          </p:cNvSpPr>
+          <p:nvPr>
+            <p:ph type="title"/>
+          </p:nvPr>
+        </p:nvSpPr>
+        <p:spPr>
+          <a:xfrm>
+            <a:off x="536359" y="188896"/>
+            <a:ext cx="10515600" cy="984281"/>
+          </a:xfrm>
+        </p:spPr>
+        <p:txBody>
+          <a:bodyPr/>
+          <a:lstStyle/>
+          <a:p>
+            <a:r>
+              <a:rPr lang="en-US"/>
+              <a:t>Tạo trang đăng nhập</a:t>
+            </a:r>
+          </a:p>
+        </p:txBody>
+      </p:sp>
+      <p:sp>
+        <p:nvSpPr>
+          <p:cNvPr id="3" name="Content Placeholder 2">
+            <a:extLst>
+              <a:ext uri="{FF2B5EF4-FFF2-40B4-BE49-F238E27FC236}">
+                <a16:creationId xmlns:a16="http://schemas.microsoft.com/office/drawing/2014/main" id="{BD8FF51F-605F-4885-9491-6A73050EC24A}"/>
+              </a:ext>
+            </a:extLst>
+          </p:cNvPr>
+          <p:cNvSpPr>
+            <a:spLocks noGrp="1"/>
+          </p:cNvSpPr>
+          <p:nvPr>
+            <p:ph idx="1"/>
+          </p:nvPr>
+        </p:nvSpPr>
+        <p:spPr/>
+        <p:txBody>
+          <a:bodyPr/>
+          <a:lstStyle/>
+          <a:p>
+            <a:endParaRPr lang="en-US"/>
+          </a:p>
+        </p:txBody>
+      </p:sp>
       <p:pic>
         <p:nvPicPr>
           <p:cNvPr id="4" name="Picture 3">
             <a:extLst>
               <a:ext uri="{FF2B5EF4-FFF2-40B4-BE49-F238E27FC236}">
-                <a16:creationId xmlns:a16="http://schemas.microsoft.com/office/drawing/2014/main" id="{0D18F784-D209-40AE-A1EF-42260873F93E}"/>
+                <a16:creationId xmlns:a16="http://schemas.microsoft.com/office/drawing/2014/main" id="{7D7ACEAA-458C-4B69-8719-EEA89707D28D}"/>
               </a:ext>
             </a:extLst>
           </p:cNvPr>
@@ -5654,8 +6043,8 @@
         </p:blipFill>
         <p:spPr>
           <a:xfrm>
-            <a:off x="1023334" y="828140"/>
-            <a:ext cx="4214492" cy="2505425"/>
+            <a:off x="838200" y="1111233"/>
+            <a:ext cx="9241654" cy="4635533"/>
           </a:xfrm>
           <a:prstGeom prst="rect">
             <a:avLst/>
@@ -5667,7 +6056,7 @@
           <p:cNvPr id="5" name="TextBox 4">
             <a:extLst>
               <a:ext uri="{FF2B5EF4-FFF2-40B4-BE49-F238E27FC236}">
-                <a16:creationId xmlns:a16="http://schemas.microsoft.com/office/drawing/2014/main" id="{890FBE0B-B66C-4610-BB09-53F6AC71E28A}"/>
+                <a16:creationId xmlns:a16="http://schemas.microsoft.com/office/drawing/2014/main" id="{D6C7C107-5A8D-4DC1-8EED-300A9D4224B9}"/>
               </a:ext>
             </a:extLst>
           </p:cNvPr>
@@ -5676,8 +6065,8 @@
         </p:nvSpPr>
         <p:spPr>
           <a:xfrm>
-            <a:off x="861134" y="4350058"/>
-            <a:ext cx="9570128" cy="369332"/>
+            <a:off x="838200" y="6276492"/>
+            <a:ext cx="4692588" cy="369332"/>
           </a:xfrm>
           <a:prstGeom prst="rect">
             <a:avLst/>
@@ -5692,85 +6081,7 @@
           <a:p>
             <a:r>
               <a:rPr lang="en-US"/>
-              <a:t>https://www.youtube.com/watch?v=s4CPSGUkQaY</a:t>
-            </a:r>
-          </a:p>
-        </p:txBody>
-      </p:sp>
-      <p:sp>
-        <p:nvSpPr>
-          <p:cNvPr id="6" name="TextBox 5">
-            <a:extLst>
-              <a:ext uri="{FF2B5EF4-FFF2-40B4-BE49-F238E27FC236}">
-                <a16:creationId xmlns:a16="http://schemas.microsoft.com/office/drawing/2014/main" id="{B51D1DB7-ED49-4A62-8C61-56D1A4789DF5}"/>
-              </a:ext>
-            </a:extLst>
-          </p:cNvPr>
-          <p:cNvSpPr txBox="1"/>
-          <p:nvPr/>
-        </p:nvSpPr>
-        <p:spPr>
-          <a:xfrm>
-            <a:off x="843379" y="3524435"/>
-            <a:ext cx="4811697" cy="369332"/>
-          </a:xfrm>
-          <a:prstGeom prst="rect">
-            <a:avLst/>
-          </a:prstGeom>
-          <a:noFill/>
-        </p:spPr>
-        <p:txBody>
-          <a:bodyPr wrap="square" rtlCol="0">
-            <a:spAutoFit/>
-          </a:bodyPr>
-          <a:lstStyle/>
-          <a:p>
-            <a:r>
-              <a:rPr lang="en-US"/>
-              <a:t>Link h</a:t>
-            </a:r>
-            <a:r>
-              <a:rPr lang="vi-VN"/>
-              <a:t>ư</a:t>
-            </a:r>
-            <a:r>
-              <a:rPr lang="en-US"/>
-              <a:t>ớng dẫn chi tiết, khả dụng:</a:t>
-            </a:r>
-          </a:p>
-        </p:txBody>
-      </p:sp>
-      <p:sp>
-        <p:nvSpPr>
-          <p:cNvPr id="2" name="TextBox 1">
-            <a:extLst>
-              <a:ext uri="{FF2B5EF4-FFF2-40B4-BE49-F238E27FC236}">
-                <a16:creationId xmlns:a16="http://schemas.microsoft.com/office/drawing/2014/main" id="{623F2984-30F2-4991-9638-9E2AB9DDE16F}"/>
-              </a:ext>
-            </a:extLst>
-          </p:cNvPr>
-          <p:cNvSpPr txBox="1"/>
-          <p:nvPr/>
-        </p:nvSpPr>
-        <p:spPr>
-          <a:xfrm>
-            <a:off x="692458" y="79899"/>
-            <a:ext cx="9570128" cy="369332"/>
-          </a:xfrm>
-          <a:prstGeom prst="rect">
-            <a:avLst/>
-          </a:prstGeom>
-          <a:noFill/>
-        </p:spPr>
-        <p:txBody>
-          <a:bodyPr wrap="square" rtlCol="0">
-            <a:spAutoFit/>
-          </a:bodyPr>
-          <a:lstStyle/>
-          <a:p>
-            <a:r>
-              <a:rPr lang="en-US"/>
-              <a:t>Plugin cho việc đăng ký tài khoản</a:t>
+              <a:t>Tiến hành sửa trang với Elementor.</a:t>
             </a:r>
           </a:p>
         </p:txBody>
@@ -5778,7 +6089,7 @@
     </p:spTree>
     <p:extLst>
       <p:ext uri="{BB962C8B-B14F-4D97-AF65-F5344CB8AC3E}">
-        <p14:creationId xmlns:p14="http://schemas.microsoft.com/office/powerpoint/2010/main" val="611214504"/>
+        <p14:creationId xmlns:p14="http://schemas.microsoft.com/office/powerpoint/2010/main" val="762978491"/>
       </p:ext>
     </p:extLst>
   </p:cSld>
@@ -5805,62 +6116,12 @@
           <a:chExt cx="0" cy="0"/>
         </a:xfrm>
       </p:grpSpPr>
-      <p:sp>
-        <p:nvSpPr>
-          <p:cNvPr id="2" name="Title 1">
-            <a:extLst>
-              <a:ext uri="{FF2B5EF4-FFF2-40B4-BE49-F238E27FC236}">
-                <a16:creationId xmlns:a16="http://schemas.microsoft.com/office/drawing/2014/main" id="{D1F41BA0-43C9-4F6A-9CC2-CC9279855899}"/>
-              </a:ext>
-            </a:extLst>
-          </p:cNvPr>
-          <p:cNvSpPr>
-            <a:spLocks noGrp="1"/>
-          </p:cNvSpPr>
-          <p:nvPr>
-            <p:ph type="title"/>
-          </p:nvPr>
-        </p:nvSpPr>
-        <p:spPr/>
-        <p:txBody>
-          <a:bodyPr/>
-          <a:lstStyle/>
-          <a:p>
-            <a:endParaRPr lang="en-US"/>
-          </a:p>
-        </p:txBody>
-      </p:sp>
-      <p:sp>
-        <p:nvSpPr>
-          <p:cNvPr id="3" name="Content Placeholder 2">
-            <a:extLst>
-              <a:ext uri="{FF2B5EF4-FFF2-40B4-BE49-F238E27FC236}">
-                <a16:creationId xmlns:a16="http://schemas.microsoft.com/office/drawing/2014/main" id="{A4F862D7-D0A3-40F1-B609-FE72C3C6033D}"/>
-              </a:ext>
-            </a:extLst>
-          </p:cNvPr>
-          <p:cNvSpPr>
-            <a:spLocks noGrp="1"/>
-          </p:cNvSpPr>
-          <p:nvPr>
-            <p:ph idx="1"/>
-          </p:nvPr>
-        </p:nvSpPr>
-        <p:spPr/>
-        <p:txBody>
-          <a:bodyPr/>
-          <a:lstStyle/>
-          <a:p>
-            <a:endParaRPr lang="en-US"/>
-          </a:p>
-        </p:txBody>
-      </p:sp>
       <p:pic>
         <p:nvPicPr>
           <p:cNvPr id="4" name="Picture 3">
             <a:extLst>
               <a:ext uri="{FF2B5EF4-FFF2-40B4-BE49-F238E27FC236}">
-                <a16:creationId xmlns:a16="http://schemas.microsoft.com/office/drawing/2014/main" id="{D1DA79B9-8D3B-46AE-A0D0-2EE6B4008734}"/>
+                <a16:creationId xmlns:a16="http://schemas.microsoft.com/office/drawing/2014/main" id="{91AB7913-1C2B-48D2-A810-3DB2EC814113}"/>
               </a:ext>
             </a:extLst>
           </p:cNvPr>
@@ -5877,18 +6138,165 @@
         </p:blipFill>
         <p:spPr>
           <a:xfrm>
-            <a:off x="838200" y="1825625"/>
-            <a:ext cx="10515600" cy="2737497"/>
+            <a:off x="527481" y="1220577"/>
+            <a:ext cx="3103485" cy="3268726"/>
           </a:xfrm>
           <a:prstGeom prst="rect">
             <a:avLst/>
           </a:prstGeom>
         </p:spPr>
       </p:pic>
+      <p:pic>
+        <p:nvPicPr>
+          <p:cNvPr id="5" name="Picture 4">
+            <a:extLst>
+              <a:ext uri="{FF2B5EF4-FFF2-40B4-BE49-F238E27FC236}">
+                <a16:creationId xmlns:a16="http://schemas.microsoft.com/office/drawing/2014/main" id="{31847187-2CBE-4CC4-A419-0B1FA46ED856}"/>
+              </a:ext>
+            </a:extLst>
+          </p:cNvPr>
+          <p:cNvPicPr>
+            <a:picLocks noChangeAspect="1"/>
+          </p:cNvPicPr>
+          <p:nvPr/>
+        </p:nvPicPr>
+        <p:blipFill>
+          <a:blip r:embed="rId3"/>
+          <a:stretch>
+            <a:fillRect/>
+          </a:stretch>
+        </p:blipFill>
+        <p:spPr>
+          <a:xfrm>
+            <a:off x="7432113" y="500732"/>
+            <a:ext cx="3534268" cy="3105583"/>
+          </a:xfrm>
+          <a:prstGeom prst="rect">
+            <a:avLst/>
+          </a:prstGeom>
+        </p:spPr>
+      </p:pic>
+      <p:sp>
+        <p:nvSpPr>
+          <p:cNvPr id="6" name="TextBox 5">
+            <a:extLst>
+              <a:ext uri="{FF2B5EF4-FFF2-40B4-BE49-F238E27FC236}">
+                <a16:creationId xmlns:a16="http://schemas.microsoft.com/office/drawing/2014/main" id="{F210F410-5C44-458B-AEEF-75B318ABF297}"/>
+              </a:ext>
+            </a:extLst>
+          </p:cNvPr>
+          <p:cNvSpPr txBox="1"/>
+          <p:nvPr/>
+        </p:nvSpPr>
+        <p:spPr>
+          <a:xfrm>
+            <a:off x="7259476" y="4192786"/>
+            <a:ext cx="3879542" cy="646331"/>
+          </a:xfrm>
+          <a:prstGeom prst="rect">
+            <a:avLst/>
+          </a:prstGeom>
+          <a:noFill/>
+        </p:spPr>
+        <p:txBody>
+          <a:bodyPr wrap="square" rtlCol="0">
+            <a:spAutoFit/>
+          </a:bodyPr>
+          <a:lstStyle/>
+          <a:p>
+            <a:r>
+              <a:rPr lang="en-US"/>
+              <a:t>Bỏ tính năng gg hỏi có phải là robot hay ko của google</a:t>
+            </a:r>
+          </a:p>
+        </p:txBody>
+      </p:sp>
+      <p:cxnSp>
+        <p:nvCxnSpPr>
+          <p:cNvPr id="8" name="Straight Arrow Connector 7">
+            <a:extLst>
+              <a:ext uri="{FF2B5EF4-FFF2-40B4-BE49-F238E27FC236}">
+                <a16:creationId xmlns:a16="http://schemas.microsoft.com/office/drawing/2014/main" id="{8533FF72-E7DA-45A0-8430-8DF59E71C77C}"/>
+              </a:ext>
+            </a:extLst>
+          </p:cNvPr>
+          <p:cNvCxnSpPr>
+            <a:cxnSpLocks/>
+          </p:cNvCxnSpPr>
+          <p:nvPr/>
+        </p:nvCxnSpPr>
+        <p:spPr>
+          <a:xfrm flipH="1">
+            <a:off x="9871970" y="2854940"/>
+            <a:ext cx="319595" cy="1344198"/>
+          </a:xfrm>
+          <a:prstGeom prst="straightConnector1">
+            <a:avLst/>
+          </a:prstGeom>
+          <a:ln>
+            <a:tailEnd type="triangle"/>
+          </a:ln>
+        </p:spPr>
+        <p:style>
+          <a:lnRef idx="1">
+            <a:schemeClr val="dk1"/>
+          </a:lnRef>
+          <a:fillRef idx="0">
+            <a:schemeClr val="dk1"/>
+          </a:fillRef>
+          <a:effectRef idx="0">
+            <a:schemeClr val="dk1"/>
+          </a:effectRef>
+          <a:fontRef idx="minor">
+            <a:schemeClr val="tx1"/>
+          </a:fontRef>
+        </p:style>
+      </p:cxnSp>
+      <p:cxnSp>
+        <p:nvCxnSpPr>
+          <p:cNvPr id="9" name="Straight Arrow Connector 8">
+            <a:extLst>
+              <a:ext uri="{FF2B5EF4-FFF2-40B4-BE49-F238E27FC236}">
+                <a16:creationId xmlns:a16="http://schemas.microsoft.com/office/drawing/2014/main" id="{3E5C18EE-BF01-4A6E-865B-12920EC7D0E9}"/>
+              </a:ext>
+            </a:extLst>
+          </p:cNvPr>
+          <p:cNvCxnSpPr>
+            <a:cxnSpLocks/>
+          </p:cNvCxnSpPr>
+          <p:nvPr/>
+        </p:nvCxnSpPr>
+        <p:spPr>
+          <a:xfrm>
+            <a:off x="3630966" y="2450238"/>
+            <a:ext cx="3888420" cy="0"/>
+          </a:xfrm>
+          <a:prstGeom prst="straightConnector1">
+            <a:avLst/>
+          </a:prstGeom>
+          <a:ln>
+            <a:tailEnd type="triangle"/>
+          </a:ln>
+        </p:spPr>
+        <p:style>
+          <a:lnRef idx="1">
+            <a:schemeClr val="dk1"/>
+          </a:lnRef>
+          <a:fillRef idx="0">
+            <a:schemeClr val="dk1"/>
+          </a:fillRef>
+          <a:effectRef idx="0">
+            <a:schemeClr val="dk1"/>
+          </a:effectRef>
+          <a:fontRef idx="minor">
+            <a:schemeClr val="tx1"/>
+          </a:fontRef>
+        </p:style>
+      </p:cxnSp>
     </p:spTree>
     <p:extLst>
       <p:ext uri="{BB962C8B-B14F-4D97-AF65-F5344CB8AC3E}">
-        <p14:creationId xmlns:p14="http://schemas.microsoft.com/office/powerpoint/2010/main" val="229356546"/>
+        <p14:creationId xmlns:p14="http://schemas.microsoft.com/office/powerpoint/2010/main" val="1051632585"/>
       </p:ext>
     </p:extLst>
   </p:cSld>
@@ -5920,7 +6328,7 @@
           <p:cNvPr id="2" name="Title 1">
             <a:extLst>
               <a:ext uri="{FF2B5EF4-FFF2-40B4-BE49-F238E27FC236}">
-                <a16:creationId xmlns:a16="http://schemas.microsoft.com/office/drawing/2014/main" id="{D6359480-CF5B-4CCC-B23D-12D1BE3FE8E3}"/>
+                <a16:creationId xmlns:a16="http://schemas.microsoft.com/office/drawing/2014/main" id="{63F78745-9754-4C43-9352-DAD741F18E02}"/>
               </a:ext>
             </a:extLst>
           </p:cNvPr>
@@ -5933,8 +6341,8 @@
         </p:nvSpPr>
         <p:spPr>
           <a:xfrm>
-            <a:off x="133165" y="124287"/>
-            <a:ext cx="10515600" cy="852257"/>
+            <a:off x="0" y="0"/>
+            <a:ext cx="10515600" cy="824483"/>
           </a:xfrm>
         </p:spPr>
         <p:txBody>
@@ -5943,7 +6351,7 @@
           <a:p>
             <a:r>
               <a:rPr lang="en-US"/>
-              <a:t>Copy Code của Form này.</a:t>
+              <a:t>Chỉnh nội dung hiển thị.</a:t>
             </a:r>
           </a:p>
         </p:txBody>
@@ -5953,7 +6361,7 @@
           <p:cNvPr id="4" name="Picture 3">
             <a:extLst>
               <a:ext uri="{FF2B5EF4-FFF2-40B4-BE49-F238E27FC236}">
-                <a16:creationId xmlns:a16="http://schemas.microsoft.com/office/drawing/2014/main" id="{28F6F8E4-21AA-4663-B2D1-1B9136080283}"/>
+                <a16:creationId xmlns:a16="http://schemas.microsoft.com/office/drawing/2014/main" id="{FB4A7BA6-AC2B-4A88-A13B-898B72747CAD}"/>
               </a:ext>
             </a:extLst>
           </p:cNvPr>
@@ -5970,18 +6378,141 @@
         </p:blipFill>
         <p:spPr>
           <a:xfrm>
-            <a:off x="802690" y="1221944"/>
-            <a:ext cx="9486530" cy="5063446"/>
+            <a:off x="926976" y="1120994"/>
+            <a:ext cx="3911353" cy="4616011"/>
           </a:xfrm>
           <a:prstGeom prst="rect">
             <a:avLst/>
           </a:prstGeom>
         </p:spPr>
       </p:pic>
+      <p:sp>
+        <p:nvSpPr>
+          <p:cNvPr id="6" name="Rectangle 5">
+            <a:extLst>
+              <a:ext uri="{FF2B5EF4-FFF2-40B4-BE49-F238E27FC236}">
+                <a16:creationId xmlns:a16="http://schemas.microsoft.com/office/drawing/2014/main" id="{1354BB7D-CF20-4E73-9BF2-F9098272EB8F}"/>
+              </a:ext>
+            </a:extLst>
+          </p:cNvPr>
+          <p:cNvSpPr/>
+          <p:nvPr/>
+        </p:nvSpPr>
+        <p:spPr>
+          <a:xfrm>
+            <a:off x="2760955" y="1669002"/>
+            <a:ext cx="2077374" cy="452761"/>
+          </a:xfrm>
+          <a:prstGeom prst="rect">
+            <a:avLst/>
+          </a:prstGeom>
+          <a:noFill/>
+        </p:spPr>
+        <p:style>
+          <a:lnRef idx="2">
+            <a:schemeClr val="accent2">
+              <a:shade val="50000"/>
+            </a:schemeClr>
+          </a:lnRef>
+          <a:fillRef idx="1">
+            <a:schemeClr val="accent2"/>
+          </a:fillRef>
+          <a:effectRef idx="0">
+            <a:schemeClr val="accent2"/>
+          </a:effectRef>
+          <a:fontRef idx="minor">
+            <a:schemeClr val="lt1"/>
+          </a:fontRef>
+        </p:style>
+        <p:txBody>
+          <a:bodyPr rtlCol="0" anchor="ctr"/>
+          <a:lstStyle/>
+          <a:p>
+            <a:pPr algn="ctr"/>
+            <a:endParaRPr lang="en-US"/>
+          </a:p>
+        </p:txBody>
+      </p:sp>
+      <p:cxnSp>
+        <p:nvCxnSpPr>
+          <p:cNvPr id="8" name="Straight Arrow Connector 7">
+            <a:extLst>
+              <a:ext uri="{FF2B5EF4-FFF2-40B4-BE49-F238E27FC236}">
+                <a16:creationId xmlns:a16="http://schemas.microsoft.com/office/drawing/2014/main" id="{C9409B4F-B4FF-4EC3-895D-5E2C304A6E2F}"/>
+              </a:ext>
+            </a:extLst>
+          </p:cNvPr>
+          <p:cNvCxnSpPr>
+            <a:stCxn id="6" idx="3"/>
+          </p:cNvCxnSpPr>
+          <p:nvPr/>
+        </p:nvCxnSpPr>
+        <p:spPr>
+          <a:xfrm flipV="1">
+            <a:off x="4838329" y="1047565"/>
+            <a:ext cx="1518083" cy="847818"/>
+          </a:xfrm>
+          <a:prstGeom prst="straightConnector1">
+            <a:avLst/>
+          </a:prstGeom>
+          <a:ln>
+            <a:tailEnd type="triangle"/>
+          </a:ln>
+        </p:spPr>
+        <p:style>
+          <a:lnRef idx="1">
+            <a:schemeClr val="dk1"/>
+          </a:lnRef>
+          <a:fillRef idx="0">
+            <a:schemeClr val="dk1"/>
+          </a:fillRef>
+          <a:effectRef idx="0">
+            <a:schemeClr val="dk1"/>
+          </a:effectRef>
+          <a:fontRef idx="minor">
+            <a:schemeClr val="tx1"/>
+          </a:fontRef>
+        </p:style>
+      </p:cxnSp>
+      <p:sp>
+        <p:nvSpPr>
+          <p:cNvPr id="9" name="TextBox 8">
+            <a:extLst>
+              <a:ext uri="{FF2B5EF4-FFF2-40B4-BE49-F238E27FC236}">
+                <a16:creationId xmlns:a16="http://schemas.microsoft.com/office/drawing/2014/main" id="{CC9F4477-7C59-410D-BFCB-1336104AE19A}"/>
+              </a:ext>
+            </a:extLst>
+          </p:cNvPr>
+          <p:cNvSpPr txBox="1"/>
+          <p:nvPr/>
+        </p:nvSpPr>
+        <p:spPr>
+          <a:xfrm>
+            <a:off x="6356412" y="566692"/>
+            <a:ext cx="4287914" cy="369332"/>
+          </a:xfrm>
+          <a:prstGeom prst="rect">
+            <a:avLst/>
+          </a:prstGeom>
+          <a:noFill/>
+        </p:spPr>
+        <p:txBody>
+          <a:bodyPr wrap="square" rtlCol="0">
+            <a:spAutoFit/>
+          </a:bodyPr>
+          <a:lstStyle/>
+          <a:p>
+            <a:r>
+              <a:rPr lang="en-US"/>
+              <a:t>Để nhãn “ Custom ” để thay đổi nhãn.</a:t>
+            </a:r>
+          </a:p>
+        </p:txBody>
+      </p:sp>
     </p:spTree>
     <p:extLst>
       <p:ext uri="{BB962C8B-B14F-4D97-AF65-F5344CB8AC3E}">
-        <p14:creationId xmlns:p14="http://schemas.microsoft.com/office/powerpoint/2010/main" val="4241250329"/>
+        <p14:creationId xmlns:p14="http://schemas.microsoft.com/office/powerpoint/2010/main" val="3191674768"/>
       </p:ext>
     </p:extLst>
   </p:cSld>
@@ -6013,7 +6544,7 @@
           <p:cNvPr id="2" name="Title 1">
             <a:extLst>
               <a:ext uri="{FF2B5EF4-FFF2-40B4-BE49-F238E27FC236}">
-                <a16:creationId xmlns:a16="http://schemas.microsoft.com/office/drawing/2014/main" id="{381F976F-C9E2-4FF6-BA80-8885C9F2A4B8}"/>
+                <a16:creationId xmlns:a16="http://schemas.microsoft.com/office/drawing/2014/main" id="{EA5E2022-484E-4D0A-9EF9-F026F0392788}"/>
               </a:ext>
             </a:extLst>
           </p:cNvPr>
@@ -6024,40 +6555,56 @@
             <p:ph type="title"/>
           </p:nvPr>
         </p:nvSpPr>
-        <p:spPr>
-          <a:xfrm>
-            <a:off x="0" y="0"/>
-            <a:ext cx="10515600" cy="558153"/>
-          </a:xfrm>
-        </p:spPr>
-        <p:txBody>
-          <a:bodyPr>
-            <a:normAutofit fontScale="90000"/>
-          </a:bodyPr>
-          <a:lstStyle/>
-          <a:p>
-            <a:r>
-              <a:rPr lang="en-US"/>
-              <a:t>Password User:</a:t>
-            </a:r>
+        <p:spPr/>
+        <p:txBody>
+          <a:bodyPr/>
+          <a:lstStyle/>
+          <a:p>
+            <a:r>
+              <a:rPr lang="en-US"/>
+              <a:t>Chỉnh trang đi vào sau khi đăng nhập.</a:t>
+            </a:r>
+          </a:p>
+        </p:txBody>
+      </p:sp>
+      <p:sp>
+        <p:nvSpPr>
+          <p:cNvPr id="3" name="Content Placeholder 2">
+            <a:extLst>
+              <a:ext uri="{FF2B5EF4-FFF2-40B4-BE49-F238E27FC236}">
+                <a16:creationId xmlns:a16="http://schemas.microsoft.com/office/drawing/2014/main" id="{6885EE8A-2F61-4F69-8BE0-C3F6747DC8EF}"/>
+              </a:ext>
+            </a:extLst>
+          </p:cNvPr>
+          <p:cNvSpPr>
+            <a:spLocks noGrp="1"/>
+          </p:cNvSpPr>
+          <p:nvPr>
+            <p:ph idx="1"/>
+          </p:nvPr>
+        </p:nvSpPr>
+        <p:spPr/>
+        <p:txBody>
+          <a:bodyPr/>
+          <a:lstStyle/>
+          <a:p>
+            <a:endParaRPr lang="en-US"/>
           </a:p>
         </p:txBody>
       </p:sp>
       <p:pic>
         <p:nvPicPr>
-          <p:cNvPr id="4" name="Content Placeholder 3">
-            <a:extLst>
-              <a:ext uri="{FF2B5EF4-FFF2-40B4-BE49-F238E27FC236}">
-                <a16:creationId xmlns:a16="http://schemas.microsoft.com/office/drawing/2014/main" id="{76014A20-B115-42FE-8A22-40DA64B73797}"/>
+          <p:cNvPr id="4" name="Picture 3">
+            <a:extLst>
+              <a:ext uri="{FF2B5EF4-FFF2-40B4-BE49-F238E27FC236}">
+                <a16:creationId xmlns:a16="http://schemas.microsoft.com/office/drawing/2014/main" id="{72862CC2-4928-4327-BB29-75265EAE4C98}"/>
               </a:ext>
             </a:extLst>
           </p:cNvPr>
           <p:cNvPicPr>
-            <a:picLocks noGrp="1" noChangeAspect="1"/>
+            <a:picLocks noChangeAspect="1"/>
           </p:cNvPicPr>
-          <p:nvPr>
-            <p:ph idx="1"/>
-          </p:nvPr>
+          <p:nvPr/>
         </p:nvPicPr>
         <p:blipFill>
           <a:blip r:embed="rId2"/>
@@ -6067,8 +6614,8 @@
         </p:blipFill>
         <p:spPr>
           <a:xfrm>
-            <a:off x="8241344" y="2166760"/>
-            <a:ext cx="1991003" cy="2524477"/>
+            <a:off x="838200" y="1825625"/>
+            <a:ext cx="9535856" cy="1648055"/>
           </a:xfrm>
           <a:prstGeom prst="rect">
             <a:avLst/>
@@ -6080,7 +6627,7 @@
           <p:cNvPr id="5" name="Picture 4">
             <a:extLst>
               <a:ext uri="{FF2B5EF4-FFF2-40B4-BE49-F238E27FC236}">
-                <a16:creationId xmlns:a16="http://schemas.microsoft.com/office/drawing/2014/main" id="{300BC31B-AA21-44BE-9E9B-2B27F0936C95}"/>
+                <a16:creationId xmlns:a16="http://schemas.microsoft.com/office/drawing/2014/main" id="{0E3F46D9-7FC0-4477-B83F-A4F8C14BCCB3}"/>
               </a:ext>
             </a:extLst>
           </p:cNvPr>
@@ -6097,18 +6644,141 @@
         </p:blipFill>
         <p:spPr>
           <a:xfrm>
-            <a:off x="2836362" y="1623760"/>
-            <a:ext cx="4086795" cy="3610479"/>
+            <a:off x="2290244" y="3706604"/>
+            <a:ext cx="3439005" cy="2381582"/>
           </a:xfrm>
           <a:prstGeom prst="rect">
             <a:avLst/>
           </a:prstGeom>
         </p:spPr>
       </p:pic>
+      <p:sp>
+        <p:nvSpPr>
+          <p:cNvPr id="6" name="Rectangle 5">
+            <a:extLst>
+              <a:ext uri="{FF2B5EF4-FFF2-40B4-BE49-F238E27FC236}">
+                <a16:creationId xmlns:a16="http://schemas.microsoft.com/office/drawing/2014/main" id="{581EB099-2A7B-4C43-8BBD-4CEC38160685}"/>
+              </a:ext>
+            </a:extLst>
+          </p:cNvPr>
+          <p:cNvSpPr/>
+          <p:nvPr/>
+        </p:nvSpPr>
+        <p:spPr>
+          <a:xfrm>
+            <a:off x="2423604" y="4483223"/>
+            <a:ext cx="3266982" cy="479394"/>
+          </a:xfrm>
+          <a:prstGeom prst="rect">
+            <a:avLst/>
+          </a:prstGeom>
+          <a:noFill/>
+        </p:spPr>
+        <p:style>
+          <a:lnRef idx="2">
+            <a:schemeClr val="accent2">
+              <a:shade val="50000"/>
+            </a:schemeClr>
+          </a:lnRef>
+          <a:fillRef idx="1">
+            <a:schemeClr val="accent2"/>
+          </a:fillRef>
+          <a:effectRef idx="0">
+            <a:schemeClr val="accent2"/>
+          </a:effectRef>
+          <a:fontRef idx="minor">
+            <a:schemeClr val="lt1"/>
+          </a:fontRef>
+        </p:style>
+        <p:txBody>
+          <a:bodyPr rtlCol="0" anchor="ctr"/>
+          <a:lstStyle/>
+          <a:p>
+            <a:pPr algn="ctr"/>
+            <a:endParaRPr lang="en-US"/>
+          </a:p>
+        </p:txBody>
+      </p:sp>
+      <p:cxnSp>
+        <p:nvCxnSpPr>
+          <p:cNvPr id="8" name="Straight Arrow Connector 7">
+            <a:extLst>
+              <a:ext uri="{FF2B5EF4-FFF2-40B4-BE49-F238E27FC236}">
+                <a16:creationId xmlns:a16="http://schemas.microsoft.com/office/drawing/2014/main" id="{43227859-A95F-4A8B-9C71-B7AF37F460BE}"/>
+              </a:ext>
+            </a:extLst>
+          </p:cNvPr>
+          <p:cNvCxnSpPr>
+            <a:cxnSpLocks/>
+          </p:cNvCxnSpPr>
+          <p:nvPr/>
+        </p:nvCxnSpPr>
+        <p:spPr>
+          <a:xfrm flipV="1">
+            <a:off x="5690586" y="4465468"/>
+            <a:ext cx="1873189" cy="337352"/>
+          </a:xfrm>
+          <a:prstGeom prst="straightConnector1">
+            <a:avLst/>
+          </a:prstGeom>
+          <a:ln>
+            <a:tailEnd type="triangle"/>
+          </a:ln>
+        </p:spPr>
+        <p:style>
+          <a:lnRef idx="1">
+            <a:schemeClr val="dk1"/>
+          </a:lnRef>
+          <a:fillRef idx="0">
+            <a:schemeClr val="dk1"/>
+          </a:fillRef>
+          <a:effectRef idx="0">
+            <a:schemeClr val="dk1"/>
+          </a:effectRef>
+          <a:fontRef idx="minor">
+            <a:schemeClr val="tx1"/>
+          </a:fontRef>
+        </p:style>
+      </p:cxnSp>
+      <p:sp>
+        <p:nvSpPr>
+          <p:cNvPr id="10" name="TextBox 9">
+            <a:extLst>
+              <a:ext uri="{FF2B5EF4-FFF2-40B4-BE49-F238E27FC236}">
+                <a16:creationId xmlns:a16="http://schemas.microsoft.com/office/drawing/2014/main" id="{6709175E-7044-4CF5-ABA5-9F4DB4950207}"/>
+              </a:ext>
+            </a:extLst>
+          </p:cNvPr>
+          <p:cNvSpPr txBox="1"/>
+          <p:nvPr/>
+        </p:nvSpPr>
+        <p:spPr>
+          <a:xfrm>
+            <a:off x="7732450" y="4225771"/>
+            <a:ext cx="3439005" cy="369332"/>
+          </a:xfrm>
+          <a:prstGeom prst="rect">
+            <a:avLst/>
+          </a:prstGeom>
+          <a:noFill/>
+        </p:spPr>
+        <p:txBody>
+          <a:bodyPr wrap="square" rtlCol="0">
+            <a:spAutoFit/>
+          </a:bodyPr>
+          <a:lstStyle/>
+          <a:p>
+            <a:r>
+              <a:rPr lang="en-US"/>
+              <a:t>Điền link trang muốn đi vào.</a:t>
+            </a:r>
+          </a:p>
+        </p:txBody>
+      </p:sp>
     </p:spTree>
     <p:extLst>
       <p:ext uri="{BB962C8B-B14F-4D97-AF65-F5344CB8AC3E}">
-        <p14:creationId xmlns:p14="http://schemas.microsoft.com/office/powerpoint/2010/main" val="1377740730"/>
+        <p14:creationId xmlns:p14="http://schemas.microsoft.com/office/powerpoint/2010/main" val="3063266437"/>
       </p:ext>
     </p:extLst>
   </p:cSld>
@@ -6140,7 +6810,7 @@
           <p:cNvPr id="2" name="Title 1">
             <a:extLst>
               <a:ext uri="{FF2B5EF4-FFF2-40B4-BE49-F238E27FC236}">
-                <a16:creationId xmlns:a16="http://schemas.microsoft.com/office/drawing/2014/main" id="{007C8183-9272-45DD-A9A8-BF5EE3718AB0}"/>
+                <a16:creationId xmlns:a16="http://schemas.microsoft.com/office/drawing/2014/main" id="{46FFBCD4-D0A1-4256-9329-02CEC4F70F70}"/>
               </a:ext>
             </a:extLst>
           </p:cNvPr>
@@ -6153,19 +6823,17 @@
         </p:nvSpPr>
         <p:spPr>
           <a:xfrm>
-            <a:off x="0" y="0"/>
-            <a:ext cx="12002610" cy="727969"/>
-          </a:xfrm>
-        </p:spPr>
-        <p:txBody>
-          <a:bodyPr>
-            <a:normAutofit fontScale="90000"/>
-          </a:bodyPr>
-          <a:lstStyle/>
-          <a:p>
-            <a:r>
-              <a:rPr lang="en-US"/>
-              <a:t>Mặc định Wordpress ko cho khách hàng đăng ký tài khoản </a:t>
+            <a:off x="0" y="1"/>
+            <a:ext cx="11913833" cy="825622"/>
+          </a:xfrm>
+        </p:spPr>
+        <p:txBody>
+          <a:bodyPr/>
+          <a:lstStyle/>
+          <a:p>
+            <a:r>
+              <a:rPr lang="en-US"/>
+              <a:t>Sửa trang đăng nhập mặc định trong Worpress:</a:t>
             </a:r>
           </a:p>
         </p:txBody>
@@ -6175,7 +6843,7 @@
           <p:cNvPr id="3" name="Content Placeholder 2">
             <a:extLst>
               <a:ext uri="{FF2B5EF4-FFF2-40B4-BE49-F238E27FC236}">
-                <a16:creationId xmlns:a16="http://schemas.microsoft.com/office/drawing/2014/main" id="{55E3E7B0-7A7D-436B-A12C-6A1A4D7D3DA2}"/>
+                <a16:creationId xmlns:a16="http://schemas.microsoft.com/office/drawing/2014/main" id="{BADE2774-1FA5-4284-B123-C1A68405747E}"/>
               </a:ext>
             </a:extLst>
           </p:cNvPr>
@@ -6186,181 +6854,19 @@
             <p:ph idx="1"/>
           </p:nvPr>
         </p:nvSpPr>
-        <p:spPr>
-          <a:xfrm>
-            <a:off x="0" y="1154099"/>
-            <a:ext cx="6782540" cy="514903"/>
-          </a:xfrm>
-        </p:spPr>
+        <p:spPr/>
         <p:txBody>
           <a:bodyPr/>
           <a:lstStyle/>
           <a:p>
-            <a:r>
-              <a:rPr lang="en-US"/>
-              <a:t>Cần phải bật tính năng đăng ký tài khoản </a:t>
-            </a:r>
-          </a:p>
-        </p:txBody>
-      </p:sp>
-      <p:pic>
-        <p:nvPicPr>
-          <p:cNvPr id="4" name="Picture 3">
-            <a:extLst>
-              <a:ext uri="{FF2B5EF4-FFF2-40B4-BE49-F238E27FC236}">
-                <a16:creationId xmlns:a16="http://schemas.microsoft.com/office/drawing/2014/main" id="{0C6E0F7D-272B-4E9B-9AB3-07C49D261E40}"/>
-              </a:ext>
-            </a:extLst>
-          </p:cNvPr>
-          <p:cNvPicPr>
-            <a:picLocks noChangeAspect="1"/>
-          </p:cNvPicPr>
-          <p:nvPr/>
-        </p:nvPicPr>
-        <p:blipFill>
-          <a:blip r:embed="rId2"/>
-          <a:stretch>
-            <a:fillRect/>
-          </a:stretch>
-        </p:blipFill>
-        <p:spPr>
-          <a:xfrm>
-            <a:off x="376528" y="1669002"/>
-            <a:ext cx="6782540" cy="4864963"/>
-          </a:xfrm>
-          <a:prstGeom prst="rect">
-            <a:avLst/>
-          </a:prstGeom>
-        </p:spPr>
-      </p:pic>
-      <p:sp>
-        <p:nvSpPr>
-          <p:cNvPr id="5" name="Rectangle 4">
-            <a:extLst>
-              <a:ext uri="{FF2B5EF4-FFF2-40B4-BE49-F238E27FC236}">
-                <a16:creationId xmlns:a16="http://schemas.microsoft.com/office/drawing/2014/main" id="{4D547E48-76DC-4942-9A78-9208C69C5519}"/>
-              </a:ext>
-            </a:extLst>
-          </p:cNvPr>
-          <p:cNvSpPr/>
-          <p:nvPr/>
-        </p:nvSpPr>
-        <p:spPr>
-          <a:xfrm>
-            <a:off x="2743200" y="3340224"/>
-            <a:ext cx="1296140" cy="299621"/>
-          </a:xfrm>
-          <a:prstGeom prst="rect">
-            <a:avLst/>
-          </a:prstGeom>
-          <a:noFill/>
-        </p:spPr>
-        <p:style>
-          <a:lnRef idx="2">
-            <a:schemeClr val="accent2">
-              <a:shade val="50000"/>
-            </a:schemeClr>
-          </a:lnRef>
-          <a:fillRef idx="1">
-            <a:schemeClr val="accent2"/>
-          </a:fillRef>
-          <a:effectRef idx="0">
-            <a:schemeClr val="accent2"/>
-          </a:effectRef>
-          <a:fontRef idx="minor">
-            <a:schemeClr val="lt1"/>
-          </a:fontRef>
-        </p:style>
-        <p:txBody>
-          <a:bodyPr rtlCol="0" anchor="ctr"/>
-          <a:lstStyle/>
-          <a:p>
-            <a:pPr algn="ctr"/>
             <a:endParaRPr lang="en-US"/>
-          </a:p>
-        </p:txBody>
-      </p:sp>
-      <p:cxnSp>
-        <p:nvCxnSpPr>
-          <p:cNvPr id="7" name="Straight Arrow Connector 6">
-            <a:extLst>
-              <a:ext uri="{FF2B5EF4-FFF2-40B4-BE49-F238E27FC236}">
-                <a16:creationId xmlns:a16="http://schemas.microsoft.com/office/drawing/2014/main" id="{62AA73FB-52EA-4B5B-95E5-A1D1520ACDFA}"/>
-              </a:ext>
-            </a:extLst>
-          </p:cNvPr>
-          <p:cNvCxnSpPr>
-            <a:cxnSpLocks/>
-            <a:stCxn id="5" idx="3"/>
-          </p:cNvCxnSpPr>
-          <p:nvPr/>
-        </p:nvCxnSpPr>
-        <p:spPr>
-          <a:xfrm flipV="1">
-            <a:off x="4039340" y="2610035"/>
-            <a:ext cx="3338004" cy="880000"/>
-          </a:xfrm>
-          <a:prstGeom prst="straightConnector1">
-            <a:avLst/>
-          </a:prstGeom>
-          <a:ln>
-            <a:tailEnd type="triangle"/>
-          </a:ln>
-        </p:spPr>
-        <p:style>
-          <a:lnRef idx="1">
-            <a:schemeClr val="dk1"/>
-          </a:lnRef>
-          <a:fillRef idx="0">
-            <a:schemeClr val="dk1"/>
-          </a:fillRef>
-          <a:effectRef idx="0">
-            <a:schemeClr val="dk1"/>
-          </a:effectRef>
-          <a:fontRef idx="minor">
-            <a:schemeClr val="tx1"/>
-          </a:fontRef>
-        </p:style>
-      </p:cxnSp>
-      <p:sp>
-        <p:nvSpPr>
-          <p:cNvPr id="10" name="TextBox 9">
-            <a:extLst>
-              <a:ext uri="{FF2B5EF4-FFF2-40B4-BE49-F238E27FC236}">
-                <a16:creationId xmlns:a16="http://schemas.microsoft.com/office/drawing/2014/main" id="{26CB01B5-87D7-4887-8D28-872153304A7D}"/>
-              </a:ext>
-            </a:extLst>
-          </p:cNvPr>
-          <p:cNvSpPr txBox="1"/>
-          <p:nvPr/>
-        </p:nvSpPr>
-        <p:spPr>
-          <a:xfrm>
-            <a:off x="7625918" y="2335937"/>
-            <a:ext cx="4243527" cy="369332"/>
-          </a:xfrm>
-          <a:prstGeom prst="rect">
-            <a:avLst/>
-          </a:prstGeom>
-          <a:noFill/>
-        </p:spPr>
-        <p:txBody>
-          <a:bodyPr wrap="square" rtlCol="0">
-            <a:spAutoFit/>
-          </a:bodyPr>
-          <a:lstStyle/>
-          <a:p>
-            <a:r>
-              <a:rPr lang="en-US"/>
-              <a:t>Chú ý: phải để vai trò là thành viên đăng ký</a:t>
-            </a:r>
           </a:p>
         </p:txBody>
       </p:sp>
     </p:spTree>
     <p:extLst>
       <p:ext uri="{BB962C8B-B14F-4D97-AF65-F5344CB8AC3E}">
-        <p14:creationId xmlns:p14="http://schemas.microsoft.com/office/powerpoint/2010/main" val="1254805410"/>
+        <p14:creationId xmlns:p14="http://schemas.microsoft.com/office/powerpoint/2010/main" val="109456763"/>
       </p:ext>
     </p:extLst>
   </p:cSld>
@@ -6392,7 +6898,7 @@
           <p:cNvPr id="2" name="Title 1">
             <a:extLst>
               <a:ext uri="{FF2B5EF4-FFF2-40B4-BE49-F238E27FC236}">
-                <a16:creationId xmlns:a16="http://schemas.microsoft.com/office/drawing/2014/main" id="{8FD7B774-194C-484C-A265-FBAE13BAD883}"/>
+                <a16:creationId xmlns:a16="http://schemas.microsoft.com/office/drawing/2014/main" id="{F33D7852-215B-4E6E-ACBD-FF0986A64D4B}"/>
               </a:ext>
             </a:extLst>
           </p:cNvPr>
@@ -6403,21 +6909,14 @@
             <p:ph type="title"/>
           </p:nvPr>
         </p:nvSpPr>
-        <p:spPr>
-          <a:xfrm>
-            <a:off x="0" y="0"/>
-            <a:ext cx="10515600" cy="691318"/>
-          </a:xfrm>
-        </p:spPr>
-        <p:txBody>
-          <a:bodyPr>
-            <a:normAutofit fontScale="90000"/>
-          </a:bodyPr>
-          <a:lstStyle/>
-          <a:p>
-            <a:r>
-              <a:rPr lang="en-US"/>
-              <a:t>Cài đặt trong woocommerce:</a:t>
+        <p:spPr/>
+        <p:txBody>
+          <a:bodyPr/>
+          <a:lstStyle/>
+          <a:p>
+            <a:r>
+              <a:rPr lang="en-US"/>
+              <a:t>Chức năng đăng ký đăng nhập, link tham khảo:</a:t>
             </a:r>
           </a:p>
         </p:txBody>
@@ -6427,7 +6926,7 @@
           <p:cNvPr id="3" name="Content Placeholder 2">
             <a:extLst>
               <a:ext uri="{FF2B5EF4-FFF2-40B4-BE49-F238E27FC236}">
-                <a16:creationId xmlns:a16="http://schemas.microsoft.com/office/drawing/2014/main" id="{FCDDCC56-CC3B-4768-9B4A-C740C256F26B}"/>
+                <a16:creationId xmlns:a16="http://schemas.microsoft.com/office/drawing/2014/main" id="{112E7E59-9713-43F1-8040-7FF0CD4D67A7}"/>
               </a:ext>
             </a:extLst>
           </p:cNvPr>
@@ -6438,49 +6937,27 @@
             <p:ph idx="1"/>
           </p:nvPr>
         </p:nvSpPr>
-        <p:spPr/>
+        <p:spPr>
+          <a:xfrm>
+            <a:off x="838200" y="1825625"/>
+            <a:ext cx="10515600" cy="1894119"/>
+          </a:xfrm>
+        </p:spPr>
         <p:txBody>
           <a:bodyPr/>
           <a:lstStyle/>
           <a:p>
-            <a:endParaRPr lang="en-US"/>
-          </a:p>
-        </p:txBody>
-      </p:sp>
-      <p:pic>
-        <p:nvPicPr>
-          <p:cNvPr id="4" name="Picture 3">
-            <a:extLst>
-              <a:ext uri="{FF2B5EF4-FFF2-40B4-BE49-F238E27FC236}">
-                <a16:creationId xmlns:a16="http://schemas.microsoft.com/office/drawing/2014/main" id="{2048F7D5-200F-4513-972E-11741941040E}"/>
-              </a:ext>
-            </a:extLst>
-          </p:cNvPr>
-          <p:cNvPicPr>
-            <a:picLocks noChangeAspect="1"/>
-          </p:cNvPicPr>
-          <p:nvPr/>
-        </p:nvPicPr>
-        <p:blipFill>
-          <a:blip r:embed="rId2"/>
-          <a:stretch>
-            <a:fillRect/>
-          </a:stretch>
-        </p:blipFill>
-        <p:spPr>
-          <a:xfrm>
-            <a:off x="736847" y="1752957"/>
-            <a:ext cx="6907011" cy="2685877"/>
-          </a:xfrm>
-          <a:prstGeom prst="rect">
-            <a:avLst/>
-          </a:prstGeom>
-        </p:spPr>
-      </p:pic>
+            <a:r>
+              <a:rPr lang="en-US"/>
+              <a:t>https://www.youtube.com/watch?v=s4CPSGUkQaY</a:t>
+            </a:r>
+          </a:p>
+        </p:txBody>
+      </p:sp>
     </p:spTree>
     <p:extLst>
       <p:ext uri="{BB962C8B-B14F-4D97-AF65-F5344CB8AC3E}">
-        <p14:creationId xmlns:p14="http://schemas.microsoft.com/office/powerpoint/2010/main" val="1287837751"/>
+        <p14:creationId xmlns:p14="http://schemas.microsoft.com/office/powerpoint/2010/main" val="2813893271"/>
       </p:ext>
     </p:extLst>
   </p:cSld>
@@ -6507,63 +6984,153 @@
           <a:chExt cx="0" cy="0"/>
         </a:xfrm>
       </p:grpSpPr>
-      <p:sp>
-        <p:nvSpPr>
-          <p:cNvPr id="2" name="Title 1">
-            <a:extLst>
-              <a:ext uri="{FF2B5EF4-FFF2-40B4-BE49-F238E27FC236}">
-                <a16:creationId xmlns:a16="http://schemas.microsoft.com/office/drawing/2014/main" id="{6D8DE760-E9BB-4CEA-9C49-4989BC6924EE}"/>
-              </a:ext>
-            </a:extLst>
-          </p:cNvPr>
-          <p:cNvSpPr>
-            <a:spLocks noGrp="1"/>
-          </p:cNvSpPr>
-          <p:nvPr>
-            <p:ph type="title"/>
-          </p:nvPr>
-        </p:nvSpPr>
-        <p:spPr/>
-        <p:txBody>
-          <a:bodyPr/>
-          <a:lstStyle/>
-          <a:p>
-            <a:r>
-              <a:rPr lang="en-US"/>
-              <a:t>Yêu cầu khách hàng đăng nhập thì mới them hàng vào giỏ</a:t>
-            </a:r>
-          </a:p>
-        </p:txBody>
-      </p:sp>
-      <p:sp>
-        <p:nvSpPr>
-          <p:cNvPr id="3" name="Content Placeholder 2">
-            <a:extLst>
-              <a:ext uri="{FF2B5EF4-FFF2-40B4-BE49-F238E27FC236}">
-                <a16:creationId xmlns:a16="http://schemas.microsoft.com/office/drawing/2014/main" id="{DC05417D-C89B-4FE9-80C5-C5FE3A7BAF48}"/>
-              </a:ext>
-            </a:extLst>
-          </p:cNvPr>
-          <p:cNvSpPr>
-            <a:spLocks noGrp="1"/>
-          </p:cNvSpPr>
-          <p:nvPr>
-            <p:ph idx="1"/>
-          </p:nvPr>
-        </p:nvSpPr>
-        <p:spPr/>
-        <p:txBody>
-          <a:bodyPr/>
-          <a:lstStyle/>
-          <a:p>
-            <a:endParaRPr lang="en-US"/>
+      <p:pic>
+        <p:nvPicPr>
+          <p:cNvPr id="4" name="Picture 3">
+            <a:extLst>
+              <a:ext uri="{FF2B5EF4-FFF2-40B4-BE49-F238E27FC236}">
+                <a16:creationId xmlns:a16="http://schemas.microsoft.com/office/drawing/2014/main" id="{0D18F784-D209-40AE-A1EF-42260873F93E}"/>
+              </a:ext>
+            </a:extLst>
+          </p:cNvPr>
+          <p:cNvPicPr>
+            <a:picLocks noChangeAspect="1"/>
+          </p:cNvPicPr>
+          <p:nvPr/>
+        </p:nvPicPr>
+        <p:blipFill>
+          <a:blip r:embed="rId2"/>
+          <a:stretch>
+            <a:fillRect/>
+          </a:stretch>
+        </p:blipFill>
+        <p:spPr>
+          <a:xfrm>
+            <a:off x="1023334" y="828140"/>
+            <a:ext cx="4214492" cy="2505425"/>
+          </a:xfrm>
+          <a:prstGeom prst="rect">
+            <a:avLst/>
+          </a:prstGeom>
+        </p:spPr>
+      </p:pic>
+      <p:sp>
+        <p:nvSpPr>
+          <p:cNvPr id="5" name="TextBox 4">
+            <a:extLst>
+              <a:ext uri="{FF2B5EF4-FFF2-40B4-BE49-F238E27FC236}">
+                <a16:creationId xmlns:a16="http://schemas.microsoft.com/office/drawing/2014/main" id="{890FBE0B-B66C-4610-BB09-53F6AC71E28A}"/>
+              </a:ext>
+            </a:extLst>
+          </p:cNvPr>
+          <p:cNvSpPr txBox="1"/>
+          <p:nvPr/>
+        </p:nvSpPr>
+        <p:spPr>
+          <a:xfrm>
+            <a:off x="861134" y="4350058"/>
+            <a:ext cx="9570128" cy="369332"/>
+          </a:xfrm>
+          <a:prstGeom prst="rect">
+            <a:avLst/>
+          </a:prstGeom>
+          <a:noFill/>
+        </p:spPr>
+        <p:txBody>
+          <a:bodyPr wrap="square" rtlCol="0">
+            <a:spAutoFit/>
+          </a:bodyPr>
+          <a:lstStyle/>
+          <a:p>
+            <a:r>
+              <a:rPr lang="en-US"/>
+              <a:t>https://www.youtube.com/watch?v=s4CPSGUkQaY</a:t>
+            </a:r>
+          </a:p>
+        </p:txBody>
+      </p:sp>
+      <p:sp>
+        <p:nvSpPr>
+          <p:cNvPr id="6" name="TextBox 5">
+            <a:extLst>
+              <a:ext uri="{FF2B5EF4-FFF2-40B4-BE49-F238E27FC236}">
+                <a16:creationId xmlns:a16="http://schemas.microsoft.com/office/drawing/2014/main" id="{B51D1DB7-ED49-4A62-8C61-56D1A4789DF5}"/>
+              </a:ext>
+            </a:extLst>
+          </p:cNvPr>
+          <p:cNvSpPr txBox="1"/>
+          <p:nvPr/>
+        </p:nvSpPr>
+        <p:spPr>
+          <a:xfrm>
+            <a:off x="843379" y="3524435"/>
+            <a:ext cx="4811697" cy="369332"/>
+          </a:xfrm>
+          <a:prstGeom prst="rect">
+            <a:avLst/>
+          </a:prstGeom>
+          <a:noFill/>
+        </p:spPr>
+        <p:txBody>
+          <a:bodyPr wrap="square" rtlCol="0">
+            <a:spAutoFit/>
+          </a:bodyPr>
+          <a:lstStyle/>
+          <a:p>
+            <a:r>
+              <a:rPr lang="en-US"/>
+              <a:t>Link h</a:t>
+            </a:r>
+            <a:r>
+              <a:rPr lang="vi-VN"/>
+              <a:t>ư</a:t>
+            </a:r>
+            <a:r>
+              <a:rPr lang="en-US"/>
+              <a:t>ớng dẫn chi tiết, khả dụng:</a:t>
+            </a:r>
+          </a:p>
+        </p:txBody>
+      </p:sp>
+      <p:sp>
+        <p:nvSpPr>
+          <p:cNvPr id="2" name="TextBox 1">
+            <a:extLst>
+              <a:ext uri="{FF2B5EF4-FFF2-40B4-BE49-F238E27FC236}">
+                <a16:creationId xmlns:a16="http://schemas.microsoft.com/office/drawing/2014/main" id="{623F2984-30F2-4991-9638-9E2AB9DDE16F}"/>
+              </a:ext>
+            </a:extLst>
+          </p:cNvPr>
+          <p:cNvSpPr txBox="1"/>
+          <p:nvPr/>
+        </p:nvSpPr>
+        <p:spPr>
+          <a:xfrm>
+            <a:off x="692458" y="79899"/>
+            <a:ext cx="9570128" cy="369332"/>
+          </a:xfrm>
+          <a:prstGeom prst="rect">
+            <a:avLst/>
+          </a:prstGeom>
+          <a:noFill/>
+        </p:spPr>
+        <p:txBody>
+          <a:bodyPr wrap="square" rtlCol="0">
+            <a:spAutoFit/>
+          </a:bodyPr>
+          <a:lstStyle/>
+          <a:p>
+            <a:r>
+              <a:rPr lang="en-US"/>
+              <a:t>Plugin cho việc đăng ký tài khoản</a:t>
+            </a:r>
           </a:p>
         </p:txBody>
       </p:sp>
     </p:spTree>
     <p:extLst>
       <p:ext uri="{BB962C8B-B14F-4D97-AF65-F5344CB8AC3E}">
-        <p14:creationId xmlns:p14="http://schemas.microsoft.com/office/powerpoint/2010/main" val="187181346"/>
+        <p14:creationId xmlns:p14="http://schemas.microsoft.com/office/powerpoint/2010/main" val="611214504"/>
       </p:ext>
     </p:extLst>
   </p:cSld>
@@ -6595,7 +7162,7 @@
           <p:cNvPr id="2" name="Title 1">
             <a:extLst>
               <a:ext uri="{FF2B5EF4-FFF2-40B4-BE49-F238E27FC236}">
-                <a16:creationId xmlns:a16="http://schemas.microsoft.com/office/drawing/2014/main" id="{F285D138-52A8-46DC-A0BF-2CBA9538C5AB}"/>
+                <a16:creationId xmlns:a16="http://schemas.microsoft.com/office/drawing/2014/main" id="{D1F41BA0-43C9-4F6A-9CC2-CC9279855899}"/>
               </a:ext>
             </a:extLst>
           </p:cNvPr>
@@ -6606,12 +7173,7 @@
             <p:ph type="title"/>
           </p:nvPr>
         </p:nvSpPr>
-        <p:spPr>
-          <a:xfrm>
-            <a:off x="594804" y="365125"/>
-            <a:ext cx="10758996" cy="1325563"/>
-          </a:xfrm>
-        </p:spPr>
+        <p:spPr/>
         <p:txBody>
           <a:bodyPr/>
           <a:lstStyle/>
@@ -6625,7 +7187,7 @@
           <p:cNvPr id="3" name="Content Placeholder 2">
             <a:extLst>
               <a:ext uri="{FF2B5EF4-FFF2-40B4-BE49-F238E27FC236}">
-                <a16:creationId xmlns:a16="http://schemas.microsoft.com/office/drawing/2014/main" id="{E1EB1AB3-E4E3-497A-AED9-4521ABE69A49}"/>
+                <a16:creationId xmlns:a16="http://schemas.microsoft.com/office/drawing/2014/main" id="{A4F862D7-D0A3-40F1-B609-FE72C3C6033D}"/>
               </a:ext>
             </a:extLst>
           </p:cNvPr>
@@ -6641,33 +7203,44 @@
           <a:bodyPr/>
           <a:lstStyle/>
           <a:p>
-            <a:r>
-              <a:rPr lang="en-US"/>
-              <a:t>Có đ</a:t>
-            </a:r>
-            <a:r>
-              <a:rPr lang="vi-VN"/>
-              <a:t>ơ</a:t>
-            </a:r>
-            <a:r>
-              <a:rPr lang="en-US"/>
-              <a:t>n hàng thì báo về Mail cho ng</a:t>
-            </a:r>
-            <a:r>
-              <a:rPr lang="vi-VN"/>
-              <a:t>ư</a:t>
-            </a:r>
-            <a:r>
-              <a:rPr lang="en-US"/>
-              <a:t>ời sử dụng.</a:t>
-            </a:r>
-          </a:p>
-        </p:txBody>
-      </p:sp>
+            <a:endParaRPr lang="en-US"/>
+          </a:p>
+        </p:txBody>
+      </p:sp>
+      <p:pic>
+        <p:nvPicPr>
+          <p:cNvPr id="4" name="Picture 3">
+            <a:extLst>
+              <a:ext uri="{FF2B5EF4-FFF2-40B4-BE49-F238E27FC236}">
+                <a16:creationId xmlns:a16="http://schemas.microsoft.com/office/drawing/2014/main" id="{D1DA79B9-8D3B-46AE-A0D0-2EE6B4008734}"/>
+              </a:ext>
+            </a:extLst>
+          </p:cNvPr>
+          <p:cNvPicPr>
+            <a:picLocks noChangeAspect="1"/>
+          </p:cNvPicPr>
+          <p:nvPr/>
+        </p:nvPicPr>
+        <p:blipFill>
+          <a:blip r:embed="rId2"/>
+          <a:stretch>
+            <a:fillRect/>
+          </a:stretch>
+        </p:blipFill>
+        <p:spPr>
+          <a:xfrm>
+            <a:off x="838200" y="1825625"/>
+            <a:ext cx="10515600" cy="2737497"/>
+          </a:xfrm>
+          <a:prstGeom prst="rect">
+            <a:avLst/>
+          </a:prstGeom>
+        </p:spPr>
+      </p:pic>
     </p:spTree>
     <p:extLst>
       <p:ext uri="{BB962C8B-B14F-4D97-AF65-F5344CB8AC3E}">
-        <p14:creationId xmlns:p14="http://schemas.microsoft.com/office/powerpoint/2010/main" val="2745819092"/>
+        <p14:creationId xmlns:p14="http://schemas.microsoft.com/office/powerpoint/2010/main" val="229356546"/>
       </p:ext>
     </p:extLst>
   </p:cSld>
@@ -6699,7 +7272,7 @@
           <p:cNvPr id="2" name="Title 1">
             <a:extLst>
               <a:ext uri="{FF2B5EF4-FFF2-40B4-BE49-F238E27FC236}">
-                <a16:creationId xmlns:a16="http://schemas.microsoft.com/office/drawing/2014/main" id="{7CE74ED8-FFEA-4F5A-B9EA-C7DEB42B87D5}"/>
+                <a16:creationId xmlns:a16="http://schemas.microsoft.com/office/drawing/2014/main" id="{D6359480-CF5B-4CCC-B23D-12D1BE3FE8E3}"/>
               </a:ext>
             </a:extLst>
           </p:cNvPr>
@@ -6712,51 +7285,8 @@
         </p:nvSpPr>
         <p:spPr>
           <a:xfrm>
-            <a:off x="0" y="0"/>
-            <a:ext cx="12192000" cy="593663"/>
-          </a:xfrm>
-        </p:spPr>
-        <p:txBody>
-          <a:bodyPr>
-            <a:normAutofit fontScale="90000"/>
-          </a:bodyPr>
-          <a:lstStyle/>
-          <a:p>
-            <a:r>
-              <a:rPr lang="en-US"/>
-              <a:t>Hiển thị đ</a:t>
-            </a:r>
-            <a:r>
-              <a:rPr lang="vi-VN"/>
-              <a:t>ơ</a:t>
-            </a:r>
-            <a:r>
-              <a:rPr lang="en-US"/>
-              <a:t>n hàng đã đặt, tạo thông báo khi đặt hàng</a:t>
-            </a:r>
-          </a:p>
-        </p:txBody>
-      </p:sp>
-      <p:sp>
-        <p:nvSpPr>
-          <p:cNvPr id="3" name="Content Placeholder 2">
-            <a:extLst>
-              <a:ext uri="{FF2B5EF4-FFF2-40B4-BE49-F238E27FC236}">
-                <a16:creationId xmlns:a16="http://schemas.microsoft.com/office/drawing/2014/main" id="{F1C680DF-675E-4216-A0B3-9F5708AE8A61}"/>
-              </a:ext>
-            </a:extLst>
-          </p:cNvPr>
-          <p:cNvSpPr>
-            <a:spLocks noGrp="1"/>
-          </p:cNvSpPr>
-          <p:nvPr>
-            <p:ph idx="1"/>
-          </p:nvPr>
-        </p:nvSpPr>
-        <p:spPr>
-          <a:xfrm>
-            <a:off x="-1" y="727970"/>
-            <a:ext cx="12191999" cy="1074198"/>
+            <a:off x="133165" y="124287"/>
+            <a:ext cx="10515600" cy="852257"/>
           </a:xfrm>
         </p:spPr>
         <p:txBody>
@@ -6765,52 +7295,17 @@
           <a:p>
             <a:r>
               <a:rPr lang="en-US"/>
-              <a:t>https://www.youtube.com/watch?v=X6Zy08fh2Ic</a:t>
-            </a:r>
-          </a:p>
-        </p:txBody>
-      </p:sp>
-      <p:sp>
-        <p:nvSpPr>
-          <p:cNvPr id="4" name="TextBox 3">
-            <a:extLst>
-              <a:ext uri="{FF2B5EF4-FFF2-40B4-BE49-F238E27FC236}">
-                <a16:creationId xmlns:a16="http://schemas.microsoft.com/office/drawing/2014/main" id="{014D8250-D7F7-449B-9414-4E0E4097C0F1}"/>
-              </a:ext>
-            </a:extLst>
-          </p:cNvPr>
-          <p:cNvSpPr txBox="1"/>
-          <p:nvPr/>
-        </p:nvSpPr>
-        <p:spPr>
-          <a:xfrm>
-            <a:off x="292964" y="1802168"/>
-            <a:ext cx="4669654" cy="369332"/>
-          </a:xfrm>
-          <a:prstGeom prst="rect">
-            <a:avLst/>
-          </a:prstGeom>
-          <a:noFill/>
-        </p:spPr>
-        <p:txBody>
-          <a:bodyPr wrap="square" rtlCol="0">
-            <a:spAutoFit/>
-          </a:bodyPr>
-          <a:lstStyle/>
-          <a:p>
-            <a:r>
-              <a:rPr lang="en-US"/>
-              <a:t>Tạo thông báo khi có khách hàng mua hàng.</a:t>
+              <a:t>Copy Code của Form này.</a:t>
             </a:r>
           </a:p>
         </p:txBody>
       </p:sp>
       <p:pic>
         <p:nvPicPr>
-          <p:cNvPr id="5" name="Picture 4">
-            <a:extLst>
-              <a:ext uri="{FF2B5EF4-FFF2-40B4-BE49-F238E27FC236}">
-                <a16:creationId xmlns:a16="http://schemas.microsoft.com/office/drawing/2014/main" id="{C883EB08-4934-4A99-ADC2-117CDAF8F02B}"/>
+          <p:cNvPr id="4" name="Picture 3">
+            <a:extLst>
+              <a:ext uri="{FF2B5EF4-FFF2-40B4-BE49-F238E27FC236}">
+                <a16:creationId xmlns:a16="http://schemas.microsoft.com/office/drawing/2014/main" id="{28F6F8E4-21AA-4663-B2D1-1B9136080283}"/>
               </a:ext>
             </a:extLst>
           </p:cNvPr>
@@ -6827,53 +7322,18 @@
         </p:blipFill>
         <p:spPr>
           <a:xfrm>
-            <a:off x="5166805" y="1411549"/>
-            <a:ext cx="5982535" cy="4572000"/>
+            <a:off x="802690" y="1221944"/>
+            <a:ext cx="9486530" cy="5063446"/>
           </a:xfrm>
           <a:prstGeom prst="rect">
             <a:avLst/>
           </a:prstGeom>
         </p:spPr>
       </p:pic>
-      <p:sp>
-        <p:nvSpPr>
-          <p:cNvPr id="6" name="TextBox 5">
-            <a:extLst>
-              <a:ext uri="{FF2B5EF4-FFF2-40B4-BE49-F238E27FC236}">
-                <a16:creationId xmlns:a16="http://schemas.microsoft.com/office/drawing/2014/main" id="{1F308684-3BE9-4E45-A20E-FD5175D0E308}"/>
-              </a:ext>
-            </a:extLst>
-          </p:cNvPr>
-          <p:cNvSpPr txBox="1"/>
-          <p:nvPr/>
-        </p:nvSpPr>
-        <p:spPr>
-          <a:xfrm>
-            <a:off x="124287" y="2308194"/>
-            <a:ext cx="4492101" cy="369332"/>
-          </a:xfrm>
-          <a:prstGeom prst="rect">
-            <a:avLst/>
-          </a:prstGeom>
-          <a:noFill/>
-        </p:spPr>
-        <p:txBody>
-          <a:bodyPr wrap="square" rtlCol="0">
-            <a:spAutoFit/>
-          </a:bodyPr>
-          <a:lstStyle/>
-          <a:p>
-            <a:r>
-              <a:rPr lang="en-US"/>
-              <a:t>Đơn hàng sẽ nằm trong mục tài khoản</a:t>
-            </a:r>
-          </a:p>
-        </p:txBody>
-      </p:sp>
     </p:spTree>
     <p:extLst>
       <p:ext uri="{BB962C8B-B14F-4D97-AF65-F5344CB8AC3E}">
-        <p14:creationId xmlns:p14="http://schemas.microsoft.com/office/powerpoint/2010/main" val="2790593769"/>
+        <p14:creationId xmlns:p14="http://schemas.microsoft.com/office/powerpoint/2010/main" val="4241250329"/>
       </p:ext>
     </p:extLst>
   </p:cSld>
@@ -6905,7 +7365,7 @@
           <p:cNvPr id="2" name="Title 1">
             <a:extLst>
               <a:ext uri="{FF2B5EF4-FFF2-40B4-BE49-F238E27FC236}">
-                <a16:creationId xmlns:a16="http://schemas.microsoft.com/office/drawing/2014/main" id="{26C238A5-5CFB-42AF-9724-16E32D888C9C}"/>
+                <a16:creationId xmlns:a16="http://schemas.microsoft.com/office/drawing/2014/main" id="{381F976F-C9E2-4FF6-BA80-8885C9F2A4B8}"/>
               </a:ext>
             </a:extLst>
           </p:cNvPr>
@@ -6916,71 +7376,63 @@
             <p:ph type="title"/>
           </p:nvPr>
         </p:nvSpPr>
-        <p:spPr/>
-        <p:txBody>
-          <a:bodyPr/>
-          <a:lstStyle/>
-          <a:p>
-            <a:r>
-              <a:rPr lang="en-US"/>
-              <a:t>Tính năng theo dỗi vận đ</a:t>
-            </a:r>
-            <a:r>
-              <a:rPr lang="vi-VN"/>
-              <a:t>ơ</a:t>
-            </a:r>
-            <a:r>
-              <a:rPr lang="en-US"/>
-              <a:t>n sau khi đặt hàng.</a:t>
-            </a:r>
-          </a:p>
-        </p:txBody>
-      </p:sp>
-      <p:sp>
-        <p:nvSpPr>
-          <p:cNvPr id="3" name="Content Placeholder 2">
-            <a:extLst>
-              <a:ext uri="{FF2B5EF4-FFF2-40B4-BE49-F238E27FC236}">
-                <a16:creationId xmlns:a16="http://schemas.microsoft.com/office/drawing/2014/main" id="{8ADBCD08-7396-4ED5-B9AF-05AC32EDB4A1}"/>
-              </a:ext>
-            </a:extLst>
-          </p:cNvPr>
-          <p:cNvSpPr>
-            <a:spLocks noGrp="1"/>
-          </p:cNvSpPr>
-          <p:nvPr>
-            <p:ph idx="1"/>
-          </p:nvPr>
-        </p:nvSpPr>
-        <p:spPr>
-          <a:xfrm>
-            <a:off x="465338" y="1459748"/>
-            <a:ext cx="8456720" cy="961963"/>
-          </a:xfrm>
-        </p:spPr>
-        <p:txBody>
-          <a:bodyPr/>
-          <a:lstStyle/>
-          <a:p>
-            <a:r>
-              <a:rPr lang="en-US">
-                <a:hlinkClick r:id="rId2"/>
-              </a:rPr>
-              <a:t>https://www.youtube.com/watch?v=vq7GkhHAW9M</a:t>
-            </a:r>
-            <a:endParaRPr lang="en-US"/>
-          </a:p>
-          <a:p>
-            <a:endParaRPr lang="en-US"/>
+        <p:spPr>
+          <a:xfrm>
+            <a:off x="0" y="0"/>
+            <a:ext cx="10515600" cy="558153"/>
+          </a:xfrm>
+        </p:spPr>
+        <p:txBody>
+          <a:bodyPr>
+            <a:normAutofit fontScale="90000"/>
+          </a:bodyPr>
+          <a:lstStyle/>
+          <a:p>
+            <a:r>
+              <a:rPr lang="en-US"/>
+              <a:t>Password User:</a:t>
+            </a:r>
           </a:p>
         </p:txBody>
       </p:sp>
       <p:pic>
         <p:nvPicPr>
-          <p:cNvPr id="4" name="Picture 3">
-            <a:extLst>
-              <a:ext uri="{FF2B5EF4-FFF2-40B4-BE49-F238E27FC236}">
-                <a16:creationId xmlns:a16="http://schemas.microsoft.com/office/drawing/2014/main" id="{86FD705B-B760-4CBF-BC3B-185E8B11779B}"/>
+          <p:cNvPr id="4" name="Content Placeholder 3">
+            <a:extLst>
+              <a:ext uri="{FF2B5EF4-FFF2-40B4-BE49-F238E27FC236}">
+                <a16:creationId xmlns:a16="http://schemas.microsoft.com/office/drawing/2014/main" id="{76014A20-B115-42FE-8A22-40DA64B73797}"/>
+              </a:ext>
+            </a:extLst>
+          </p:cNvPr>
+          <p:cNvPicPr>
+            <a:picLocks noGrp="1" noChangeAspect="1"/>
+          </p:cNvPicPr>
+          <p:nvPr>
+            <p:ph idx="1"/>
+          </p:nvPr>
+        </p:nvPicPr>
+        <p:blipFill>
+          <a:blip r:embed="rId2"/>
+          <a:stretch>
+            <a:fillRect/>
+          </a:stretch>
+        </p:blipFill>
+        <p:spPr>
+          <a:xfrm>
+            <a:off x="8241344" y="2166760"/>
+            <a:ext cx="1991003" cy="2524477"/>
+          </a:xfrm>
+          <a:prstGeom prst="rect">
+            <a:avLst/>
+          </a:prstGeom>
+        </p:spPr>
+      </p:pic>
+      <p:pic>
+        <p:nvPicPr>
+          <p:cNvPr id="5" name="Picture 4">
+            <a:extLst>
+              <a:ext uri="{FF2B5EF4-FFF2-40B4-BE49-F238E27FC236}">
+                <a16:creationId xmlns:a16="http://schemas.microsoft.com/office/drawing/2014/main" id="{300BC31B-AA21-44BE-9E9B-2B27F0936C95}"/>
               </a:ext>
             </a:extLst>
           </p:cNvPr>
@@ -6997,118 +7449,18 @@
         </p:blipFill>
         <p:spPr>
           <a:xfrm>
-            <a:off x="9267534" y="1503672"/>
-            <a:ext cx="2086266" cy="552527"/>
+            <a:off x="2836362" y="1623760"/>
+            <a:ext cx="4086795" cy="3610479"/>
           </a:xfrm>
           <a:prstGeom prst="rect">
             <a:avLst/>
           </a:prstGeom>
         </p:spPr>
       </p:pic>
-      <p:pic>
-        <p:nvPicPr>
-          <p:cNvPr id="5" name="Picture 4">
-            <a:extLst>
-              <a:ext uri="{FF2B5EF4-FFF2-40B4-BE49-F238E27FC236}">
-                <a16:creationId xmlns:a16="http://schemas.microsoft.com/office/drawing/2014/main" id="{2FA0204E-22F5-4D65-A3E4-B0FC00D9AA95}"/>
-              </a:ext>
-            </a:extLst>
-          </p:cNvPr>
-          <p:cNvPicPr>
-            <a:picLocks noChangeAspect="1"/>
-          </p:cNvPicPr>
-          <p:nvPr/>
-        </p:nvPicPr>
-        <p:blipFill>
-          <a:blip r:embed="rId4"/>
-          <a:stretch>
-            <a:fillRect/>
-          </a:stretch>
-        </p:blipFill>
-        <p:spPr>
-          <a:xfrm>
-            <a:off x="5394207" y="2563369"/>
-            <a:ext cx="5498694" cy="2683334"/>
-          </a:xfrm>
-          <a:prstGeom prst="rect">
-            <a:avLst/>
-          </a:prstGeom>
-        </p:spPr>
-      </p:pic>
-      <p:sp>
-        <p:nvSpPr>
-          <p:cNvPr id="6" name="TextBox 5">
-            <a:extLst>
-              <a:ext uri="{FF2B5EF4-FFF2-40B4-BE49-F238E27FC236}">
-                <a16:creationId xmlns:a16="http://schemas.microsoft.com/office/drawing/2014/main" id="{85D4DCD9-9AF8-4813-B6EA-4668B7ED71F2}"/>
-              </a:ext>
-            </a:extLst>
-          </p:cNvPr>
-          <p:cNvSpPr txBox="1"/>
-          <p:nvPr/>
-        </p:nvSpPr>
-        <p:spPr>
-          <a:xfrm>
-            <a:off x="1071609" y="2785311"/>
-            <a:ext cx="1769246" cy="369332"/>
-          </a:xfrm>
-          <a:prstGeom prst="rect">
-            <a:avLst/>
-          </a:prstGeom>
-          <a:noFill/>
-        </p:spPr>
-        <p:txBody>
-          <a:bodyPr wrap="square" rtlCol="0">
-            <a:spAutoFit/>
-          </a:bodyPr>
-          <a:lstStyle/>
-          <a:p>
-            <a:r>
-              <a:rPr lang="en-US"/>
-              <a:t>Pluin sử dụng.</a:t>
-            </a:r>
-          </a:p>
-        </p:txBody>
-      </p:sp>
-      <p:sp>
-        <p:nvSpPr>
-          <p:cNvPr id="7" name="TextBox 6">
-            <a:extLst>
-              <a:ext uri="{FF2B5EF4-FFF2-40B4-BE49-F238E27FC236}">
-                <a16:creationId xmlns:a16="http://schemas.microsoft.com/office/drawing/2014/main" id="{88A53941-FD33-4A3A-A7B0-7BED2B1ED0B2}"/>
-              </a:ext>
-            </a:extLst>
-          </p:cNvPr>
-          <p:cNvSpPr txBox="1"/>
-          <p:nvPr/>
-        </p:nvSpPr>
-        <p:spPr>
-          <a:xfrm>
-            <a:off x="465338" y="3429000"/>
-            <a:ext cx="2295617" cy="369332"/>
-          </a:xfrm>
-          <a:prstGeom prst="rect">
-            <a:avLst/>
-          </a:prstGeom>
-          <a:noFill/>
-        </p:spPr>
-        <p:txBody>
-          <a:bodyPr wrap="square" rtlCol="0">
-            <a:spAutoFit/>
-          </a:bodyPr>
-          <a:lstStyle/>
-          <a:p>
-            <a:r>
-              <a:rPr lang="en-US"/>
-              <a:t>Cài và sau đó cài đặt.</a:t>
-            </a:r>
-          </a:p>
-        </p:txBody>
-      </p:sp>
     </p:spTree>
     <p:extLst>
       <p:ext uri="{BB962C8B-B14F-4D97-AF65-F5344CB8AC3E}">
-        <p14:creationId xmlns:p14="http://schemas.microsoft.com/office/powerpoint/2010/main" val="3879946810"/>
+        <p14:creationId xmlns:p14="http://schemas.microsoft.com/office/powerpoint/2010/main" val="1377740730"/>
       </p:ext>
     </p:extLst>
   </p:cSld>
@@ -7233,7 +7585,7 @@
           <p:cNvPr id="2" name="Title 1">
             <a:extLst>
               <a:ext uri="{FF2B5EF4-FFF2-40B4-BE49-F238E27FC236}">
-                <a16:creationId xmlns:a16="http://schemas.microsoft.com/office/drawing/2014/main" id="{B24705B1-3439-4AE2-B566-DF8DE7FD545C}"/>
+                <a16:creationId xmlns:a16="http://schemas.microsoft.com/office/drawing/2014/main" id="{007C8183-9272-45DD-A9A8-BF5EE3718AB0}"/>
               </a:ext>
             </a:extLst>
           </p:cNvPr>
@@ -7247,7 +7599,42 @@
         <p:spPr>
           <a:xfrm>
             <a:off x="0" y="0"/>
-            <a:ext cx="12192000" cy="790113"/>
+            <a:ext cx="12002610" cy="727969"/>
+          </a:xfrm>
+        </p:spPr>
+        <p:txBody>
+          <a:bodyPr>
+            <a:normAutofit fontScale="90000"/>
+          </a:bodyPr>
+          <a:lstStyle/>
+          <a:p>
+            <a:r>
+              <a:rPr lang="en-US"/>
+              <a:t>Mặc định Wordpress ko cho khách hàng đăng ký tài khoản </a:t>
+            </a:r>
+          </a:p>
+        </p:txBody>
+      </p:sp>
+      <p:sp>
+        <p:nvSpPr>
+          <p:cNvPr id="3" name="Content Placeholder 2">
+            <a:extLst>
+              <a:ext uri="{FF2B5EF4-FFF2-40B4-BE49-F238E27FC236}">
+                <a16:creationId xmlns:a16="http://schemas.microsoft.com/office/drawing/2014/main" id="{55E3E7B0-7A7D-436B-A12C-6A1A4D7D3DA2}"/>
+              </a:ext>
+            </a:extLst>
+          </p:cNvPr>
+          <p:cNvSpPr>
+            <a:spLocks noGrp="1"/>
+          </p:cNvSpPr>
+          <p:nvPr>
+            <p:ph idx="1"/>
+          </p:nvPr>
+        </p:nvSpPr>
+        <p:spPr>
+          <a:xfrm>
+            <a:off x="0" y="1154099"/>
+            <a:ext cx="6782540" cy="514903"/>
           </a:xfrm>
         </p:spPr>
         <p:txBody>
@@ -7256,34 +7643,24 @@
           <a:p>
             <a:r>
               <a:rPr lang="en-US"/>
-              <a:t>Trang quản lý đ</a:t>
-            </a:r>
-            <a:r>
-              <a:rPr lang="vi-VN"/>
-              <a:t>ơ</a:t>
-            </a:r>
-            <a:r>
-              <a:rPr lang="en-US"/>
-              <a:t>n hàng cho WebAdmin.</a:t>
+              <a:t>Cần phải bật tính năng đăng ký tài khoản </a:t>
             </a:r>
           </a:p>
         </p:txBody>
       </p:sp>
       <p:pic>
         <p:nvPicPr>
-          <p:cNvPr id="4" name="Content Placeholder 3">
-            <a:extLst>
-              <a:ext uri="{FF2B5EF4-FFF2-40B4-BE49-F238E27FC236}">
-                <a16:creationId xmlns:a16="http://schemas.microsoft.com/office/drawing/2014/main" id="{110069B0-5AD5-428A-BE35-96661121D13E}"/>
+          <p:cNvPr id="4" name="Picture 3">
+            <a:extLst>
+              <a:ext uri="{FF2B5EF4-FFF2-40B4-BE49-F238E27FC236}">
+                <a16:creationId xmlns:a16="http://schemas.microsoft.com/office/drawing/2014/main" id="{0C6E0F7D-272B-4E9B-9AB3-07C49D261E40}"/>
               </a:ext>
             </a:extLst>
           </p:cNvPr>
           <p:cNvPicPr>
-            <a:picLocks noGrp="1" noChangeAspect="1"/>
+            <a:picLocks noChangeAspect="1"/>
           </p:cNvPicPr>
-          <p:nvPr>
-            <p:ph idx="1"/>
-          </p:nvPr>
+          <p:nvPr/>
         </p:nvPicPr>
         <p:blipFill>
           <a:blip r:embed="rId2"/>
@@ -7293,18 +7670,142 @@
         </p:blipFill>
         <p:spPr>
           <a:xfrm>
-            <a:off x="1038760" y="984874"/>
-            <a:ext cx="8907118" cy="4648849"/>
+            <a:off x="376528" y="1669002"/>
+            <a:ext cx="6782540" cy="4864963"/>
           </a:xfrm>
           <a:prstGeom prst="rect">
             <a:avLst/>
           </a:prstGeom>
         </p:spPr>
       </p:pic>
+      <p:sp>
+        <p:nvSpPr>
+          <p:cNvPr id="5" name="Rectangle 4">
+            <a:extLst>
+              <a:ext uri="{FF2B5EF4-FFF2-40B4-BE49-F238E27FC236}">
+                <a16:creationId xmlns:a16="http://schemas.microsoft.com/office/drawing/2014/main" id="{4D547E48-76DC-4942-9A78-9208C69C5519}"/>
+              </a:ext>
+            </a:extLst>
+          </p:cNvPr>
+          <p:cNvSpPr/>
+          <p:nvPr/>
+        </p:nvSpPr>
+        <p:spPr>
+          <a:xfrm>
+            <a:off x="2743200" y="3340224"/>
+            <a:ext cx="1296140" cy="299621"/>
+          </a:xfrm>
+          <a:prstGeom prst="rect">
+            <a:avLst/>
+          </a:prstGeom>
+          <a:noFill/>
+        </p:spPr>
+        <p:style>
+          <a:lnRef idx="2">
+            <a:schemeClr val="accent2">
+              <a:shade val="50000"/>
+            </a:schemeClr>
+          </a:lnRef>
+          <a:fillRef idx="1">
+            <a:schemeClr val="accent2"/>
+          </a:fillRef>
+          <a:effectRef idx="0">
+            <a:schemeClr val="accent2"/>
+          </a:effectRef>
+          <a:fontRef idx="minor">
+            <a:schemeClr val="lt1"/>
+          </a:fontRef>
+        </p:style>
+        <p:txBody>
+          <a:bodyPr rtlCol="0" anchor="ctr"/>
+          <a:lstStyle/>
+          <a:p>
+            <a:pPr algn="ctr"/>
+            <a:endParaRPr lang="en-US"/>
+          </a:p>
+        </p:txBody>
+      </p:sp>
+      <p:cxnSp>
+        <p:nvCxnSpPr>
+          <p:cNvPr id="7" name="Straight Arrow Connector 6">
+            <a:extLst>
+              <a:ext uri="{FF2B5EF4-FFF2-40B4-BE49-F238E27FC236}">
+                <a16:creationId xmlns:a16="http://schemas.microsoft.com/office/drawing/2014/main" id="{62AA73FB-52EA-4B5B-95E5-A1D1520ACDFA}"/>
+              </a:ext>
+            </a:extLst>
+          </p:cNvPr>
+          <p:cNvCxnSpPr>
+            <a:cxnSpLocks/>
+            <a:stCxn id="5" idx="3"/>
+          </p:cNvCxnSpPr>
+          <p:nvPr/>
+        </p:nvCxnSpPr>
+        <p:spPr>
+          <a:xfrm flipV="1">
+            <a:off x="4039340" y="2610035"/>
+            <a:ext cx="3338004" cy="880000"/>
+          </a:xfrm>
+          <a:prstGeom prst="straightConnector1">
+            <a:avLst/>
+          </a:prstGeom>
+          <a:ln>
+            <a:tailEnd type="triangle"/>
+          </a:ln>
+        </p:spPr>
+        <p:style>
+          <a:lnRef idx="1">
+            <a:schemeClr val="dk1"/>
+          </a:lnRef>
+          <a:fillRef idx="0">
+            <a:schemeClr val="dk1"/>
+          </a:fillRef>
+          <a:effectRef idx="0">
+            <a:schemeClr val="dk1"/>
+          </a:effectRef>
+          <a:fontRef idx="minor">
+            <a:schemeClr val="tx1"/>
+          </a:fontRef>
+        </p:style>
+      </p:cxnSp>
+      <p:sp>
+        <p:nvSpPr>
+          <p:cNvPr id="10" name="TextBox 9">
+            <a:extLst>
+              <a:ext uri="{FF2B5EF4-FFF2-40B4-BE49-F238E27FC236}">
+                <a16:creationId xmlns:a16="http://schemas.microsoft.com/office/drawing/2014/main" id="{26CB01B5-87D7-4887-8D28-872153304A7D}"/>
+              </a:ext>
+            </a:extLst>
+          </p:cNvPr>
+          <p:cNvSpPr txBox="1"/>
+          <p:nvPr/>
+        </p:nvSpPr>
+        <p:spPr>
+          <a:xfrm>
+            <a:off x="7625918" y="2335937"/>
+            <a:ext cx="4243527" cy="369332"/>
+          </a:xfrm>
+          <a:prstGeom prst="rect">
+            <a:avLst/>
+          </a:prstGeom>
+          <a:noFill/>
+        </p:spPr>
+        <p:txBody>
+          <a:bodyPr wrap="square" rtlCol="0">
+            <a:spAutoFit/>
+          </a:bodyPr>
+          <a:lstStyle/>
+          <a:p>
+            <a:r>
+              <a:rPr lang="en-US"/>
+              <a:t>Chú ý: phải để vai trò là thành viên đăng ký</a:t>
+            </a:r>
+          </a:p>
+        </p:txBody>
+      </p:sp>
     </p:spTree>
     <p:extLst>
       <p:ext uri="{BB962C8B-B14F-4D97-AF65-F5344CB8AC3E}">
-        <p14:creationId xmlns:p14="http://schemas.microsoft.com/office/powerpoint/2010/main" val="3594472197"/>
+        <p14:creationId xmlns:p14="http://schemas.microsoft.com/office/powerpoint/2010/main" val="1254805410"/>
       </p:ext>
     </p:extLst>
   </p:cSld>
@@ -7336,7 +7837,7 @@
           <p:cNvPr id="2" name="Title 1">
             <a:extLst>
               <a:ext uri="{FF2B5EF4-FFF2-40B4-BE49-F238E27FC236}">
-                <a16:creationId xmlns:a16="http://schemas.microsoft.com/office/drawing/2014/main" id="{38368107-C846-4D22-87DA-BE22385ED7A6}"/>
+                <a16:creationId xmlns:a16="http://schemas.microsoft.com/office/drawing/2014/main" id="{8FD7B774-194C-484C-A265-FBAE13BAD883}"/>
               </a:ext>
             </a:extLst>
           </p:cNvPr>
@@ -7349,52 +7850,61 @@
         </p:nvSpPr>
         <p:spPr>
           <a:xfrm>
-            <a:off x="0" y="97656"/>
-            <a:ext cx="9099612" cy="798990"/>
-          </a:xfrm>
-        </p:spPr>
+            <a:off x="0" y="0"/>
+            <a:ext cx="10515600" cy="691318"/>
+          </a:xfrm>
+        </p:spPr>
+        <p:txBody>
+          <a:bodyPr>
+            <a:normAutofit fontScale="90000"/>
+          </a:bodyPr>
+          <a:lstStyle/>
+          <a:p>
+            <a:r>
+              <a:rPr lang="en-US"/>
+              <a:t>Cài đặt trong woocommerce:</a:t>
+            </a:r>
+          </a:p>
+        </p:txBody>
+      </p:sp>
+      <p:sp>
+        <p:nvSpPr>
+          <p:cNvPr id="3" name="Content Placeholder 2">
+            <a:extLst>
+              <a:ext uri="{FF2B5EF4-FFF2-40B4-BE49-F238E27FC236}">
+                <a16:creationId xmlns:a16="http://schemas.microsoft.com/office/drawing/2014/main" id="{FCDDCC56-CC3B-4768-9B4A-C740C256F26B}"/>
+              </a:ext>
+            </a:extLst>
+          </p:cNvPr>
+          <p:cNvSpPr>
+            <a:spLocks noGrp="1"/>
+          </p:cNvSpPr>
+          <p:nvPr>
+            <p:ph idx="1"/>
+          </p:nvPr>
+        </p:nvSpPr>
+        <p:spPr/>
         <p:txBody>
           <a:bodyPr/>
           <a:lstStyle/>
           <a:p>
-            <a:r>
-              <a:rPr lang="en-US"/>
-              <a:t>Quản lý đ</a:t>
-            </a:r>
-            <a:r>
-              <a:rPr lang="vi-VN"/>
-              <a:t>ơ</a:t>
-            </a:r>
-            <a:r>
-              <a:rPr lang="en-US"/>
-              <a:t>n hàng cho ng</a:t>
-            </a:r>
-            <a:r>
-              <a:rPr lang="vi-VN"/>
-              <a:t>ư</a:t>
-            </a:r>
-            <a:r>
-              <a:rPr lang="en-US"/>
-              <a:t>ời dùng:</a:t>
-            </a:r>
+            <a:endParaRPr lang="en-US"/>
           </a:p>
         </p:txBody>
       </p:sp>
       <p:pic>
         <p:nvPicPr>
-          <p:cNvPr id="4" name="Content Placeholder 3">
-            <a:extLst>
-              <a:ext uri="{FF2B5EF4-FFF2-40B4-BE49-F238E27FC236}">
-                <a16:creationId xmlns:a16="http://schemas.microsoft.com/office/drawing/2014/main" id="{A616E384-D28F-4C6B-9637-4BF73EFFCB3B}"/>
+          <p:cNvPr id="4" name="Picture 3">
+            <a:extLst>
+              <a:ext uri="{FF2B5EF4-FFF2-40B4-BE49-F238E27FC236}">
+                <a16:creationId xmlns:a16="http://schemas.microsoft.com/office/drawing/2014/main" id="{2048F7D5-200F-4513-972E-11741941040E}"/>
               </a:ext>
             </a:extLst>
           </p:cNvPr>
           <p:cNvPicPr>
-            <a:picLocks noGrp="1" noChangeAspect="1"/>
+            <a:picLocks noChangeAspect="1"/>
           </p:cNvPicPr>
-          <p:nvPr>
-            <p:ph idx="1"/>
-          </p:nvPr>
+          <p:nvPr/>
         </p:nvPicPr>
         <p:blipFill>
           <a:blip r:embed="rId2"/>
@@ -7404,171 +7914,18 @@
         </p:blipFill>
         <p:spPr>
           <a:xfrm>
-            <a:off x="722415" y="3732749"/>
-            <a:ext cx="6030167" cy="1000265"/>
+            <a:off x="736847" y="1752957"/>
+            <a:ext cx="6907011" cy="2685877"/>
           </a:xfrm>
           <a:prstGeom prst="rect">
             <a:avLst/>
           </a:prstGeom>
         </p:spPr>
       </p:pic>
-      <p:pic>
-        <p:nvPicPr>
-          <p:cNvPr id="5" name="Picture 4">
-            <a:extLst>
-              <a:ext uri="{FF2B5EF4-FFF2-40B4-BE49-F238E27FC236}">
-                <a16:creationId xmlns:a16="http://schemas.microsoft.com/office/drawing/2014/main" id="{03EA93A6-6ED7-4BF4-8B6B-504F389FE37A}"/>
-              </a:ext>
-            </a:extLst>
-          </p:cNvPr>
-          <p:cNvPicPr>
-            <a:picLocks noChangeAspect="1"/>
-          </p:cNvPicPr>
-          <p:nvPr/>
-        </p:nvPicPr>
-        <p:blipFill>
-          <a:blip r:embed="rId3"/>
-          <a:stretch>
-            <a:fillRect/>
-          </a:stretch>
-        </p:blipFill>
-        <p:spPr>
-          <a:xfrm>
-            <a:off x="2172406" y="1654172"/>
-            <a:ext cx="2467319" cy="1152686"/>
-          </a:xfrm>
-          <a:prstGeom prst="rect">
-            <a:avLst/>
-          </a:prstGeom>
-        </p:spPr>
-      </p:pic>
-      <p:sp>
-        <p:nvSpPr>
-          <p:cNvPr id="6" name="Rectangle 5">
-            <a:extLst>
-              <a:ext uri="{FF2B5EF4-FFF2-40B4-BE49-F238E27FC236}">
-                <a16:creationId xmlns:a16="http://schemas.microsoft.com/office/drawing/2014/main" id="{504A24A4-83AA-43A3-8A87-DC1F6A556C2D}"/>
-              </a:ext>
-            </a:extLst>
-          </p:cNvPr>
-          <p:cNvSpPr/>
-          <p:nvPr/>
-        </p:nvSpPr>
-        <p:spPr>
-          <a:xfrm>
-            <a:off x="3737499" y="2396971"/>
-            <a:ext cx="834501" cy="408373"/>
-          </a:xfrm>
-          <a:prstGeom prst="rect">
-            <a:avLst/>
-          </a:prstGeom>
-          <a:noFill/>
-        </p:spPr>
-        <p:style>
-          <a:lnRef idx="2">
-            <a:schemeClr val="accent2">
-              <a:shade val="50000"/>
-            </a:schemeClr>
-          </a:lnRef>
-          <a:fillRef idx="1">
-            <a:schemeClr val="accent2"/>
-          </a:fillRef>
-          <a:effectRef idx="0">
-            <a:schemeClr val="accent2"/>
-          </a:effectRef>
-          <a:fontRef idx="minor">
-            <a:schemeClr val="lt1"/>
-          </a:fontRef>
-        </p:style>
-        <p:txBody>
-          <a:bodyPr rtlCol="0" anchor="ctr"/>
-          <a:lstStyle/>
-          <a:p>
-            <a:pPr algn="ctr"/>
-            <a:endParaRPr lang="en-US"/>
-          </a:p>
-        </p:txBody>
-      </p:sp>
-      <p:cxnSp>
-        <p:nvCxnSpPr>
-          <p:cNvPr id="8" name="Straight Arrow Connector 7">
-            <a:extLst>
-              <a:ext uri="{FF2B5EF4-FFF2-40B4-BE49-F238E27FC236}">
-                <a16:creationId xmlns:a16="http://schemas.microsoft.com/office/drawing/2014/main" id="{872278EB-81B2-44C1-A668-E8A318ADF960}"/>
-              </a:ext>
-            </a:extLst>
-          </p:cNvPr>
-          <p:cNvCxnSpPr>
-            <a:cxnSpLocks/>
-          </p:cNvCxnSpPr>
-          <p:nvPr/>
-        </p:nvCxnSpPr>
-        <p:spPr>
-          <a:xfrm flipV="1">
-            <a:off x="4572000" y="2322670"/>
-            <a:ext cx="1524000" cy="260732"/>
-          </a:xfrm>
-          <a:prstGeom prst="straightConnector1">
-            <a:avLst/>
-          </a:prstGeom>
-          <a:ln>
-            <a:tailEnd type="triangle"/>
-          </a:ln>
-        </p:spPr>
-        <p:style>
-          <a:lnRef idx="1">
-            <a:schemeClr val="dk1"/>
-          </a:lnRef>
-          <a:fillRef idx="0">
-            <a:schemeClr val="dk1"/>
-          </a:fillRef>
-          <a:effectRef idx="0">
-            <a:schemeClr val="dk1"/>
-          </a:effectRef>
-          <a:fontRef idx="minor">
-            <a:schemeClr val="tx1"/>
-          </a:fontRef>
-        </p:style>
-      </p:cxnSp>
-      <p:sp>
-        <p:nvSpPr>
-          <p:cNvPr id="9" name="TextBox 8">
-            <a:extLst>
-              <a:ext uri="{FF2B5EF4-FFF2-40B4-BE49-F238E27FC236}">
-                <a16:creationId xmlns:a16="http://schemas.microsoft.com/office/drawing/2014/main" id="{8311446E-02B9-425B-8E71-5848FDBD3A15}"/>
-              </a:ext>
-            </a:extLst>
-          </p:cNvPr>
-          <p:cNvSpPr txBox="1"/>
-          <p:nvPr/>
-        </p:nvSpPr>
-        <p:spPr>
-          <a:xfrm>
-            <a:off x="6137093" y="2139518"/>
-            <a:ext cx="4888973" cy="369332"/>
-          </a:xfrm>
-          <a:prstGeom prst="rect">
-            <a:avLst/>
-          </a:prstGeom>
-          <a:noFill/>
-        </p:spPr>
-        <p:txBody>
-          <a:bodyPr wrap="square" rtlCol="0">
-            <a:spAutoFit/>
-          </a:bodyPr>
-          <a:lstStyle/>
-          <a:p>
-            <a:r>
-              <a:rPr lang="en-US"/>
-              <a:t>Sau đó nhấn vào Cập nhật.</a:t>
-            </a:r>
-          </a:p>
-        </p:txBody>
-      </p:sp>
     </p:spTree>
     <p:extLst>
       <p:ext uri="{BB962C8B-B14F-4D97-AF65-F5344CB8AC3E}">
-        <p14:creationId xmlns:p14="http://schemas.microsoft.com/office/powerpoint/2010/main" val="2858561528"/>
+        <p14:creationId xmlns:p14="http://schemas.microsoft.com/office/powerpoint/2010/main" val="1287837751"/>
       </p:ext>
     </p:extLst>
   </p:cSld>
@@ -7600,7 +7957,7 @@
           <p:cNvPr id="2" name="Title 1">
             <a:extLst>
               <a:ext uri="{FF2B5EF4-FFF2-40B4-BE49-F238E27FC236}">
-                <a16:creationId xmlns:a16="http://schemas.microsoft.com/office/drawing/2014/main" id="{84C66774-8702-4E44-87C1-A1A5B50D7FEB}"/>
+                <a16:creationId xmlns:a16="http://schemas.microsoft.com/office/drawing/2014/main" id="{6D8DE760-E9BB-4CEA-9C49-4989BC6924EE}"/>
               </a:ext>
             </a:extLst>
           </p:cNvPr>
@@ -7616,7 +7973,10 @@
           <a:bodyPr/>
           <a:lstStyle/>
           <a:p>
-            <a:endParaRPr lang="en-US"/>
+            <a:r>
+              <a:rPr lang="en-US"/>
+              <a:t>Yêu cầu khách hàng đăng nhập thì mới them hàng vào giỏ</a:t>
+            </a:r>
           </a:p>
         </p:txBody>
       </p:sp>
@@ -7625,7 +7985,7 @@
           <p:cNvPr id="3" name="Content Placeholder 2">
             <a:extLst>
               <a:ext uri="{FF2B5EF4-FFF2-40B4-BE49-F238E27FC236}">
-                <a16:creationId xmlns:a16="http://schemas.microsoft.com/office/drawing/2014/main" id="{2BFD1BC9-8007-4DB9-83EF-57AE2F56949B}"/>
+                <a16:creationId xmlns:a16="http://schemas.microsoft.com/office/drawing/2014/main" id="{DC05417D-C89B-4FE9-80C5-C5FE3A7BAF48}"/>
               </a:ext>
             </a:extLst>
           </p:cNvPr>
@@ -7648,7 +8008,7 @@
     </p:spTree>
     <p:extLst>
       <p:ext uri="{BB962C8B-B14F-4D97-AF65-F5344CB8AC3E}">
-        <p14:creationId xmlns:p14="http://schemas.microsoft.com/office/powerpoint/2010/main" val="552173754"/>
+        <p14:creationId xmlns:p14="http://schemas.microsoft.com/office/powerpoint/2010/main" val="187181346"/>
       </p:ext>
     </p:extLst>
   </p:cSld>
@@ -7680,7 +8040,7 @@
           <p:cNvPr id="2" name="Title 1">
             <a:extLst>
               <a:ext uri="{FF2B5EF4-FFF2-40B4-BE49-F238E27FC236}">
-                <a16:creationId xmlns:a16="http://schemas.microsoft.com/office/drawing/2014/main" id="{640E0253-3C90-43B2-8967-111C1EC20CDB}"/>
+                <a16:creationId xmlns:a16="http://schemas.microsoft.com/office/drawing/2014/main" id="{F285D138-52A8-46DC-A0BF-2CBA9538C5AB}"/>
               </a:ext>
             </a:extLst>
           </p:cNvPr>
@@ -7691,44 +8051,68 @@
             <p:ph type="title"/>
           </p:nvPr>
         </p:nvSpPr>
+        <p:spPr>
+          <a:xfrm>
+            <a:off x="594804" y="365125"/>
+            <a:ext cx="10758996" cy="1325563"/>
+          </a:xfrm>
+        </p:spPr>
+        <p:txBody>
+          <a:bodyPr/>
+          <a:lstStyle/>
+          <a:p>
+            <a:endParaRPr lang="en-US"/>
+          </a:p>
+        </p:txBody>
+      </p:sp>
+      <p:sp>
+        <p:nvSpPr>
+          <p:cNvPr id="3" name="Content Placeholder 2">
+            <a:extLst>
+              <a:ext uri="{FF2B5EF4-FFF2-40B4-BE49-F238E27FC236}">
+                <a16:creationId xmlns:a16="http://schemas.microsoft.com/office/drawing/2014/main" id="{E1EB1AB3-E4E3-497A-AED9-4521ABE69A49}"/>
+              </a:ext>
+            </a:extLst>
+          </p:cNvPr>
+          <p:cNvSpPr>
+            <a:spLocks noGrp="1"/>
+          </p:cNvSpPr>
+          <p:nvPr>
+            <p:ph idx="1"/>
+          </p:nvPr>
+        </p:nvSpPr>
         <p:spPr/>
         <p:txBody>
           <a:bodyPr/>
           <a:lstStyle/>
           <a:p>
-            <a:endParaRPr lang="en-US"/>
-          </a:p>
-        </p:txBody>
-      </p:sp>
-      <p:sp>
-        <p:nvSpPr>
-          <p:cNvPr id="3" name="Content Placeholder 2">
-            <a:extLst>
-              <a:ext uri="{FF2B5EF4-FFF2-40B4-BE49-F238E27FC236}">
-                <a16:creationId xmlns:a16="http://schemas.microsoft.com/office/drawing/2014/main" id="{C328DEC8-DC2E-4E7A-A4FE-A2AA2661421E}"/>
-              </a:ext>
-            </a:extLst>
-          </p:cNvPr>
-          <p:cNvSpPr>
-            <a:spLocks noGrp="1"/>
-          </p:cNvSpPr>
-          <p:nvPr>
-            <p:ph idx="1"/>
-          </p:nvPr>
-        </p:nvSpPr>
-        <p:spPr/>
-        <p:txBody>
-          <a:bodyPr/>
-          <a:lstStyle/>
-          <a:p>
-            <a:endParaRPr lang="en-US"/>
+            <a:r>
+              <a:rPr lang="en-US"/>
+              <a:t>Có đ</a:t>
+            </a:r>
+            <a:r>
+              <a:rPr lang="vi-VN"/>
+              <a:t>ơ</a:t>
+            </a:r>
+            <a:r>
+              <a:rPr lang="en-US"/>
+              <a:t>n hàng thì báo về Mail cho ng</a:t>
+            </a:r>
+            <a:r>
+              <a:rPr lang="vi-VN"/>
+              <a:t>ư</a:t>
+            </a:r>
+            <a:r>
+              <a:rPr lang="en-US"/>
+              <a:t>ời sử dụng.</a:t>
+            </a:r>
           </a:p>
         </p:txBody>
       </p:sp>
     </p:spTree>
     <p:extLst>
       <p:ext uri="{BB962C8B-B14F-4D97-AF65-F5344CB8AC3E}">
-        <p14:creationId xmlns:p14="http://schemas.microsoft.com/office/powerpoint/2010/main" val="3937160463"/>
+        <p14:creationId xmlns:p14="http://schemas.microsoft.com/office/powerpoint/2010/main" val="2745819092"/>
       </p:ext>
     </p:extLst>
   </p:cSld>
@@ -7760,7 +8144,7 @@
           <p:cNvPr id="2" name="Title 1">
             <a:extLst>
               <a:ext uri="{FF2B5EF4-FFF2-40B4-BE49-F238E27FC236}">
-                <a16:creationId xmlns:a16="http://schemas.microsoft.com/office/drawing/2014/main" id="{D81255A6-C280-43C5-A1E2-D1E37E332702}"/>
+                <a16:creationId xmlns:a16="http://schemas.microsoft.com/office/drawing/2014/main" id="{7CE74ED8-FFEA-4F5A-B9EA-C7DEB42B87D5}"/>
               </a:ext>
             </a:extLst>
           </p:cNvPr>
@@ -7771,44 +8155,170 @@
             <p:ph type="title"/>
           </p:nvPr>
         </p:nvSpPr>
-        <p:spPr/>
+        <p:spPr>
+          <a:xfrm>
+            <a:off x="0" y="0"/>
+            <a:ext cx="12192000" cy="593663"/>
+          </a:xfrm>
+        </p:spPr>
+        <p:txBody>
+          <a:bodyPr>
+            <a:normAutofit fontScale="90000"/>
+          </a:bodyPr>
+          <a:lstStyle/>
+          <a:p>
+            <a:r>
+              <a:rPr lang="en-US"/>
+              <a:t>Hiển thị đ</a:t>
+            </a:r>
+            <a:r>
+              <a:rPr lang="vi-VN"/>
+              <a:t>ơ</a:t>
+            </a:r>
+            <a:r>
+              <a:rPr lang="en-US"/>
+              <a:t>n hàng đã đặt, tạo thông báo khi đặt hàng</a:t>
+            </a:r>
+          </a:p>
+        </p:txBody>
+      </p:sp>
+      <p:sp>
+        <p:nvSpPr>
+          <p:cNvPr id="3" name="Content Placeholder 2">
+            <a:extLst>
+              <a:ext uri="{FF2B5EF4-FFF2-40B4-BE49-F238E27FC236}">
+                <a16:creationId xmlns:a16="http://schemas.microsoft.com/office/drawing/2014/main" id="{F1C680DF-675E-4216-A0B3-9F5708AE8A61}"/>
+              </a:ext>
+            </a:extLst>
+          </p:cNvPr>
+          <p:cNvSpPr>
+            <a:spLocks noGrp="1"/>
+          </p:cNvSpPr>
+          <p:nvPr>
+            <p:ph idx="1"/>
+          </p:nvPr>
+        </p:nvSpPr>
+        <p:spPr>
+          <a:xfrm>
+            <a:off x="-1" y="727970"/>
+            <a:ext cx="12191999" cy="1074198"/>
+          </a:xfrm>
+        </p:spPr>
         <p:txBody>
           <a:bodyPr/>
           <a:lstStyle/>
           <a:p>
-            <a:endParaRPr lang="en-US"/>
-          </a:p>
-        </p:txBody>
-      </p:sp>
-      <p:sp>
-        <p:nvSpPr>
-          <p:cNvPr id="3" name="Content Placeholder 2">
-            <a:extLst>
-              <a:ext uri="{FF2B5EF4-FFF2-40B4-BE49-F238E27FC236}">
-                <a16:creationId xmlns:a16="http://schemas.microsoft.com/office/drawing/2014/main" id="{E9E5A8B9-694A-43AA-9A95-CA1887F8864F}"/>
-              </a:ext>
-            </a:extLst>
-          </p:cNvPr>
-          <p:cNvSpPr>
-            <a:spLocks noGrp="1"/>
-          </p:cNvSpPr>
-          <p:nvPr>
-            <p:ph idx="1"/>
-          </p:nvPr>
-        </p:nvSpPr>
-        <p:spPr/>
-        <p:txBody>
-          <a:bodyPr/>
-          <a:lstStyle/>
-          <a:p>
-            <a:endParaRPr lang="en-US"/>
+            <a:r>
+              <a:rPr lang="en-US"/>
+              <a:t>https://www.youtube.com/watch?v=X6Zy08fh2Ic</a:t>
+            </a:r>
+          </a:p>
+        </p:txBody>
+      </p:sp>
+      <p:sp>
+        <p:nvSpPr>
+          <p:cNvPr id="4" name="TextBox 3">
+            <a:extLst>
+              <a:ext uri="{FF2B5EF4-FFF2-40B4-BE49-F238E27FC236}">
+                <a16:creationId xmlns:a16="http://schemas.microsoft.com/office/drawing/2014/main" id="{014D8250-D7F7-449B-9414-4E0E4097C0F1}"/>
+              </a:ext>
+            </a:extLst>
+          </p:cNvPr>
+          <p:cNvSpPr txBox="1"/>
+          <p:nvPr/>
+        </p:nvSpPr>
+        <p:spPr>
+          <a:xfrm>
+            <a:off x="292964" y="1802168"/>
+            <a:ext cx="4669654" cy="369332"/>
+          </a:xfrm>
+          <a:prstGeom prst="rect">
+            <a:avLst/>
+          </a:prstGeom>
+          <a:noFill/>
+        </p:spPr>
+        <p:txBody>
+          <a:bodyPr wrap="square" rtlCol="0">
+            <a:spAutoFit/>
+          </a:bodyPr>
+          <a:lstStyle/>
+          <a:p>
+            <a:r>
+              <a:rPr lang="en-US"/>
+              <a:t>Tạo thông báo khi có khách hàng mua hàng.</a:t>
+            </a:r>
+          </a:p>
+        </p:txBody>
+      </p:sp>
+      <p:pic>
+        <p:nvPicPr>
+          <p:cNvPr id="5" name="Picture 4">
+            <a:extLst>
+              <a:ext uri="{FF2B5EF4-FFF2-40B4-BE49-F238E27FC236}">
+                <a16:creationId xmlns:a16="http://schemas.microsoft.com/office/drawing/2014/main" id="{C883EB08-4934-4A99-ADC2-117CDAF8F02B}"/>
+              </a:ext>
+            </a:extLst>
+          </p:cNvPr>
+          <p:cNvPicPr>
+            <a:picLocks noChangeAspect="1"/>
+          </p:cNvPicPr>
+          <p:nvPr/>
+        </p:nvPicPr>
+        <p:blipFill>
+          <a:blip r:embed="rId2"/>
+          <a:stretch>
+            <a:fillRect/>
+          </a:stretch>
+        </p:blipFill>
+        <p:spPr>
+          <a:xfrm>
+            <a:off x="5166805" y="1411549"/>
+            <a:ext cx="5982535" cy="4572000"/>
+          </a:xfrm>
+          <a:prstGeom prst="rect">
+            <a:avLst/>
+          </a:prstGeom>
+        </p:spPr>
+      </p:pic>
+      <p:sp>
+        <p:nvSpPr>
+          <p:cNvPr id="6" name="TextBox 5">
+            <a:extLst>
+              <a:ext uri="{FF2B5EF4-FFF2-40B4-BE49-F238E27FC236}">
+                <a16:creationId xmlns:a16="http://schemas.microsoft.com/office/drawing/2014/main" id="{1F308684-3BE9-4E45-A20E-FD5175D0E308}"/>
+              </a:ext>
+            </a:extLst>
+          </p:cNvPr>
+          <p:cNvSpPr txBox="1"/>
+          <p:nvPr/>
+        </p:nvSpPr>
+        <p:spPr>
+          <a:xfrm>
+            <a:off x="124287" y="2308194"/>
+            <a:ext cx="4492101" cy="369332"/>
+          </a:xfrm>
+          <a:prstGeom prst="rect">
+            <a:avLst/>
+          </a:prstGeom>
+          <a:noFill/>
+        </p:spPr>
+        <p:txBody>
+          <a:bodyPr wrap="square" rtlCol="0">
+            <a:spAutoFit/>
+          </a:bodyPr>
+          <a:lstStyle/>
+          <a:p>
+            <a:r>
+              <a:rPr lang="en-US"/>
+              <a:t>Đơn hàng sẽ nằm trong mục tài khoản</a:t>
+            </a:r>
           </a:p>
         </p:txBody>
       </p:sp>
     </p:spTree>
     <p:extLst>
       <p:ext uri="{BB962C8B-B14F-4D97-AF65-F5344CB8AC3E}">
-        <p14:creationId xmlns:p14="http://schemas.microsoft.com/office/powerpoint/2010/main" val="1584107293"/>
+        <p14:creationId xmlns:p14="http://schemas.microsoft.com/office/powerpoint/2010/main" val="2790593769"/>
       </p:ext>
     </p:extLst>
   </p:cSld>
@@ -7840,7 +8350,7 @@
           <p:cNvPr id="2" name="Title 1">
             <a:extLst>
               <a:ext uri="{FF2B5EF4-FFF2-40B4-BE49-F238E27FC236}">
-                <a16:creationId xmlns:a16="http://schemas.microsoft.com/office/drawing/2014/main" id="{26EE428F-DB69-4CE1-8624-239B1A774C0D}"/>
+                <a16:creationId xmlns:a16="http://schemas.microsoft.com/office/drawing/2014/main" id="{26C238A5-5CFB-42AF-9724-16E32D888C9C}"/>
               </a:ext>
             </a:extLst>
           </p:cNvPr>
@@ -7856,39 +8366,194 @@
           <a:bodyPr/>
           <a:lstStyle/>
           <a:p>
+            <a:r>
+              <a:rPr lang="en-US"/>
+              <a:t>Tính năng theo dỗi vận đ</a:t>
+            </a:r>
+            <a:r>
+              <a:rPr lang="vi-VN"/>
+              <a:t>ơ</a:t>
+            </a:r>
+            <a:r>
+              <a:rPr lang="en-US"/>
+              <a:t>n sau khi đặt hàng.</a:t>
+            </a:r>
+          </a:p>
+        </p:txBody>
+      </p:sp>
+      <p:sp>
+        <p:nvSpPr>
+          <p:cNvPr id="3" name="Content Placeholder 2">
+            <a:extLst>
+              <a:ext uri="{FF2B5EF4-FFF2-40B4-BE49-F238E27FC236}">
+                <a16:creationId xmlns:a16="http://schemas.microsoft.com/office/drawing/2014/main" id="{8ADBCD08-7396-4ED5-B9AF-05AC32EDB4A1}"/>
+              </a:ext>
+            </a:extLst>
+          </p:cNvPr>
+          <p:cNvSpPr>
+            <a:spLocks noGrp="1"/>
+          </p:cNvSpPr>
+          <p:nvPr>
+            <p:ph idx="1"/>
+          </p:nvPr>
+        </p:nvSpPr>
+        <p:spPr>
+          <a:xfrm>
+            <a:off x="465338" y="1459748"/>
+            <a:ext cx="8456720" cy="961963"/>
+          </a:xfrm>
+        </p:spPr>
+        <p:txBody>
+          <a:bodyPr/>
+          <a:lstStyle/>
+          <a:p>
+            <a:r>
+              <a:rPr lang="en-US">
+                <a:hlinkClick r:id="rId2"/>
+              </a:rPr>
+              <a:t>https://www.youtube.com/watch?v=vq7GkhHAW9M</a:t>
+            </a:r>
             <a:endParaRPr lang="en-US"/>
           </a:p>
-        </p:txBody>
-      </p:sp>
-      <p:sp>
-        <p:nvSpPr>
-          <p:cNvPr id="3" name="Content Placeholder 2">
-            <a:extLst>
-              <a:ext uri="{FF2B5EF4-FFF2-40B4-BE49-F238E27FC236}">
-                <a16:creationId xmlns:a16="http://schemas.microsoft.com/office/drawing/2014/main" id="{941B50CB-FE39-4C25-BCD3-7240D83AE89C}"/>
-              </a:ext>
-            </a:extLst>
-          </p:cNvPr>
-          <p:cNvSpPr>
-            <a:spLocks noGrp="1"/>
-          </p:cNvSpPr>
-          <p:nvPr>
-            <p:ph idx="1"/>
-          </p:nvPr>
-        </p:nvSpPr>
-        <p:spPr/>
-        <p:txBody>
-          <a:bodyPr/>
-          <a:lstStyle/>
           <a:p>
             <a:endParaRPr lang="en-US"/>
+          </a:p>
+        </p:txBody>
+      </p:sp>
+      <p:pic>
+        <p:nvPicPr>
+          <p:cNvPr id="4" name="Picture 3">
+            <a:extLst>
+              <a:ext uri="{FF2B5EF4-FFF2-40B4-BE49-F238E27FC236}">
+                <a16:creationId xmlns:a16="http://schemas.microsoft.com/office/drawing/2014/main" id="{86FD705B-B760-4CBF-BC3B-185E8B11779B}"/>
+              </a:ext>
+            </a:extLst>
+          </p:cNvPr>
+          <p:cNvPicPr>
+            <a:picLocks noChangeAspect="1"/>
+          </p:cNvPicPr>
+          <p:nvPr/>
+        </p:nvPicPr>
+        <p:blipFill>
+          <a:blip r:embed="rId3"/>
+          <a:stretch>
+            <a:fillRect/>
+          </a:stretch>
+        </p:blipFill>
+        <p:spPr>
+          <a:xfrm>
+            <a:off x="9267534" y="1503672"/>
+            <a:ext cx="2086266" cy="552527"/>
+          </a:xfrm>
+          <a:prstGeom prst="rect">
+            <a:avLst/>
+          </a:prstGeom>
+        </p:spPr>
+      </p:pic>
+      <p:pic>
+        <p:nvPicPr>
+          <p:cNvPr id="5" name="Picture 4">
+            <a:extLst>
+              <a:ext uri="{FF2B5EF4-FFF2-40B4-BE49-F238E27FC236}">
+                <a16:creationId xmlns:a16="http://schemas.microsoft.com/office/drawing/2014/main" id="{2FA0204E-22F5-4D65-A3E4-B0FC00D9AA95}"/>
+              </a:ext>
+            </a:extLst>
+          </p:cNvPr>
+          <p:cNvPicPr>
+            <a:picLocks noChangeAspect="1"/>
+          </p:cNvPicPr>
+          <p:nvPr/>
+        </p:nvPicPr>
+        <p:blipFill>
+          <a:blip r:embed="rId4"/>
+          <a:stretch>
+            <a:fillRect/>
+          </a:stretch>
+        </p:blipFill>
+        <p:spPr>
+          <a:xfrm>
+            <a:off x="5394207" y="2563369"/>
+            <a:ext cx="5498694" cy="2683334"/>
+          </a:xfrm>
+          <a:prstGeom prst="rect">
+            <a:avLst/>
+          </a:prstGeom>
+        </p:spPr>
+      </p:pic>
+      <p:sp>
+        <p:nvSpPr>
+          <p:cNvPr id="6" name="TextBox 5">
+            <a:extLst>
+              <a:ext uri="{FF2B5EF4-FFF2-40B4-BE49-F238E27FC236}">
+                <a16:creationId xmlns:a16="http://schemas.microsoft.com/office/drawing/2014/main" id="{85D4DCD9-9AF8-4813-B6EA-4668B7ED71F2}"/>
+              </a:ext>
+            </a:extLst>
+          </p:cNvPr>
+          <p:cNvSpPr txBox="1"/>
+          <p:nvPr/>
+        </p:nvSpPr>
+        <p:spPr>
+          <a:xfrm>
+            <a:off x="1071609" y="2785311"/>
+            <a:ext cx="1769246" cy="369332"/>
+          </a:xfrm>
+          <a:prstGeom prst="rect">
+            <a:avLst/>
+          </a:prstGeom>
+          <a:noFill/>
+        </p:spPr>
+        <p:txBody>
+          <a:bodyPr wrap="square" rtlCol="0">
+            <a:spAutoFit/>
+          </a:bodyPr>
+          <a:lstStyle/>
+          <a:p>
+            <a:r>
+              <a:rPr lang="en-US"/>
+              <a:t>Pluin sử dụng.</a:t>
+            </a:r>
+          </a:p>
+        </p:txBody>
+      </p:sp>
+      <p:sp>
+        <p:nvSpPr>
+          <p:cNvPr id="7" name="TextBox 6">
+            <a:extLst>
+              <a:ext uri="{FF2B5EF4-FFF2-40B4-BE49-F238E27FC236}">
+                <a16:creationId xmlns:a16="http://schemas.microsoft.com/office/drawing/2014/main" id="{88A53941-FD33-4A3A-A7B0-7BED2B1ED0B2}"/>
+              </a:ext>
+            </a:extLst>
+          </p:cNvPr>
+          <p:cNvSpPr txBox="1"/>
+          <p:nvPr/>
+        </p:nvSpPr>
+        <p:spPr>
+          <a:xfrm>
+            <a:off x="465338" y="3429000"/>
+            <a:ext cx="2295617" cy="369332"/>
+          </a:xfrm>
+          <a:prstGeom prst="rect">
+            <a:avLst/>
+          </a:prstGeom>
+          <a:noFill/>
+        </p:spPr>
+        <p:txBody>
+          <a:bodyPr wrap="square" rtlCol="0">
+            <a:spAutoFit/>
+          </a:bodyPr>
+          <a:lstStyle/>
+          <a:p>
+            <a:r>
+              <a:rPr lang="en-US"/>
+              <a:t>Cài và sau đó cài đặt.</a:t>
+            </a:r>
           </a:p>
         </p:txBody>
       </p:sp>
     </p:spTree>
     <p:extLst>
       <p:ext uri="{BB962C8B-B14F-4D97-AF65-F5344CB8AC3E}">
-        <p14:creationId xmlns:p14="http://schemas.microsoft.com/office/powerpoint/2010/main" val="3548523549"/>
+        <p14:creationId xmlns:p14="http://schemas.microsoft.com/office/powerpoint/2010/main" val="3879946810"/>
       </p:ext>
     </p:extLst>
   </p:cSld>
@@ -7920,7 +8585,7 @@
           <p:cNvPr id="2" name="Title 1">
             <a:extLst>
               <a:ext uri="{FF2B5EF4-FFF2-40B4-BE49-F238E27FC236}">
-                <a16:creationId xmlns:a16="http://schemas.microsoft.com/office/drawing/2014/main" id="{2A8AA9FB-C14C-43F5-B2DC-1500CF79E0CC}"/>
+                <a16:creationId xmlns:a16="http://schemas.microsoft.com/office/drawing/2014/main" id="{B24705B1-3439-4AE2-B566-DF8DE7FD545C}"/>
               </a:ext>
             </a:extLst>
           </p:cNvPr>
@@ -7931,44 +8596,67 @@
             <p:ph type="title"/>
           </p:nvPr>
         </p:nvSpPr>
-        <p:spPr/>
+        <p:spPr>
+          <a:xfrm>
+            <a:off x="0" y="0"/>
+            <a:ext cx="12192000" cy="790113"/>
+          </a:xfrm>
+        </p:spPr>
         <p:txBody>
           <a:bodyPr/>
           <a:lstStyle/>
           <a:p>
-            <a:endParaRPr lang="en-US"/>
-          </a:p>
-        </p:txBody>
-      </p:sp>
-      <p:sp>
-        <p:nvSpPr>
-          <p:cNvPr id="3" name="Content Placeholder 2">
-            <a:extLst>
-              <a:ext uri="{FF2B5EF4-FFF2-40B4-BE49-F238E27FC236}">
-                <a16:creationId xmlns:a16="http://schemas.microsoft.com/office/drawing/2014/main" id="{4C0B9A03-100D-4E24-9DA0-D4EC6F850CBE}"/>
-              </a:ext>
-            </a:extLst>
-          </p:cNvPr>
-          <p:cNvSpPr>
-            <a:spLocks noGrp="1"/>
-          </p:cNvSpPr>
+            <a:r>
+              <a:rPr lang="en-US"/>
+              <a:t>Trang quản lý đ</a:t>
+            </a:r>
+            <a:r>
+              <a:rPr lang="vi-VN"/>
+              <a:t>ơ</a:t>
+            </a:r>
+            <a:r>
+              <a:rPr lang="en-US"/>
+              <a:t>n hàng cho WebAdmin.</a:t>
+            </a:r>
+          </a:p>
+        </p:txBody>
+      </p:sp>
+      <p:pic>
+        <p:nvPicPr>
+          <p:cNvPr id="4" name="Content Placeholder 3">
+            <a:extLst>
+              <a:ext uri="{FF2B5EF4-FFF2-40B4-BE49-F238E27FC236}">
+                <a16:creationId xmlns:a16="http://schemas.microsoft.com/office/drawing/2014/main" id="{110069B0-5AD5-428A-BE35-96661121D13E}"/>
+              </a:ext>
+            </a:extLst>
+          </p:cNvPr>
+          <p:cNvPicPr>
+            <a:picLocks noGrp="1" noChangeAspect="1"/>
+          </p:cNvPicPr>
           <p:nvPr>
             <p:ph idx="1"/>
           </p:nvPr>
-        </p:nvSpPr>
-        <p:spPr/>
-        <p:txBody>
-          <a:bodyPr/>
-          <a:lstStyle/>
-          <a:p>
-            <a:endParaRPr lang="en-US"/>
-          </a:p>
-        </p:txBody>
-      </p:sp>
+        </p:nvPicPr>
+        <p:blipFill>
+          <a:blip r:embed="rId2"/>
+          <a:stretch>
+            <a:fillRect/>
+          </a:stretch>
+        </p:blipFill>
+        <p:spPr>
+          <a:xfrm>
+            <a:off x="1038760" y="984874"/>
+            <a:ext cx="8907118" cy="4648849"/>
+          </a:xfrm>
+          <a:prstGeom prst="rect">
+            <a:avLst/>
+          </a:prstGeom>
+        </p:spPr>
+      </p:pic>
     </p:spTree>
     <p:extLst>
       <p:ext uri="{BB962C8B-B14F-4D97-AF65-F5344CB8AC3E}">
-        <p14:creationId xmlns:p14="http://schemas.microsoft.com/office/powerpoint/2010/main" val="1969548212"/>
+        <p14:creationId xmlns:p14="http://schemas.microsoft.com/office/powerpoint/2010/main" val="3594472197"/>
       </p:ext>
     </p:extLst>
   </p:cSld>
@@ -8000,7 +8688,7 @@
           <p:cNvPr id="2" name="Title 1">
             <a:extLst>
               <a:ext uri="{FF2B5EF4-FFF2-40B4-BE49-F238E27FC236}">
-                <a16:creationId xmlns:a16="http://schemas.microsoft.com/office/drawing/2014/main" id="{250BD7D2-1B0D-4B16-9AB8-E5F7CCC674B8}"/>
+                <a16:creationId xmlns:a16="http://schemas.microsoft.com/office/drawing/2014/main" id="{38368107-C846-4D22-87DA-BE22385ED7A6}"/>
               </a:ext>
             </a:extLst>
           </p:cNvPr>
@@ -8011,44 +8699,228 @@
             <p:ph type="title"/>
           </p:nvPr>
         </p:nvSpPr>
-        <p:spPr/>
+        <p:spPr>
+          <a:xfrm>
+            <a:off x="0" y="97656"/>
+            <a:ext cx="9099612" cy="798990"/>
+          </a:xfrm>
+        </p:spPr>
         <p:txBody>
           <a:bodyPr/>
           <a:lstStyle/>
           <a:p>
+            <a:r>
+              <a:rPr lang="en-US"/>
+              <a:t>Quản lý đ</a:t>
+            </a:r>
+            <a:r>
+              <a:rPr lang="vi-VN"/>
+              <a:t>ơ</a:t>
+            </a:r>
+            <a:r>
+              <a:rPr lang="en-US"/>
+              <a:t>n hàng cho ng</a:t>
+            </a:r>
+            <a:r>
+              <a:rPr lang="vi-VN"/>
+              <a:t>ư</a:t>
+            </a:r>
+            <a:r>
+              <a:rPr lang="en-US"/>
+              <a:t>ời dùng:</a:t>
+            </a:r>
+          </a:p>
+        </p:txBody>
+      </p:sp>
+      <p:pic>
+        <p:nvPicPr>
+          <p:cNvPr id="4" name="Content Placeholder 3">
+            <a:extLst>
+              <a:ext uri="{FF2B5EF4-FFF2-40B4-BE49-F238E27FC236}">
+                <a16:creationId xmlns:a16="http://schemas.microsoft.com/office/drawing/2014/main" id="{A616E384-D28F-4C6B-9637-4BF73EFFCB3B}"/>
+              </a:ext>
+            </a:extLst>
+          </p:cNvPr>
+          <p:cNvPicPr>
+            <a:picLocks noGrp="1" noChangeAspect="1"/>
+          </p:cNvPicPr>
+          <p:nvPr>
+            <p:ph idx="1"/>
+          </p:nvPr>
+        </p:nvPicPr>
+        <p:blipFill>
+          <a:blip r:embed="rId2"/>
+          <a:stretch>
+            <a:fillRect/>
+          </a:stretch>
+        </p:blipFill>
+        <p:spPr>
+          <a:xfrm>
+            <a:off x="722415" y="3732749"/>
+            <a:ext cx="6030167" cy="1000265"/>
+          </a:xfrm>
+          <a:prstGeom prst="rect">
+            <a:avLst/>
+          </a:prstGeom>
+        </p:spPr>
+      </p:pic>
+      <p:pic>
+        <p:nvPicPr>
+          <p:cNvPr id="5" name="Picture 4">
+            <a:extLst>
+              <a:ext uri="{FF2B5EF4-FFF2-40B4-BE49-F238E27FC236}">
+                <a16:creationId xmlns:a16="http://schemas.microsoft.com/office/drawing/2014/main" id="{03EA93A6-6ED7-4BF4-8B6B-504F389FE37A}"/>
+              </a:ext>
+            </a:extLst>
+          </p:cNvPr>
+          <p:cNvPicPr>
+            <a:picLocks noChangeAspect="1"/>
+          </p:cNvPicPr>
+          <p:nvPr/>
+        </p:nvPicPr>
+        <p:blipFill>
+          <a:blip r:embed="rId3"/>
+          <a:stretch>
+            <a:fillRect/>
+          </a:stretch>
+        </p:blipFill>
+        <p:spPr>
+          <a:xfrm>
+            <a:off x="2172406" y="1654172"/>
+            <a:ext cx="2467319" cy="1152686"/>
+          </a:xfrm>
+          <a:prstGeom prst="rect">
+            <a:avLst/>
+          </a:prstGeom>
+        </p:spPr>
+      </p:pic>
+      <p:sp>
+        <p:nvSpPr>
+          <p:cNvPr id="6" name="Rectangle 5">
+            <a:extLst>
+              <a:ext uri="{FF2B5EF4-FFF2-40B4-BE49-F238E27FC236}">
+                <a16:creationId xmlns:a16="http://schemas.microsoft.com/office/drawing/2014/main" id="{504A24A4-83AA-43A3-8A87-DC1F6A556C2D}"/>
+              </a:ext>
+            </a:extLst>
+          </p:cNvPr>
+          <p:cNvSpPr/>
+          <p:nvPr/>
+        </p:nvSpPr>
+        <p:spPr>
+          <a:xfrm>
+            <a:off x="3737499" y="2396971"/>
+            <a:ext cx="834501" cy="408373"/>
+          </a:xfrm>
+          <a:prstGeom prst="rect">
+            <a:avLst/>
+          </a:prstGeom>
+          <a:noFill/>
+        </p:spPr>
+        <p:style>
+          <a:lnRef idx="2">
+            <a:schemeClr val="accent2">
+              <a:shade val="50000"/>
+            </a:schemeClr>
+          </a:lnRef>
+          <a:fillRef idx="1">
+            <a:schemeClr val="accent2"/>
+          </a:fillRef>
+          <a:effectRef idx="0">
+            <a:schemeClr val="accent2"/>
+          </a:effectRef>
+          <a:fontRef idx="minor">
+            <a:schemeClr val="lt1"/>
+          </a:fontRef>
+        </p:style>
+        <p:txBody>
+          <a:bodyPr rtlCol="0" anchor="ctr"/>
+          <a:lstStyle/>
+          <a:p>
+            <a:pPr algn="ctr"/>
             <a:endParaRPr lang="en-US"/>
           </a:p>
         </p:txBody>
       </p:sp>
-      <p:sp>
-        <p:nvSpPr>
-          <p:cNvPr id="3" name="Content Placeholder 2">
-            <a:extLst>
-              <a:ext uri="{FF2B5EF4-FFF2-40B4-BE49-F238E27FC236}">
-                <a16:creationId xmlns:a16="http://schemas.microsoft.com/office/drawing/2014/main" id="{3E30C4A3-3B8D-454F-9A7A-F118726FC509}"/>
-              </a:ext>
-            </a:extLst>
-          </p:cNvPr>
-          <p:cNvSpPr>
-            <a:spLocks noGrp="1"/>
-          </p:cNvSpPr>
-          <p:nvPr>
-            <p:ph idx="1"/>
-          </p:nvPr>
-        </p:nvSpPr>
-        <p:spPr/>
-        <p:txBody>
-          <a:bodyPr/>
-          <a:lstStyle/>
-          <a:p>
-            <a:endParaRPr lang="en-US"/>
+      <p:cxnSp>
+        <p:nvCxnSpPr>
+          <p:cNvPr id="8" name="Straight Arrow Connector 7">
+            <a:extLst>
+              <a:ext uri="{FF2B5EF4-FFF2-40B4-BE49-F238E27FC236}">
+                <a16:creationId xmlns:a16="http://schemas.microsoft.com/office/drawing/2014/main" id="{872278EB-81B2-44C1-A668-E8A318ADF960}"/>
+              </a:ext>
+            </a:extLst>
+          </p:cNvPr>
+          <p:cNvCxnSpPr>
+            <a:cxnSpLocks/>
+          </p:cNvCxnSpPr>
+          <p:nvPr/>
+        </p:nvCxnSpPr>
+        <p:spPr>
+          <a:xfrm flipV="1">
+            <a:off x="4572000" y="2322670"/>
+            <a:ext cx="1524000" cy="260732"/>
+          </a:xfrm>
+          <a:prstGeom prst="straightConnector1">
+            <a:avLst/>
+          </a:prstGeom>
+          <a:ln>
+            <a:tailEnd type="triangle"/>
+          </a:ln>
+        </p:spPr>
+        <p:style>
+          <a:lnRef idx="1">
+            <a:schemeClr val="dk1"/>
+          </a:lnRef>
+          <a:fillRef idx="0">
+            <a:schemeClr val="dk1"/>
+          </a:fillRef>
+          <a:effectRef idx="0">
+            <a:schemeClr val="dk1"/>
+          </a:effectRef>
+          <a:fontRef idx="minor">
+            <a:schemeClr val="tx1"/>
+          </a:fontRef>
+        </p:style>
+      </p:cxnSp>
+      <p:sp>
+        <p:nvSpPr>
+          <p:cNvPr id="9" name="TextBox 8">
+            <a:extLst>
+              <a:ext uri="{FF2B5EF4-FFF2-40B4-BE49-F238E27FC236}">
+                <a16:creationId xmlns:a16="http://schemas.microsoft.com/office/drawing/2014/main" id="{8311446E-02B9-425B-8E71-5848FDBD3A15}"/>
+              </a:ext>
+            </a:extLst>
+          </p:cNvPr>
+          <p:cNvSpPr txBox="1"/>
+          <p:nvPr/>
+        </p:nvSpPr>
+        <p:spPr>
+          <a:xfrm>
+            <a:off x="6137093" y="2139518"/>
+            <a:ext cx="4888973" cy="369332"/>
+          </a:xfrm>
+          <a:prstGeom prst="rect">
+            <a:avLst/>
+          </a:prstGeom>
+          <a:noFill/>
+        </p:spPr>
+        <p:txBody>
+          <a:bodyPr wrap="square" rtlCol="0">
+            <a:spAutoFit/>
+          </a:bodyPr>
+          <a:lstStyle/>
+          <a:p>
+            <a:r>
+              <a:rPr lang="en-US"/>
+              <a:t>Sau đó nhấn vào Cập nhật.</a:t>
+            </a:r>
           </a:p>
         </p:txBody>
       </p:sp>
     </p:spTree>
     <p:extLst>
       <p:ext uri="{BB962C8B-B14F-4D97-AF65-F5344CB8AC3E}">
-        <p14:creationId xmlns:p14="http://schemas.microsoft.com/office/powerpoint/2010/main" val="2548624587"/>
+        <p14:creationId xmlns:p14="http://schemas.microsoft.com/office/powerpoint/2010/main" val="2858561528"/>
       </p:ext>
     </p:extLst>
   </p:cSld>
@@ -8080,7 +8952,7 @@
           <p:cNvPr id="2" name="Title 1">
             <a:extLst>
               <a:ext uri="{FF2B5EF4-FFF2-40B4-BE49-F238E27FC236}">
-                <a16:creationId xmlns:a16="http://schemas.microsoft.com/office/drawing/2014/main" id="{C3D6A15C-11F2-443C-BE36-0122259D8AB8}"/>
+                <a16:creationId xmlns:a16="http://schemas.microsoft.com/office/drawing/2014/main" id="{84C66774-8702-4E44-87C1-A1A5B50D7FEB}"/>
               </a:ext>
             </a:extLst>
           </p:cNvPr>
@@ -8105,7 +8977,7 @@
           <p:cNvPr id="3" name="Content Placeholder 2">
             <a:extLst>
               <a:ext uri="{FF2B5EF4-FFF2-40B4-BE49-F238E27FC236}">
-                <a16:creationId xmlns:a16="http://schemas.microsoft.com/office/drawing/2014/main" id="{14B1A0F0-7D28-437B-8E28-581292F53268}"/>
+                <a16:creationId xmlns:a16="http://schemas.microsoft.com/office/drawing/2014/main" id="{2BFD1BC9-8007-4DB9-83EF-57AE2F56949B}"/>
               </a:ext>
             </a:extLst>
           </p:cNvPr>
@@ -8128,7 +9000,7 @@
     </p:spTree>
     <p:extLst>
       <p:ext uri="{BB962C8B-B14F-4D97-AF65-F5344CB8AC3E}">
-        <p14:creationId xmlns:p14="http://schemas.microsoft.com/office/powerpoint/2010/main" val="2813207255"/>
+        <p14:creationId xmlns:p14="http://schemas.microsoft.com/office/powerpoint/2010/main" val="552173754"/>
       </p:ext>
     </p:extLst>
   </p:cSld>
@@ -8160,7 +9032,7 @@
           <p:cNvPr id="2" name="Title 1">
             <a:extLst>
               <a:ext uri="{FF2B5EF4-FFF2-40B4-BE49-F238E27FC236}">
-                <a16:creationId xmlns:a16="http://schemas.microsoft.com/office/drawing/2014/main" id="{A726CDEE-1B9A-4562-BB7C-24A5B0046658}"/>
+                <a16:creationId xmlns:a16="http://schemas.microsoft.com/office/drawing/2014/main" id="{640E0253-3C90-43B2-8967-111C1EC20CDB}"/>
               </a:ext>
             </a:extLst>
           </p:cNvPr>
@@ -8185,7 +9057,7 @@
           <p:cNvPr id="3" name="Content Placeholder 2">
             <a:extLst>
               <a:ext uri="{FF2B5EF4-FFF2-40B4-BE49-F238E27FC236}">
-                <a16:creationId xmlns:a16="http://schemas.microsoft.com/office/drawing/2014/main" id="{A8E184A9-B223-4752-ADDA-A0C41A8749FB}"/>
+                <a16:creationId xmlns:a16="http://schemas.microsoft.com/office/drawing/2014/main" id="{C328DEC8-DC2E-4E7A-A4FE-A2AA2661421E}"/>
               </a:ext>
             </a:extLst>
           </p:cNvPr>
@@ -8208,7 +9080,7 @@
     </p:spTree>
     <p:extLst>
       <p:ext uri="{BB962C8B-B14F-4D97-AF65-F5344CB8AC3E}">
-        <p14:creationId xmlns:p14="http://schemas.microsoft.com/office/powerpoint/2010/main" val="3425138462"/>
+        <p14:creationId xmlns:p14="http://schemas.microsoft.com/office/powerpoint/2010/main" val="3937160463"/>
       </p:ext>
     </p:extLst>
   </p:cSld>
@@ -8240,7 +9112,7 @@
           <p:cNvPr id="2" name="Title 1">
             <a:extLst>
               <a:ext uri="{FF2B5EF4-FFF2-40B4-BE49-F238E27FC236}">
-                <a16:creationId xmlns:a16="http://schemas.microsoft.com/office/drawing/2014/main" id="{5DA9BE81-0DE3-4085-AEAD-C0886518A982}"/>
+                <a16:creationId xmlns:a16="http://schemas.microsoft.com/office/drawing/2014/main" id="{DFFC1914-3B90-4BD2-A9B3-DABD01BDE747}"/>
               </a:ext>
             </a:extLst>
           </p:cNvPr>
@@ -8253,61 +9125,18 @@
         </p:nvSpPr>
         <p:spPr>
           <a:xfrm>
-            <a:off x="647815" y="1404224"/>
-            <a:ext cx="7130562" cy="668215"/>
-          </a:xfrm>
-        </p:spPr>
-        <p:txBody>
-          <a:bodyPr>
-            <a:normAutofit fontScale="90000"/>
-          </a:bodyPr>
-          <a:lstStyle/>
-          <a:p>
-            <a:r>
-              <a:rPr lang="en-US" dirty="0" err="1"/>
-              <a:t>Chức</a:t>
-            </a:r>
-            <a:r>
-              <a:rPr lang="en-US" dirty="0"/>
-              <a:t> </a:t>
-            </a:r>
-            <a:r>
-              <a:rPr lang="en-US" dirty="0" err="1"/>
-              <a:t>năng</a:t>
-            </a:r>
-            <a:r>
-              <a:rPr lang="en-US" dirty="0"/>
-              <a:t> </a:t>
-            </a:r>
-            <a:r>
-              <a:rPr lang="en-US" dirty="0" err="1"/>
-              <a:t>đăng</a:t>
-            </a:r>
-            <a:r>
-              <a:rPr lang="en-US" dirty="0"/>
-              <a:t> </a:t>
-            </a:r>
-            <a:r>
-              <a:rPr lang="en-US" dirty="0" err="1"/>
-              <a:t>nhập</a:t>
-            </a:r>
-            <a:r>
-              <a:rPr lang="en-US" dirty="0"/>
-              <a:t> </a:t>
-            </a:r>
-            <a:r>
-              <a:rPr lang="en-US" dirty="0" err="1"/>
-              <a:t>tài</a:t>
-            </a:r>
-            <a:r>
-              <a:rPr lang="en-US" dirty="0"/>
-              <a:t> </a:t>
-            </a:r>
-            <a:r>
-              <a:rPr lang="en-US" dirty="0" err="1"/>
-              <a:t>khoản</a:t>
-            </a:r>
-            <a:endParaRPr lang="en-US" dirty="0"/>
+            <a:off x="0" y="0"/>
+            <a:ext cx="12192000" cy="834501"/>
+          </a:xfrm>
+        </p:spPr>
+        <p:txBody>
+          <a:bodyPr/>
+          <a:lstStyle/>
+          <a:p>
+            <a:r>
+              <a:rPr lang="en-US"/>
+              <a:t>Chức năng đăng ký đăng nhập trong WooCommerce.</a:t>
+            </a:r>
           </a:p>
         </p:txBody>
       </p:sp>
@@ -8316,7 +9145,7 @@
           <p:cNvPr id="3" name="Content Placeholder 2">
             <a:extLst>
               <a:ext uri="{FF2B5EF4-FFF2-40B4-BE49-F238E27FC236}">
-                <a16:creationId xmlns:a16="http://schemas.microsoft.com/office/drawing/2014/main" id="{93B618F7-6073-4DF4-B33B-93722430AF5C}"/>
+                <a16:creationId xmlns:a16="http://schemas.microsoft.com/office/drawing/2014/main" id="{13CE0E2D-BF78-4306-9139-303911C28DCE}"/>
               </a:ext>
             </a:extLst>
           </p:cNvPr>
@@ -8329,8 +9158,8 @@
         </p:nvSpPr>
         <p:spPr>
           <a:xfrm>
-            <a:off x="655582" y="2418341"/>
-            <a:ext cx="4669656" cy="534026"/>
+            <a:off x="-1" y="834502"/>
+            <a:ext cx="12191999" cy="834501"/>
           </a:xfrm>
         </p:spPr>
         <p:txBody>
@@ -8338,238 +9167,8 @@
           <a:lstStyle/>
           <a:p>
             <a:r>
-              <a:rPr lang="en-US" dirty="0" err="1"/>
-              <a:t>Cài</a:t>
-            </a:r>
-            <a:r>
-              <a:rPr lang="en-US" dirty="0"/>
-              <a:t> </a:t>
-            </a:r>
-            <a:r>
-              <a:rPr lang="en-US" dirty="0" err="1"/>
-              <a:t>thêm</a:t>
-            </a:r>
-            <a:r>
-              <a:rPr lang="en-US" dirty="0"/>
-              <a:t> Plugin </a:t>
-            </a:r>
-          </a:p>
-        </p:txBody>
-      </p:sp>
-      <p:pic>
-        <p:nvPicPr>
-          <p:cNvPr id="4" name="Picture 3">
-            <a:extLst>
-              <a:ext uri="{FF2B5EF4-FFF2-40B4-BE49-F238E27FC236}">
-                <a16:creationId xmlns:a16="http://schemas.microsoft.com/office/drawing/2014/main" id="{8A787FC6-E03A-4A26-8723-590D891063E2}"/>
-              </a:ext>
-            </a:extLst>
-          </p:cNvPr>
-          <p:cNvPicPr>
-            <a:picLocks noChangeAspect="1"/>
-          </p:cNvPicPr>
-          <p:nvPr/>
-        </p:nvPicPr>
-        <p:blipFill>
-          <a:blip r:embed="rId2"/>
-          <a:stretch>
-            <a:fillRect/>
-          </a:stretch>
-        </p:blipFill>
-        <p:spPr>
-          <a:xfrm>
-            <a:off x="655582" y="3130609"/>
-            <a:ext cx="5715798" cy="2172003"/>
-          </a:xfrm>
-          <a:prstGeom prst="rect">
-            <a:avLst/>
-          </a:prstGeom>
-        </p:spPr>
-      </p:pic>
-      <p:sp>
-        <p:nvSpPr>
-          <p:cNvPr id="5" name="TextBox 4">
-            <a:extLst>
-              <a:ext uri="{FF2B5EF4-FFF2-40B4-BE49-F238E27FC236}">
-                <a16:creationId xmlns:a16="http://schemas.microsoft.com/office/drawing/2014/main" id="{81035E62-BCA1-4000-B72A-C8633983E6F4}"/>
-              </a:ext>
-            </a:extLst>
-          </p:cNvPr>
-          <p:cNvSpPr txBox="1"/>
-          <p:nvPr/>
-        </p:nvSpPr>
-        <p:spPr>
-          <a:xfrm>
-            <a:off x="655582" y="5647241"/>
-            <a:ext cx="5715798" cy="369332"/>
-          </a:xfrm>
-          <a:prstGeom prst="rect">
-            <a:avLst/>
-          </a:prstGeom>
-          <a:noFill/>
-        </p:spPr>
-        <p:txBody>
-          <a:bodyPr wrap="square" rtlCol="0">
-            <a:spAutoFit/>
-          </a:bodyPr>
-          <a:lstStyle/>
-          <a:p>
-            <a:r>
-              <a:rPr lang="en-US" dirty="0"/>
-              <a:t>Plugin </a:t>
-            </a:r>
-            <a:r>
-              <a:rPr lang="en-US" dirty="0" err="1"/>
-              <a:t>tạo</a:t>
-            </a:r>
-            <a:r>
-              <a:rPr lang="en-US" dirty="0"/>
-              <a:t> </a:t>
-            </a:r>
-            <a:r>
-              <a:rPr lang="en-US" dirty="0" err="1"/>
-              <a:t>trang</a:t>
-            </a:r>
-            <a:r>
-              <a:rPr lang="en-US" dirty="0"/>
-              <a:t> </a:t>
-            </a:r>
-            <a:r>
-              <a:rPr lang="en-US" dirty="0" err="1"/>
-              <a:t>đăng</a:t>
-            </a:r>
-            <a:r>
-              <a:rPr lang="en-US" dirty="0"/>
-              <a:t> </a:t>
-            </a:r>
-            <a:r>
-              <a:rPr lang="en-US" dirty="0" err="1"/>
-              <a:t>ký</a:t>
-            </a:r>
-            <a:r>
-              <a:rPr lang="en-US" dirty="0"/>
-              <a:t> </a:t>
-            </a:r>
-            <a:r>
-              <a:rPr lang="en-US" dirty="0" err="1"/>
-              <a:t>và</a:t>
-            </a:r>
-            <a:r>
-              <a:rPr lang="en-US" dirty="0"/>
-              <a:t> </a:t>
-            </a:r>
-            <a:r>
-              <a:rPr lang="en-US" dirty="0" err="1"/>
-              <a:t>đăng</a:t>
-            </a:r>
-            <a:r>
-              <a:rPr lang="en-US" dirty="0"/>
-              <a:t> </a:t>
-            </a:r>
-            <a:r>
-              <a:rPr lang="en-US" dirty="0" err="1"/>
-              <a:t>nhập</a:t>
-            </a:r>
-            <a:r>
-              <a:rPr lang="en-US" dirty="0"/>
-              <a:t>.</a:t>
-            </a:r>
-          </a:p>
-        </p:txBody>
-      </p:sp>
-      <p:sp>
-        <p:nvSpPr>
-          <p:cNvPr id="6" name="TextBox 5"/>
-          <p:cNvSpPr txBox="1"/>
-          <p:nvPr/>
-        </p:nvSpPr>
-        <p:spPr>
-          <a:xfrm>
-            <a:off x="743975" y="321141"/>
-            <a:ext cx="4492869" cy="369332"/>
-          </a:xfrm>
-          <a:prstGeom prst="rect">
-            <a:avLst/>
-          </a:prstGeom>
-          <a:noFill/>
-        </p:spPr>
-        <p:txBody>
-          <a:bodyPr wrap="square" rtlCol="0">
-            <a:spAutoFit/>
-          </a:bodyPr>
-          <a:lstStyle/>
-          <a:p>
-            <a:r>
-              <a:rPr lang="en-US" dirty="0" err="1" smtClean="0"/>
-              <a:t>Trong</a:t>
-            </a:r>
-            <a:r>
-              <a:rPr lang="en-US" dirty="0" smtClean="0"/>
-              <a:t> </a:t>
-            </a:r>
-            <a:r>
-              <a:rPr lang="en-US" dirty="0" err="1" smtClean="0"/>
-              <a:t>trang</a:t>
-            </a:r>
-            <a:r>
-              <a:rPr lang="en-US" dirty="0" smtClean="0"/>
-              <a:t> </a:t>
-            </a:r>
-            <a:r>
-              <a:rPr lang="en-US" dirty="0" err="1" smtClean="0"/>
-              <a:t>tài</a:t>
-            </a:r>
-            <a:r>
-              <a:rPr lang="en-US" dirty="0" smtClean="0"/>
-              <a:t> </a:t>
-            </a:r>
-            <a:r>
-              <a:rPr lang="en-US" dirty="0" err="1" smtClean="0"/>
-              <a:t>khoản</a:t>
-            </a:r>
-            <a:r>
-              <a:rPr lang="en-US" dirty="0" smtClean="0"/>
-              <a:t> </a:t>
-            </a:r>
-            <a:r>
-              <a:rPr lang="en-US" dirty="0" err="1" smtClean="0"/>
-              <a:t>của</a:t>
-            </a:r>
-            <a:r>
-              <a:rPr lang="en-US" dirty="0" smtClean="0"/>
-              <a:t> </a:t>
-            </a:r>
-            <a:r>
-              <a:rPr lang="en-US" dirty="0" err="1" smtClean="0"/>
-              <a:t>tôi</a:t>
-            </a:r>
-            <a:r>
-              <a:rPr lang="en-US" dirty="0" smtClean="0"/>
-              <a:t> </a:t>
-            </a:r>
-            <a:r>
-              <a:rPr lang="en-US" dirty="0" err="1" smtClean="0"/>
-              <a:t>cũng</a:t>
-            </a:r>
-            <a:r>
-              <a:rPr lang="en-US" dirty="0" smtClean="0"/>
-              <a:t> </a:t>
-            </a:r>
-            <a:r>
-              <a:rPr lang="en-US" dirty="0" err="1" smtClean="0"/>
-              <a:t>có</a:t>
-            </a:r>
-            <a:r>
-              <a:rPr lang="en-US" dirty="0" smtClean="0"/>
-              <a:t> </a:t>
-            </a:r>
-            <a:r>
-              <a:rPr lang="en-US" dirty="0" err="1" smtClean="0"/>
-              <a:t>mà</a:t>
-            </a:r>
-            <a:r>
-              <a:rPr lang="en-US" dirty="0"/>
-              <a:t>.</a:t>
+              <a:rPr lang="en-US"/>
+              <a:t>https://www.youtube.com/watch?v=itzzQlzA0fY</a:t>
             </a:r>
           </a:p>
         </p:txBody>
@@ -8577,7 +9176,487 @@
     </p:spTree>
     <p:extLst>
       <p:ext uri="{BB962C8B-B14F-4D97-AF65-F5344CB8AC3E}">
-        <p14:creationId xmlns:p14="http://schemas.microsoft.com/office/powerpoint/2010/main" val="913177044"/>
+        <p14:creationId xmlns:p14="http://schemas.microsoft.com/office/powerpoint/2010/main" val="3930147954"/>
+      </p:ext>
+    </p:extLst>
+  </p:cSld>
+  <p:clrMapOvr>
+    <a:masterClrMapping/>
+  </p:clrMapOvr>
+</p:sld>
+</file>
+
+<file path=ppt/slides/slide40.xml><?xml version="1.0" encoding="utf-8"?>
+<p:sld xmlns:a="http://schemas.openxmlformats.org/drawingml/2006/main" xmlns:r="http://schemas.openxmlformats.org/officeDocument/2006/relationships" xmlns:p="http://schemas.openxmlformats.org/presentationml/2006/main">
+  <p:cSld>
+    <p:spTree>
+      <p:nvGrpSpPr>
+        <p:cNvPr id="1" name=""/>
+        <p:cNvGrpSpPr/>
+        <p:nvPr/>
+      </p:nvGrpSpPr>
+      <p:grpSpPr>
+        <a:xfrm>
+          <a:off x="0" y="0"/>
+          <a:ext cx="0" cy="0"/>
+          <a:chOff x="0" y="0"/>
+          <a:chExt cx="0" cy="0"/>
+        </a:xfrm>
+      </p:grpSpPr>
+      <p:sp>
+        <p:nvSpPr>
+          <p:cNvPr id="2" name="Title 1">
+            <a:extLst>
+              <a:ext uri="{FF2B5EF4-FFF2-40B4-BE49-F238E27FC236}">
+                <a16:creationId xmlns:a16="http://schemas.microsoft.com/office/drawing/2014/main" id="{D81255A6-C280-43C5-A1E2-D1E37E332702}"/>
+              </a:ext>
+            </a:extLst>
+          </p:cNvPr>
+          <p:cNvSpPr>
+            <a:spLocks noGrp="1"/>
+          </p:cNvSpPr>
+          <p:nvPr>
+            <p:ph type="title"/>
+          </p:nvPr>
+        </p:nvSpPr>
+        <p:spPr/>
+        <p:txBody>
+          <a:bodyPr/>
+          <a:lstStyle/>
+          <a:p>
+            <a:endParaRPr lang="en-US"/>
+          </a:p>
+        </p:txBody>
+      </p:sp>
+      <p:sp>
+        <p:nvSpPr>
+          <p:cNvPr id="3" name="Content Placeholder 2">
+            <a:extLst>
+              <a:ext uri="{FF2B5EF4-FFF2-40B4-BE49-F238E27FC236}">
+                <a16:creationId xmlns:a16="http://schemas.microsoft.com/office/drawing/2014/main" id="{E9E5A8B9-694A-43AA-9A95-CA1887F8864F}"/>
+              </a:ext>
+            </a:extLst>
+          </p:cNvPr>
+          <p:cNvSpPr>
+            <a:spLocks noGrp="1"/>
+          </p:cNvSpPr>
+          <p:nvPr>
+            <p:ph idx="1"/>
+          </p:nvPr>
+        </p:nvSpPr>
+        <p:spPr/>
+        <p:txBody>
+          <a:bodyPr/>
+          <a:lstStyle/>
+          <a:p>
+            <a:endParaRPr lang="en-US"/>
+          </a:p>
+        </p:txBody>
+      </p:sp>
+    </p:spTree>
+    <p:extLst>
+      <p:ext uri="{BB962C8B-B14F-4D97-AF65-F5344CB8AC3E}">
+        <p14:creationId xmlns:p14="http://schemas.microsoft.com/office/powerpoint/2010/main" val="1584107293"/>
+      </p:ext>
+    </p:extLst>
+  </p:cSld>
+  <p:clrMapOvr>
+    <a:masterClrMapping/>
+  </p:clrMapOvr>
+</p:sld>
+</file>
+
+<file path=ppt/slides/slide41.xml><?xml version="1.0" encoding="utf-8"?>
+<p:sld xmlns:a="http://schemas.openxmlformats.org/drawingml/2006/main" xmlns:r="http://schemas.openxmlformats.org/officeDocument/2006/relationships" xmlns:p="http://schemas.openxmlformats.org/presentationml/2006/main">
+  <p:cSld>
+    <p:spTree>
+      <p:nvGrpSpPr>
+        <p:cNvPr id="1" name=""/>
+        <p:cNvGrpSpPr/>
+        <p:nvPr/>
+      </p:nvGrpSpPr>
+      <p:grpSpPr>
+        <a:xfrm>
+          <a:off x="0" y="0"/>
+          <a:ext cx="0" cy="0"/>
+          <a:chOff x="0" y="0"/>
+          <a:chExt cx="0" cy="0"/>
+        </a:xfrm>
+      </p:grpSpPr>
+      <p:sp>
+        <p:nvSpPr>
+          <p:cNvPr id="2" name="Title 1">
+            <a:extLst>
+              <a:ext uri="{FF2B5EF4-FFF2-40B4-BE49-F238E27FC236}">
+                <a16:creationId xmlns:a16="http://schemas.microsoft.com/office/drawing/2014/main" id="{26EE428F-DB69-4CE1-8624-239B1A774C0D}"/>
+              </a:ext>
+            </a:extLst>
+          </p:cNvPr>
+          <p:cNvSpPr>
+            <a:spLocks noGrp="1"/>
+          </p:cNvSpPr>
+          <p:nvPr>
+            <p:ph type="title"/>
+          </p:nvPr>
+        </p:nvSpPr>
+        <p:spPr/>
+        <p:txBody>
+          <a:bodyPr/>
+          <a:lstStyle/>
+          <a:p>
+            <a:endParaRPr lang="en-US"/>
+          </a:p>
+        </p:txBody>
+      </p:sp>
+      <p:sp>
+        <p:nvSpPr>
+          <p:cNvPr id="3" name="Content Placeholder 2">
+            <a:extLst>
+              <a:ext uri="{FF2B5EF4-FFF2-40B4-BE49-F238E27FC236}">
+                <a16:creationId xmlns:a16="http://schemas.microsoft.com/office/drawing/2014/main" id="{941B50CB-FE39-4C25-BCD3-7240D83AE89C}"/>
+              </a:ext>
+            </a:extLst>
+          </p:cNvPr>
+          <p:cNvSpPr>
+            <a:spLocks noGrp="1"/>
+          </p:cNvSpPr>
+          <p:nvPr>
+            <p:ph idx="1"/>
+          </p:nvPr>
+        </p:nvSpPr>
+        <p:spPr/>
+        <p:txBody>
+          <a:bodyPr/>
+          <a:lstStyle/>
+          <a:p>
+            <a:endParaRPr lang="en-US"/>
+          </a:p>
+        </p:txBody>
+      </p:sp>
+    </p:spTree>
+    <p:extLst>
+      <p:ext uri="{BB962C8B-B14F-4D97-AF65-F5344CB8AC3E}">
+        <p14:creationId xmlns:p14="http://schemas.microsoft.com/office/powerpoint/2010/main" val="3548523549"/>
+      </p:ext>
+    </p:extLst>
+  </p:cSld>
+  <p:clrMapOvr>
+    <a:masterClrMapping/>
+  </p:clrMapOvr>
+</p:sld>
+</file>
+
+<file path=ppt/slides/slide42.xml><?xml version="1.0" encoding="utf-8"?>
+<p:sld xmlns:a="http://schemas.openxmlformats.org/drawingml/2006/main" xmlns:r="http://schemas.openxmlformats.org/officeDocument/2006/relationships" xmlns:p="http://schemas.openxmlformats.org/presentationml/2006/main">
+  <p:cSld>
+    <p:spTree>
+      <p:nvGrpSpPr>
+        <p:cNvPr id="1" name=""/>
+        <p:cNvGrpSpPr/>
+        <p:nvPr/>
+      </p:nvGrpSpPr>
+      <p:grpSpPr>
+        <a:xfrm>
+          <a:off x="0" y="0"/>
+          <a:ext cx="0" cy="0"/>
+          <a:chOff x="0" y="0"/>
+          <a:chExt cx="0" cy="0"/>
+        </a:xfrm>
+      </p:grpSpPr>
+      <p:sp>
+        <p:nvSpPr>
+          <p:cNvPr id="2" name="Title 1">
+            <a:extLst>
+              <a:ext uri="{FF2B5EF4-FFF2-40B4-BE49-F238E27FC236}">
+                <a16:creationId xmlns:a16="http://schemas.microsoft.com/office/drawing/2014/main" id="{2A8AA9FB-C14C-43F5-B2DC-1500CF79E0CC}"/>
+              </a:ext>
+            </a:extLst>
+          </p:cNvPr>
+          <p:cNvSpPr>
+            <a:spLocks noGrp="1"/>
+          </p:cNvSpPr>
+          <p:nvPr>
+            <p:ph type="title"/>
+          </p:nvPr>
+        </p:nvSpPr>
+        <p:spPr/>
+        <p:txBody>
+          <a:bodyPr/>
+          <a:lstStyle/>
+          <a:p>
+            <a:endParaRPr lang="en-US"/>
+          </a:p>
+        </p:txBody>
+      </p:sp>
+      <p:sp>
+        <p:nvSpPr>
+          <p:cNvPr id="3" name="Content Placeholder 2">
+            <a:extLst>
+              <a:ext uri="{FF2B5EF4-FFF2-40B4-BE49-F238E27FC236}">
+                <a16:creationId xmlns:a16="http://schemas.microsoft.com/office/drawing/2014/main" id="{4C0B9A03-100D-4E24-9DA0-D4EC6F850CBE}"/>
+              </a:ext>
+            </a:extLst>
+          </p:cNvPr>
+          <p:cNvSpPr>
+            <a:spLocks noGrp="1"/>
+          </p:cNvSpPr>
+          <p:nvPr>
+            <p:ph idx="1"/>
+          </p:nvPr>
+        </p:nvSpPr>
+        <p:spPr/>
+        <p:txBody>
+          <a:bodyPr/>
+          <a:lstStyle/>
+          <a:p>
+            <a:endParaRPr lang="en-US"/>
+          </a:p>
+        </p:txBody>
+      </p:sp>
+    </p:spTree>
+    <p:extLst>
+      <p:ext uri="{BB962C8B-B14F-4D97-AF65-F5344CB8AC3E}">
+        <p14:creationId xmlns:p14="http://schemas.microsoft.com/office/powerpoint/2010/main" val="1969548212"/>
+      </p:ext>
+    </p:extLst>
+  </p:cSld>
+  <p:clrMapOvr>
+    <a:masterClrMapping/>
+  </p:clrMapOvr>
+</p:sld>
+</file>
+
+<file path=ppt/slides/slide43.xml><?xml version="1.0" encoding="utf-8"?>
+<p:sld xmlns:a="http://schemas.openxmlformats.org/drawingml/2006/main" xmlns:r="http://schemas.openxmlformats.org/officeDocument/2006/relationships" xmlns:p="http://schemas.openxmlformats.org/presentationml/2006/main">
+  <p:cSld>
+    <p:spTree>
+      <p:nvGrpSpPr>
+        <p:cNvPr id="1" name=""/>
+        <p:cNvGrpSpPr/>
+        <p:nvPr/>
+      </p:nvGrpSpPr>
+      <p:grpSpPr>
+        <a:xfrm>
+          <a:off x="0" y="0"/>
+          <a:ext cx="0" cy="0"/>
+          <a:chOff x="0" y="0"/>
+          <a:chExt cx="0" cy="0"/>
+        </a:xfrm>
+      </p:grpSpPr>
+      <p:sp>
+        <p:nvSpPr>
+          <p:cNvPr id="2" name="Title 1">
+            <a:extLst>
+              <a:ext uri="{FF2B5EF4-FFF2-40B4-BE49-F238E27FC236}">
+                <a16:creationId xmlns:a16="http://schemas.microsoft.com/office/drawing/2014/main" id="{250BD7D2-1B0D-4B16-9AB8-E5F7CCC674B8}"/>
+              </a:ext>
+            </a:extLst>
+          </p:cNvPr>
+          <p:cNvSpPr>
+            <a:spLocks noGrp="1"/>
+          </p:cNvSpPr>
+          <p:nvPr>
+            <p:ph type="title"/>
+          </p:nvPr>
+        </p:nvSpPr>
+        <p:spPr/>
+        <p:txBody>
+          <a:bodyPr/>
+          <a:lstStyle/>
+          <a:p>
+            <a:endParaRPr lang="en-US"/>
+          </a:p>
+        </p:txBody>
+      </p:sp>
+      <p:sp>
+        <p:nvSpPr>
+          <p:cNvPr id="3" name="Content Placeholder 2">
+            <a:extLst>
+              <a:ext uri="{FF2B5EF4-FFF2-40B4-BE49-F238E27FC236}">
+                <a16:creationId xmlns:a16="http://schemas.microsoft.com/office/drawing/2014/main" id="{3E30C4A3-3B8D-454F-9A7A-F118726FC509}"/>
+              </a:ext>
+            </a:extLst>
+          </p:cNvPr>
+          <p:cNvSpPr>
+            <a:spLocks noGrp="1"/>
+          </p:cNvSpPr>
+          <p:nvPr>
+            <p:ph idx="1"/>
+          </p:nvPr>
+        </p:nvSpPr>
+        <p:spPr/>
+        <p:txBody>
+          <a:bodyPr/>
+          <a:lstStyle/>
+          <a:p>
+            <a:endParaRPr lang="en-US"/>
+          </a:p>
+        </p:txBody>
+      </p:sp>
+    </p:spTree>
+    <p:extLst>
+      <p:ext uri="{BB962C8B-B14F-4D97-AF65-F5344CB8AC3E}">
+        <p14:creationId xmlns:p14="http://schemas.microsoft.com/office/powerpoint/2010/main" val="2548624587"/>
+      </p:ext>
+    </p:extLst>
+  </p:cSld>
+  <p:clrMapOvr>
+    <a:masterClrMapping/>
+  </p:clrMapOvr>
+</p:sld>
+</file>
+
+<file path=ppt/slides/slide44.xml><?xml version="1.0" encoding="utf-8"?>
+<p:sld xmlns:a="http://schemas.openxmlformats.org/drawingml/2006/main" xmlns:r="http://schemas.openxmlformats.org/officeDocument/2006/relationships" xmlns:p="http://schemas.openxmlformats.org/presentationml/2006/main">
+  <p:cSld>
+    <p:spTree>
+      <p:nvGrpSpPr>
+        <p:cNvPr id="1" name=""/>
+        <p:cNvGrpSpPr/>
+        <p:nvPr/>
+      </p:nvGrpSpPr>
+      <p:grpSpPr>
+        <a:xfrm>
+          <a:off x="0" y="0"/>
+          <a:ext cx="0" cy="0"/>
+          <a:chOff x="0" y="0"/>
+          <a:chExt cx="0" cy="0"/>
+        </a:xfrm>
+      </p:grpSpPr>
+      <p:sp>
+        <p:nvSpPr>
+          <p:cNvPr id="2" name="Title 1">
+            <a:extLst>
+              <a:ext uri="{FF2B5EF4-FFF2-40B4-BE49-F238E27FC236}">
+                <a16:creationId xmlns:a16="http://schemas.microsoft.com/office/drawing/2014/main" id="{C3D6A15C-11F2-443C-BE36-0122259D8AB8}"/>
+              </a:ext>
+            </a:extLst>
+          </p:cNvPr>
+          <p:cNvSpPr>
+            <a:spLocks noGrp="1"/>
+          </p:cNvSpPr>
+          <p:nvPr>
+            <p:ph type="title"/>
+          </p:nvPr>
+        </p:nvSpPr>
+        <p:spPr/>
+        <p:txBody>
+          <a:bodyPr/>
+          <a:lstStyle/>
+          <a:p>
+            <a:endParaRPr lang="en-US"/>
+          </a:p>
+        </p:txBody>
+      </p:sp>
+      <p:sp>
+        <p:nvSpPr>
+          <p:cNvPr id="3" name="Content Placeholder 2">
+            <a:extLst>
+              <a:ext uri="{FF2B5EF4-FFF2-40B4-BE49-F238E27FC236}">
+                <a16:creationId xmlns:a16="http://schemas.microsoft.com/office/drawing/2014/main" id="{14B1A0F0-7D28-437B-8E28-581292F53268}"/>
+              </a:ext>
+            </a:extLst>
+          </p:cNvPr>
+          <p:cNvSpPr>
+            <a:spLocks noGrp="1"/>
+          </p:cNvSpPr>
+          <p:nvPr>
+            <p:ph idx="1"/>
+          </p:nvPr>
+        </p:nvSpPr>
+        <p:spPr/>
+        <p:txBody>
+          <a:bodyPr/>
+          <a:lstStyle/>
+          <a:p>
+            <a:endParaRPr lang="en-US"/>
+          </a:p>
+        </p:txBody>
+      </p:sp>
+    </p:spTree>
+    <p:extLst>
+      <p:ext uri="{BB962C8B-B14F-4D97-AF65-F5344CB8AC3E}">
+        <p14:creationId xmlns:p14="http://schemas.microsoft.com/office/powerpoint/2010/main" val="2813207255"/>
+      </p:ext>
+    </p:extLst>
+  </p:cSld>
+  <p:clrMapOvr>
+    <a:masterClrMapping/>
+  </p:clrMapOvr>
+</p:sld>
+</file>
+
+<file path=ppt/slides/slide45.xml><?xml version="1.0" encoding="utf-8"?>
+<p:sld xmlns:a="http://schemas.openxmlformats.org/drawingml/2006/main" xmlns:r="http://schemas.openxmlformats.org/officeDocument/2006/relationships" xmlns:p="http://schemas.openxmlformats.org/presentationml/2006/main">
+  <p:cSld>
+    <p:spTree>
+      <p:nvGrpSpPr>
+        <p:cNvPr id="1" name=""/>
+        <p:cNvGrpSpPr/>
+        <p:nvPr/>
+      </p:nvGrpSpPr>
+      <p:grpSpPr>
+        <a:xfrm>
+          <a:off x="0" y="0"/>
+          <a:ext cx="0" cy="0"/>
+          <a:chOff x="0" y="0"/>
+          <a:chExt cx="0" cy="0"/>
+        </a:xfrm>
+      </p:grpSpPr>
+      <p:sp>
+        <p:nvSpPr>
+          <p:cNvPr id="2" name="Title 1">
+            <a:extLst>
+              <a:ext uri="{FF2B5EF4-FFF2-40B4-BE49-F238E27FC236}">
+                <a16:creationId xmlns:a16="http://schemas.microsoft.com/office/drawing/2014/main" id="{A726CDEE-1B9A-4562-BB7C-24A5B0046658}"/>
+              </a:ext>
+            </a:extLst>
+          </p:cNvPr>
+          <p:cNvSpPr>
+            <a:spLocks noGrp="1"/>
+          </p:cNvSpPr>
+          <p:nvPr>
+            <p:ph type="title"/>
+          </p:nvPr>
+        </p:nvSpPr>
+        <p:spPr/>
+        <p:txBody>
+          <a:bodyPr/>
+          <a:lstStyle/>
+          <a:p>
+            <a:endParaRPr lang="en-US"/>
+          </a:p>
+        </p:txBody>
+      </p:sp>
+      <p:sp>
+        <p:nvSpPr>
+          <p:cNvPr id="3" name="Content Placeholder 2">
+            <a:extLst>
+              <a:ext uri="{FF2B5EF4-FFF2-40B4-BE49-F238E27FC236}">
+                <a16:creationId xmlns:a16="http://schemas.microsoft.com/office/drawing/2014/main" id="{A8E184A9-B223-4752-ADDA-A0C41A8749FB}"/>
+              </a:ext>
+            </a:extLst>
+          </p:cNvPr>
+          <p:cNvSpPr>
+            <a:spLocks noGrp="1"/>
+          </p:cNvSpPr>
+          <p:nvPr>
+            <p:ph idx="1"/>
+          </p:nvPr>
+        </p:nvSpPr>
+        <p:spPr/>
+        <p:txBody>
+          <a:bodyPr/>
+          <a:lstStyle/>
+          <a:p>
+            <a:endParaRPr lang="en-US"/>
+          </a:p>
+        </p:txBody>
+      </p:sp>
+    </p:spTree>
+    <p:extLst>
+      <p:ext uri="{BB962C8B-B14F-4D97-AF65-F5344CB8AC3E}">
+        <p14:creationId xmlns:p14="http://schemas.microsoft.com/office/powerpoint/2010/main" val="3425138462"/>
       </p:ext>
     </p:extLst>
   </p:cSld>
@@ -8609,7 +9688,7 @@
           <p:cNvPr id="2" name="Title 1">
             <a:extLst>
               <a:ext uri="{FF2B5EF4-FFF2-40B4-BE49-F238E27FC236}">
-                <a16:creationId xmlns:a16="http://schemas.microsoft.com/office/drawing/2014/main" id="{EA8B2F98-8B57-464B-A1B3-52B530DDDEFE}"/>
+                <a16:creationId xmlns:a16="http://schemas.microsoft.com/office/drawing/2014/main" id="{5DA9BE81-0DE3-4085-AEAD-C0886518A982}"/>
               </a:ext>
             </a:extLst>
           </p:cNvPr>
@@ -8622,8 +9701,84 @@
         </p:nvSpPr>
         <p:spPr>
           <a:xfrm>
-            <a:off x="0" y="0"/>
-            <a:ext cx="11353800" cy="735706"/>
+            <a:off x="647815" y="1404224"/>
+            <a:ext cx="7130562" cy="668215"/>
+          </a:xfrm>
+        </p:spPr>
+        <p:txBody>
+          <a:bodyPr>
+            <a:normAutofit fontScale="90000"/>
+          </a:bodyPr>
+          <a:lstStyle/>
+          <a:p>
+            <a:r>
+              <a:rPr lang="en-US" dirty="0" err="1"/>
+              <a:t>Chức</a:t>
+            </a:r>
+            <a:r>
+              <a:rPr lang="en-US" dirty="0"/>
+              <a:t> </a:t>
+            </a:r>
+            <a:r>
+              <a:rPr lang="en-US" dirty="0" err="1"/>
+              <a:t>năng</a:t>
+            </a:r>
+            <a:r>
+              <a:rPr lang="en-US" dirty="0"/>
+              <a:t> </a:t>
+            </a:r>
+            <a:r>
+              <a:rPr lang="en-US" dirty="0" err="1"/>
+              <a:t>đăng</a:t>
+            </a:r>
+            <a:r>
+              <a:rPr lang="en-US" dirty="0"/>
+              <a:t> </a:t>
+            </a:r>
+            <a:r>
+              <a:rPr lang="en-US" dirty="0" err="1"/>
+              <a:t>nhập</a:t>
+            </a:r>
+            <a:r>
+              <a:rPr lang="en-US" dirty="0"/>
+              <a:t> </a:t>
+            </a:r>
+            <a:r>
+              <a:rPr lang="en-US" dirty="0" err="1"/>
+              <a:t>tài</a:t>
+            </a:r>
+            <a:r>
+              <a:rPr lang="en-US" dirty="0"/>
+              <a:t> </a:t>
+            </a:r>
+            <a:r>
+              <a:rPr lang="en-US" dirty="0" err="1"/>
+              <a:t>khoản</a:t>
+            </a:r>
+            <a:endParaRPr lang="en-US" dirty="0"/>
+          </a:p>
+        </p:txBody>
+      </p:sp>
+      <p:sp>
+        <p:nvSpPr>
+          <p:cNvPr id="3" name="Content Placeholder 2">
+            <a:extLst>
+              <a:ext uri="{FF2B5EF4-FFF2-40B4-BE49-F238E27FC236}">
+                <a16:creationId xmlns:a16="http://schemas.microsoft.com/office/drawing/2014/main" id="{93B618F7-6073-4DF4-B33B-93722430AF5C}"/>
+              </a:ext>
+            </a:extLst>
+          </p:cNvPr>
+          <p:cNvSpPr>
+            <a:spLocks noGrp="1"/>
+          </p:cNvSpPr>
+          <p:nvPr>
+            <p:ph idx="1"/>
+          </p:nvPr>
+        </p:nvSpPr>
+        <p:spPr>
+          <a:xfrm>
+            <a:off x="655582" y="2418341"/>
+            <a:ext cx="4669656" cy="534026"/>
           </a:xfrm>
         </p:spPr>
         <p:txBody>
@@ -8631,27 +9786,37 @@
           <a:lstStyle/>
           <a:p>
             <a:r>
-              <a:rPr lang="en-US"/>
-              <a:t>Tạo ra một Menu mới:</a:t>
+              <a:rPr lang="en-US" dirty="0" err="1"/>
+              <a:t>Cài</a:t>
+            </a:r>
+            <a:r>
+              <a:rPr lang="en-US" dirty="0"/>
+              <a:t> </a:t>
+            </a:r>
+            <a:r>
+              <a:rPr lang="en-US" dirty="0" err="1"/>
+              <a:t>thêm</a:t>
+            </a:r>
+            <a:r>
+              <a:rPr lang="en-US" dirty="0"/>
+              <a:t> Plugin </a:t>
             </a:r>
           </a:p>
         </p:txBody>
       </p:sp>
       <p:pic>
         <p:nvPicPr>
-          <p:cNvPr id="4" name="Content Placeholder 3">
-            <a:extLst>
-              <a:ext uri="{FF2B5EF4-FFF2-40B4-BE49-F238E27FC236}">
-                <a16:creationId xmlns:a16="http://schemas.microsoft.com/office/drawing/2014/main" id="{76C5FC58-7B10-4903-9B99-94DACCB35D21}"/>
+          <p:cNvPr id="4" name="Picture 3">
+            <a:extLst>
+              <a:ext uri="{FF2B5EF4-FFF2-40B4-BE49-F238E27FC236}">
+                <a16:creationId xmlns:a16="http://schemas.microsoft.com/office/drawing/2014/main" id="{8A787FC6-E03A-4A26-8723-590D891063E2}"/>
               </a:ext>
             </a:extLst>
           </p:cNvPr>
           <p:cNvPicPr>
-            <a:picLocks noGrp="1" noChangeAspect="1"/>
+            <a:picLocks noChangeAspect="1"/>
           </p:cNvPicPr>
-          <p:nvPr>
-            <p:ph idx="1"/>
-          </p:nvPr>
+          <p:nvPr/>
         </p:nvPicPr>
         <p:blipFill>
           <a:blip r:embed="rId2"/>
@@ -8661,18 +9826,206 @@
         </p:blipFill>
         <p:spPr>
           <a:xfrm>
-            <a:off x="3114883" y="1272036"/>
-            <a:ext cx="4429743" cy="4544059"/>
+            <a:off x="655582" y="3130609"/>
+            <a:ext cx="5715798" cy="2172003"/>
           </a:xfrm>
           <a:prstGeom prst="rect">
             <a:avLst/>
           </a:prstGeom>
         </p:spPr>
       </p:pic>
+      <p:sp>
+        <p:nvSpPr>
+          <p:cNvPr id="5" name="TextBox 4">
+            <a:extLst>
+              <a:ext uri="{FF2B5EF4-FFF2-40B4-BE49-F238E27FC236}">
+                <a16:creationId xmlns:a16="http://schemas.microsoft.com/office/drawing/2014/main" id="{81035E62-BCA1-4000-B72A-C8633983E6F4}"/>
+              </a:ext>
+            </a:extLst>
+          </p:cNvPr>
+          <p:cNvSpPr txBox="1"/>
+          <p:nvPr/>
+        </p:nvSpPr>
+        <p:spPr>
+          <a:xfrm>
+            <a:off x="655582" y="5647241"/>
+            <a:ext cx="5715798" cy="369332"/>
+          </a:xfrm>
+          <a:prstGeom prst="rect">
+            <a:avLst/>
+          </a:prstGeom>
+          <a:noFill/>
+        </p:spPr>
+        <p:txBody>
+          <a:bodyPr wrap="square" rtlCol="0">
+            <a:spAutoFit/>
+          </a:bodyPr>
+          <a:lstStyle/>
+          <a:p>
+            <a:r>
+              <a:rPr lang="en-US" dirty="0"/>
+              <a:t>Plugin </a:t>
+            </a:r>
+            <a:r>
+              <a:rPr lang="en-US" dirty="0" err="1"/>
+              <a:t>tạo</a:t>
+            </a:r>
+            <a:r>
+              <a:rPr lang="en-US" dirty="0"/>
+              <a:t> </a:t>
+            </a:r>
+            <a:r>
+              <a:rPr lang="en-US" dirty="0" err="1"/>
+              <a:t>trang</a:t>
+            </a:r>
+            <a:r>
+              <a:rPr lang="en-US" dirty="0"/>
+              <a:t> </a:t>
+            </a:r>
+            <a:r>
+              <a:rPr lang="en-US" dirty="0" err="1"/>
+              <a:t>đăng</a:t>
+            </a:r>
+            <a:r>
+              <a:rPr lang="en-US" dirty="0"/>
+              <a:t> </a:t>
+            </a:r>
+            <a:r>
+              <a:rPr lang="en-US" dirty="0" err="1"/>
+              <a:t>ký</a:t>
+            </a:r>
+            <a:r>
+              <a:rPr lang="en-US" dirty="0"/>
+              <a:t> </a:t>
+            </a:r>
+            <a:r>
+              <a:rPr lang="en-US" dirty="0" err="1"/>
+              <a:t>và</a:t>
+            </a:r>
+            <a:r>
+              <a:rPr lang="en-US" dirty="0"/>
+              <a:t> </a:t>
+            </a:r>
+            <a:r>
+              <a:rPr lang="en-US" dirty="0" err="1"/>
+              <a:t>đăng</a:t>
+            </a:r>
+            <a:r>
+              <a:rPr lang="en-US" dirty="0"/>
+              <a:t> </a:t>
+            </a:r>
+            <a:r>
+              <a:rPr lang="en-US" dirty="0" err="1"/>
+              <a:t>nhập</a:t>
+            </a:r>
+            <a:r>
+              <a:rPr lang="en-US" dirty="0"/>
+              <a:t>.</a:t>
+            </a:r>
+          </a:p>
+        </p:txBody>
+      </p:sp>
+      <p:sp>
+        <p:nvSpPr>
+          <p:cNvPr id="6" name="TextBox 5"/>
+          <p:cNvSpPr txBox="1"/>
+          <p:nvPr/>
+        </p:nvSpPr>
+        <p:spPr>
+          <a:xfrm>
+            <a:off x="743975" y="321141"/>
+            <a:ext cx="4492869" cy="369332"/>
+          </a:xfrm>
+          <a:prstGeom prst="rect">
+            <a:avLst/>
+          </a:prstGeom>
+          <a:noFill/>
+        </p:spPr>
+        <p:txBody>
+          <a:bodyPr wrap="square" rtlCol="0">
+            <a:spAutoFit/>
+          </a:bodyPr>
+          <a:lstStyle/>
+          <a:p>
+            <a:r>
+              <a:rPr lang="en-US" dirty="0" err="1"/>
+              <a:t>Trong</a:t>
+            </a:r>
+            <a:r>
+              <a:rPr lang="en-US" dirty="0"/>
+              <a:t> </a:t>
+            </a:r>
+            <a:r>
+              <a:rPr lang="en-US" dirty="0" err="1"/>
+              <a:t>trang</a:t>
+            </a:r>
+            <a:r>
+              <a:rPr lang="en-US" dirty="0"/>
+              <a:t> </a:t>
+            </a:r>
+            <a:r>
+              <a:rPr lang="en-US" dirty="0" err="1"/>
+              <a:t>tài</a:t>
+            </a:r>
+            <a:r>
+              <a:rPr lang="en-US" dirty="0"/>
+              <a:t> </a:t>
+            </a:r>
+            <a:r>
+              <a:rPr lang="en-US" dirty="0" err="1"/>
+              <a:t>khoản</a:t>
+            </a:r>
+            <a:r>
+              <a:rPr lang="en-US" dirty="0"/>
+              <a:t> </a:t>
+            </a:r>
+            <a:r>
+              <a:rPr lang="en-US" dirty="0" err="1"/>
+              <a:t>của</a:t>
+            </a:r>
+            <a:r>
+              <a:rPr lang="en-US" dirty="0"/>
+              <a:t> </a:t>
+            </a:r>
+            <a:r>
+              <a:rPr lang="en-US" dirty="0" err="1"/>
+              <a:t>tôi</a:t>
+            </a:r>
+            <a:r>
+              <a:rPr lang="en-US" dirty="0"/>
+              <a:t> </a:t>
+            </a:r>
+            <a:r>
+              <a:rPr lang="en-US" dirty="0" err="1"/>
+              <a:t>cũng</a:t>
+            </a:r>
+            <a:r>
+              <a:rPr lang="en-US" dirty="0"/>
+              <a:t> </a:t>
+            </a:r>
+            <a:r>
+              <a:rPr lang="en-US" dirty="0" err="1"/>
+              <a:t>có</a:t>
+            </a:r>
+            <a:r>
+              <a:rPr lang="en-US" dirty="0"/>
+              <a:t> </a:t>
+            </a:r>
+            <a:r>
+              <a:rPr lang="en-US" dirty="0" err="1"/>
+              <a:t>mà</a:t>
+            </a:r>
+            <a:r>
+              <a:rPr lang="en-US" dirty="0"/>
+              <a:t>.</a:t>
+            </a:r>
+          </a:p>
+        </p:txBody>
+      </p:sp>
     </p:spTree>
     <p:extLst>
       <p:ext uri="{BB962C8B-B14F-4D97-AF65-F5344CB8AC3E}">
-        <p14:creationId xmlns:p14="http://schemas.microsoft.com/office/powerpoint/2010/main" val="995279876"/>
+        <p14:creationId xmlns:p14="http://schemas.microsoft.com/office/powerpoint/2010/main" val="913177044"/>
       </p:ext>
     </p:extLst>
   </p:cSld>
@@ -8704,7 +10057,7 @@
           <p:cNvPr id="2" name="Title 1">
             <a:extLst>
               <a:ext uri="{FF2B5EF4-FFF2-40B4-BE49-F238E27FC236}">
-                <a16:creationId xmlns:a16="http://schemas.microsoft.com/office/drawing/2014/main" id="{BC9EE470-BA5A-411A-AD54-1627F89E46DF}"/>
+                <a16:creationId xmlns:a16="http://schemas.microsoft.com/office/drawing/2014/main" id="{50A1902E-602B-42F1-A6B7-8306263A1EC0}"/>
               </a:ext>
             </a:extLst>
           </p:cNvPr>
@@ -8715,19 +10068,14 @@
             <p:ph type="title"/>
           </p:nvPr>
         </p:nvSpPr>
-        <p:spPr>
-          <a:xfrm>
-            <a:off x="0" y="0"/>
-            <a:ext cx="11353800" cy="1429306"/>
-          </a:xfrm>
-        </p:spPr>
+        <p:spPr/>
         <p:txBody>
           <a:bodyPr/>
           <a:lstStyle/>
           <a:p>
             <a:r>
               <a:rPr lang="en-US"/>
-              <a:t>Tạo ra liên kết tự tạo</a:t>
+              <a:t>CÀI Plugin UserMenu:</a:t>
             </a:r>
           </a:p>
         </p:txBody>
@@ -8737,7 +10085,7 @@
           <p:cNvPr id="4" name="Picture 3">
             <a:extLst>
               <a:ext uri="{FF2B5EF4-FFF2-40B4-BE49-F238E27FC236}">
-                <a16:creationId xmlns:a16="http://schemas.microsoft.com/office/drawing/2014/main" id="{EF7B7D72-24D0-4E82-80DB-3520173DFD4D}"/>
+                <a16:creationId xmlns:a16="http://schemas.microsoft.com/office/drawing/2014/main" id="{84234232-162C-42EC-B366-49934D496B27}"/>
               </a:ext>
             </a:extLst>
           </p:cNvPr>
@@ -8754,124 +10102,66 @@
         </p:blipFill>
         <p:spPr>
           <a:xfrm>
-            <a:off x="838199" y="1825625"/>
-            <a:ext cx="2899299" cy="2258103"/>
+            <a:off x="434424" y="1690688"/>
+            <a:ext cx="6011114" cy="3000794"/>
           </a:xfrm>
           <a:prstGeom prst="rect">
             <a:avLst/>
           </a:prstGeom>
         </p:spPr>
       </p:pic>
-      <p:sp>
-        <p:nvSpPr>
-          <p:cNvPr id="5" name="Rectangle 4">
-            <a:extLst>
-              <a:ext uri="{FF2B5EF4-FFF2-40B4-BE49-F238E27FC236}">
-                <a16:creationId xmlns:a16="http://schemas.microsoft.com/office/drawing/2014/main" id="{1AC09F3A-26FD-4103-B956-9F1B4EEFE72A}"/>
-              </a:ext>
-            </a:extLst>
-          </p:cNvPr>
-          <p:cNvSpPr/>
+      <p:pic>
+        <p:nvPicPr>
+          <p:cNvPr id="3" name="Picture 2">
+            <a:extLst>
+              <a:ext uri="{FF2B5EF4-FFF2-40B4-BE49-F238E27FC236}">
+                <a16:creationId xmlns:a16="http://schemas.microsoft.com/office/drawing/2014/main" id="{667497D3-8CFD-482A-8DD1-DFEE8CF18CDF}"/>
+              </a:ext>
+            </a:extLst>
+          </p:cNvPr>
+          <p:cNvPicPr>
+            <a:picLocks noChangeAspect="1"/>
+          </p:cNvPicPr>
           <p:nvPr/>
-        </p:nvSpPr>
-        <p:spPr>
-          <a:xfrm>
-            <a:off x="2716567" y="2494626"/>
-            <a:ext cx="949912" cy="435006"/>
+        </p:nvPicPr>
+        <p:blipFill>
+          <a:blip r:embed="rId3"/>
+          <a:stretch>
+            <a:fillRect/>
+          </a:stretch>
+        </p:blipFill>
+        <p:spPr>
+          <a:xfrm>
+            <a:off x="7678602" y="1690688"/>
+            <a:ext cx="4363059" cy="3000794"/>
+          </a:xfrm>
+          <a:prstGeom prst="rect">
+            <a:avLst/>
+          </a:prstGeom>
+        </p:spPr>
+      </p:pic>
+      <p:sp>
+        <p:nvSpPr>
+          <p:cNvPr id="5" name="TextBox 4">
+            <a:extLst>
+              <a:ext uri="{FF2B5EF4-FFF2-40B4-BE49-F238E27FC236}">
+                <a16:creationId xmlns:a16="http://schemas.microsoft.com/office/drawing/2014/main" id="{290A8D67-5E69-49FE-B6C1-BDEF64FF1587}"/>
+              </a:ext>
+            </a:extLst>
+          </p:cNvPr>
+          <p:cNvSpPr txBox="1"/>
+          <p:nvPr/>
+        </p:nvSpPr>
+        <p:spPr>
+          <a:xfrm>
+            <a:off x="496567" y="5167312"/>
+            <a:ext cx="6729855" cy="646331"/>
           </a:xfrm>
           <a:prstGeom prst="rect">
             <a:avLst/>
           </a:prstGeom>
           <a:noFill/>
         </p:spPr>
-        <p:style>
-          <a:lnRef idx="2">
-            <a:schemeClr val="accent2">
-              <a:shade val="50000"/>
-            </a:schemeClr>
-          </a:lnRef>
-          <a:fillRef idx="1">
-            <a:schemeClr val="accent2"/>
-          </a:fillRef>
-          <a:effectRef idx="0">
-            <a:schemeClr val="accent2"/>
-          </a:effectRef>
-          <a:fontRef idx="minor">
-            <a:schemeClr val="lt1"/>
-          </a:fontRef>
-        </p:style>
-        <p:txBody>
-          <a:bodyPr rtlCol="0" anchor="ctr"/>
-          <a:lstStyle/>
-          <a:p>
-            <a:pPr algn="ctr"/>
-            <a:endParaRPr lang="en-US"/>
-          </a:p>
-        </p:txBody>
-      </p:sp>
-      <p:cxnSp>
-        <p:nvCxnSpPr>
-          <p:cNvPr id="7" name="Straight Arrow Connector 6">
-            <a:extLst>
-              <a:ext uri="{FF2B5EF4-FFF2-40B4-BE49-F238E27FC236}">
-                <a16:creationId xmlns:a16="http://schemas.microsoft.com/office/drawing/2014/main" id="{3F831F1F-50F7-45EA-837A-2B6EE8C96F98}"/>
-              </a:ext>
-            </a:extLst>
-          </p:cNvPr>
-          <p:cNvCxnSpPr>
-            <a:cxnSpLocks/>
-          </p:cNvCxnSpPr>
-          <p:nvPr/>
-        </p:nvCxnSpPr>
-        <p:spPr>
-          <a:xfrm flipV="1">
-            <a:off x="3737498" y="2565647"/>
-            <a:ext cx="843380" cy="150920"/>
-          </a:xfrm>
-          <a:prstGeom prst="straightConnector1">
-            <a:avLst/>
-          </a:prstGeom>
-          <a:ln>
-            <a:tailEnd type="triangle"/>
-          </a:ln>
-        </p:spPr>
-        <p:style>
-          <a:lnRef idx="1">
-            <a:schemeClr val="dk1"/>
-          </a:lnRef>
-          <a:fillRef idx="0">
-            <a:schemeClr val="dk1"/>
-          </a:fillRef>
-          <a:effectRef idx="0">
-            <a:schemeClr val="dk1"/>
-          </a:effectRef>
-          <a:fontRef idx="minor">
-            <a:schemeClr val="tx1"/>
-          </a:fontRef>
-        </p:style>
-      </p:cxnSp>
-      <p:sp>
-        <p:nvSpPr>
-          <p:cNvPr id="8" name="TextBox 7">
-            <a:extLst>
-              <a:ext uri="{FF2B5EF4-FFF2-40B4-BE49-F238E27FC236}">
-                <a16:creationId xmlns:a16="http://schemas.microsoft.com/office/drawing/2014/main" id="{91420B23-89F2-455E-B852-8D0D405714D6}"/>
-              </a:ext>
-            </a:extLst>
-          </p:cNvPr>
-          <p:cNvSpPr txBox="1"/>
-          <p:nvPr/>
-        </p:nvSpPr>
-        <p:spPr>
-          <a:xfrm>
-            <a:off x="4722920" y="2290439"/>
-            <a:ext cx="5592932" cy="369332"/>
-          </a:xfrm>
-          <a:prstGeom prst="rect">
-            <a:avLst/>
-          </a:prstGeom>
-          <a:noFill/>
-        </p:spPr>
         <p:txBody>
           <a:bodyPr wrap="square" rtlCol="0">
             <a:spAutoFit/>
@@ -8880,7 +10170,23 @@
           <a:p>
             <a:r>
               <a:rPr lang="en-US"/>
-              <a:t>Liên kết đến trang đăng nhập.</a:t>
+              <a:t>Plugin cho phép ai là ng</a:t>
+            </a:r>
+            <a:r>
+              <a:rPr lang="vi-VN"/>
+              <a:t>ư</a:t>
+            </a:r>
+            <a:r>
+              <a:rPr lang="en-US"/>
+              <a:t>ời có thể xem đ</a:t>
+            </a:r>
+            <a:r>
+              <a:rPr lang="vi-VN"/>
+              <a:t>ư</a:t>
+            </a:r>
+            <a:r>
+              <a:rPr lang="en-US"/>
+              <a:t>ợc những trang “ đăng nhập” hay “ đăng xuất “ này.</a:t>
             </a:r>
           </a:p>
         </p:txBody>
@@ -8888,7 +10194,7 @@
     </p:spTree>
     <p:extLst>
       <p:ext uri="{BB962C8B-B14F-4D97-AF65-F5344CB8AC3E}">
-        <p14:creationId xmlns:p14="http://schemas.microsoft.com/office/powerpoint/2010/main" val="3046594684"/>
+        <p14:creationId xmlns:p14="http://schemas.microsoft.com/office/powerpoint/2010/main" val="2147805545"/>
       </p:ext>
     </p:extLst>
   </p:cSld>
@@ -8920,7 +10226,7 @@
           <p:cNvPr id="2" name="Title 1">
             <a:extLst>
               <a:ext uri="{FF2B5EF4-FFF2-40B4-BE49-F238E27FC236}">
-                <a16:creationId xmlns:a16="http://schemas.microsoft.com/office/drawing/2014/main" id="{A61F4B05-1118-4F7F-A850-5C90344AB8D6}"/>
+                <a16:creationId xmlns:a16="http://schemas.microsoft.com/office/drawing/2014/main" id="{EA8B2F98-8B57-464B-A1B3-52B530DDDEFE}"/>
               </a:ext>
             </a:extLst>
           </p:cNvPr>
@@ -8933,44 +10239,36 @@
         </p:nvSpPr>
         <p:spPr>
           <a:xfrm>
-            <a:off x="92476" y="162834"/>
-            <a:ext cx="10515600" cy="535958"/>
-          </a:xfrm>
-        </p:spPr>
-        <p:txBody>
-          <a:bodyPr>
-            <a:normAutofit fontScale="90000"/>
-          </a:bodyPr>
-          <a:lstStyle/>
-          <a:p>
-            <a:r>
-              <a:rPr lang="en-US"/>
-              <a:t>Nhấn l</a:t>
-            </a:r>
-            <a:r>
-              <a:rPr lang="vi-VN"/>
-              <a:t>ư</a:t>
-            </a:r>
-            <a:r>
-              <a:rPr lang="en-US"/>
-              <a:t>u lại.</a:t>
+            <a:off x="0" y="0"/>
+            <a:ext cx="11353800" cy="735706"/>
+          </a:xfrm>
+        </p:spPr>
+        <p:txBody>
+          <a:bodyPr/>
+          <a:lstStyle/>
+          <a:p>
+            <a:r>
+              <a:rPr lang="en-US"/>
+              <a:t>Tạo ra một Menu mới:</a:t>
             </a:r>
           </a:p>
         </p:txBody>
       </p:sp>
       <p:pic>
         <p:nvPicPr>
-          <p:cNvPr id="4" name="Picture 3">
-            <a:extLst>
-              <a:ext uri="{FF2B5EF4-FFF2-40B4-BE49-F238E27FC236}">
-                <a16:creationId xmlns:a16="http://schemas.microsoft.com/office/drawing/2014/main" id="{C04F6CE9-56C3-4141-91C6-BBC66BD00919}"/>
+          <p:cNvPr id="4" name="Content Placeholder 3">
+            <a:extLst>
+              <a:ext uri="{FF2B5EF4-FFF2-40B4-BE49-F238E27FC236}">
+                <a16:creationId xmlns:a16="http://schemas.microsoft.com/office/drawing/2014/main" id="{76C5FC58-7B10-4903-9B99-94DACCB35D21}"/>
               </a:ext>
             </a:extLst>
           </p:cNvPr>
           <p:cNvPicPr>
-            <a:picLocks noChangeAspect="1"/>
+            <a:picLocks noGrp="1" noChangeAspect="1"/>
           </p:cNvPicPr>
-          <p:nvPr/>
+          <p:nvPr>
+            <p:ph idx="1"/>
+          </p:nvPr>
         </p:nvPicPr>
         <p:blipFill>
           <a:blip r:embed="rId2"/>
@@ -8980,338 +10278,18 @@
         </p:blipFill>
         <p:spPr>
           <a:xfrm>
-            <a:off x="230904" y="744777"/>
-            <a:ext cx="5216185" cy="5668392"/>
+            <a:off x="3114883" y="1272036"/>
+            <a:ext cx="4429743" cy="4544059"/>
           </a:xfrm>
           <a:prstGeom prst="rect">
             <a:avLst/>
           </a:prstGeom>
         </p:spPr>
       </p:pic>
-      <p:sp>
-        <p:nvSpPr>
-          <p:cNvPr id="5" name="Rectangle 4">
-            <a:extLst>
-              <a:ext uri="{FF2B5EF4-FFF2-40B4-BE49-F238E27FC236}">
-                <a16:creationId xmlns:a16="http://schemas.microsoft.com/office/drawing/2014/main" id="{EF9BCAEF-FDCE-49F8-B477-0D6AF0866D50}"/>
-              </a:ext>
-            </a:extLst>
-          </p:cNvPr>
-          <p:cNvSpPr/>
-          <p:nvPr/>
-        </p:nvSpPr>
-        <p:spPr>
-          <a:xfrm>
-            <a:off x="369277" y="6057901"/>
-            <a:ext cx="782515" cy="337684"/>
-          </a:xfrm>
-          <a:prstGeom prst="rect">
-            <a:avLst/>
-          </a:prstGeom>
-          <a:noFill/>
-        </p:spPr>
-        <p:style>
-          <a:lnRef idx="2">
-            <a:schemeClr val="accent2">
-              <a:shade val="50000"/>
-            </a:schemeClr>
-          </a:lnRef>
-          <a:fillRef idx="1">
-            <a:schemeClr val="accent2"/>
-          </a:fillRef>
-          <a:effectRef idx="0">
-            <a:schemeClr val="accent2"/>
-          </a:effectRef>
-          <a:fontRef idx="minor">
-            <a:schemeClr val="lt1"/>
-          </a:fontRef>
-        </p:style>
-        <p:txBody>
-          <a:bodyPr rtlCol="0" anchor="ctr"/>
-          <a:lstStyle/>
-          <a:p>
-            <a:pPr algn="ctr"/>
-            <a:endParaRPr lang="en-US"/>
-          </a:p>
-        </p:txBody>
-      </p:sp>
-      <p:pic>
-        <p:nvPicPr>
-          <p:cNvPr id="3" name="Picture 2"/>
-          <p:cNvPicPr>
-            <a:picLocks noChangeAspect="1"/>
-          </p:cNvPicPr>
-          <p:nvPr/>
-        </p:nvPicPr>
-        <p:blipFill>
-          <a:blip r:embed="rId3"/>
-          <a:stretch>
-            <a:fillRect/>
-          </a:stretch>
-        </p:blipFill>
-        <p:spPr>
-          <a:xfrm>
-            <a:off x="8809892" y="947894"/>
-            <a:ext cx="2848707" cy="2824006"/>
-          </a:xfrm>
-          <a:prstGeom prst="rect">
-            <a:avLst/>
-          </a:prstGeom>
-        </p:spPr>
-      </p:pic>
-      <p:cxnSp>
-        <p:nvCxnSpPr>
-          <p:cNvPr id="7" name="Straight Arrow Connector 6"/>
-          <p:cNvCxnSpPr/>
-          <p:nvPr/>
-        </p:nvCxnSpPr>
-        <p:spPr>
-          <a:xfrm flipV="1">
-            <a:off x="4668715" y="2154115"/>
-            <a:ext cx="4431323" cy="26377"/>
-          </a:xfrm>
-          <a:prstGeom prst="straightConnector1">
-            <a:avLst/>
-          </a:prstGeom>
-          <a:ln>
-            <a:tailEnd type="triangle"/>
-          </a:ln>
-        </p:spPr>
-        <p:style>
-          <a:lnRef idx="1">
-            <a:schemeClr val="dk1"/>
-          </a:lnRef>
-          <a:fillRef idx="0">
-            <a:schemeClr val="dk1"/>
-          </a:fillRef>
-          <a:effectRef idx="0">
-            <a:schemeClr val="dk1"/>
-          </a:effectRef>
-          <a:fontRef idx="minor">
-            <a:schemeClr val="tx1"/>
-          </a:fontRef>
-        </p:style>
-      </p:cxnSp>
-      <p:sp>
-        <p:nvSpPr>
-          <p:cNvPr id="10" name="TextBox 9"/>
-          <p:cNvSpPr txBox="1"/>
-          <p:nvPr/>
-        </p:nvSpPr>
-        <p:spPr>
-          <a:xfrm>
-            <a:off x="5591908" y="2359897"/>
-            <a:ext cx="2989384" cy="923330"/>
-          </a:xfrm>
-          <a:prstGeom prst="rect">
-            <a:avLst/>
-          </a:prstGeom>
-          <a:noFill/>
-        </p:spPr>
-        <p:txBody>
-          <a:bodyPr wrap="square" rtlCol="0">
-            <a:spAutoFit/>
-          </a:bodyPr>
-          <a:lstStyle/>
-          <a:p>
-            <a:r>
-              <a:rPr lang="en-US" dirty="0" err="1" smtClean="0"/>
-              <a:t>Mục</a:t>
-            </a:r>
-            <a:r>
-              <a:rPr lang="en-US" dirty="0" smtClean="0"/>
-              <a:t> </a:t>
-            </a:r>
-            <a:r>
-              <a:rPr lang="en-US" dirty="0" err="1" smtClean="0"/>
-              <a:t>tiêu</a:t>
-            </a:r>
-            <a:r>
-              <a:rPr lang="en-US" dirty="0" smtClean="0"/>
-              <a:t>: </a:t>
-            </a:r>
-            <a:r>
-              <a:rPr lang="en-US" dirty="0" err="1" smtClean="0"/>
-              <a:t>đang</a:t>
-            </a:r>
-            <a:r>
-              <a:rPr lang="en-US" dirty="0" smtClean="0"/>
-              <a:t> </a:t>
-            </a:r>
-            <a:r>
-              <a:rPr lang="en-US" dirty="0" err="1" smtClean="0"/>
-              <a:t>muốn</a:t>
-            </a:r>
-            <a:r>
-              <a:rPr lang="en-US" dirty="0" smtClean="0"/>
-              <a:t> </a:t>
-            </a:r>
-            <a:r>
-              <a:rPr lang="en-US" dirty="0" err="1" smtClean="0"/>
-              <a:t>đưa</a:t>
-            </a:r>
-            <a:r>
-              <a:rPr lang="en-US" dirty="0" smtClean="0"/>
-              <a:t> </a:t>
-            </a:r>
-            <a:r>
-              <a:rPr lang="en-US" dirty="0" err="1" smtClean="0"/>
-              <a:t>phần</a:t>
-            </a:r>
-            <a:r>
-              <a:rPr lang="en-US" dirty="0" smtClean="0"/>
-              <a:t> </a:t>
-            </a:r>
-            <a:r>
-              <a:rPr lang="en-US" dirty="0" err="1" smtClean="0"/>
-              <a:t>đăng</a:t>
-            </a:r>
-            <a:r>
-              <a:rPr lang="en-US" dirty="0" smtClean="0"/>
-              <a:t> </a:t>
-            </a:r>
-            <a:r>
-              <a:rPr lang="en-US" dirty="0" err="1" smtClean="0"/>
-              <a:t>ký</a:t>
-            </a:r>
-            <a:r>
-              <a:rPr lang="en-US" dirty="0" smtClean="0"/>
-              <a:t>, </a:t>
-            </a:r>
-            <a:r>
-              <a:rPr lang="en-US" dirty="0" err="1" smtClean="0"/>
-              <a:t>đăng</a:t>
-            </a:r>
-            <a:r>
-              <a:rPr lang="en-US" dirty="0" smtClean="0"/>
-              <a:t> </a:t>
-            </a:r>
-            <a:r>
-              <a:rPr lang="en-US" dirty="0" err="1" smtClean="0"/>
-              <a:t>nhập</a:t>
-            </a:r>
-            <a:r>
-              <a:rPr lang="en-US" dirty="0" smtClean="0"/>
-              <a:t> </a:t>
-            </a:r>
-            <a:r>
-              <a:rPr lang="en-US" dirty="0" err="1" smtClean="0"/>
-              <a:t>ra</a:t>
-            </a:r>
-            <a:r>
-              <a:rPr lang="en-US" dirty="0" smtClean="0"/>
-              <a:t> </a:t>
-            </a:r>
-            <a:r>
-              <a:rPr lang="en-US" dirty="0" err="1" smtClean="0"/>
-              <a:t>bên</a:t>
-            </a:r>
-            <a:r>
-              <a:rPr lang="en-US" dirty="0" smtClean="0"/>
-              <a:t> </a:t>
-            </a:r>
-            <a:r>
-              <a:rPr lang="en-US" dirty="0" err="1" smtClean="0"/>
-              <a:t>ngoài</a:t>
-            </a:r>
-            <a:r>
-              <a:rPr lang="en-US" dirty="0" smtClean="0"/>
-              <a:t> </a:t>
-            </a:r>
-            <a:r>
-              <a:rPr lang="en-US" dirty="0" err="1" smtClean="0"/>
-              <a:t>như</a:t>
-            </a:r>
-            <a:r>
-              <a:rPr lang="en-US" dirty="0" smtClean="0"/>
-              <a:t> </a:t>
-            </a:r>
-            <a:r>
-              <a:rPr lang="en-US" dirty="0" err="1" smtClean="0"/>
-              <a:t>thế</a:t>
-            </a:r>
-            <a:r>
-              <a:rPr lang="en-US" dirty="0" smtClean="0"/>
-              <a:t> </a:t>
-            </a:r>
-            <a:r>
-              <a:rPr lang="en-US" dirty="0" err="1" smtClean="0"/>
-              <a:t>này</a:t>
-            </a:r>
-            <a:r>
-              <a:rPr lang="en-US" dirty="0" smtClean="0"/>
-              <a:t>.</a:t>
-            </a:r>
-            <a:endParaRPr lang="en-US" dirty="0"/>
-          </a:p>
-        </p:txBody>
-      </p:sp>
-      <p:sp>
-        <p:nvSpPr>
-          <p:cNvPr id="11" name="TextBox 10"/>
-          <p:cNvSpPr txBox="1"/>
-          <p:nvPr/>
-        </p:nvSpPr>
-        <p:spPr>
-          <a:xfrm>
-            <a:off x="5613888" y="1171330"/>
-            <a:ext cx="2945423" cy="646331"/>
-          </a:xfrm>
-          <a:prstGeom prst="rect">
-            <a:avLst/>
-          </a:prstGeom>
-          <a:noFill/>
-        </p:spPr>
-        <p:txBody>
-          <a:bodyPr wrap="square" rtlCol="0">
-            <a:spAutoFit/>
-          </a:bodyPr>
-          <a:lstStyle/>
-          <a:p>
-            <a:r>
-              <a:rPr lang="en-US" dirty="0" err="1" smtClean="0"/>
-              <a:t>Tạo</a:t>
-            </a:r>
-            <a:r>
-              <a:rPr lang="en-US" dirty="0" smtClean="0"/>
-              <a:t> </a:t>
-            </a:r>
-            <a:r>
-              <a:rPr lang="en-US" dirty="0" err="1" smtClean="0"/>
-              <a:t>thành</a:t>
-            </a:r>
-            <a:r>
-              <a:rPr lang="en-US" dirty="0"/>
-              <a:t> </a:t>
-            </a:r>
-            <a:r>
-              <a:rPr lang="en-US" dirty="0" smtClean="0"/>
-              <a:t>“ Menu </a:t>
-            </a:r>
-            <a:r>
-              <a:rPr lang="en-US" dirty="0" err="1" smtClean="0"/>
-              <a:t>phụ</a:t>
-            </a:r>
-            <a:r>
-              <a:rPr lang="en-US" dirty="0" smtClean="0"/>
-              <a:t>” </a:t>
-            </a:r>
-            <a:r>
-              <a:rPr lang="en-US" dirty="0" err="1" smtClean="0"/>
-              <a:t>trên</a:t>
-            </a:r>
-            <a:r>
-              <a:rPr lang="en-US" dirty="0" smtClean="0"/>
-              <a:t> Header.</a:t>
-            </a:r>
-            <a:endParaRPr lang="en-US" dirty="0"/>
-          </a:p>
-        </p:txBody>
-      </p:sp>
     </p:spTree>
     <p:extLst>
       <p:ext uri="{BB962C8B-B14F-4D97-AF65-F5344CB8AC3E}">
-        <p14:creationId xmlns:p14="http://schemas.microsoft.com/office/powerpoint/2010/main" val="3292937197"/>
+        <p14:creationId xmlns:p14="http://schemas.microsoft.com/office/powerpoint/2010/main" val="995279876"/>
       </p:ext>
     </p:extLst>
   </p:cSld>
@@ -9338,12 +10316,45 @@
           <a:chExt cx="0" cy="0"/>
         </a:xfrm>
       </p:grpSpPr>
+      <p:sp>
+        <p:nvSpPr>
+          <p:cNvPr id="2" name="Title 1">
+            <a:extLst>
+              <a:ext uri="{FF2B5EF4-FFF2-40B4-BE49-F238E27FC236}">
+                <a16:creationId xmlns:a16="http://schemas.microsoft.com/office/drawing/2014/main" id="{BC9EE470-BA5A-411A-AD54-1627F89E46DF}"/>
+              </a:ext>
+            </a:extLst>
+          </p:cNvPr>
+          <p:cNvSpPr>
+            <a:spLocks noGrp="1"/>
+          </p:cNvSpPr>
+          <p:nvPr>
+            <p:ph type="title"/>
+          </p:nvPr>
+        </p:nvSpPr>
+        <p:spPr>
+          <a:xfrm>
+            <a:off x="0" y="0"/>
+            <a:ext cx="11353800" cy="1429306"/>
+          </a:xfrm>
+        </p:spPr>
+        <p:txBody>
+          <a:bodyPr/>
+          <a:lstStyle/>
+          <a:p>
+            <a:r>
+              <a:rPr lang="en-US"/>
+              <a:t>Tạo ra liên kết tự tạo</a:t>
+            </a:r>
+          </a:p>
+        </p:txBody>
+      </p:sp>
       <p:pic>
         <p:nvPicPr>
           <p:cNvPr id="4" name="Picture 3">
             <a:extLst>
               <a:ext uri="{FF2B5EF4-FFF2-40B4-BE49-F238E27FC236}">
-                <a16:creationId xmlns:a16="http://schemas.microsoft.com/office/drawing/2014/main" id="{AF41800B-B7A6-4A95-95EA-640110A4C9C2}"/>
+                <a16:creationId xmlns:a16="http://schemas.microsoft.com/office/drawing/2014/main" id="{EF7B7D72-24D0-4E82-80DB-3520173DFD4D}"/>
               </a:ext>
             </a:extLst>
           </p:cNvPr>
@@ -9360,50 +10371,20 @@
         </p:blipFill>
         <p:spPr>
           <a:xfrm>
-            <a:off x="1227272" y="2364703"/>
-            <a:ext cx="3781953" cy="3229426"/>
+            <a:off x="838199" y="1825625"/>
+            <a:ext cx="2899299" cy="2258103"/>
           </a:xfrm>
           <a:prstGeom prst="rect">
             <a:avLst/>
           </a:prstGeom>
         </p:spPr>
       </p:pic>
-      <p:pic>
-        <p:nvPicPr>
-          <p:cNvPr id="5" name="Picture 4">
-            <a:extLst>
-              <a:ext uri="{FF2B5EF4-FFF2-40B4-BE49-F238E27FC236}">
-                <a16:creationId xmlns:a16="http://schemas.microsoft.com/office/drawing/2014/main" id="{BA60C51C-EDCC-418E-A96B-E4B72DFB2169}"/>
-              </a:ext>
-            </a:extLst>
-          </p:cNvPr>
-          <p:cNvPicPr>
-            <a:picLocks noChangeAspect="1"/>
-          </p:cNvPicPr>
-          <p:nvPr/>
-        </p:nvPicPr>
-        <p:blipFill>
-          <a:blip r:embed="rId3"/>
-          <a:stretch>
-            <a:fillRect/>
-          </a:stretch>
-        </p:blipFill>
-        <p:spPr>
-          <a:xfrm>
-            <a:off x="9306649" y="4250851"/>
-            <a:ext cx="1543265" cy="609685"/>
-          </a:xfrm>
-          <a:prstGeom prst="rect">
-            <a:avLst/>
-          </a:prstGeom>
-        </p:spPr>
-      </p:pic>
-      <p:sp>
-        <p:nvSpPr>
-          <p:cNvPr id="6" name="Rectangle 5">
-            <a:extLst>
-              <a:ext uri="{FF2B5EF4-FFF2-40B4-BE49-F238E27FC236}">
-                <a16:creationId xmlns:a16="http://schemas.microsoft.com/office/drawing/2014/main" id="{01A970ED-020A-4734-A852-0AC36B1CC884}"/>
+      <p:sp>
+        <p:nvSpPr>
+          <p:cNvPr id="5" name="Rectangle 4">
+            <a:extLst>
+              <a:ext uri="{FF2B5EF4-FFF2-40B4-BE49-F238E27FC236}">
+                <a16:creationId xmlns:a16="http://schemas.microsoft.com/office/drawing/2014/main" id="{1AC09F3A-26FD-4103-B956-9F1B4EEFE72A}"/>
               </a:ext>
             </a:extLst>
           </p:cNvPr>
@@ -9412,8 +10393,8 @@
         </p:nvSpPr>
         <p:spPr>
           <a:xfrm>
-            <a:off x="9460557" y="4492103"/>
-            <a:ext cx="1068311" cy="355105"/>
+            <a:off x="2716567" y="2494626"/>
+            <a:ext cx="949912" cy="435006"/>
           </a:xfrm>
           <a:prstGeom prst="rect">
             <a:avLst/>
@@ -9447,23 +10428,22 @@
       </p:sp>
       <p:cxnSp>
         <p:nvCxnSpPr>
-          <p:cNvPr id="8" name="Straight Arrow Connector 7">
-            <a:extLst>
-              <a:ext uri="{FF2B5EF4-FFF2-40B4-BE49-F238E27FC236}">
-                <a16:creationId xmlns:a16="http://schemas.microsoft.com/office/drawing/2014/main" id="{EB4F6408-66C1-4C13-9CFD-1A2B6DAC26EA}"/>
+          <p:cNvPr id="7" name="Straight Arrow Connector 6">
+            <a:extLst>
+              <a:ext uri="{FF2B5EF4-FFF2-40B4-BE49-F238E27FC236}">
+                <a16:creationId xmlns:a16="http://schemas.microsoft.com/office/drawing/2014/main" id="{3F831F1F-50F7-45EA-837A-2B6EE8C96F98}"/>
               </a:ext>
             </a:extLst>
           </p:cNvPr>
           <p:cNvCxnSpPr>
             <a:cxnSpLocks/>
-            <a:endCxn id="5" idx="1"/>
           </p:cNvCxnSpPr>
           <p:nvPr/>
         </p:nvCxnSpPr>
         <p:spPr>
-          <a:xfrm>
-            <a:off x="4992919" y="4492103"/>
-            <a:ext cx="4313730" cy="63591"/>
+          <a:xfrm flipV="1">
+            <a:off x="3737498" y="2565647"/>
+            <a:ext cx="843380" cy="150920"/>
           </a:xfrm>
           <a:prstGeom prst="straightConnector1">
             <a:avLst/>
@@ -9489,10 +10469,10 @@
       </p:cxnSp>
       <p:sp>
         <p:nvSpPr>
-          <p:cNvPr id="12" name="TextBox 11">
-            <a:extLst>
-              <a:ext uri="{FF2B5EF4-FFF2-40B4-BE49-F238E27FC236}">
-                <a16:creationId xmlns:a16="http://schemas.microsoft.com/office/drawing/2014/main" id="{67AA61D6-82DE-4286-958B-368DFAD68D41}"/>
+          <p:cNvPr id="8" name="TextBox 7">
+            <a:extLst>
+              <a:ext uri="{FF2B5EF4-FFF2-40B4-BE49-F238E27FC236}">
+                <a16:creationId xmlns:a16="http://schemas.microsoft.com/office/drawing/2014/main" id="{91420B23-89F2-455E-B852-8D0D405714D6}"/>
               </a:ext>
             </a:extLst>
           </p:cNvPr>
@@ -9501,8 +10481,8 @@
         </p:nvSpPr>
         <p:spPr>
           <a:xfrm>
-            <a:off x="970625" y="1491448"/>
-            <a:ext cx="10925452" cy="369332"/>
+            <a:off x="4722920" y="2290439"/>
+            <a:ext cx="5592932" cy="369332"/>
           </a:xfrm>
           <a:prstGeom prst="rect">
             <a:avLst/>
@@ -9517,15 +10497,7 @@
           <a:p>
             <a:r>
               <a:rPr lang="en-US"/>
-              <a:t>Áp dụng cho những người chưa đăng nhập có thể xem đ</a:t>
-            </a:r>
-            <a:r>
-              <a:rPr lang="vi-VN"/>
-              <a:t>ư</a:t>
-            </a:r>
-            <a:r>
-              <a:rPr lang="en-US"/>
-              <a:t>ợc link này. </a:t>
+              <a:t>Liên kết đến trang đăng nhập.</a:t>
             </a:r>
           </a:p>
         </p:txBody>
@@ -9533,7 +10505,7 @@
     </p:spTree>
     <p:extLst>
       <p:ext uri="{BB962C8B-B14F-4D97-AF65-F5344CB8AC3E}">
-        <p14:creationId xmlns:p14="http://schemas.microsoft.com/office/powerpoint/2010/main" val="930483059"/>
+        <p14:creationId xmlns:p14="http://schemas.microsoft.com/office/powerpoint/2010/main" val="3046594684"/>
       </p:ext>
     </p:extLst>
   </p:cSld>
@@ -9565,7 +10537,7 @@
           <p:cNvPr id="2" name="Title 1">
             <a:extLst>
               <a:ext uri="{FF2B5EF4-FFF2-40B4-BE49-F238E27FC236}">
-                <a16:creationId xmlns:a16="http://schemas.microsoft.com/office/drawing/2014/main" id="{50A1902E-602B-42F1-A6B7-8306263A1EC0}"/>
+                <a16:creationId xmlns:a16="http://schemas.microsoft.com/office/drawing/2014/main" id="{81B110FF-F359-41F7-894D-FEC1EF12208C}"/>
               </a:ext>
             </a:extLst>
           </p:cNvPr>
@@ -9576,14 +10548,21 @@
             <p:ph type="title"/>
           </p:nvPr>
         </p:nvSpPr>
-        <p:spPr/>
-        <p:txBody>
-          <a:bodyPr/>
-          <a:lstStyle/>
-          <a:p>
-            <a:r>
-              <a:rPr lang="en-US"/>
-              <a:t>CÀI Plugin UserMenu:</a:t>
+        <p:spPr>
+          <a:xfrm>
+            <a:off x="-1" y="0"/>
+            <a:ext cx="12191999" cy="772357"/>
+          </a:xfrm>
+        </p:spPr>
+        <p:txBody>
+          <a:bodyPr>
+            <a:normAutofit fontScale="90000"/>
+          </a:bodyPr>
+          <a:lstStyle/>
+          <a:p>
+            <a:r>
+              <a:rPr lang="en-US"/>
+              <a:t>Tạo trang đăng nhập: Khi bấm nút đăng nhập sẽ dẫn vào.</a:t>
             </a:r>
           </a:p>
         </p:txBody>
@@ -9593,7 +10572,7 @@
           <p:cNvPr id="4" name="Picture 3">
             <a:extLst>
               <a:ext uri="{FF2B5EF4-FFF2-40B4-BE49-F238E27FC236}">
-                <a16:creationId xmlns:a16="http://schemas.microsoft.com/office/drawing/2014/main" id="{84234232-162C-42EC-B366-49934D496B27}"/>
+                <a16:creationId xmlns:a16="http://schemas.microsoft.com/office/drawing/2014/main" id="{BA233DB7-C9C5-4ED3-9440-C1A5A8DEA09A}"/>
               </a:ext>
             </a:extLst>
           </p:cNvPr>
@@ -9610,18 +10589,61 @@
         </p:blipFill>
         <p:spPr>
           <a:xfrm>
-            <a:off x="838200" y="1928603"/>
-            <a:ext cx="6011114" cy="3000794"/>
+            <a:off x="402070" y="955378"/>
+            <a:ext cx="11130022" cy="4467849"/>
           </a:xfrm>
           <a:prstGeom prst="rect">
             <a:avLst/>
           </a:prstGeom>
         </p:spPr>
       </p:pic>
+      <p:sp>
+        <p:nvSpPr>
+          <p:cNvPr id="5" name="TextBox 4">
+            <a:extLst>
+              <a:ext uri="{FF2B5EF4-FFF2-40B4-BE49-F238E27FC236}">
+                <a16:creationId xmlns:a16="http://schemas.microsoft.com/office/drawing/2014/main" id="{59EA2A6B-312F-462E-9A32-C672E2CF637D}"/>
+              </a:ext>
+            </a:extLst>
+          </p:cNvPr>
+          <p:cNvSpPr txBox="1"/>
+          <p:nvPr/>
+        </p:nvSpPr>
+        <p:spPr>
+          <a:xfrm>
+            <a:off x="402070" y="5576084"/>
+            <a:ext cx="11130022" cy="369332"/>
+          </a:xfrm>
+          <a:prstGeom prst="rect">
+            <a:avLst/>
+          </a:prstGeom>
+          <a:noFill/>
+        </p:spPr>
+        <p:txBody>
+          <a:bodyPr wrap="square" rtlCol="0">
+            <a:spAutoFit/>
+          </a:bodyPr>
+          <a:lstStyle/>
+          <a:p>
+            <a:r>
+              <a:rPr lang="en-US"/>
+              <a:t>Tạo trang đăng nhập và sửa lại đ</a:t>
+            </a:r>
+            <a:r>
+              <a:rPr lang="vi-VN"/>
+              <a:t>ư</a:t>
+            </a:r>
+            <a:r>
+              <a:rPr lang="en-US"/>
+              <a:t>ờng dẫn.</a:t>
+            </a:r>
+          </a:p>
+        </p:txBody>
+      </p:sp>
     </p:spTree>
     <p:extLst>
       <p:ext uri="{BB962C8B-B14F-4D97-AF65-F5344CB8AC3E}">
-        <p14:creationId xmlns:p14="http://schemas.microsoft.com/office/powerpoint/2010/main" val="2147805545"/>
+        <p14:creationId xmlns:p14="http://schemas.microsoft.com/office/powerpoint/2010/main" val="1820582555"/>
       </p:ext>
     </p:extLst>
   </p:cSld>
